--- a/xianzheng.pptx
+++ b/xianzheng.pptx
@@ -10,18 +10,21 @@
     <p:sldId id="275" r:id="rId4"/>
     <p:sldId id="272" r:id="rId5"/>
     <p:sldId id="281" r:id="rId6"/>
-    <p:sldId id="276" r:id="rId7"/>
+    <p:sldId id="290" r:id="rId7"/>
     <p:sldId id="282" r:id="rId8"/>
     <p:sldId id="283" r:id="rId9"/>
-    <p:sldId id="277" r:id="rId10"/>
-    <p:sldId id="285" r:id="rId11"/>
-    <p:sldId id="284" r:id="rId12"/>
-    <p:sldId id="286" r:id="rId13"/>
-    <p:sldId id="270" r:id="rId14"/>
-    <p:sldId id="278" r:id="rId15"/>
-    <p:sldId id="279" r:id="rId16"/>
-    <p:sldId id="280" r:id="rId17"/>
-    <p:sldId id="265" r:id="rId18"/>
+    <p:sldId id="287" r:id="rId10"/>
+    <p:sldId id="288" r:id="rId11"/>
+    <p:sldId id="277" r:id="rId12"/>
+    <p:sldId id="289" r:id="rId13"/>
+    <p:sldId id="285" r:id="rId14"/>
+    <p:sldId id="284" r:id="rId15"/>
+    <p:sldId id="286" r:id="rId16"/>
+    <p:sldId id="270" r:id="rId17"/>
+    <p:sldId id="278" r:id="rId18"/>
+    <p:sldId id="279" r:id="rId19"/>
+    <p:sldId id="280" r:id="rId20"/>
+    <p:sldId id="265" r:id="rId21"/>
   </p:sldIdLst>
   <p:sldSz cx="12192000" cy="6858000"/>
   <p:notesSz cx="6858000" cy="9144000"/>
@@ -275,7 +278,7 @@
           <a:p>
             <a:fld id="{ECE90DBC-198A-4951-981A-CD336A3DC4A3}" type="datetimeFigureOut">
               <a:rPr lang="zh-CN" altLang="en-US" smtClean="0"/>
-              <a:t>2024/3/13</a:t>
+              <a:t>2024/3/14</a:t>
             </a:fld>
             <a:endParaRPr lang="zh-CN" altLang="en-US"/>
           </a:p>
@@ -473,7 +476,7 @@
           <a:p>
             <a:fld id="{ECE90DBC-198A-4951-981A-CD336A3DC4A3}" type="datetimeFigureOut">
               <a:rPr lang="zh-CN" altLang="en-US" smtClean="0"/>
-              <a:t>2024/3/13</a:t>
+              <a:t>2024/3/14</a:t>
             </a:fld>
             <a:endParaRPr lang="zh-CN" altLang="en-US"/>
           </a:p>
@@ -681,7 +684,7 @@
           <a:p>
             <a:fld id="{ECE90DBC-198A-4951-981A-CD336A3DC4A3}" type="datetimeFigureOut">
               <a:rPr lang="zh-CN" altLang="en-US" smtClean="0"/>
-              <a:t>2024/3/13</a:t>
+              <a:t>2024/3/14</a:t>
             </a:fld>
             <a:endParaRPr lang="zh-CN" altLang="en-US"/>
           </a:p>
@@ -879,7 +882,7 @@
           <a:p>
             <a:fld id="{ECE90DBC-198A-4951-981A-CD336A3DC4A3}" type="datetimeFigureOut">
               <a:rPr lang="zh-CN" altLang="en-US" smtClean="0"/>
-              <a:t>2024/3/13</a:t>
+              <a:t>2024/3/14</a:t>
             </a:fld>
             <a:endParaRPr lang="zh-CN" altLang="en-US"/>
           </a:p>
@@ -1154,7 +1157,7 @@
           <a:p>
             <a:fld id="{ECE90DBC-198A-4951-981A-CD336A3DC4A3}" type="datetimeFigureOut">
               <a:rPr lang="zh-CN" altLang="en-US" smtClean="0"/>
-              <a:t>2024/3/13</a:t>
+              <a:t>2024/3/14</a:t>
             </a:fld>
             <a:endParaRPr lang="zh-CN" altLang="en-US"/>
           </a:p>
@@ -1419,7 +1422,7 @@
           <a:p>
             <a:fld id="{ECE90DBC-198A-4951-981A-CD336A3DC4A3}" type="datetimeFigureOut">
               <a:rPr lang="zh-CN" altLang="en-US" smtClean="0"/>
-              <a:t>2024/3/13</a:t>
+              <a:t>2024/3/14</a:t>
             </a:fld>
             <a:endParaRPr lang="zh-CN" altLang="en-US"/>
           </a:p>
@@ -1831,7 +1834,7 @@
           <a:p>
             <a:fld id="{ECE90DBC-198A-4951-981A-CD336A3DC4A3}" type="datetimeFigureOut">
               <a:rPr lang="zh-CN" altLang="en-US" smtClean="0"/>
-              <a:t>2024/3/13</a:t>
+              <a:t>2024/3/14</a:t>
             </a:fld>
             <a:endParaRPr lang="zh-CN" altLang="en-US"/>
           </a:p>
@@ -1972,7 +1975,7 @@
           <a:p>
             <a:fld id="{ECE90DBC-198A-4951-981A-CD336A3DC4A3}" type="datetimeFigureOut">
               <a:rPr lang="zh-CN" altLang="en-US" smtClean="0"/>
-              <a:t>2024/3/13</a:t>
+              <a:t>2024/3/14</a:t>
             </a:fld>
             <a:endParaRPr lang="zh-CN" altLang="en-US"/>
           </a:p>
@@ -2085,7 +2088,7 @@
           <a:p>
             <a:fld id="{ECE90DBC-198A-4951-981A-CD336A3DC4A3}" type="datetimeFigureOut">
               <a:rPr lang="zh-CN" altLang="en-US" smtClean="0"/>
-              <a:t>2024/3/13</a:t>
+              <a:t>2024/3/14</a:t>
             </a:fld>
             <a:endParaRPr lang="zh-CN" altLang="en-US"/>
           </a:p>
@@ -2396,7 +2399,7 @@
           <a:p>
             <a:fld id="{ECE90DBC-198A-4951-981A-CD336A3DC4A3}" type="datetimeFigureOut">
               <a:rPr lang="zh-CN" altLang="en-US" smtClean="0"/>
-              <a:t>2024/3/13</a:t>
+              <a:t>2024/3/14</a:t>
             </a:fld>
             <a:endParaRPr lang="zh-CN" altLang="en-US"/>
           </a:p>
@@ -2684,7 +2687,7 @@
           <a:p>
             <a:fld id="{ECE90DBC-198A-4951-981A-CD336A3DC4A3}" type="datetimeFigureOut">
               <a:rPr lang="zh-CN" altLang="en-US" smtClean="0"/>
-              <a:t>2024/3/13</a:t>
+              <a:t>2024/3/14</a:t>
             </a:fld>
             <a:endParaRPr lang="zh-CN" altLang="en-US"/>
           </a:p>
@@ -2925,7 +2928,7 @@
           <a:p>
             <a:fld id="{ECE90DBC-198A-4951-981A-CD336A3DC4A3}" type="datetimeFigureOut">
               <a:rPr lang="zh-CN" altLang="en-US" smtClean="0"/>
-              <a:t>2024/3/13</a:t>
+              <a:t>2024/3/14</a:t>
             </a:fld>
             <a:endParaRPr lang="zh-CN" altLang="en-US"/>
           </a:p>
@@ -3440,7 +3443,7 @@
           <p:cNvPr id="2" name="标题 1">
             <a:extLst>
               <a:ext uri="{FF2B5EF4-FFF2-40B4-BE49-F238E27FC236}">
-                <a16:creationId xmlns:a16="http://schemas.microsoft.com/office/drawing/2014/main" id="{257904F1-D8B2-BD04-F2DA-5682BF7C170F}"/>
+                <a16:creationId xmlns:a16="http://schemas.microsoft.com/office/drawing/2014/main" id="{0B0CB840-D1DE-CFEB-3CD1-8CD01F6FBAC3}"/>
               </a:ext>
             </a:extLst>
           </p:cNvPr>
@@ -3456,10 +3459,7 @@
           <a:bodyPr/>
           <a:lstStyle/>
           <a:p>
-            <a:r>
-              <a:rPr lang="zh-CN" altLang="en-US" dirty="0"/>
-              <a:t>如何摆脱本地部署实现云端部署</a:t>
-            </a:r>
+            <a:endParaRPr lang="zh-CN" altLang="en-US"/>
           </a:p>
         </p:txBody>
       </p:sp>
@@ -3468,7 +3468,7 @@
           <p:cNvPr id="3" name="内容占位符 2">
             <a:extLst>
               <a:ext uri="{FF2B5EF4-FFF2-40B4-BE49-F238E27FC236}">
-                <a16:creationId xmlns:a16="http://schemas.microsoft.com/office/drawing/2014/main" id="{29294E49-B99F-C163-4B63-3005E85D6F82}"/>
+                <a16:creationId xmlns:a16="http://schemas.microsoft.com/office/drawing/2014/main" id="{CE62129C-FC7F-067D-AB23-390BE5ECB67F}"/>
               </a:ext>
             </a:extLst>
           </p:cNvPr>
@@ -3484,36 +3484,14 @@
           <a:bodyPr/>
           <a:lstStyle/>
           <a:p>
-            <a:r>
-              <a:rPr lang="en-US" altLang="zh-CN" dirty="0"/>
-              <a:t>Gitlab </a:t>
-            </a:r>
-            <a:r>
-              <a:rPr lang="en-US" altLang="zh-CN" dirty="0" err="1"/>
-              <a:t>cicd</a:t>
-            </a:r>
-            <a:r>
-              <a:rPr lang="zh-CN" altLang="en-US" dirty="0"/>
-              <a:t>的引入</a:t>
-            </a:r>
-            <a:endParaRPr lang="en-US" altLang="zh-CN" dirty="0"/>
-          </a:p>
-          <a:p>
-            <a:r>
-              <a:rPr lang="en-US" altLang="zh-CN" dirty="0" err="1"/>
-              <a:t>Rgw</a:t>
-            </a:r>
-            <a:r>
-              <a:rPr lang="zh-CN" altLang="en-US" dirty="0"/>
-              <a:t>的引入</a:t>
-            </a:r>
+            <a:endParaRPr lang="zh-CN" altLang="en-US"/>
           </a:p>
         </p:txBody>
       </p:sp>
     </p:spTree>
     <p:extLst>
       <p:ext uri="{BB962C8B-B14F-4D97-AF65-F5344CB8AC3E}">
-        <p14:creationId xmlns:p14="http://schemas.microsoft.com/office/powerpoint/2010/main" val="1001829340"/>
+        <p14:creationId xmlns:p14="http://schemas.microsoft.com/office/powerpoint/2010/main" val="4264130315"/>
       </p:ext>
     </p:extLst>
   </p:cSld>
@@ -3545,7 +3523,7 @@
           <p:cNvPr id="2" name="标题 1">
             <a:extLst>
               <a:ext uri="{FF2B5EF4-FFF2-40B4-BE49-F238E27FC236}">
-                <a16:creationId xmlns:a16="http://schemas.microsoft.com/office/drawing/2014/main" id="{79179B43-A312-3FAB-4137-FAA375A00343}"/>
+                <a16:creationId xmlns:a16="http://schemas.microsoft.com/office/drawing/2014/main" id="{3A64C050-2068-B13F-B91C-A02A74466300}"/>
               </a:ext>
             </a:extLst>
           </p:cNvPr>
@@ -3563,60 +3541,92 @@
           <a:p>
             <a:r>
               <a:rPr lang="zh-CN" altLang="en-US" dirty="0"/>
-              <a:t>需要功能太多导致</a:t>
+              <a:t>如何摆脱手动调试？</a:t>
+            </a:r>
+          </a:p>
+        </p:txBody>
+      </p:sp>
+      <p:sp>
+        <p:nvSpPr>
+          <p:cNvPr id="3" name="内容占位符 2">
+            <a:extLst>
+              <a:ext uri="{FF2B5EF4-FFF2-40B4-BE49-F238E27FC236}">
+                <a16:creationId xmlns:a16="http://schemas.microsoft.com/office/drawing/2014/main" id="{680AC2CC-FAED-D00B-28C6-680ED92C1F90}"/>
+              </a:ext>
+            </a:extLst>
+          </p:cNvPr>
+          <p:cNvSpPr>
+            <a:spLocks noGrp="1"/>
+          </p:cNvSpPr>
+          <p:nvPr>
+            <p:ph idx="1"/>
+          </p:nvPr>
+        </p:nvSpPr>
+        <p:spPr>
+          <a:xfrm>
+            <a:off x="6955746" y="1825625"/>
+            <a:ext cx="4398053" cy="4351338"/>
+          </a:xfrm>
+        </p:spPr>
+        <p:txBody>
+          <a:bodyPr/>
+          <a:lstStyle/>
+          <a:p>
+            <a:r>
+              <a:rPr lang="zh-CN" altLang="en-US" dirty="0"/>
+              <a:t>编写</a:t>
             </a:r>
             <a:r>
               <a:rPr lang="en-US" altLang="zh-CN" dirty="0"/>
-              <a:t>python</a:t>
+              <a:t>Python</a:t>
             </a:r>
             <a:r>
               <a:rPr lang="zh-CN" altLang="en-US" dirty="0"/>
-              <a:t>脚本越写越大难以维护</a:t>
-            </a:r>
-          </a:p>
-        </p:txBody>
-      </p:sp>
-      <p:sp>
-        <p:nvSpPr>
-          <p:cNvPr id="3" name="内容占位符 2">
-            <a:extLst>
-              <a:ext uri="{FF2B5EF4-FFF2-40B4-BE49-F238E27FC236}">
-                <a16:creationId xmlns:a16="http://schemas.microsoft.com/office/drawing/2014/main" id="{5CE2CE4A-4EFE-A51D-ED60-1552A689AE56}"/>
-              </a:ext>
-            </a:extLst>
-          </p:cNvPr>
-          <p:cNvSpPr>
-            <a:spLocks noGrp="1"/>
-          </p:cNvSpPr>
-          <p:nvPr>
-            <p:ph idx="1"/>
-          </p:nvPr>
-        </p:nvSpPr>
-        <p:spPr/>
-        <p:txBody>
-          <a:bodyPr/>
-          <a:lstStyle/>
-          <a:p>
-            <a:r>
-              <a:rPr lang="zh-CN" altLang="en-US" dirty="0"/>
-              <a:t>引入</a:t>
-            </a:r>
-            <a:r>
-              <a:rPr lang="en-US" altLang="zh-CN" dirty="0" err="1"/>
-              <a:t>gitlab</a:t>
-            </a:r>
-            <a:r>
-              <a:rPr lang="en-US" altLang="zh-CN" dirty="0"/>
-              <a:t> submodule</a:t>
-            </a:r>
-            <a:endParaRPr lang="zh-CN" altLang="en-US" dirty="0"/>
-          </a:p>
-        </p:txBody>
-      </p:sp>
+              <a:t>脚本实现简单的自动测试流程</a:t>
+            </a:r>
+          </a:p>
+        </p:txBody>
+      </p:sp>
+      <p:pic>
+        <p:nvPicPr>
+          <p:cNvPr id="5" name="图片 4">
+            <a:extLst>
+              <a:ext uri="{FF2B5EF4-FFF2-40B4-BE49-F238E27FC236}">
+                <a16:creationId xmlns:a16="http://schemas.microsoft.com/office/drawing/2014/main" id="{94F2E879-5061-DE8D-DA35-907670ECBD1F}"/>
+              </a:ext>
+            </a:extLst>
+          </p:cNvPr>
+          <p:cNvPicPr>
+            <a:picLocks noChangeAspect="1"/>
+          </p:cNvPicPr>
+          <p:nvPr/>
+        </p:nvPicPr>
+        <p:blipFill>
+          <a:blip r:embed="rId2">
+            <a:extLst>
+              <a:ext uri="{28A0092B-C50C-407E-A947-70E740481C1C}">
+                <a14:useLocalDpi xmlns:a14="http://schemas.microsoft.com/office/drawing/2010/main" val="0"/>
+              </a:ext>
+            </a:extLst>
+          </a:blip>
+          <a:stretch>
+            <a:fillRect/>
+          </a:stretch>
+        </p:blipFill>
+        <p:spPr>
+          <a:xfrm>
+            <a:off x="838200" y="1750629"/>
+            <a:ext cx="5775952" cy="4426334"/>
+          </a:xfrm>
+          <a:prstGeom prst="rect">
+            <a:avLst/>
+          </a:prstGeom>
+        </p:spPr>
+      </p:pic>
     </p:spTree>
     <p:extLst>
       <p:ext uri="{BB962C8B-B14F-4D97-AF65-F5344CB8AC3E}">
-        <p14:creationId xmlns:p14="http://schemas.microsoft.com/office/powerpoint/2010/main" val="2884886100"/>
+        <p14:creationId xmlns:p14="http://schemas.microsoft.com/office/powerpoint/2010/main" val="3986898642"/>
       </p:ext>
     </p:extLst>
   </p:cSld>
@@ -3648,7 +3658,7 @@
           <p:cNvPr id="2" name="标题 1">
             <a:extLst>
               <a:ext uri="{FF2B5EF4-FFF2-40B4-BE49-F238E27FC236}">
-                <a16:creationId xmlns:a16="http://schemas.microsoft.com/office/drawing/2014/main" id="{B002CF85-79D2-52C6-37BD-7CE08F55EE07}"/>
+                <a16:creationId xmlns:a16="http://schemas.microsoft.com/office/drawing/2014/main" id="{FF92426C-911F-617C-4468-D0D0FD8B81EF}"/>
               </a:ext>
             </a:extLst>
           </p:cNvPr>
@@ -3661,62 +3671,45 @@
         </p:nvSpPr>
         <p:spPr/>
         <p:txBody>
-          <a:bodyPr>
-            <a:normAutofit fontScale="90000"/>
-          </a:bodyPr>
-          <a:lstStyle/>
-          <a:p>
-            <a:r>
-              <a:rPr lang="en-US" altLang="zh-CN" dirty="0"/>
-              <a:t>Gitlab runner</a:t>
-            </a:r>
+          <a:bodyPr/>
+          <a:lstStyle/>
+          <a:p>
             <a:r>
               <a:rPr lang="zh-CN" altLang="en-US" dirty="0"/>
-              <a:t>实现过于臃肿，将</a:t>
-            </a:r>
-            <a:r>
-              <a:rPr lang="en-US" altLang="zh-CN" dirty="0"/>
-              <a:t>runner</a:t>
-            </a:r>
+              <a:t>版本一</a:t>
+            </a:r>
+          </a:p>
+        </p:txBody>
+      </p:sp>
+      <p:sp>
+        <p:nvSpPr>
+          <p:cNvPr id="3" name="内容占位符 2">
+            <a:extLst>
+              <a:ext uri="{FF2B5EF4-FFF2-40B4-BE49-F238E27FC236}">
+                <a16:creationId xmlns:a16="http://schemas.microsoft.com/office/drawing/2014/main" id="{2A963690-0820-4395-80D2-B7DE7E5F120E}"/>
+              </a:ext>
+            </a:extLst>
+          </p:cNvPr>
+          <p:cNvSpPr>
+            <a:spLocks noGrp="1"/>
+          </p:cNvSpPr>
+          <p:nvPr>
+            <p:ph idx="1"/>
+          </p:nvPr>
+        </p:nvSpPr>
+        <p:spPr>
+          <a:xfrm>
+            <a:off x="7233218" y="1825625"/>
+            <a:ext cx="4120581" cy="4351338"/>
+          </a:xfrm>
+        </p:spPr>
+        <p:txBody>
+          <a:bodyPr/>
+          <a:lstStyle/>
+          <a:p>
             <a:r>
               <a:rPr lang="zh-CN" altLang="en-US" dirty="0"/>
-              <a:t>功能分解，只要求实现编译烧录，分析过程交由其他平台实现</a:t>
-            </a:r>
-          </a:p>
-        </p:txBody>
-      </p:sp>
-      <p:sp>
-        <p:nvSpPr>
-          <p:cNvPr id="3" name="内容占位符 2">
-            <a:extLst>
-              <a:ext uri="{FF2B5EF4-FFF2-40B4-BE49-F238E27FC236}">
-                <a16:creationId xmlns:a16="http://schemas.microsoft.com/office/drawing/2014/main" id="{6E0C08F9-BF34-3433-C2F0-667908C38597}"/>
-              </a:ext>
-            </a:extLst>
-          </p:cNvPr>
-          <p:cNvSpPr>
-            <a:spLocks noGrp="1"/>
-          </p:cNvSpPr>
-          <p:nvPr>
-            <p:ph idx="1"/>
-          </p:nvPr>
-        </p:nvSpPr>
-        <p:spPr/>
-        <p:txBody>
-          <a:bodyPr/>
-          <a:lstStyle/>
-          <a:p>
-            <a:r>
-              <a:rPr lang="zh-CN" altLang="en-US" dirty="0"/>
-              <a:t>引入</a:t>
-            </a:r>
-            <a:r>
-              <a:rPr lang="en-US" altLang="zh-CN" dirty="0"/>
-              <a:t>node-red</a:t>
-            </a:r>
-            <a:r>
-              <a:rPr lang="zh-CN" altLang="en-US" dirty="0"/>
-              <a:t>服务</a:t>
+              <a:t>缺陷</a:t>
             </a:r>
           </a:p>
         </p:txBody>
@@ -3724,7 +3717,7 @@
     </p:spTree>
     <p:extLst>
       <p:ext uri="{BB962C8B-B14F-4D97-AF65-F5344CB8AC3E}">
-        <p14:creationId xmlns:p14="http://schemas.microsoft.com/office/powerpoint/2010/main" val="2378840312"/>
+        <p14:creationId xmlns:p14="http://schemas.microsoft.com/office/powerpoint/2010/main" val="1743838768"/>
       </p:ext>
     </p:extLst>
   </p:cSld>
@@ -3756,7 +3749,7 @@
           <p:cNvPr id="2" name="标题 1">
             <a:extLst>
               <a:ext uri="{FF2B5EF4-FFF2-40B4-BE49-F238E27FC236}">
-                <a16:creationId xmlns:a16="http://schemas.microsoft.com/office/drawing/2014/main" id="{86890389-04DF-546A-684C-EF0AD63B946F}"/>
+                <a16:creationId xmlns:a16="http://schemas.microsoft.com/office/drawing/2014/main" id="{257904F1-D8B2-BD04-F2DA-5682BF7C170F}"/>
               </a:ext>
             </a:extLst>
           </p:cNvPr>
@@ -3772,7 +3765,10 @@
           <a:bodyPr/>
           <a:lstStyle/>
           <a:p>
-            <a:endParaRPr lang="zh-CN" altLang="en-US"/>
+            <a:r>
+              <a:rPr lang="zh-CN" altLang="en-US" dirty="0"/>
+              <a:t>如何摆脱本地部署实现云端部署</a:t>
+            </a:r>
           </a:p>
         </p:txBody>
       </p:sp>
@@ -3781,7 +3777,7 @@
           <p:cNvPr id="3" name="内容占位符 2">
             <a:extLst>
               <a:ext uri="{FF2B5EF4-FFF2-40B4-BE49-F238E27FC236}">
-                <a16:creationId xmlns:a16="http://schemas.microsoft.com/office/drawing/2014/main" id="{D062797E-DC0A-C932-E4ED-24DE1F29E489}"/>
+                <a16:creationId xmlns:a16="http://schemas.microsoft.com/office/drawing/2014/main" id="{29294E49-B99F-C163-4B63-3005E85D6F82}"/>
               </a:ext>
             </a:extLst>
           </p:cNvPr>
@@ -3798,68 +3794,35 @@
           <a:lstStyle/>
           <a:p>
             <a:r>
+              <a:rPr lang="en-US" altLang="zh-CN" dirty="0"/>
+              <a:t>Gitlab </a:t>
+            </a:r>
+            <a:r>
+              <a:rPr lang="en-US" altLang="zh-CN" dirty="0" err="1"/>
+              <a:t>cicd</a:t>
+            </a:r>
+            <a:r>
               <a:rPr lang="zh-CN" altLang="en-US" dirty="0"/>
-              <a:t>在嵌入式系统中，经过编译完成的二进制文件通常称为</a:t>
-            </a:r>
-            <a:r>
-              <a:rPr lang="zh-CN" altLang="en-US" dirty="0">
-                <a:solidFill>
-                  <a:srgbClr val="FF0000"/>
-                </a:solidFill>
-              </a:rPr>
-              <a:t>固件（</a:t>
-            </a:r>
-            <a:r>
-              <a:rPr lang="en-US" altLang="zh-CN" dirty="0">
-                <a:solidFill>
-                  <a:srgbClr val="FF0000"/>
-                </a:solidFill>
-              </a:rPr>
-              <a:t>firmware</a:t>
-            </a:r>
-            <a:r>
-              <a:rPr lang="zh-CN" altLang="en-US" dirty="0">
-                <a:solidFill>
-                  <a:srgbClr val="FF0000"/>
-                </a:solidFill>
-              </a:rPr>
-              <a:t>）或可执行文件</a:t>
+              <a:t>的引入</a:t>
+            </a:r>
+            <a:endParaRPr lang="en-US" altLang="zh-CN" dirty="0"/>
+          </a:p>
+          <a:p>
+            <a:r>
+              <a:rPr lang="en-US" altLang="zh-CN" dirty="0" err="1"/>
+              <a:t>Rgw</a:t>
             </a:r>
             <a:r>
               <a:rPr lang="zh-CN" altLang="en-US" dirty="0"/>
-              <a:t>。这些文件包含了对硬件设备进行控制和操作所需的机器指令、数据和配置信息。在一些情况下，这些二进制文件也可以被称为</a:t>
-            </a:r>
-            <a:r>
-              <a:rPr lang="zh-CN" altLang="en-US" dirty="0">
-                <a:solidFill>
-                  <a:srgbClr val="FF0000"/>
-                </a:solidFill>
-              </a:rPr>
-              <a:t>可执行二进制文件</a:t>
-            </a:r>
-            <a:r>
-              <a:rPr lang="zh-CN" altLang="en-US" dirty="0"/>
-              <a:t>（</a:t>
-            </a:r>
-            <a:r>
-              <a:rPr lang="en-US" altLang="zh-CN" dirty="0"/>
-              <a:t>executable binary</a:t>
-            </a:r>
-            <a:r>
-              <a:rPr lang="zh-CN" altLang="en-US" dirty="0"/>
-              <a:t>）。</a:t>
-            </a:r>
-            <a:endParaRPr lang="en-US" altLang="zh-CN" dirty="0"/>
-          </a:p>
-          <a:p>
-            <a:endParaRPr lang="zh-CN" altLang="en-US" dirty="0"/>
+              <a:t>的引入</a:t>
+            </a:r>
           </a:p>
         </p:txBody>
       </p:sp>
     </p:spTree>
     <p:extLst>
       <p:ext uri="{BB962C8B-B14F-4D97-AF65-F5344CB8AC3E}">
-        <p14:creationId xmlns:p14="http://schemas.microsoft.com/office/powerpoint/2010/main" val="800215690"/>
+        <p14:creationId xmlns:p14="http://schemas.microsoft.com/office/powerpoint/2010/main" val="1001829340"/>
       </p:ext>
     </p:extLst>
   </p:cSld>
@@ -3891,7 +3854,7 @@
           <p:cNvPr id="2" name="标题 1">
             <a:extLst>
               <a:ext uri="{FF2B5EF4-FFF2-40B4-BE49-F238E27FC236}">
-                <a16:creationId xmlns:a16="http://schemas.microsoft.com/office/drawing/2014/main" id="{4F597E4A-54A8-0B41-3FB1-A2B8E3A57E0F}"/>
+                <a16:creationId xmlns:a16="http://schemas.microsoft.com/office/drawing/2014/main" id="{79179B43-A312-3FAB-4137-FAA375A00343}"/>
               </a:ext>
             </a:extLst>
           </p:cNvPr>
@@ -3907,7 +3870,18 @@
           <a:bodyPr/>
           <a:lstStyle/>
           <a:p>
-            <a:endParaRPr lang="zh-CN" altLang="en-US"/>
+            <a:r>
+              <a:rPr lang="zh-CN" altLang="en-US" dirty="0"/>
+              <a:t>需要功能太多导致</a:t>
+            </a:r>
+            <a:r>
+              <a:rPr lang="en-US" altLang="zh-CN" dirty="0"/>
+              <a:t>python</a:t>
+            </a:r>
+            <a:r>
+              <a:rPr lang="zh-CN" altLang="en-US" dirty="0"/>
+              <a:t>脚本越写越大难以维护</a:t>
+            </a:r>
           </a:p>
         </p:txBody>
       </p:sp>
@@ -3916,7 +3890,7 @@
           <p:cNvPr id="3" name="内容占位符 2">
             <a:extLst>
               <a:ext uri="{FF2B5EF4-FFF2-40B4-BE49-F238E27FC236}">
-                <a16:creationId xmlns:a16="http://schemas.microsoft.com/office/drawing/2014/main" id="{61DE26D1-D4FB-1279-4844-DE49AC5B708B}"/>
+                <a16:creationId xmlns:a16="http://schemas.microsoft.com/office/drawing/2014/main" id="{5CE2CE4A-4EFE-A51D-ED60-1552A689AE56}"/>
               </a:ext>
             </a:extLst>
           </p:cNvPr>
@@ -3932,14 +3906,26 @@
           <a:bodyPr/>
           <a:lstStyle/>
           <a:p>
-            <a:endParaRPr lang="zh-CN" altLang="en-US"/>
+            <a:r>
+              <a:rPr lang="zh-CN" altLang="en-US" dirty="0"/>
+              <a:t>引入</a:t>
+            </a:r>
+            <a:r>
+              <a:rPr lang="en-US" altLang="zh-CN" dirty="0" err="1"/>
+              <a:t>gitlab</a:t>
+            </a:r>
+            <a:r>
+              <a:rPr lang="en-US" altLang="zh-CN" dirty="0"/>
+              <a:t> submodule</a:t>
+            </a:r>
+            <a:endParaRPr lang="zh-CN" altLang="en-US" dirty="0"/>
           </a:p>
         </p:txBody>
       </p:sp>
     </p:spTree>
     <p:extLst>
       <p:ext uri="{BB962C8B-B14F-4D97-AF65-F5344CB8AC3E}">
-        <p14:creationId xmlns:p14="http://schemas.microsoft.com/office/powerpoint/2010/main" val="1521255480"/>
+        <p14:creationId xmlns:p14="http://schemas.microsoft.com/office/powerpoint/2010/main" val="2884886100"/>
       </p:ext>
     </p:extLst>
   </p:cSld>
@@ -3971,7 +3957,7 @@
           <p:cNvPr id="2" name="标题 1">
             <a:extLst>
               <a:ext uri="{FF2B5EF4-FFF2-40B4-BE49-F238E27FC236}">
-                <a16:creationId xmlns:a16="http://schemas.microsoft.com/office/drawing/2014/main" id="{52ED8034-5BD9-3538-A63A-FCD25845EB31}"/>
+                <a16:creationId xmlns:a16="http://schemas.microsoft.com/office/drawing/2014/main" id="{B002CF85-79D2-52C6-37BD-7CE08F55EE07}"/>
               </a:ext>
             </a:extLst>
           </p:cNvPr>
@@ -3984,12 +3970,26 @@
         </p:nvSpPr>
         <p:spPr/>
         <p:txBody>
-          <a:bodyPr/>
-          <a:lstStyle/>
-          <a:p>
+          <a:bodyPr>
+            <a:normAutofit fontScale="90000"/>
+          </a:bodyPr>
+          <a:lstStyle/>
+          <a:p>
+            <a:r>
+              <a:rPr lang="en-US" altLang="zh-CN" dirty="0"/>
+              <a:t>Gitlab runner</a:t>
+            </a:r>
             <a:r>
               <a:rPr lang="zh-CN" altLang="en-US" dirty="0"/>
-              <a:t>目前依旧存在的问题及后续改进方向</a:t>
+              <a:t>实现过于臃肿，将</a:t>
+            </a:r>
+            <a:r>
+              <a:rPr lang="en-US" altLang="zh-CN" dirty="0"/>
+              <a:t>runner</a:t>
+            </a:r>
+            <a:r>
+              <a:rPr lang="zh-CN" altLang="en-US" dirty="0"/>
+              <a:t>功能分解，只要求实现编译烧录，分析过程交由其他平台实现</a:t>
             </a:r>
           </a:p>
         </p:txBody>
@@ -3999,7 +3999,7 @@
           <p:cNvPr id="3" name="内容占位符 2">
             <a:extLst>
               <a:ext uri="{FF2B5EF4-FFF2-40B4-BE49-F238E27FC236}">
-                <a16:creationId xmlns:a16="http://schemas.microsoft.com/office/drawing/2014/main" id="{6FF093B8-B23B-C52E-2EBA-62EBBEA30EC7}"/>
+                <a16:creationId xmlns:a16="http://schemas.microsoft.com/office/drawing/2014/main" id="{6E0C08F9-BF34-3433-C2F0-667908C38597}"/>
               </a:ext>
             </a:extLst>
           </p:cNvPr>
@@ -4017,14 +4017,15 @@
           <a:p>
             <a:r>
               <a:rPr lang="zh-CN" altLang="en-US" dirty="0"/>
-              <a:t>自动化触发条件不合理</a:t>
-            </a:r>
-            <a:endParaRPr lang="en-US" altLang="zh-CN" dirty="0"/>
-          </a:p>
-          <a:p>
+              <a:t>引入</a:t>
+            </a:r>
+            <a:r>
+              <a:rPr lang="en-US" altLang="zh-CN" dirty="0"/>
+              <a:t>node-red</a:t>
+            </a:r>
             <a:r>
               <a:rPr lang="zh-CN" altLang="en-US" dirty="0"/>
-              <a:t>使用界面对用户不友好</a:t>
+              <a:t>服务</a:t>
             </a:r>
           </a:p>
         </p:txBody>
@@ -4032,7 +4033,7 @@
     </p:spTree>
     <p:extLst>
       <p:ext uri="{BB962C8B-B14F-4D97-AF65-F5344CB8AC3E}">
-        <p14:creationId xmlns:p14="http://schemas.microsoft.com/office/powerpoint/2010/main" val="3922311035"/>
+        <p14:creationId xmlns:p14="http://schemas.microsoft.com/office/powerpoint/2010/main" val="2378840312"/>
       </p:ext>
     </p:extLst>
   </p:cSld>
@@ -4064,7 +4065,7 @@
           <p:cNvPr id="2" name="标题 1">
             <a:extLst>
               <a:ext uri="{FF2B5EF4-FFF2-40B4-BE49-F238E27FC236}">
-                <a16:creationId xmlns:a16="http://schemas.microsoft.com/office/drawing/2014/main" id="{E7405600-69A9-B79C-6BD4-A7DE184D730C}"/>
+                <a16:creationId xmlns:a16="http://schemas.microsoft.com/office/drawing/2014/main" id="{86890389-04DF-546A-684C-EF0AD63B946F}"/>
               </a:ext>
             </a:extLst>
           </p:cNvPr>
@@ -4089,7 +4090,7 @@
           <p:cNvPr id="3" name="内容占位符 2">
             <a:extLst>
               <a:ext uri="{FF2B5EF4-FFF2-40B4-BE49-F238E27FC236}">
-                <a16:creationId xmlns:a16="http://schemas.microsoft.com/office/drawing/2014/main" id="{194A7232-C118-CC5D-7EFA-DDF611E1A298}"/>
+                <a16:creationId xmlns:a16="http://schemas.microsoft.com/office/drawing/2014/main" id="{D062797E-DC0A-C932-E4ED-24DE1F29E489}"/>
               </a:ext>
             </a:extLst>
           </p:cNvPr>
@@ -4105,14 +4106,69 @@
           <a:bodyPr/>
           <a:lstStyle/>
           <a:p>
-            <a:endParaRPr lang="zh-CN" altLang="en-US"/>
+            <a:r>
+              <a:rPr lang="zh-CN" altLang="en-US" dirty="0"/>
+              <a:t>在嵌入式系统中，经过编译完成的二进制文件通常称为</a:t>
+            </a:r>
+            <a:r>
+              <a:rPr lang="zh-CN" altLang="en-US" dirty="0">
+                <a:solidFill>
+                  <a:srgbClr val="FF0000"/>
+                </a:solidFill>
+              </a:rPr>
+              <a:t>固件（</a:t>
+            </a:r>
+            <a:r>
+              <a:rPr lang="en-US" altLang="zh-CN" dirty="0">
+                <a:solidFill>
+                  <a:srgbClr val="FF0000"/>
+                </a:solidFill>
+              </a:rPr>
+              <a:t>firmware</a:t>
+            </a:r>
+            <a:r>
+              <a:rPr lang="zh-CN" altLang="en-US" dirty="0">
+                <a:solidFill>
+                  <a:srgbClr val="FF0000"/>
+                </a:solidFill>
+              </a:rPr>
+              <a:t>）或可执行文件</a:t>
+            </a:r>
+            <a:r>
+              <a:rPr lang="zh-CN" altLang="en-US" dirty="0"/>
+              <a:t>。这些文件包含了对硬件设备进行控制和操作所需的机器指令、数据和配置信息。在一些情况下，这些二进制文件也可以被称为</a:t>
+            </a:r>
+            <a:r>
+              <a:rPr lang="zh-CN" altLang="en-US" dirty="0">
+                <a:solidFill>
+                  <a:srgbClr val="FF0000"/>
+                </a:solidFill>
+              </a:rPr>
+              <a:t>可执行二进制文件</a:t>
+            </a:r>
+            <a:r>
+              <a:rPr lang="zh-CN" altLang="en-US" dirty="0"/>
+              <a:t>（</a:t>
+            </a:r>
+            <a:r>
+              <a:rPr lang="en-US" altLang="zh-CN" dirty="0"/>
+              <a:t>executable binary</a:t>
+            </a:r>
+            <a:r>
+              <a:rPr lang="zh-CN" altLang="en-US" dirty="0"/>
+              <a:t>）。</a:t>
+            </a:r>
+            <a:endParaRPr lang="en-US" altLang="zh-CN" dirty="0"/>
+          </a:p>
+          <a:p>
+            <a:endParaRPr lang="zh-CN" altLang="en-US" dirty="0"/>
           </a:p>
         </p:txBody>
       </p:sp>
     </p:spTree>
     <p:extLst>
       <p:ext uri="{BB962C8B-B14F-4D97-AF65-F5344CB8AC3E}">
-        <p14:creationId xmlns:p14="http://schemas.microsoft.com/office/powerpoint/2010/main" val="2056675558"/>
+        <p14:creationId xmlns:p14="http://schemas.microsoft.com/office/powerpoint/2010/main" val="800215690"/>
       </p:ext>
     </p:extLst>
   </p:cSld>
@@ -4127,13 +4183,7 @@
   <p:cSld>
     <p:spTree>
       <p:nvGrpSpPr>
-        <p:cNvPr id="1" name="">
-          <a:extLst>
-            <a:ext uri="{FF2B5EF4-FFF2-40B4-BE49-F238E27FC236}">
-              <a16:creationId xmlns:a16="http://schemas.microsoft.com/office/drawing/2014/main" id="{F4A22491-3CE7-2C2C-BE62-D4FC5AE1358E}"/>
-            </a:ext>
-          </a:extLst>
-        </p:cNvPr>
+        <p:cNvPr id="1" name=""/>
         <p:cNvGrpSpPr/>
         <p:nvPr/>
       </p:nvGrpSpPr>
@@ -4150,63 +4200,228 @@
           <p:cNvPr id="2" name="标题 1">
             <a:extLst>
               <a:ext uri="{FF2B5EF4-FFF2-40B4-BE49-F238E27FC236}">
-                <a16:creationId xmlns:a16="http://schemas.microsoft.com/office/drawing/2014/main" id="{17BBCBF3-6BD4-1670-3695-0D10379EF330}"/>
-              </a:ext>
-            </a:extLst>
-          </p:cNvPr>
-          <p:cNvSpPr>
-            <a:spLocks noGrp="1"/>
-          </p:cNvSpPr>
-          <p:nvPr>
-            <p:ph type="ctrTitle"/>
-          </p:nvPr>
-        </p:nvSpPr>
-        <p:spPr/>
-        <p:txBody>
-          <a:bodyPr/>
-          <a:lstStyle/>
-          <a:p>
-            <a:r>
-              <a:rPr lang="en-US" altLang="zh-CN" dirty="0"/>
-              <a:t>The End</a:t>
-            </a:r>
-            <a:endParaRPr lang="zh-CN" altLang="en-US" dirty="0"/>
-          </a:p>
-        </p:txBody>
-      </p:sp>
-      <p:sp>
-        <p:nvSpPr>
-          <p:cNvPr id="3" name="副标题 2">
-            <a:extLst>
-              <a:ext uri="{FF2B5EF4-FFF2-40B4-BE49-F238E27FC236}">
-                <a16:creationId xmlns:a16="http://schemas.microsoft.com/office/drawing/2014/main" id="{DEFE5487-EEB2-C002-275A-BF8C751EA670}"/>
-              </a:ext>
-            </a:extLst>
-          </p:cNvPr>
-          <p:cNvSpPr>
-            <a:spLocks noGrp="1"/>
-          </p:cNvSpPr>
-          <p:nvPr>
-            <p:ph type="subTitle" idx="1"/>
-          </p:nvPr>
-        </p:nvSpPr>
-        <p:spPr/>
-        <p:txBody>
-          <a:bodyPr/>
-          <a:lstStyle/>
-          <a:p>
-            <a:r>
-              <a:rPr lang="en-US" altLang="zh-CN" dirty="0"/>
-              <a:t>Thanks</a:t>
-            </a:r>
-            <a:endParaRPr lang="zh-CN" altLang="en-US" dirty="0"/>
+                <a16:creationId xmlns:a16="http://schemas.microsoft.com/office/drawing/2014/main" id="{4F597E4A-54A8-0B41-3FB1-A2B8E3A57E0F}"/>
+              </a:ext>
+            </a:extLst>
+          </p:cNvPr>
+          <p:cNvSpPr>
+            <a:spLocks noGrp="1"/>
+          </p:cNvSpPr>
+          <p:nvPr>
+            <p:ph type="title"/>
+          </p:nvPr>
+        </p:nvSpPr>
+        <p:spPr/>
+        <p:txBody>
+          <a:bodyPr/>
+          <a:lstStyle/>
+          <a:p>
+            <a:endParaRPr lang="zh-CN" altLang="en-US"/>
+          </a:p>
+        </p:txBody>
+      </p:sp>
+      <p:sp>
+        <p:nvSpPr>
+          <p:cNvPr id="3" name="内容占位符 2">
+            <a:extLst>
+              <a:ext uri="{FF2B5EF4-FFF2-40B4-BE49-F238E27FC236}">
+                <a16:creationId xmlns:a16="http://schemas.microsoft.com/office/drawing/2014/main" id="{61DE26D1-D4FB-1279-4844-DE49AC5B708B}"/>
+              </a:ext>
+            </a:extLst>
+          </p:cNvPr>
+          <p:cNvSpPr>
+            <a:spLocks noGrp="1"/>
+          </p:cNvSpPr>
+          <p:nvPr>
+            <p:ph idx="1"/>
+          </p:nvPr>
+        </p:nvSpPr>
+        <p:spPr/>
+        <p:txBody>
+          <a:bodyPr/>
+          <a:lstStyle/>
+          <a:p>
+            <a:endParaRPr lang="zh-CN" altLang="en-US"/>
           </a:p>
         </p:txBody>
       </p:sp>
     </p:spTree>
     <p:extLst>
       <p:ext uri="{BB962C8B-B14F-4D97-AF65-F5344CB8AC3E}">
-        <p14:creationId xmlns:p14="http://schemas.microsoft.com/office/powerpoint/2010/main" val="1366864060"/>
+        <p14:creationId xmlns:p14="http://schemas.microsoft.com/office/powerpoint/2010/main" val="1521255480"/>
+      </p:ext>
+    </p:extLst>
+  </p:cSld>
+  <p:clrMapOvr>
+    <a:masterClrMapping/>
+  </p:clrMapOvr>
+</p:sld>
+</file>
+
+<file path=ppt/slides/slide18.xml><?xml version="1.0" encoding="utf-8"?>
+<p:sld xmlns:a="http://schemas.openxmlformats.org/drawingml/2006/main" xmlns:r="http://schemas.openxmlformats.org/officeDocument/2006/relationships" xmlns:p="http://schemas.openxmlformats.org/presentationml/2006/main">
+  <p:cSld>
+    <p:spTree>
+      <p:nvGrpSpPr>
+        <p:cNvPr id="1" name=""/>
+        <p:cNvGrpSpPr/>
+        <p:nvPr/>
+      </p:nvGrpSpPr>
+      <p:grpSpPr>
+        <a:xfrm>
+          <a:off x="0" y="0"/>
+          <a:ext cx="0" cy="0"/>
+          <a:chOff x="0" y="0"/>
+          <a:chExt cx="0" cy="0"/>
+        </a:xfrm>
+      </p:grpSpPr>
+      <p:sp>
+        <p:nvSpPr>
+          <p:cNvPr id="2" name="标题 1">
+            <a:extLst>
+              <a:ext uri="{FF2B5EF4-FFF2-40B4-BE49-F238E27FC236}">
+                <a16:creationId xmlns:a16="http://schemas.microsoft.com/office/drawing/2014/main" id="{52ED8034-5BD9-3538-A63A-FCD25845EB31}"/>
+              </a:ext>
+            </a:extLst>
+          </p:cNvPr>
+          <p:cNvSpPr>
+            <a:spLocks noGrp="1"/>
+          </p:cNvSpPr>
+          <p:nvPr>
+            <p:ph type="title"/>
+          </p:nvPr>
+        </p:nvSpPr>
+        <p:spPr/>
+        <p:txBody>
+          <a:bodyPr/>
+          <a:lstStyle/>
+          <a:p>
+            <a:r>
+              <a:rPr lang="zh-CN" altLang="en-US" dirty="0"/>
+              <a:t>目前依旧存在的问题及后续改进方向</a:t>
+            </a:r>
+          </a:p>
+        </p:txBody>
+      </p:sp>
+      <p:sp>
+        <p:nvSpPr>
+          <p:cNvPr id="3" name="内容占位符 2">
+            <a:extLst>
+              <a:ext uri="{FF2B5EF4-FFF2-40B4-BE49-F238E27FC236}">
+                <a16:creationId xmlns:a16="http://schemas.microsoft.com/office/drawing/2014/main" id="{6FF093B8-B23B-C52E-2EBA-62EBBEA30EC7}"/>
+              </a:ext>
+            </a:extLst>
+          </p:cNvPr>
+          <p:cNvSpPr>
+            <a:spLocks noGrp="1"/>
+          </p:cNvSpPr>
+          <p:nvPr>
+            <p:ph idx="1"/>
+          </p:nvPr>
+        </p:nvSpPr>
+        <p:spPr/>
+        <p:txBody>
+          <a:bodyPr/>
+          <a:lstStyle/>
+          <a:p>
+            <a:r>
+              <a:rPr lang="zh-CN" altLang="en-US" dirty="0"/>
+              <a:t>自动化触发条件不合理</a:t>
+            </a:r>
+            <a:endParaRPr lang="en-US" altLang="zh-CN" dirty="0"/>
+          </a:p>
+          <a:p>
+            <a:r>
+              <a:rPr lang="zh-CN" altLang="en-US" dirty="0"/>
+              <a:t>使用界面对用户不友好</a:t>
+            </a:r>
+          </a:p>
+        </p:txBody>
+      </p:sp>
+    </p:spTree>
+    <p:extLst>
+      <p:ext uri="{BB962C8B-B14F-4D97-AF65-F5344CB8AC3E}">
+        <p14:creationId xmlns:p14="http://schemas.microsoft.com/office/powerpoint/2010/main" val="3922311035"/>
+      </p:ext>
+    </p:extLst>
+  </p:cSld>
+  <p:clrMapOvr>
+    <a:masterClrMapping/>
+  </p:clrMapOvr>
+</p:sld>
+</file>
+
+<file path=ppt/slides/slide19.xml><?xml version="1.0" encoding="utf-8"?>
+<p:sld xmlns:a="http://schemas.openxmlformats.org/drawingml/2006/main" xmlns:r="http://schemas.openxmlformats.org/officeDocument/2006/relationships" xmlns:p="http://schemas.openxmlformats.org/presentationml/2006/main">
+  <p:cSld>
+    <p:spTree>
+      <p:nvGrpSpPr>
+        <p:cNvPr id="1" name=""/>
+        <p:cNvGrpSpPr/>
+        <p:nvPr/>
+      </p:nvGrpSpPr>
+      <p:grpSpPr>
+        <a:xfrm>
+          <a:off x="0" y="0"/>
+          <a:ext cx="0" cy="0"/>
+          <a:chOff x="0" y="0"/>
+          <a:chExt cx="0" cy="0"/>
+        </a:xfrm>
+      </p:grpSpPr>
+      <p:sp>
+        <p:nvSpPr>
+          <p:cNvPr id="2" name="标题 1">
+            <a:extLst>
+              <a:ext uri="{FF2B5EF4-FFF2-40B4-BE49-F238E27FC236}">
+                <a16:creationId xmlns:a16="http://schemas.microsoft.com/office/drawing/2014/main" id="{E7405600-69A9-B79C-6BD4-A7DE184D730C}"/>
+              </a:ext>
+            </a:extLst>
+          </p:cNvPr>
+          <p:cNvSpPr>
+            <a:spLocks noGrp="1"/>
+          </p:cNvSpPr>
+          <p:nvPr>
+            <p:ph type="title"/>
+          </p:nvPr>
+        </p:nvSpPr>
+        <p:spPr/>
+        <p:txBody>
+          <a:bodyPr/>
+          <a:lstStyle/>
+          <a:p>
+            <a:endParaRPr lang="zh-CN" altLang="en-US"/>
+          </a:p>
+        </p:txBody>
+      </p:sp>
+      <p:sp>
+        <p:nvSpPr>
+          <p:cNvPr id="3" name="内容占位符 2">
+            <a:extLst>
+              <a:ext uri="{FF2B5EF4-FFF2-40B4-BE49-F238E27FC236}">
+                <a16:creationId xmlns:a16="http://schemas.microsoft.com/office/drawing/2014/main" id="{194A7232-C118-CC5D-7EFA-DDF611E1A298}"/>
+              </a:ext>
+            </a:extLst>
+          </p:cNvPr>
+          <p:cNvSpPr>
+            <a:spLocks noGrp="1"/>
+          </p:cNvSpPr>
+          <p:nvPr>
+            <p:ph idx="1"/>
+          </p:nvPr>
+        </p:nvSpPr>
+        <p:spPr/>
+        <p:txBody>
+          <a:bodyPr/>
+          <a:lstStyle/>
+          <a:p>
+            <a:endParaRPr lang="zh-CN" altLang="en-US"/>
+          </a:p>
+        </p:txBody>
+      </p:sp>
+    </p:spTree>
+    <p:extLst>
+      <p:ext uri="{BB962C8B-B14F-4D97-AF65-F5344CB8AC3E}">
+        <p14:creationId xmlns:p14="http://schemas.microsoft.com/office/powerpoint/2010/main" val="2056675558"/>
       </p:ext>
     </p:extLst>
   </p:cSld>
@@ -4382,6 +4597,100 @@
     <p:extLst>
       <p:ext uri="{BB962C8B-B14F-4D97-AF65-F5344CB8AC3E}">
         <p14:creationId xmlns:p14="http://schemas.microsoft.com/office/powerpoint/2010/main" val="1519878651"/>
+      </p:ext>
+    </p:extLst>
+  </p:cSld>
+  <p:clrMapOvr>
+    <a:masterClrMapping/>
+  </p:clrMapOvr>
+</p:sld>
+</file>
+
+<file path=ppt/slides/slide20.xml><?xml version="1.0" encoding="utf-8"?>
+<p:sld xmlns:a="http://schemas.openxmlformats.org/drawingml/2006/main" xmlns:r="http://schemas.openxmlformats.org/officeDocument/2006/relationships" xmlns:p="http://schemas.openxmlformats.org/presentationml/2006/main">
+  <p:cSld>
+    <p:spTree>
+      <p:nvGrpSpPr>
+        <p:cNvPr id="1" name="">
+          <a:extLst>
+            <a:ext uri="{FF2B5EF4-FFF2-40B4-BE49-F238E27FC236}">
+              <a16:creationId xmlns:a16="http://schemas.microsoft.com/office/drawing/2014/main" id="{F4A22491-3CE7-2C2C-BE62-D4FC5AE1358E}"/>
+            </a:ext>
+          </a:extLst>
+        </p:cNvPr>
+        <p:cNvGrpSpPr/>
+        <p:nvPr/>
+      </p:nvGrpSpPr>
+      <p:grpSpPr>
+        <a:xfrm>
+          <a:off x="0" y="0"/>
+          <a:ext cx="0" cy="0"/>
+          <a:chOff x="0" y="0"/>
+          <a:chExt cx="0" cy="0"/>
+        </a:xfrm>
+      </p:grpSpPr>
+      <p:sp>
+        <p:nvSpPr>
+          <p:cNvPr id="2" name="标题 1">
+            <a:extLst>
+              <a:ext uri="{FF2B5EF4-FFF2-40B4-BE49-F238E27FC236}">
+                <a16:creationId xmlns:a16="http://schemas.microsoft.com/office/drawing/2014/main" id="{17BBCBF3-6BD4-1670-3695-0D10379EF330}"/>
+              </a:ext>
+            </a:extLst>
+          </p:cNvPr>
+          <p:cNvSpPr>
+            <a:spLocks noGrp="1"/>
+          </p:cNvSpPr>
+          <p:nvPr>
+            <p:ph type="ctrTitle"/>
+          </p:nvPr>
+        </p:nvSpPr>
+        <p:spPr/>
+        <p:txBody>
+          <a:bodyPr/>
+          <a:lstStyle/>
+          <a:p>
+            <a:r>
+              <a:rPr lang="en-US" altLang="zh-CN" dirty="0"/>
+              <a:t>The End</a:t>
+            </a:r>
+            <a:endParaRPr lang="zh-CN" altLang="en-US" dirty="0"/>
+          </a:p>
+        </p:txBody>
+      </p:sp>
+      <p:sp>
+        <p:nvSpPr>
+          <p:cNvPr id="3" name="副标题 2">
+            <a:extLst>
+              <a:ext uri="{FF2B5EF4-FFF2-40B4-BE49-F238E27FC236}">
+                <a16:creationId xmlns:a16="http://schemas.microsoft.com/office/drawing/2014/main" id="{DEFE5487-EEB2-C002-275A-BF8C751EA670}"/>
+              </a:ext>
+            </a:extLst>
+          </p:cNvPr>
+          <p:cNvSpPr>
+            <a:spLocks noGrp="1"/>
+          </p:cNvSpPr>
+          <p:nvPr>
+            <p:ph type="subTitle" idx="1"/>
+          </p:nvPr>
+        </p:nvSpPr>
+        <p:spPr/>
+        <p:txBody>
+          <a:bodyPr/>
+          <a:lstStyle/>
+          <a:p>
+            <a:r>
+              <a:rPr lang="en-US" altLang="zh-CN" dirty="0"/>
+              <a:t>Thanks</a:t>
+            </a:r>
+            <a:endParaRPr lang="zh-CN" altLang="en-US" dirty="0"/>
+          </a:p>
+        </p:txBody>
+      </p:sp>
+    </p:spTree>
+    <p:extLst>
+      <p:ext uri="{BB962C8B-B14F-4D97-AF65-F5344CB8AC3E}">
+        <p14:creationId xmlns:p14="http://schemas.microsoft.com/office/powerpoint/2010/main" val="1366864060"/>
       </p:ext>
     </p:extLst>
   </p:cSld>
@@ -4662,7 +4971,7 @@
           <p:cNvPr id="2" name="标题 1">
             <a:extLst>
               <a:ext uri="{FF2B5EF4-FFF2-40B4-BE49-F238E27FC236}">
-                <a16:creationId xmlns:a16="http://schemas.microsoft.com/office/drawing/2014/main" id="{7CD3C33B-04C8-4FB2-8399-91A0C52E43E9}"/>
+                <a16:creationId xmlns:a16="http://schemas.microsoft.com/office/drawing/2014/main" id="{CAB10CD6-FE05-0AEE-BEFB-6D9B9DA9145D}"/>
               </a:ext>
             </a:extLst>
           </p:cNvPr>
@@ -4680,7 +4989,7 @@
           <a:p>
             <a:r>
               <a:rPr lang="zh-CN" altLang="en-US" dirty="0"/>
-              <a:t>常规驱动测试的步骤是怎样的</a:t>
+              <a:t>常规驱动测试的步骤是怎样的？</a:t>
             </a:r>
           </a:p>
         </p:txBody>
@@ -4690,7 +4999,7 @@
           <p:cNvPr id="3" name="内容占位符 2">
             <a:extLst>
               <a:ext uri="{FF2B5EF4-FFF2-40B4-BE49-F238E27FC236}">
-                <a16:creationId xmlns:a16="http://schemas.microsoft.com/office/drawing/2014/main" id="{F364D974-A910-007E-8D36-1C244A3850C7}"/>
+                <a16:creationId xmlns:a16="http://schemas.microsoft.com/office/drawing/2014/main" id="{E5BBB27D-05D7-7AB9-C9A6-468BB23CF0BA}"/>
               </a:ext>
             </a:extLst>
           </p:cNvPr>
@@ -4701,19 +5010,90 @@
             <p:ph idx="1"/>
           </p:nvPr>
         </p:nvSpPr>
-        <p:spPr/>
-        <p:txBody>
-          <a:bodyPr/>
-          <a:lstStyle/>
-          <a:p>
-            <a:endParaRPr lang="zh-CN" altLang="en-US"/>
-          </a:p>
-        </p:txBody>
-      </p:sp>
+        <p:spPr>
+          <a:xfrm>
+            <a:off x="7680960" y="1825625"/>
+            <a:ext cx="3672840" cy="4351338"/>
+          </a:xfrm>
+        </p:spPr>
+        <p:txBody>
+          <a:bodyPr/>
+          <a:lstStyle/>
+          <a:p>
+            <a:r>
+              <a:rPr lang="en-US" altLang="zh-CN" dirty="0"/>
+              <a:t>1.</a:t>
+            </a:r>
+            <a:r>
+              <a:rPr lang="zh-CN" altLang="en-US" dirty="0"/>
+              <a:t>编译，连接</a:t>
+            </a:r>
+          </a:p>
+          <a:p>
+            <a:r>
+              <a:rPr lang="en-US" altLang="zh-CN" dirty="0"/>
+              <a:t>2.</a:t>
+            </a:r>
+            <a:r>
+              <a:rPr lang="zh-CN" altLang="en-US" dirty="0"/>
+              <a:t>烧录</a:t>
+            </a:r>
+          </a:p>
+          <a:p>
+            <a:r>
+              <a:rPr lang="en-US" altLang="zh-CN" dirty="0"/>
+              <a:t>3.</a:t>
+            </a:r>
+            <a:r>
+              <a:rPr lang="zh-CN" altLang="en-US" dirty="0"/>
+              <a:t>观察结果</a:t>
+            </a:r>
+          </a:p>
+          <a:p>
+            <a:endParaRPr lang="zh-CN" altLang="en-US" dirty="0"/>
+          </a:p>
+        </p:txBody>
+      </p:sp>
+      <p:pic>
+        <p:nvPicPr>
+          <p:cNvPr id="4" name="内容占位符 8">
+            <a:extLst>
+              <a:ext uri="{FF2B5EF4-FFF2-40B4-BE49-F238E27FC236}">
+                <a16:creationId xmlns:a16="http://schemas.microsoft.com/office/drawing/2014/main" id="{A8579740-BC5D-9621-2448-7B09546E1964}"/>
+              </a:ext>
+            </a:extLst>
+          </p:cNvPr>
+          <p:cNvPicPr>
+            <a:picLocks noChangeAspect="1"/>
+          </p:cNvPicPr>
+          <p:nvPr/>
+        </p:nvPicPr>
+        <p:blipFill>
+          <a:blip r:embed="rId2">
+            <a:extLst>
+              <a:ext uri="{28A0092B-C50C-407E-A947-70E740481C1C}">
+                <a14:useLocalDpi xmlns:a14="http://schemas.microsoft.com/office/drawing/2010/main" val="0"/>
+              </a:ext>
+            </a:extLst>
+          </a:blip>
+          <a:stretch>
+            <a:fillRect/>
+          </a:stretch>
+        </p:blipFill>
+        <p:spPr>
+          <a:xfrm>
+            <a:off x="838200" y="1775175"/>
+            <a:ext cx="6562364" cy="4351338"/>
+          </a:xfrm>
+          <a:prstGeom prst="rect">
+            <a:avLst/>
+          </a:prstGeom>
+        </p:spPr>
+      </p:pic>
     </p:spTree>
     <p:extLst>
       <p:ext uri="{BB962C8B-B14F-4D97-AF65-F5344CB8AC3E}">
-        <p14:creationId xmlns:p14="http://schemas.microsoft.com/office/powerpoint/2010/main" val="2290299199"/>
+        <p14:creationId xmlns:p14="http://schemas.microsoft.com/office/powerpoint/2010/main" val="1410521587"/>
       </p:ext>
     </p:extLst>
   </p:cSld>
@@ -4763,7 +5143,7 @@
           <a:p>
             <a:r>
               <a:rPr lang="zh-CN" altLang="en-US" dirty="0"/>
-              <a:t>常规驱动测试存在哪些不便</a:t>
+              <a:t>常规驱动测试存在哪些不便？</a:t>
             </a:r>
           </a:p>
         </p:txBody>
@@ -4789,6 +5169,10 @@
           <a:bodyPr/>
           <a:lstStyle/>
           <a:p>
+            <a:pPr marL="514350" indent="-514350">
+              <a:buFont typeface="+mj-lt"/>
+              <a:buAutoNum type="arabicPeriod"/>
+            </a:pPr>
             <a:r>
               <a:rPr lang="zh-CN" altLang="en-US" dirty="0"/>
               <a:t>输出非标准化</a:t>
@@ -4796,6 +5180,10 @@
             <a:endParaRPr lang="en-US" altLang="zh-CN" dirty="0"/>
           </a:p>
           <a:p>
+            <a:pPr marL="514350" indent="-514350">
+              <a:buFont typeface="+mj-lt"/>
+              <a:buAutoNum type="arabicPeriod"/>
+            </a:pPr>
             <a:r>
               <a:rPr lang="zh-CN" altLang="en-US" dirty="0"/>
               <a:t>手动调试</a:t>
@@ -4803,9 +5191,24 @@
             <a:endParaRPr lang="en-US" altLang="zh-CN" dirty="0"/>
           </a:p>
           <a:p>
+            <a:pPr marL="514350" indent="-514350">
+              <a:buFont typeface="+mj-lt"/>
+              <a:buAutoNum type="arabicPeriod"/>
+            </a:pPr>
             <a:r>
               <a:rPr lang="zh-CN" altLang="en-US" dirty="0"/>
-              <a:t>系统、平台及软件版本的更改可能需要驱动重新制作或测试</a:t>
+              <a:t>平台及软件的升级导致驱动无法使用，需要重新制作和测试</a:t>
+            </a:r>
+            <a:endParaRPr lang="en-US" altLang="zh-CN" dirty="0"/>
+          </a:p>
+          <a:p>
+            <a:pPr marL="514350" indent="-514350">
+              <a:buFont typeface="+mj-lt"/>
+              <a:buAutoNum type="arabicPeriod"/>
+            </a:pPr>
+            <a:r>
+              <a:rPr lang="en-US" altLang="zh-CN" dirty="0"/>
+              <a:t>……</a:t>
             </a:r>
           </a:p>
         </p:txBody>
@@ -4863,7 +5266,7 @@
           <a:p>
             <a:r>
               <a:rPr lang="zh-CN" altLang="en-US" dirty="0"/>
-              <a:t>关于输出非标准化是怎样解决的</a:t>
+              <a:t>关于输出非标准化是怎样解决的？</a:t>
             </a:r>
           </a:p>
         </p:txBody>
@@ -4889,14 +5292,22 @@
           <a:bodyPr/>
           <a:lstStyle/>
           <a:p>
+            <a:r>
+              <a:rPr lang="zh-CN" altLang="en-US" dirty="0"/>
+              <a:t>引入</a:t>
+            </a:r>
             <a:r>
               <a:rPr lang="en-US" altLang="zh-CN" dirty="0" err="1"/>
               <a:t>Greentea</a:t>
             </a:r>
             <a:r>
               <a:rPr lang="zh-CN" altLang="en-US" dirty="0"/>
-              <a:t>框架的引入</a:t>
-            </a:r>
+              <a:t>框架</a:t>
+            </a:r>
+            <a:endParaRPr lang="en-US" altLang="zh-CN" dirty="0"/>
+          </a:p>
+          <a:p>
+            <a:endParaRPr lang="zh-CN" altLang="en-US" dirty="0"/>
           </a:p>
         </p:txBody>
       </p:sp>
@@ -4935,7 +5346,7 @@
           <p:cNvPr id="2" name="标题 1">
             <a:extLst>
               <a:ext uri="{FF2B5EF4-FFF2-40B4-BE49-F238E27FC236}">
-                <a16:creationId xmlns:a16="http://schemas.microsoft.com/office/drawing/2014/main" id="{3A64C050-2068-B13F-B91C-A02A74466300}"/>
+                <a16:creationId xmlns:a16="http://schemas.microsoft.com/office/drawing/2014/main" id="{CC454B70-CE16-CE8E-B7F8-158356EBCF59}"/>
               </a:ext>
             </a:extLst>
           </p:cNvPr>
@@ -4952,8 +5363,12 @@
           <a:lstStyle/>
           <a:p>
             <a:r>
+              <a:rPr lang="en-US" altLang="zh-CN" dirty="0" err="1"/>
+              <a:t>Greentea</a:t>
+            </a:r>
+            <a:r>
               <a:rPr lang="zh-CN" altLang="en-US" dirty="0"/>
-              <a:t>如何摆脱手动调试</a:t>
+              <a:t>在项目中的应用</a:t>
             </a:r>
           </a:p>
         </p:txBody>
@@ -4963,7 +5378,7 @@
           <p:cNvPr id="3" name="内容占位符 2">
             <a:extLst>
               <a:ext uri="{FF2B5EF4-FFF2-40B4-BE49-F238E27FC236}">
-                <a16:creationId xmlns:a16="http://schemas.microsoft.com/office/drawing/2014/main" id="{680AC2CC-FAED-D00B-28C6-680ED92C1F90}"/>
+                <a16:creationId xmlns:a16="http://schemas.microsoft.com/office/drawing/2014/main" id="{C56B2F31-7FAE-047C-487B-DE92D0530B3F}"/>
               </a:ext>
             </a:extLst>
           </p:cNvPr>
@@ -4979,21 +5394,14 @@
           <a:bodyPr/>
           <a:lstStyle/>
           <a:p>
-            <a:r>
-              <a:rPr lang="en-US" altLang="zh-CN" dirty="0"/>
-              <a:t>Python</a:t>
-            </a:r>
-            <a:r>
-              <a:rPr lang="zh-CN" altLang="en-US" dirty="0"/>
-              <a:t>脚本实现的流程，及第一个版本的自动化系统</a:t>
-            </a:r>
+            <a:endParaRPr lang="zh-CN" altLang="en-US" dirty="0"/>
           </a:p>
         </p:txBody>
       </p:sp>
     </p:spTree>
     <p:extLst>
       <p:ext uri="{BB962C8B-B14F-4D97-AF65-F5344CB8AC3E}">
-        <p14:creationId xmlns:p14="http://schemas.microsoft.com/office/powerpoint/2010/main" val="3986898642"/>
+        <p14:creationId xmlns:p14="http://schemas.microsoft.com/office/powerpoint/2010/main" val="765524057"/>
       </p:ext>
     </p:extLst>
   </p:cSld>

--- a/xianzheng.pptx
+++ b/xianzheng.pptx
@@ -2,35 +2,40 @@
 <file path=ppt/presentation.xml><?xml version="1.0" encoding="utf-8"?>
 <p:presentation xmlns:a="http://schemas.openxmlformats.org/drawingml/2006/main" xmlns:r="http://schemas.openxmlformats.org/officeDocument/2006/relationships" xmlns:p="http://schemas.openxmlformats.org/presentationml/2006/main" saveSubsetFonts="1">
   <p:sldMasterIdLst>
-    <p:sldMasterId id="2147483648" r:id="rId1"/>
+    <p:sldMasterId id="2147483714" r:id="rId1"/>
   </p:sldMasterIdLst>
   <p:sldIdLst>
     <p:sldId id="256" r:id="rId2"/>
     <p:sldId id="257" r:id="rId3"/>
-    <p:sldId id="275" r:id="rId4"/>
-    <p:sldId id="272" r:id="rId5"/>
-    <p:sldId id="281" r:id="rId6"/>
-    <p:sldId id="290" r:id="rId7"/>
-    <p:sldId id="282" r:id="rId8"/>
-    <p:sldId id="283" r:id="rId9"/>
-    <p:sldId id="287" r:id="rId10"/>
-    <p:sldId id="288" r:id="rId11"/>
-    <p:sldId id="277" r:id="rId12"/>
-    <p:sldId id="289" r:id="rId13"/>
-    <p:sldId id="285" r:id="rId14"/>
-    <p:sldId id="284" r:id="rId15"/>
-    <p:sldId id="286" r:id="rId16"/>
-    <p:sldId id="270" r:id="rId17"/>
-    <p:sldId id="278" r:id="rId18"/>
-    <p:sldId id="279" r:id="rId19"/>
-    <p:sldId id="280" r:id="rId20"/>
-    <p:sldId id="265" r:id="rId21"/>
+    <p:sldId id="294" r:id="rId4"/>
+    <p:sldId id="275" r:id="rId5"/>
+    <p:sldId id="272" r:id="rId6"/>
+    <p:sldId id="295" r:id="rId7"/>
+    <p:sldId id="281" r:id="rId8"/>
+    <p:sldId id="296" r:id="rId9"/>
+    <p:sldId id="290" r:id="rId10"/>
+    <p:sldId id="282" r:id="rId11"/>
+    <p:sldId id="283" r:id="rId12"/>
+    <p:sldId id="287" r:id="rId13"/>
+    <p:sldId id="288" r:id="rId14"/>
+    <p:sldId id="277" r:id="rId15"/>
+    <p:sldId id="289" r:id="rId16"/>
+    <p:sldId id="291" r:id="rId17"/>
+    <p:sldId id="285" r:id="rId18"/>
+    <p:sldId id="293" r:id="rId19"/>
+    <p:sldId id="292" r:id="rId20"/>
+    <p:sldId id="286" r:id="rId21"/>
+    <p:sldId id="270" r:id="rId22"/>
+    <p:sldId id="278" r:id="rId23"/>
+    <p:sldId id="279" r:id="rId24"/>
+    <p:sldId id="280" r:id="rId25"/>
+    <p:sldId id="265" r:id="rId26"/>
   </p:sldIdLst>
   <p:sldSz cx="12192000" cy="6858000"/>
   <p:notesSz cx="6858000" cy="9144000"/>
   <p:defaultTextStyle>
     <a:defPPr>
-      <a:defRPr lang="zh-CN"/>
+      <a:defRPr lang="en-US"/>
     </a:defPPr>
     <a:lvl1pPr marL="0" algn="l" defTabSz="914400" rtl="0" eaLnBrk="1" latinLnBrk="0" hangingPunct="1">
       <a:defRPr sz="1800" kern="1200">
@@ -150,13 +155,7 @@
       </p:grpSpPr>
       <p:sp>
         <p:nvSpPr>
-          <p:cNvPr id="2" name="标题 1">
-            <a:extLst>
-              <a:ext uri="{FF2B5EF4-FFF2-40B4-BE49-F238E27FC236}">
-                <a16:creationId xmlns:a16="http://schemas.microsoft.com/office/drawing/2014/main" id="{0DB33DE8-6D7F-4F52-B286-CF12744F5718}"/>
-              </a:ext>
-            </a:extLst>
-          </p:cNvPr>
+          <p:cNvPr id="2" name="Title 1"/>
           <p:cNvSpPr>
             <a:spLocks noGrp="1"/>
           </p:cNvSpPr>
@@ -166,12 +165,14 @@
         </p:nvSpPr>
         <p:spPr>
           <a:xfrm>
-            <a:off x="1524000" y="1122363"/>
+            <a:off x="1524000" y="1124530"/>
             <a:ext cx="9144000" cy="2387600"/>
           </a:xfrm>
         </p:spPr>
         <p:txBody>
-          <a:bodyPr anchor="b"/>
+          <a:bodyPr anchor="b">
+            <a:normAutofit/>
+          </a:bodyPr>
           <a:lstStyle>
             <a:lvl1pPr algn="ctr">
               <a:defRPr sz="6000"/>
@@ -182,18 +183,13 @@
               <a:rPr lang="zh-CN" altLang="en-US"/>
               <a:t>单击此处编辑母版标题样式</a:t>
             </a:r>
-          </a:p>
-        </p:txBody>
-      </p:sp>
-      <p:sp>
-        <p:nvSpPr>
-          <p:cNvPr id="3" name="副标题 2">
-            <a:extLst>
-              <a:ext uri="{FF2B5EF4-FFF2-40B4-BE49-F238E27FC236}">
-                <a16:creationId xmlns:a16="http://schemas.microsoft.com/office/drawing/2014/main" id="{B6060A37-3E42-1A18-D6E9-E70FA4D6D7AB}"/>
-              </a:ext>
-            </a:extLst>
-          </p:cNvPr>
+            <a:endParaRPr lang="en-US" dirty="0"/>
+          </a:p>
+        </p:txBody>
+      </p:sp>
+      <p:sp>
+        <p:nvSpPr>
+          <p:cNvPr id="3" name="Subtitle 2"/>
           <p:cNvSpPr>
             <a:spLocks noGrp="1"/>
           </p:cNvSpPr>
@@ -208,43 +204,52 @@
           </a:xfrm>
         </p:spPr>
         <p:txBody>
-          <a:bodyPr/>
+          <a:bodyPr>
+            <a:normAutofit/>
+          </a:bodyPr>
           <a:lstStyle>
             <a:lvl1pPr marL="0" indent="0" algn="ctr">
               <a:buNone/>
+              <a:defRPr sz="2400">
+                <a:solidFill>
+                  <a:schemeClr val="tx1">
+                    <a:lumMod val="75000"/>
+                    <a:lumOff val="25000"/>
+                  </a:schemeClr>
+                </a:solidFill>
+              </a:defRPr>
+            </a:lvl1pPr>
+            <a:lvl2pPr marL="457189" indent="0" algn="ctr">
+              <a:buNone/>
+              <a:defRPr sz="2800"/>
+            </a:lvl2pPr>
+            <a:lvl3pPr marL="914377" indent="0" algn="ctr">
+              <a:buNone/>
               <a:defRPr sz="2400"/>
-            </a:lvl1pPr>
-            <a:lvl2pPr marL="457200" indent="0" algn="ctr">
+            </a:lvl3pPr>
+            <a:lvl4pPr marL="1371566" indent="0" algn="ctr">
               <a:buNone/>
               <a:defRPr sz="2000"/>
-            </a:lvl2pPr>
-            <a:lvl3pPr marL="914400" indent="0" algn="ctr">
+            </a:lvl4pPr>
+            <a:lvl5pPr marL="1828754" indent="0" algn="ctr">
               <a:buNone/>
-              <a:defRPr sz="1800"/>
-            </a:lvl3pPr>
-            <a:lvl4pPr marL="1371600" indent="0" algn="ctr">
+              <a:defRPr sz="2000"/>
+            </a:lvl5pPr>
+            <a:lvl6pPr marL="2285943" indent="0" algn="ctr">
               <a:buNone/>
-              <a:defRPr sz="1600"/>
-            </a:lvl4pPr>
-            <a:lvl5pPr marL="1828800" indent="0" algn="ctr">
+              <a:defRPr sz="2000"/>
+            </a:lvl6pPr>
+            <a:lvl7pPr marL="2743131" indent="0" algn="ctr">
               <a:buNone/>
-              <a:defRPr sz="1600"/>
-            </a:lvl5pPr>
-            <a:lvl6pPr marL="2286000" indent="0" algn="ctr">
+              <a:defRPr sz="2000"/>
+            </a:lvl7pPr>
+            <a:lvl8pPr marL="3200320" indent="0" algn="ctr">
               <a:buNone/>
-              <a:defRPr sz="1600"/>
-            </a:lvl6pPr>
-            <a:lvl7pPr marL="2743200" indent="0" algn="ctr">
+              <a:defRPr sz="2000"/>
+            </a:lvl8pPr>
+            <a:lvl9pPr marL="3657509" indent="0" algn="ctr">
               <a:buNone/>
-              <a:defRPr sz="1600"/>
-            </a:lvl7pPr>
-            <a:lvl8pPr marL="3200400" indent="0" algn="ctr">
-              <a:buNone/>
-              <a:defRPr sz="1600"/>
-            </a:lvl8pPr>
-            <a:lvl9pPr marL="3657600" indent="0" algn="ctr">
-              <a:buNone/>
-              <a:defRPr sz="1600"/>
+              <a:defRPr sz="2000"/>
             </a:lvl9pPr>
           </a:lstStyle>
           <a:p>
@@ -252,18 +257,13 @@
               <a:rPr lang="zh-CN" altLang="en-US"/>
               <a:t>单击此处编辑母版副标题样式</a:t>
             </a:r>
-          </a:p>
-        </p:txBody>
-      </p:sp>
-      <p:sp>
-        <p:nvSpPr>
-          <p:cNvPr id="4" name="日期占位符 3">
-            <a:extLst>
-              <a:ext uri="{FF2B5EF4-FFF2-40B4-BE49-F238E27FC236}">
-                <a16:creationId xmlns:a16="http://schemas.microsoft.com/office/drawing/2014/main" id="{C2D3009B-982A-5D76-9655-588F434FA529}"/>
-              </a:ext>
-            </a:extLst>
-          </p:cNvPr>
+            <a:endParaRPr lang="en-US" dirty="0"/>
+          </a:p>
+        </p:txBody>
+      </p:sp>
+      <p:sp>
+        <p:nvSpPr>
+          <p:cNvPr id="4" name="Date Placeholder 3"/>
           <p:cNvSpPr>
             <a:spLocks noGrp="1"/>
           </p:cNvSpPr>
@@ -286,13 +286,7 @@
       </p:sp>
       <p:sp>
         <p:nvSpPr>
-          <p:cNvPr id="5" name="页脚占位符 4">
-            <a:extLst>
-              <a:ext uri="{FF2B5EF4-FFF2-40B4-BE49-F238E27FC236}">
-                <a16:creationId xmlns:a16="http://schemas.microsoft.com/office/drawing/2014/main" id="{FB2C9D6E-523C-DE6E-5606-DF8B322EB050}"/>
-              </a:ext>
-            </a:extLst>
-          </p:cNvPr>
+          <p:cNvPr id="5" name="Footer Placeholder 4"/>
           <p:cNvSpPr>
             <a:spLocks noGrp="1"/>
           </p:cNvSpPr>
@@ -311,13 +305,7 @@
       </p:sp>
       <p:sp>
         <p:nvSpPr>
-          <p:cNvPr id="6" name="灯片编号占位符 5">
-            <a:extLst>
-              <a:ext uri="{FF2B5EF4-FFF2-40B4-BE49-F238E27FC236}">
-                <a16:creationId xmlns:a16="http://schemas.microsoft.com/office/drawing/2014/main" id="{070DE2C6-754D-F7BF-3EEA-0549A6066165}"/>
-              </a:ext>
-            </a:extLst>
-          </p:cNvPr>
+          <p:cNvPr id="6" name="Slide Number Placeholder 5"/>
           <p:cNvSpPr>
             <a:spLocks noGrp="1"/>
           </p:cNvSpPr>
@@ -341,7 +329,7 @@
     </p:spTree>
     <p:extLst>
       <p:ext uri="{BB962C8B-B14F-4D97-AF65-F5344CB8AC3E}">
-        <p14:creationId xmlns:p14="http://schemas.microsoft.com/office/powerpoint/2010/main" val="2498965033"/>
+        <p14:creationId xmlns:p14="http://schemas.microsoft.com/office/powerpoint/2010/main" val="41675819"/>
       </p:ext>
     </p:extLst>
   </p:cSld>
@@ -370,13 +358,7 @@
       </p:grpSpPr>
       <p:sp>
         <p:nvSpPr>
-          <p:cNvPr id="2" name="标题 1">
-            <a:extLst>
-              <a:ext uri="{FF2B5EF4-FFF2-40B4-BE49-F238E27FC236}">
-                <a16:creationId xmlns:a16="http://schemas.microsoft.com/office/drawing/2014/main" id="{5524A43D-8598-C0B6-7BD6-7CC6AAB2BD20}"/>
-              </a:ext>
-            </a:extLst>
-          </p:cNvPr>
+          <p:cNvPr id="2" name="Title 1"/>
           <p:cNvSpPr>
             <a:spLocks noGrp="1"/>
           </p:cNvSpPr>
@@ -393,18 +375,13 @@
               <a:rPr lang="zh-CN" altLang="en-US"/>
               <a:t>单击此处编辑母版标题样式</a:t>
             </a:r>
-          </a:p>
-        </p:txBody>
-      </p:sp>
-      <p:sp>
-        <p:nvSpPr>
-          <p:cNvPr id="3" name="竖排文字占位符 2">
-            <a:extLst>
-              <a:ext uri="{FF2B5EF4-FFF2-40B4-BE49-F238E27FC236}">
-                <a16:creationId xmlns:a16="http://schemas.microsoft.com/office/drawing/2014/main" id="{05109137-072B-F164-2D0E-0F82447A54D9}"/>
-              </a:ext>
-            </a:extLst>
-          </p:cNvPr>
+            <a:endParaRPr lang="en-US"/>
+          </a:p>
+        </p:txBody>
+      </p:sp>
+      <p:sp>
+        <p:nvSpPr>
+          <p:cNvPr id="3" name="Vertical Text Placeholder 2"/>
           <p:cNvSpPr>
             <a:spLocks noGrp="1"/>
           </p:cNvSpPr>
@@ -450,18 +427,13 @@
               <a:rPr lang="zh-CN" altLang="en-US"/>
               <a:t>五级</a:t>
             </a:r>
-          </a:p>
-        </p:txBody>
-      </p:sp>
-      <p:sp>
-        <p:nvSpPr>
-          <p:cNvPr id="4" name="日期占位符 3">
-            <a:extLst>
-              <a:ext uri="{FF2B5EF4-FFF2-40B4-BE49-F238E27FC236}">
-                <a16:creationId xmlns:a16="http://schemas.microsoft.com/office/drawing/2014/main" id="{7430D8E3-4D41-D12D-E216-DCD4864A4032}"/>
-              </a:ext>
-            </a:extLst>
-          </p:cNvPr>
+            <a:endParaRPr lang="en-US" dirty="0"/>
+          </a:p>
+        </p:txBody>
+      </p:sp>
+      <p:sp>
+        <p:nvSpPr>
+          <p:cNvPr id="4" name="Date Placeholder 3"/>
           <p:cNvSpPr>
             <a:spLocks noGrp="1"/>
           </p:cNvSpPr>
@@ -484,13 +456,7 @@
       </p:sp>
       <p:sp>
         <p:nvSpPr>
-          <p:cNvPr id="5" name="页脚占位符 4">
-            <a:extLst>
-              <a:ext uri="{FF2B5EF4-FFF2-40B4-BE49-F238E27FC236}">
-                <a16:creationId xmlns:a16="http://schemas.microsoft.com/office/drawing/2014/main" id="{315EAD2B-064C-AC89-D9CA-29CBC8459A57}"/>
-              </a:ext>
-            </a:extLst>
-          </p:cNvPr>
+          <p:cNvPr id="5" name="Footer Placeholder 4"/>
           <p:cNvSpPr>
             <a:spLocks noGrp="1"/>
           </p:cNvSpPr>
@@ -509,13 +475,7 @@
       </p:sp>
       <p:sp>
         <p:nvSpPr>
-          <p:cNvPr id="6" name="灯片编号占位符 5">
-            <a:extLst>
-              <a:ext uri="{FF2B5EF4-FFF2-40B4-BE49-F238E27FC236}">
-                <a16:creationId xmlns:a16="http://schemas.microsoft.com/office/drawing/2014/main" id="{FA791A51-4971-9452-2FD1-89C5DD5B13D6}"/>
-              </a:ext>
-            </a:extLst>
-          </p:cNvPr>
+          <p:cNvPr id="6" name="Slide Number Placeholder 5"/>
           <p:cNvSpPr>
             <a:spLocks noGrp="1"/>
           </p:cNvSpPr>
@@ -539,7 +499,7 @@
     </p:spTree>
     <p:extLst>
       <p:ext uri="{BB962C8B-B14F-4D97-AF65-F5344CB8AC3E}">
-        <p14:creationId xmlns:p14="http://schemas.microsoft.com/office/powerpoint/2010/main" val="688972645"/>
+        <p14:creationId xmlns:p14="http://schemas.microsoft.com/office/powerpoint/2010/main" val="2810368361"/>
       </p:ext>
     </p:extLst>
   </p:cSld>
@@ -568,13 +528,7 @@
       </p:grpSpPr>
       <p:sp>
         <p:nvSpPr>
-          <p:cNvPr id="2" name="竖排标题 1">
-            <a:extLst>
-              <a:ext uri="{FF2B5EF4-FFF2-40B4-BE49-F238E27FC236}">
-                <a16:creationId xmlns:a16="http://schemas.microsoft.com/office/drawing/2014/main" id="{B8FD7CA6-197D-E7A1-41C2-26B95475E7D1}"/>
-              </a:ext>
-            </a:extLst>
-          </p:cNvPr>
+          <p:cNvPr id="2" name="Vertical Title 1"/>
           <p:cNvSpPr>
             <a:spLocks noGrp="1"/>
           </p:cNvSpPr>
@@ -584,7 +538,7 @@
         </p:nvSpPr>
         <p:spPr>
           <a:xfrm>
-            <a:off x="8724900" y="365125"/>
+            <a:off x="8724902" y="360362"/>
             <a:ext cx="2628900" cy="5811838"/>
           </a:xfrm>
         </p:spPr>
@@ -596,18 +550,13 @@
               <a:rPr lang="zh-CN" altLang="en-US"/>
               <a:t>单击此处编辑母版标题样式</a:t>
             </a:r>
-          </a:p>
-        </p:txBody>
-      </p:sp>
-      <p:sp>
-        <p:nvSpPr>
-          <p:cNvPr id="3" name="竖排文字占位符 2">
-            <a:extLst>
-              <a:ext uri="{FF2B5EF4-FFF2-40B4-BE49-F238E27FC236}">
-                <a16:creationId xmlns:a16="http://schemas.microsoft.com/office/drawing/2014/main" id="{4BE35BA5-77B5-231C-281D-3504D841AEFF}"/>
-              </a:ext>
-            </a:extLst>
-          </p:cNvPr>
+            <a:endParaRPr lang="en-US"/>
+          </a:p>
+        </p:txBody>
+      </p:sp>
+      <p:sp>
+        <p:nvSpPr>
+          <p:cNvPr id="3" name="Vertical Text Placeholder 2"/>
           <p:cNvSpPr>
             <a:spLocks noGrp="1"/>
           </p:cNvSpPr>
@@ -617,8 +566,8 @@
         </p:nvSpPr>
         <p:spPr>
           <a:xfrm>
-            <a:off x="838200" y="365125"/>
-            <a:ext cx="7734300" cy="5811838"/>
+            <a:off x="838202" y="360366"/>
+            <a:ext cx="7734300" cy="5811837"/>
           </a:xfrm>
         </p:spPr>
         <p:txBody>
@@ -658,18 +607,13 @@
               <a:rPr lang="zh-CN" altLang="en-US"/>
               <a:t>五级</a:t>
             </a:r>
-          </a:p>
-        </p:txBody>
-      </p:sp>
-      <p:sp>
-        <p:nvSpPr>
-          <p:cNvPr id="4" name="日期占位符 3">
-            <a:extLst>
-              <a:ext uri="{FF2B5EF4-FFF2-40B4-BE49-F238E27FC236}">
-                <a16:creationId xmlns:a16="http://schemas.microsoft.com/office/drawing/2014/main" id="{0B6802E0-E999-A486-5CEC-9D236D4ADA0D}"/>
-              </a:ext>
-            </a:extLst>
-          </p:cNvPr>
+            <a:endParaRPr lang="en-US"/>
+          </a:p>
+        </p:txBody>
+      </p:sp>
+      <p:sp>
+        <p:nvSpPr>
+          <p:cNvPr id="4" name="Date Placeholder 3"/>
           <p:cNvSpPr>
             <a:spLocks noGrp="1"/>
           </p:cNvSpPr>
@@ -692,13 +636,7 @@
       </p:sp>
       <p:sp>
         <p:nvSpPr>
-          <p:cNvPr id="5" name="页脚占位符 4">
-            <a:extLst>
-              <a:ext uri="{FF2B5EF4-FFF2-40B4-BE49-F238E27FC236}">
-                <a16:creationId xmlns:a16="http://schemas.microsoft.com/office/drawing/2014/main" id="{29BA2AB2-CEDB-114C-901E-E06A5775BFB0}"/>
-              </a:ext>
-            </a:extLst>
-          </p:cNvPr>
+          <p:cNvPr id="5" name="Footer Placeholder 4"/>
           <p:cNvSpPr>
             <a:spLocks noGrp="1"/>
           </p:cNvSpPr>
@@ -717,13 +655,7 @@
       </p:sp>
       <p:sp>
         <p:nvSpPr>
-          <p:cNvPr id="6" name="灯片编号占位符 5">
-            <a:extLst>
-              <a:ext uri="{FF2B5EF4-FFF2-40B4-BE49-F238E27FC236}">
-                <a16:creationId xmlns:a16="http://schemas.microsoft.com/office/drawing/2014/main" id="{5C0CED5D-C492-B363-C9B8-738AE40018AD}"/>
-              </a:ext>
-            </a:extLst>
-          </p:cNvPr>
+          <p:cNvPr id="6" name="Slide Number Placeholder 5"/>
           <p:cNvSpPr>
             <a:spLocks noGrp="1"/>
           </p:cNvSpPr>
@@ -747,7 +679,7 @@
     </p:spTree>
     <p:extLst>
       <p:ext uri="{BB962C8B-B14F-4D97-AF65-F5344CB8AC3E}">
-        <p14:creationId xmlns:p14="http://schemas.microsoft.com/office/powerpoint/2010/main" val="3217376079"/>
+        <p14:creationId xmlns:p14="http://schemas.microsoft.com/office/powerpoint/2010/main" val="786241873"/>
       </p:ext>
     </p:extLst>
   </p:cSld>
@@ -776,13 +708,7 @@
       </p:grpSpPr>
       <p:sp>
         <p:nvSpPr>
-          <p:cNvPr id="2" name="标题 1">
-            <a:extLst>
-              <a:ext uri="{FF2B5EF4-FFF2-40B4-BE49-F238E27FC236}">
-                <a16:creationId xmlns:a16="http://schemas.microsoft.com/office/drawing/2014/main" id="{C1AEA9C7-15DE-22B7-3ADC-9BAC54B0235E}"/>
-              </a:ext>
-            </a:extLst>
-          </p:cNvPr>
+          <p:cNvPr id="2" name="Title 1"/>
           <p:cNvSpPr>
             <a:spLocks noGrp="1"/>
           </p:cNvSpPr>
@@ -799,18 +725,13 @@
               <a:rPr lang="zh-CN" altLang="en-US"/>
               <a:t>单击此处编辑母版标题样式</a:t>
             </a:r>
-          </a:p>
-        </p:txBody>
-      </p:sp>
-      <p:sp>
-        <p:nvSpPr>
-          <p:cNvPr id="3" name="内容占位符 2">
-            <a:extLst>
-              <a:ext uri="{FF2B5EF4-FFF2-40B4-BE49-F238E27FC236}">
-                <a16:creationId xmlns:a16="http://schemas.microsoft.com/office/drawing/2014/main" id="{F0192529-CA55-9B65-A912-4B44F3F29AA3}"/>
-              </a:ext>
-            </a:extLst>
-          </p:cNvPr>
+            <a:endParaRPr lang="en-US" dirty="0"/>
+          </a:p>
+        </p:txBody>
+      </p:sp>
+      <p:sp>
+        <p:nvSpPr>
+          <p:cNvPr id="3" name="Content Placeholder 2"/>
           <p:cNvSpPr>
             <a:spLocks noGrp="1"/>
           </p:cNvSpPr>
@@ -856,18 +777,13 @@
               <a:rPr lang="zh-CN" altLang="en-US"/>
               <a:t>五级</a:t>
             </a:r>
-          </a:p>
-        </p:txBody>
-      </p:sp>
-      <p:sp>
-        <p:nvSpPr>
-          <p:cNvPr id="4" name="日期占位符 3">
-            <a:extLst>
-              <a:ext uri="{FF2B5EF4-FFF2-40B4-BE49-F238E27FC236}">
-                <a16:creationId xmlns:a16="http://schemas.microsoft.com/office/drawing/2014/main" id="{972D564D-B579-AB5A-AA05-BC5D7A3241AD}"/>
-              </a:ext>
-            </a:extLst>
-          </p:cNvPr>
+            <a:endParaRPr lang="en-US" dirty="0"/>
+          </a:p>
+        </p:txBody>
+      </p:sp>
+      <p:sp>
+        <p:nvSpPr>
+          <p:cNvPr id="4" name="Date Placeholder 3"/>
           <p:cNvSpPr>
             <a:spLocks noGrp="1"/>
           </p:cNvSpPr>
@@ -890,13 +806,7 @@
       </p:sp>
       <p:sp>
         <p:nvSpPr>
-          <p:cNvPr id="5" name="页脚占位符 4">
-            <a:extLst>
-              <a:ext uri="{FF2B5EF4-FFF2-40B4-BE49-F238E27FC236}">
-                <a16:creationId xmlns:a16="http://schemas.microsoft.com/office/drawing/2014/main" id="{13237BC1-C556-41CB-9795-7E81D8EAC654}"/>
-              </a:ext>
-            </a:extLst>
-          </p:cNvPr>
+          <p:cNvPr id="5" name="Footer Placeholder 4"/>
           <p:cNvSpPr>
             <a:spLocks noGrp="1"/>
           </p:cNvSpPr>
@@ -915,13 +825,7 @@
       </p:sp>
       <p:sp>
         <p:nvSpPr>
-          <p:cNvPr id="6" name="灯片编号占位符 5">
-            <a:extLst>
-              <a:ext uri="{FF2B5EF4-FFF2-40B4-BE49-F238E27FC236}">
-                <a16:creationId xmlns:a16="http://schemas.microsoft.com/office/drawing/2014/main" id="{BEAE99EF-85E2-920B-BDD4-9BC273156AE9}"/>
-              </a:ext>
-            </a:extLst>
-          </p:cNvPr>
+          <p:cNvPr id="6" name="Slide Number Placeholder 5"/>
           <p:cNvSpPr>
             <a:spLocks noGrp="1"/>
           </p:cNvSpPr>
@@ -945,7 +849,7 @@
     </p:spTree>
     <p:extLst>
       <p:ext uri="{BB962C8B-B14F-4D97-AF65-F5344CB8AC3E}">
-        <p14:creationId xmlns:p14="http://schemas.microsoft.com/office/powerpoint/2010/main" val="4293543452"/>
+        <p14:creationId xmlns:p14="http://schemas.microsoft.com/office/powerpoint/2010/main" val="686550796"/>
       </p:ext>
     </p:extLst>
   </p:cSld>
@@ -974,13 +878,7 @@
       </p:grpSpPr>
       <p:sp>
         <p:nvSpPr>
-          <p:cNvPr id="2" name="标题 1">
-            <a:extLst>
-              <a:ext uri="{FF2B5EF4-FFF2-40B4-BE49-F238E27FC236}">
-                <a16:creationId xmlns:a16="http://schemas.microsoft.com/office/drawing/2014/main" id="{B1910867-060E-7739-7AEE-E2F381A0711F}"/>
-              </a:ext>
-            </a:extLst>
-          </p:cNvPr>
+          <p:cNvPr id="2" name="Title 1"/>
           <p:cNvSpPr>
             <a:spLocks noGrp="1"/>
           </p:cNvSpPr>
@@ -990,15 +888,17 @@
         </p:nvSpPr>
         <p:spPr>
           <a:xfrm>
-            <a:off x="831850" y="1709738"/>
-            <a:ext cx="10515600" cy="2852737"/>
+            <a:off x="831851" y="1712423"/>
+            <a:ext cx="10515600" cy="2851208"/>
           </a:xfrm>
         </p:spPr>
         <p:txBody>
-          <a:bodyPr anchor="b"/>
+          <a:bodyPr anchor="b">
+            <a:normAutofit/>
+          </a:bodyPr>
           <a:lstStyle>
             <a:lvl1pPr>
-              <a:defRPr sz="6000"/>
+              <a:defRPr sz="6000" b="0"/>
             </a:lvl1pPr>
           </a:lstStyle>
           <a:p>
@@ -1006,18 +906,13 @@
               <a:rPr lang="zh-CN" altLang="en-US"/>
               <a:t>单击此处编辑母版标题样式</a:t>
             </a:r>
-          </a:p>
-        </p:txBody>
-      </p:sp>
-      <p:sp>
-        <p:nvSpPr>
-          <p:cNvPr id="3" name="文本占位符 2">
-            <a:extLst>
-              <a:ext uri="{FF2B5EF4-FFF2-40B4-BE49-F238E27FC236}">
-                <a16:creationId xmlns:a16="http://schemas.microsoft.com/office/drawing/2014/main" id="{58DEFDD4-382A-B990-87CC-4F2BAD9C733A}"/>
-              </a:ext>
-            </a:extLst>
-          </p:cNvPr>
+            <a:endParaRPr lang="en-US" dirty="0"/>
+          </a:p>
+        </p:txBody>
+      </p:sp>
+      <p:sp>
+        <p:nvSpPr>
+          <p:cNvPr id="3" name="Text Placeholder 2"/>
           <p:cNvSpPr>
             <a:spLocks noGrp="1"/>
           </p:cNvSpPr>
@@ -1027,34 +922,27 @@
         </p:nvSpPr>
         <p:spPr>
           <a:xfrm>
-            <a:off x="831850" y="4589463"/>
+            <a:off x="831851" y="4552637"/>
             <a:ext cx="10515600" cy="1500187"/>
           </a:xfrm>
         </p:spPr>
         <p:txBody>
-          <a:bodyPr/>
+          <a:bodyPr anchor="t">
+            <a:normAutofit/>
+          </a:bodyPr>
           <a:lstStyle>
             <a:lvl1pPr marL="0" indent="0">
               <a:buNone/>
               <a:defRPr sz="2400">
                 <a:solidFill>
                   <a:schemeClr val="tx1">
-                    <a:tint val="75000"/>
+                    <a:lumMod val="75000"/>
+                    <a:lumOff val="25000"/>
                   </a:schemeClr>
                 </a:solidFill>
               </a:defRPr>
             </a:lvl1pPr>
-            <a:lvl2pPr marL="457200" indent="0">
-              <a:buNone/>
-              <a:defRPr sz="2000">
-                <a:solidFill>
-                  <a:schemeClr val="tx1">
-                    <a:tint val="75000"/>
-                  </a:schemeClr>
-                </a:solidFill>
-              </a:defRPr>
-            </a:lvl2pPr>
-            <a:lvl3pPr marL="914400" indent="0">
+            <a:lvl2pPr marL="457189" indent="0">
               <a:buNone/>
               <a:defRPr sz="1800">
                 <a:solidFill>
@@ -1063,8 +951,8 @@
                   </a:schemeClr>
                 </a:solidFill>
               </a:defRPr>
-            </a:lvl3pPr>
-            <a:lvl4pPr marL="1371600" indent="0">
+            </a:lvl2pPr>
+            <a:lvl3pPr marL="914377" indent="0">
               <a:buNone/>
               <a:defRPr sz="1600">
                 <a:solidFill>
@@ -1073,10 +961,20 @@
                   </a:schemeClr>
                 </a:solidFill>
               </a:defRPr>
+            </a:lvl3pPr>
+            <a:lvl4pPr marL="1371566" indent="0">
+              <a:buNone/>
+              <a:defRPr sz="1400">
+                <a:solidFill>
+                  <a:schemeClr val="tx1">
+                    <a:tint val="75000"/>
+                  </a:schemeClr>
+                </a:solidFill>
+              </a:defRPr>
             </a:lvl4pPr>
-            <a:lvl5pPr marL="1828800" indent="0">
+            <a:lvl5pPr marL="1828754" indent="0">
               <a:buNone/>
-              <a:defRPr sz="1600">
+              <a:defRPr sz="1400">
                 <a:solidFill>
                   <a:schemeClr val="tx1">
                     <a:tint val="75000"/>
@@ -1084,9 +982,9 @@
                 </a:solidFill>
               </a:defRPr>
             </a:lvl5pPr>
-            <a:lvl6pPr marL="2286000" indent="0">
+            <a:lvl6pPr marL="2285943" indent="0">
               <a:buNone/>
-              <a:defRPr sz="1600">
+              <a:defRPr sz="1400">
                 <a:solidFill>
                   <a:schemeClr val="tx1">
                     <a:tint val="75000"/>
@@ -1094,9 +992,9 @@
                 </a:solidFill>
               </a:defRPr>
             </a:lvl6pPr>
-            <a:lvl7pPr marL="2743200" indent="0">
+            <a:lvl7pPr marL="2743131" indent="0">
               <a:buNone/>
-              <a:defRPr sz="1600">
+              <a:defRPr sz="1400">
                 <a:solidFill>
                   <a:schemeClr val="tx1">
                     <a:tint val="75000"/>
@@ -1104,9 +1002,9 @@
                 </a:solidFill>
               </a:defRPr>
             </a:lvl7pPr>
-            <a:lvl8pPr marL="3200400" indent="0">
+            <a:lvl8pPr marL="3200320" indent="0">
               <a:buNone/>
-              <a:defRPr sz="1600">
+              <a:defRPr sz="1400">
                 <a:solidFill>
                   <a:schemeClr val="tx1">
                     <a:tint val="75000"/>
@@ -1114,9 +1012,9 @@
                 </a:solidFill>
               </a:defRPr>
             </a:lvl8pPr>
-            <a:lvl9pPr marL="3657600" indent="0">
+            <a:lvl9pPr marL="3657509" indent="0">
               <a:buNone/>
-              <a:defRPr sz="1600">
+              <a:defRPr sz="1400">
                 <a:solidFill>
                   <a:schemeClr val="tx1">
                     <a:tint val="75000"/>
@@ -1136,13 +1034,7 @@
       </p:sp>
       <p:sp>
         <p:nvSpPr>
-          <p:cNvPr id="4" name="日期占位符 3">
-            <a:extLst>
-              <a:ext uri="{FF2B5EF4-FFF2-40B4-BE49-F238E27FC236}">
-                <a16:creationId xmlns:a16="http://schemas.microsoft.com/office/drawing/2014/main" id="{E30A063C-C658-E067-FE5E-BBE1E54F4A30}"/>
-              </a:ext>
-            </a:extLst>
-          </p:cNvPr>
+          <p:cNvPr id="4" name="Date Placeholder 3"/>
           <p:cNvSpPr>
             <a:spLocks noGrp="1"/>
           </p:cNvSpPr>
@@ -1165,13 +1057,7 @@
       </p:sp>
       <p:sp>
         <p:nvSpPr>
-          <p:cNvPr id="5" name="页脚占位符 4">
-            <a:extLst>
-              <a:ext uri="{FF2B5EF4-FFF2-40B4-BE49-F238E27FC236}">
-                <a16:creationId xmlns:a16="http://schemas.microsoft.com/office/drawing/2014/main" id="{EA67D074-6216-F75F-B8ED-11F861336F2B}"/>
-              </a:ext>
-            </a:extLst>
-          </p:cNvPr>
+          <p:cNvPr id="5" name="Footer Placeholder 4"/>
           <p:cNvSpPr>
             <a:spLocks noGrp="1"/>
           </p:cNvSpPr>
@@ -1190,13 +1076,7 @@
       </p:sp>
       <p:sp>
         <p:nvSpPr>
-          <p:cNvPr id="6" name="灯片编号占位符 5">
-            <a:extLst>
-              <a:ext uri="{FF2B5EF4-FFF2-40B4-BE49-F238E27FC236}">
-                <a16:creationId xmlns:a16="http://schemas.microsoft.com/office/drawing/2014/main" id="{4BDE4395-C72B-775E-DFB1-7CF17287E0CA}"/>
-              </a:ext>
-            </a:extLst>
-          </p:cNvPr>
+          <p:cNvPr id="6" name="Slide Number Placeholder 5"/>
           <p:cNvSpPr>
             <a:spLocks noGrp="1"/>
           </p:cNvSpPr>
@@ -1220,7 +1100,7 @@
     </p:spTree>
     <p:extLst>
       <p:ext uri="{BB962C8B-B14F-4D97-AF65-F5344CB8AC3E}">
-        <p14:creationId xmlns:p14="http://schemas.microsoft.com/office/powerpoint/2010/main" val="205319861"/>
+        <p14:creationId xmlns:p14="http://schemas.microsoft.com/office/powerpoint/2010/main" val="541779646"/>
       </p:ext>
     </p:extLst>
   </p:cSld>
@@ -1249,13 +1129,7 @@
       </p:grpSpPr>
       <p:sp>
         <p:nvSpPr>
-          <p:cNvPr id="2" name="标题 1">
-            <a:extLst>
-              <a:ext uri="{FF2B5EF4-FFF2-40B4-BE49-F238E27FC236}">
-                <a16:creationId xmlns:a16="http://schemas.microsoft.com/office/drawing/2014/main" id="{A1CEEAA9-9B07-9657-30FC-1E496952A0FA}"/>
-              </a:ext>
-            </a:extLst>
-          </p:cNvPr>
+          <p:cNvPr id="2" name="Title 1"/>
           <p:cNvSpPr>
             <a:spLocks noGrp="1"/>
           </p:cNvSpPr>
@@ -1272,18 +1146,13 @@
               <a:rPr lang="zh-CN" altLang="en-US"/>
               <a:t>单击此处编辑母版标题样式</a:t>
             </a:r>
-          </a:p>
-        </p:txBody>
-      </p:sp>
-      <p:sp>
-        <p:nvSpPr>
-          <p:cNvPr id="3" name="内容占位符 2">
-            <a:extLst>
-              <a:ext uri="{FF2B5EF4-FFF2-40B4-BE49-F238E27FC236}">
-                <a16:creationId xmlns:a16="http://schemas.microsoft.com/office/drawing/2014/main" id="{C8E56B63-8E23-1B1B-0F42-6472A694D2F3}"/>
-              </a:ext>
-            </a:extLst>
-          </p:cNvPr>
+            <a:endParaRPr lang="en-US" dirty="0"/>
+          </a:p>
+        </p:txBody>
+      </p:sp>
+      <p:sp>
+        <p:nvSpPr>
+          <p:cNvPr id="3" name="Content Placeholder 2"/>
           <p:cNvSpPr>
             <a:spLocks noGrp="1"/>
           </p:cNvSpPr>
@@ -1293,8 +1162,8 @@
         </p:nvSpPr>
         <p:spPr>
           <a:xfrm>
-            <a:off x="838200" y="1825625"/>
-            <a:ext cx="5181600" cy="4351338"/>
+            <a:off x="845127" y="1828803"/>
+            <a:ext cx="5181600" cy="4351337"/>
           </a:xfrm>
         </p:spPr>
         <p:txBody>
@@ -1334,18 +1203,13 @@
               <a:rPr lang="zh-CN" altLang="en-US"/>
               <a:t>五级</a:t>
             </a:r>
-          </a:p>
-        </p:txBody>
-      </p:sp>
-      <p:sp>
-        <p:nvSpPr>
-          <p:cNvPr id="4" name="内容占位符 3">
-            <a:extLst>
-              <a:ext uri="{FF2B5EF4-FFF2-40B4-BE49-F238E27FC236}">
-                <a16:creationId xmlns:a16="http://schemas.microsoft.com/office/drawing/2014/main" id="{2AC7AF49-1788-FBF8-E38C-1F1DFD06A143}"/>
-              </a:ext>
-            </a:extLst>
-          </p:cNvPr>
+            <a:endParaRPr lang="en-US" dirty="0"/>
+          </a:p>
+        </p:txBody>
+      </p:sp>
+      <p:sp>
+        <p:nvSpPr>
+          <p:cNvPr id="4" name="Content Placeholder 3"/>
           <p:cNvSpPr>
             <a:spLocks noGrp="1"/>
           </p:cNvSpPr>
@@ -1355,8 +1219,8 @@
         </p:nvSpPr>
         <p:spPr>
           <a:xfrm>
-            <a:off x="6172200" y="1825625"/>
-            <a:ext cx="5181600" cy="4351338"/>
+            <a:off x="6172200" y="1828803"/>
+            <a:ext cx="5181600" cy="4351337"/>
           </a:xfrm>
         </p:spPr>
         <p:txBody>
@@ -1396,18 +1260,13 @@
               <a:rPr lang="zh-CN" altLang="en-US"/>
               <a:t>五级</a:t>
             </a:r>
-          </a:p>
-        </p:txBody>
-      </p:sp>
-      <p:sp>
-        <p:nvSpPr>
-          <p:cNvPr id="5" name="日期占位符 4">
-            <a:extLst>
-              <a:ext uri="{FF2B5EF4-FFF2-40B4-BE49-F238E27FC236}">
-                <a16:creationId xmlns:a16="http://schemas.microsoft.com/office/drawing/2014/main" id="{F2BA41C2-9256-84AD-8F3A-52BD6B0731F3}"/>
-              </a:ext>
-            </a:extLst>
-          </p:cNvPr>
+            <a:endParaRPr lang="en-US" dirty="0"/>
+          </a:p>
+        </p:txBody>
+      </p:sp>
+      <p:sp>
+        <p:nvSpPr>
+          <p:cNvPr id="5" name="Date Placeholder 4"/>
           <p:cNvSpPr>
             <a:spLocks noGrp="1"/>
           </p:cNvSpPr>
@@ -1430,13 +1289,7 @@
       </p:sp>
       <p:sp>
         <p:nvSpPr>
-          <p:cNvPr id="6" name="页脚占位符 5">
-            <a:extLst>
-              <a:ext uri="{FF2B5EF4-FFF2-40B4-BE49-F238E27FC236}">
-                <a16:creationId xmlns:a16="http://schemas.microsoft.com/office/drawing/2014/main" id="{B76A7391-5960-4B50-951A-39C03237E3C4}"/>
-              </a:ext>
-            </a:extLst>
-          </p:cNvPr>
+          <p:cNvPr id="6" name="Footer Placeholder 5"/>
           <p:cNvSpPr>
             <a:spLocks noGrp="1"/>
           </p:cNvSpPr>
@@ -1455,13 +1308,7 @@
       </p:sp>
       <p:sp>
         <p:nvSpPr>
-          <p:cNvPr id="7" name="灯片编号占位符 6">
-            <a:extLst>
-              <a:ext uri="{FF2B5EF4-FFF2-40B4-BE49-F238E27FC236}">
-                <a16:creationId xmlns:a16="http://schemas.microsoft.com/office/drawing/2014/main" id="{5BC00BA6-285B-884E-9E4F-0793939CECE1}"/>
-              </a:ext>
-            </a:extLst>
-          </p:cNvPr>
+          <p:cNvPr id="7" name="Slide Number Placeholder 6"/>
           <p:cNvSpPr>
             <a:spLocks noGrp="1"/>
           </p:cNvSpPr>
@@ -1485,7 +1332,7 @@
     </p:spTree>
     <p:extLst>
       <p:ext uri="{BB962C8B-B14F-4D97-AF65-F5344CB8AC3E}">
-        <p14:creationId xmlns:p14="http://schemas.microsoft.com/office/powerpoint/2010/main" val="2241394435"/>
+        <p14:creationId xmlns:p14="http://schemas.microsoft.com/office/powerpoint/2010/main" val="2778693864"/>
       </p:ext>
     </p:extLst>
   </p:cSld>
@@ -1496,7 +1343,7 @@
 </file>
 
 <file path=ppt/slideLayouts/slideLayout5.xml><?xml version="1.0" encoding="utf-8"?>
-<p:sldLayout xmlns:a="http://schemas.openxmlformats.org/drawingml/2006/main" xmlns:r="http://schemas.openxmlformats.org/officeDocument/2006/relationships" xmlns:p="http://schemas.openxmlformats.org/presentationml/2006/main" type="twoTxTwoObj" preserve="1">
+<p:sldLayout xmlns:a="http://schemas.openxmlformats.org/drawingml/2006/main" xmlns:r="http://schemas.openxmlformats.org/officeDocument/2006/relationships" xmlns:p="http://schemas.openxmlformats.org/presentationml/2006/main" preserve="1">
   <p:cSld name="比较">
     <p:spTree>
       <p:nvGrpSpPr>
@@ -1514,95 +1361,61 @@
       </p:grpSpPr>
       <p:sp>
         <p:nvSpPr>
-          <p:cNvPr id="2" name="标题 1">
-            <a:extLst>
-              <a:ext uri="{FF2B5EF4-FFF2-40B4-BE49-F238E27FC236}">
-                <a16:creationId xmlns:a16="http://schemas.microsoft.com/office/drawing/2014/main" id="{7DA40C5F-72D3-3FEC-F29A-72C21E50F2DC}"/>
-              </a:ext>
-            </a:extLst>
-          </p:cNvPr>
-          <p:cNvSpPr>
-            <a:spLocks noGrp="1"/>
-          </p:cNvSpPr>
-          <p:nvPr>
-            <p:ph type="title"/>
+          <p:cNvPr id="3" name="Text Placeholder 2"/>
+          <p:cNvSpPr>
+            <a:spLocks noGrp="1"/>
+          </p:cNvSpPr>
+          <p:nvPr>
+            <p:ph type="body" idx="1"/>
           </p:nvPr>
         </p:nvSpPr>
         <p:spPr>
           <a:xfrm>
-            <a:off x="839788" y="365125"/>
-            <a:ext cx="10515600" cy="1325563"/>
+            <a:off x="845127" y="1681852"/>
+            <a:ext cx="5156200" cy="825699"/>
           </a:xfrm>
         </p:spPr>
         <p:txBody>
-          <a:bodyPr/>
-          <a:lstStyle/>
-          <a:p>
-            <a:r>
-              <a:rPr lang="zh-CN" altLang="en-US"/>
-              <a:t>单击此处编辑母版标题样式</a:t>
-            </a:r>
-          </a:p>
-        </p:txBody>
-      </p:sp>
-      <p:sp>
-        <p:nvSpPr>
-          <p:cNvPr id="3" name="文本占位符 2">
-            <a:extLst>
-              <a:ext uri="{FF2B5EF4-FFF2-40B4-BE49-F238E27FC236}">
-                <a16:creationId xmlns:a16="http://schemas.microsoft.com/office/drawing/2014/main" id="{87564251-3A99-E86A-D399-5932F979EE8F}"/>
-              </a:ext>
-            </a:extLst>
-          </p:cNvPr>
-          <p:cNvSpPr>
-            <a:spLocks noGrp="1"/>
-          </p:cNvSpPr>
-          <p:nvPr>
-            <p:ph type="body" idx="1"/>
-          </p:nvPr>
-        </p:nvSpPr>
-        <p:spPr>
-          <a:xfrm>
-            <a:off x="839788" y="1681163"/>
-            <a:ext cx="5157787" cy="823912"/>
-          </a:xfrm>
-        </p:spPr>
-        <p:txBody>
-          <a:bodyPr anchor="b"/>
+          <a:bodyPr anchor="b">
+            <a:normAutofit/>
+          </a:bodyPr>
           <a:lstStyle>
             <a:lvl1pPr marL="0" indent="0">
+              <a:spcBef>
+                <a:spcPts val="0"/>
+              </a:spcBef>
               <a:buNone/>
               <a:defRPr sz="2400" b="1"/>
             </a:lvl1pPr>
-            <a:lvl2pPr marL="457200" indent="0">
+            <a:lvl2pPr marL="457189" indent="0">
               <a:buNone/>
               <a:defRPr sz="2000" b="1"/>
             </a:lvl2pPr>
-            <a:lvl3pPr marL="914400" indent="0">
+            <a:lvl3pPr marL="914377" indent="0">
               <a:buNone/>
               <a:defRPr sz="1800" b="1"/>
             </a:lvl3pPr>
-            <a:lvl4pPr marL="1371600" indent="0">
+            <a:lvl4pPr marL="1371566" indent="0">
               <a:buNone/>
               <a:defRPr sz="1600" b="1"/>
             </a:lvl4pPr>
-            <a:lvl5pPr marL="1828800" indent="0">
+            <a:lvl5pPr marL="1828754" indent="0">
               <a:buNone/>
               <a:defRPr sz="1600" b="1"/>
             </a:lvl5pPr>
-            <a:lvl6pPr marL="2286000" indent="0">
+            <a:lvl6pPr marL="2285943" indent="0">
               <a:buNone/>
               <a:defRPr sz="1600" b="1"/>
             </a:lvl6pPr>
-            <a:lvl7pPr marL="2743200" indent="0">
+            <a:lvl7pPr marL="2743131" indent="0">
               <a:buNone/>
               <a:defRPr sz="1600" b="1"/>
             </a:lvl7pPr>
-            <a:lvl8pPr marL="3200400" indent="0">
+            <a:lvl8pPr marL="3200320" indent="0">
               <a:buNone/>
               <a:defRPr sz="1600" b="1"/>
             </a:lvl8pPr>
-            <a:lvl9pPr marL="3657600" indent="0">
+            <a:lvl9pPr marL="3657509" indent="0">
               <a:buNone/>
               <a:defRPr sz="1600" b="1"/>
             </a:lvl9pPr>
@@ -1618,13 +1431,7 @@
       </p:sp>
       <p:sp>
         <p:nvSpPr>
-          <p:cNvPr id="4" name="内容占位符 3">
-            <a:extLst>
-              <a:ext uri="{FF2B5EF4-FFF2-40B4-BE49-F238E27FC236}">
-                <a16:creationId xmlns:a16="http://schemas.microsoft.com/office/drawing/2014/main" id="{E8D12186-6CA2-237D-9610-1728BF8A65FE}"/>
-              </a:ext>
-            </a:extLst>
-          </p:cNvPr>
+          <p:cNvPr id="4" name="Content Placeholder 3"/>
           <p:cNvSpPr>
             <a:spLocks noGrp="1"/>
           </p:cNvSpPr>
@@ -1634,8 +1441,8 @@
         </p:nvSpPr>
         <p:spPr>
           <a:xfrm>
-            <a:off x="839788" y="2505075"/>
-            <a:ext cx="5157787" cy="3684588"/>
+            <a:off x="845127" y="2507554"/>
+            <a:ext cx="5156200" cy="3680525"/>
           </a:xfrm>
         </p:spPr>
         <p:txBody>
@@ -1675,18 +1482,13 @@
               <a:rPr lang="zh-CN" altLang="en-US"/>
               <a:t>五级</a:t>
             </a:r>
-          </a:p>
-        </p:txBody>
-      </p:sp>
-      <p:sp>
-        <p:nvSpPr>
-          <p:cNvPr id="5" name="文本占位符 4">
-            <a:extLst>
-              <a:ext uri="{FF2B5EF4-FFF2-40B4-BE49-F238E27FC236}">
-                <a16:creationId xmlns:a16="http://schemas.microsoft.com/office/drawing/2014/main" id="{BC1C90A2-6456-D058-CF75-B052FF20FDF8}"/>
-              </a:ext>
-            </a:extLst>
-          </p:cNvPr>
+            <a:endParaRPr lang="en-US" dirty="0"/>
+          </a:p>
+        </p:txBody>
+      </p:sp>
+      <p:sp>
+        <p:nvSpPr>
+          <p:cNvPr id="5" name="Text Placeholder 4"/>
           <p:cNvSpPr>
             <a:spLocks noGrp="1"/>
           </p:cNvSpPr>
@@ -1696,46 +1498,49 @@
         </p:nvSpPr>
         <p:spPr>
           <a:xfrm>
-            <a:off x="6172200" y="1681163"/>
-            <a:ext cx="5183188" cy="823912"/>
+            <a:off x="6172202" y="1681851"/>
+            <a:ext cx="5181601" cy="825698"/>
           </a:xfrm>
         </p:spPr>
         <p:txBody>
           <a:bodyPr anchor="b"/>
           <a:lstStyle>
             <a:lvl1pPr marL="0" indent="0">
+              <a:spcBef>
+                <a:spcPts val="0"/>
+              </a:spcBef>
               <a:buNone/>
               <a:defRPr sz="2400" b="1"/>
             </a:lvl1pPr>
-            <a:lvl2pPr marL="457200" indent="0">
+            <a:lvl2pPr marL="457189" indent="0">
               <a:buNone/>
               <a:defRPr sz="2000" b="1"/>
             </a:lvl2pPr>
-            <a:lvl3pPr marL="914400" indent="0">
+            <a:lvl3pPr marL="914377" indent="0">
               <a:buNone/>
               <a:defRPr sz="1800" b="1"/>
             </a:lvl3pPr>
-            <a:lvl4pPr marL="1371600" indent="0">
+            <a:lvl4pPr marL="1371566" indent="0">
               <a:buNone/>
               <a:defRPr sz="1600" b="1"/>
             </a:lvl4pPr>
-            <a:lvl5pPr marL="1828800" indent="0">
+            <a:lvl5pPr marL="1828754" indent="0">
               <a:buNone/>
               <a:defRPr sz="1600" b="1"/>
             </a:lvl5pPr>
-            <a:lvl6pPr marL="2286000" indent="0">
+            <a:lvl6pPr marL="2285943" indent="0">
               <a:buNone/>
               <a:defRPr sz="1600" b="1"/>
             </a:lvl6pPr>
-            <a:lvl7pPr marL="2743200" indent="0">
+            <a:lvl7pPr marL="2743131" indent="0">
               <a:buNone/>
               <a:defRPr sz="1600" b="1"/>
             </a:lvl7pPr>
-            <a:lvl8pPr marL="3200400" indent="0">
+            <a:lvl8pPr marL="3200320" indent="0">
               <a:buNone/>
               <a:defRPr sz="1600" b="1"/>
             </a:lvl8pPr>
-            <a:lvl9pPr marL="3657600" indent="0">
+            <a:lvl9pPr marL="3657509" indent="0">
               <a:buNone/>
               <a:defRPr sz="1600" b="1"/>
             </a:lvl9pPr>
@@ -1751,13 +1556,7 @@
       </p:sp>
       <p:sp>
         <p:nvSpPr>
-          <p:cNvPr id="6" name="内容占位符 5">
-            <a:extLst>
-              <a:ext uri="{FF2B5EF4-FFF2-40B4-BE49-F238E27FC236}">
-                <a16:creationId xmlns:a16="http://schemas.microsoft.com/office/drawing/2014/main" id="{A32E718E-9355-4199-FD12-0F1173E1B9EE}"/>
-              </a:ext>
-            </a:extLst>
-          </p:cNvPr>
+          <p:cNvPr id="6" name="Content Placeholder 5"/>
           <p:cNvSpPr>
             <a:spLocks noGrp="1"/>
           </p:cNvSpPr>
@@ -1767,8 +1566,8 @@
         </p:nvSpPr>
         <p:spPr>
           <a:xfrm>
-            <a:off x="6172200" y="2505075"/>
-            <a:ext cx="5183188" cy="3684588"/>
+            <a:off x="6172202" y="2507554"/>
+            <a:ext cx="5181601" cy="3680525"/>
           </a:xfrm>
         </p:spPr>
         <p:txBody>
@@ -1808,18 +1607,13 @@
               <a:rPr lang="zh-CN" altLang="en-US"/>
               <a:t>五级</a:t>
             </a:r>
-          </a:p>
-        </p:txBody>
-      </p:sp>
-      <p:sp>
-        <p:nvSpPr>
-          <p:cNvPr id="7" name="日期占位符 6">
-            <a:extLst>
-              <a:ext uri="{FF2B5EF4-FFF2-40B4-BE49-F238E27FC236}">
-                <a16:creationId xmlns:a16="http://schemas.microsoft.com/office/drawing/2014/main" id="{2AF8E14B-6617-3F7D-8854-1CC3CF141D8B}"/>
-              </a:ext>
-            </a:extLst>
-          </p:cNvPr>
+            <a:endParaRPr lang="en-US"/>
+          </a:p>
+        </p:txBody>
+      </p:sp>
+      <p:sp>
+        <p:nvSpPr>
+          <p:cNvPr id="7" name="Date Placeholder 6"/>
           <p:cNvSpPr>
             <a:spLocks noGrp="1"/>
           </p:cNvSpPr>
@@ -1842,13 +1636,7 @@
       </p:sp>
       <p:sp>
         <p:nvSpPr>
-          <p:cNvPr id="8" name="页脚占位符 7">
-            <a:extLst>
-              <a:ext uri="{FF2B5EF4-FFF2-40B4-BE49-F238E27FC236}">
-                <a16:creationId xmlns:a16="http://schemas.microsoft.com/office/drawing/2014/main" id="{8343B391-6CDF-E053-9C75-FA53173F6F8A}"/>
-              </a:ext>
-            </a:extLst>
-          </p:cNvPr>
+          <p:cNvPr id="8" name="Footer Placeholder 7"/>
           <p:cNvSpPr>
             <a:spLocks noGrp="1"/>
           </p:cNvSpPr>
@@ -1867,13 +1655,7 @@
       </p:sp>
       <p:sp>
         <p:nvSpPr>
-          <p:cNvPr id="9" name="灯片编号占位符 8">
-            <a:extLst>
-              <a:ext uri="{FF2B5EF4-FFF2-40B4-BE49-F238E27FC236}">
-                <a16:creationId xmlns:a16="http://schemas.microsoft.com/office/drawing/2014/main" id="{AAC4E32F-82FB-A2CC-275D-01477145DB2A}"/>
-              </a:ext>
-            </a:extLst>
-          </p:cNvPr>
+          <p:cNvPr id="9" name="Slide Number Placeholder 8"/>
           <p:cNvSpPr>
             <a:spLocks noGrp="1"/>
           </p:cNvSpPr>
@@ -1894,10 +1676,33 @@
           </a:p>
         </p:txBody>
       </p:sp>
+      <p:sp>
+        <p:nvSpPr>
+          <p:cNvPr id="10" name="Title 9"/>
+          <p:cNvSpPr>
+            <a:spLocks noGrp="1"/>
+          </p:cNvSpPr>
+          <p:nvPr>
+            <p:ph type="title"/>
+          </p:nvPr>
+        </p:nvSpPr>
+        <p:spPr/>
+        <p:txBody>
+          <a:bodyPr/>
+          <a:lstStyle/>
+          <a:p>
+            <a:r>
+              <a:rPr lang="zh-CN" altLang="en-US"/>
+              <a:t>单击此处编辑母版标题样式</a:t>
+            </a:r>
+            <a:endParaRPr lang="en-US" dirty="0"/>
+          </a:p>
+        </p:txBody>
+      </p:sp>
     </p:spTree>
     <p:extLst>
       <p:ext uri="{BB962C8B-B14F-4D97-AF65-F5344CB8AC3E}">
-        <p14:creationId xmlns:p14="http://schemas.microsoft.com/office/powerpoint/2010/main" val="3113619516"/>
+        <p14:creationId xmlns:p14="http://schemas.microsoft.com/office/powerpoint/2010/main" val="572522519"/>
       </p:ext>
     </p:extLst>
   </p:cSld>
@@ -1908,7 +1713,7 @@
 </file>
 
 <file path=ppt/slideLayouts/slideLayout6.xml><?xml version="1.0" encoding="utf-8"?>
-<p:sldLayout xmlns:a="http://schemas.openxmlformats.org/drawingml/2006/main" xmlns:r="http://schemas.openxmlformats.org/officeDocument/2006/relationships" xmlns:p="http://schemas.openxmlformats.org/presentationml/2006/main" type="titleOnly" preserve="1">
+<p:sldLayout xmlns:a="http://schemas.openxmlformats.org/drawingml/2006/main" xmlns:r="http://schemas.openxmlformats.org/officeDocument/2006/relationships" xmlns:p="http://schemas.openxmlformats.org/presentationml/2006/main" preserve="1">
   <p:cSld name="仅标题">
     <p:spTree>
       <p:nvGrpSpPr>
@@ -1926,41 +1731,7 @@
       </p:grpSpPr>
       <p:sp>
         <p:nvSpPr>
-          <p:cNvPr id="2" name="标题 1">
-            <a:extLst>
-              <a:ext uri="{FF2B5EF4-FFF2-40B4-BE49-F238E27FC236}">
-                <a16:creationId xmlns:a16="http://schemas.microsoft.com/office/drawing/2014/main" id="{2728471E-F4D3-D032-6174-3CDB6ADD14CC}"/>
-              </a:ext>
-            </a:extLst>
-          </p:cNvPr>
-          <p:cNvSpPr>
-            <a:spLocks noGrp="1"/>
-          </p:cNvSpPr>
-          <p:nvPr>
-            <p:ph type="title"/>
-          </p:nvPr>
-        </p:nvSpPr>
-        <p:spPr/>
-        <p:txBody>
-          <a:bodyPr/>
-          <a:lstStyle/>
-          <a:p>
-            <a:r>
-              <a:rPr lang="zh-CN" altLang="en-US"/>
-              <a:t>单击此处编辑母版标题样式</a:t>
-            </a:r>
-          </a:p>
-        </p:txBody>
-      </p:sp>
-      <p:sp>
-        <p:nvSpPr>
-          <p:cNvPr id="3" name="日期占位符 2">
-            <a:extLst>
-              <a:ext uri="{FF2B5EF4-FFF2-40B4-BE49-F238E27FC236}">
-                <a16:creationId xmlns:a16="http://schemas.microsoft.com/office/drawing/2014/main" id="{82A6AFB3-3D6F-EA57-26B7-B73E2FDF1A16}"/>
-              </a:ext>
-            </a:extLst>
-          </p:cNvPr>
+          <p:cNvPr id="3" name="Date Placeholder 2"/>
           <p:cNvSpPr>
             <a:spLocks noGrp="1"/>
           </p:cNvSpPr>
@@ -1983,13 +1754,7 @@
       </p:sp>
       <p:sp>
         <p:nvSpPr>
-          <p:cNvPr id="4" name="页脚占位符 3">
-            <a:extLst>
-              <a:ext uri="{FF2B5EF4-FFF2-40B4-BE49-F238E27FC236}">
-                <a16:creationId xmlns:a16="http://schemas.microsoft.com/office/drawing/2014/main" id="{7504D935-8DB4-E7C4-B286-BE6152436483}"/>
-              </a:ext>
-            </a:extLst>
-          </p:cNvPr>
+          <p:cNvPr id="4" name="Footer Placeholder 3"/>
           <p:cNvSpPr>
             <a:spLocks noGrp="1"/>
           </p:cNvSpPr>
@@ -2008,13 +1773,7 @@
       </p:sp>
       <p:sp>
         <p:nvSpPr>
-          <p:cNvPr id="5" name="灯片编号占位符 4">
-            <a:extLst>
-              <a:ext uri="{FF2B5EF4-FFF2-40B4-BE49-F238E27FC236}">
-                <a16:creationId xmlns:a16="http://schemas.microsoft.com/office/drawing/2014/main" id="{79DACA5B-9E0E-E017-7855-ADA61FD15CD8}"/>
-              </a:ext>
-            </a:extLst>
-          </p:cNvPr>
+          <p:cNvPr id="5" name="Slide Number Placeholder 4"/>
           <p:cNvSpPr>
             <a:spLocks noGrp="1"/>
           </p:cNvSpPr>
@@ -2035,10 +1794,33 @@
           </a:p>
         </p:txBody>
       </p:sp>
+      <p:sp>
+        <p:nvSpPr>
+          <p:cNvPr id="6" name="Title 5"/>
+          <p:cNvSpPr>
+            <a:spLocks noGrp="1"/>
+          </p:cNvSpPr>
+          <p:nvPr>
+            <p:ph type="title"/>
+          </p:nvPr>
+        </p:nvSpPr>
+        <p:spPr/>
+        <p:txBody>
+          <a:bodyPr/>
+          <a:lstStyle/>
+          <a:p>
+            <a:r>
+              <a:rPr lang="zh-CN" altLang="en-US"/>
+              <a:t>单击此处编辑母版标题样式</a:t>
+            </a:r>
+            <a:endParaRPr lang="en-US"/>
+          </a:p>
+        </p:txBody>
+      </p:sp>
     </p:spTree>
     <p:extLst>
       <p:ext uri="{BB962C8B-B14F-4D97-AF65-F5344CB8AC3E}">
-        <p14:creationId xmlns:p14="http://schemas.microsoft.com/office/powerpoint/2010/main" val="2100716300"/>
+        <p14:creationId xmlns:p14="http://schemas.microsoft.com/office/powerpoint/2010/main" val="1376470169"/>
       </p:ext>
     </p:extLst>
   </p:cSld>
@@ -2067,13 +1849,7 @@
       </p:grpSpPr>
       <p:sp>
         <p:nvSpPr>
-          <p:cNvPr id="2" name="日期占位符 1">
-            <a:extLst>
-              <a:ext uri="{FF2B5EF4-FFF2-40B4-BE49-F238E27FC236}">
-                <a16:creationId xmlns:a16="http://schemas.microsoft.com/office/drawing/2014/main" id="{A9252C04-345B-49B6-56EA-2C5CCF6DC54B}"/>
-              </a:ext>
-            </a:extLst>
-          </p:cNvPr>
+          <p:cNvPr id="2" name="Date Placeholder 1"/>
           <p:cNvSpPr>
             <a:spLocks noGrp="1"/>
           </p:cNvSpPr>
@@ -2096,13 +1872,7 @@
       </p:sp>
       <p:sp>
         <p:nvSpPr>
-          <p:cNvPr id="3" name="页脚占位符 2">
-            <a:extLst>
-              <a:ext uri="{FF2B5EF4-FFF2-40B4-BE49-F238E27FC236}">
-                <a16:creationId xmlns:a16="http://schemas.microsoft.com/office/drawing/2014/main" id="{D692C883-0A85-AAE7-1163-F72B79EAE1B7}"/>
-              </a:ext>
-            </a:extLst>
-          </p:cNvPr>
+          <p:cNvPr id="3" name="Footer Placeholder 2"/>
           <p:cNvSpPr>
             <a:spLocks noGrp="1"/>
           </p:cNvSpPr>
@@ -2121,13 +1891,7 @@
       </p:sp>
       <p:sp>
         <p:nvSpPr>
-          <p:cNvPr id="4" name="灯片编号占位符 3">
-            <a:extLst>
-              <a:ext uri="{FF2B5EF4-FFF2-40B4-BE49-F238E27FC236}">
-                <a16:creationId xmlns:a16="http://schemas.microsoft.com/office/drawing/2014/main" id="{9FB6E5FE-D5D1-EE80-FBE4-7873B97CABCA}"/>
-              </a:ext>
-            </a:extLst>
-          </p:cNvPr>
+          <p:cNvPr id="4" name="Slide Number Placeholder 3"/>
           <p:cNvSpPr>
             <a:spLocks noGrp="1"/>
           </p:cNvSpPr>
@@ -2151,7 +1915,7 @@
     </p:spTree>
     <p:extLst>
       <p:ext uri="{BB962C8B-B14F-4D97-AF65-F5344CB8AC3E}">
-        <p14:creationId xmlns:p14="http://schemas.microsoft.com/office/powerpoint/2010/main" val="2588884101"/>
+        <p14:creationId xmlns:p14="http://schemas.microsoft.com/office/powerpoint/2010/main" val="840988740"/>
       </p:ext>
     </p:extLst>
   </p:cSld>
@@ -2180,13 +1944,7 @@
       </p:grpSpPr>
       <p:sp>
         <p:nvSpPr>
-          <p:cNvPr id="2" name="标题 1">
-            <a:extLst>
-              <a:ext uri="{FF2B5EF4-FFF2-40B4-BE49-F238E27FC236}">
-                <a16:creationId xmlns:a16="http://schemas.microsoft.com/office/drawing/2014/main" id="{D6488E84-F2ED-D10B-809F-46DAEEC56346}"/>
-              </a:ext>
-            </a:extLst>
-          </p:cNvPr>
+          <p:cNvPr id="2" name="Title 1"/>
           <p:cNvSpPr>
             <a:spLocks noGrp="1"/>
           </p:cNvSpPr>
@@ -2196,15 +1954,17 @@
         </p:nvSpPr>
         <p:spPr>
           <a:xfrm>
-            <a:off x="839788" y="457200"/>
-            <a:ext cx="3932237" cy="1600200"/>
+            <a:off x="841248" y="457204"/>
+            <a:ext cx="3931920" cy="1600197"/>
           </a:xfrm>
         </p:spPr>
         <p:txBody>
-          <a:bodyPr anchor="b"/>
+          <a:bodyPr anchor="b">
+            <a:normAutofit/>
+          </a:bodyPr>
           <a:lstStyle>
             <a:lvl1pPr>
-              <a:defRPr sz="3200"/>
+              <a:defRPr sz="3200" b="0"/>
             </a:lvl1pPr>
           </a:lstStyle>
           <a:p>
@@ -2212,18 +1972,13 @@
               <a:rPr lang="zh-CN" altLang="en-US"/>
               <a:t>单击此处编辑母版标题样式</a:t>
             </a:r>
-          </a:p>
-        </p:txBody>
-      </p:sp>
-      <p:sp>
-        <p:nvSpPr>
-          <p:cNvPr id="3" name="内容占位符 2">
-            <a:extLst>
-              <a:ext uri="{FF2B5EF4-FFF2-40B4-BE49-F238E27FC236}">
-                <a16:creationId xmlns:a16="http://schemas.microsoft.com/office/drawing/2014/main" id="{D11B413C-994B-28DF-B9EA-5C29AFEDFE34}"/>
-              </a:ext>
-            </a:extLst>
-          </p:cNvPr>
+            <a:endParaRPr lang="en-US" dirty="0"/>
+          </a:p>
+        </p:txBody>
+      </p:sp>
+      <p:sp>
+        <p:nvSpPr>
+          <p:cNvPr id="3" name="Content Placeholder 2"/>
           <p:cNvSpPr>
             <a:spLocks noGrp="1"/>
           </p:cNvSpPr>
@@ -2233,8 +1988,8 @@
         </p:nvSpPr>
         <p:spPr>
           <a:xfrm>
-            <a:off x="5183188" y="987425"/>
-            <a:ext cx="6172200" cy="4873625"/>
+            <a:off x="5181600" y="990600"/>
+            <a:ext cx="6172200" cy="4876800"/>
           </a:xfrm>
         </p:spPr>
         <p:txBody>
@@ -2302,18 +2057,13 @@
               <a:rPr lang="zh-CN" altLang="en-US"/>
               <a:t>五级</a:t>
             </a:r>
-          </a:p>
-        </p:txBody>
-      </p:sp>
-      <p:sp>
-        <p:nvSpPr>
-          <p:cNvPr id="4" name="文本占位符 3">
-            <a:extLst>
-              <a:ext uri="{FF2B5EF4-FFF2-40B4-BE49-F238E27FC236}">
-                <a16:creationId xmlns:a16="http://schemas.microsoft.com/office/drawing/2014/main" id="{B276E334-F861-CB85-9792-E8B36D3DB49D}"/>
-              </a:ext>
-            </a:extLst>
-          </p:cNvPr>
+            <a:endParaRPr lang="en-US" dirty="0"/>
+          </a:p>
+        </p:txBody>
+      </p:sp>
+      <p:sp>
+        <p:nvSpPr>
+          <p:cNvPr id="4" name="Text Placeholder 3"/>
           <p:cNvSpPr>
             <a:spLocks noGrp="1"/>
           </p:cNvSpPr>
@@ -2323,48 +2073,53 @@
         </p:nvSpPr>
         <p:spPr>
           <a:xfrm>
-            <a:off x="839788" y="2057400"/>
-            <a:ext cx="3932237" cy="3811588"/>
+            <a:off x="841248" y="2057399"/>
+            <a:ext cx="3931920" cy="3810001"/>
           </a:xfrm>
         </p:spPr>
         <p:txBody>
-          <a:bodyPr/>
+          <a:bodyPr>
+            <a:normAutofit/>
+          </a:bodyPr>
           <a:lstStyle>
             <a:lvl1pPr marL="0" indent="0">
+              <a:lnSpc>
+                <a:spcPct val="90000"/>
+              </a:lnSpc>
               <a:buNone/>
               <a:defRPr sz="1600"/>
             </a:lvl1pPr>
-            <a:lvl2pPr marL="457200" indent="0">
-              <a:buNone/>
-              <a:defRPr sz="1400"/>
-            </a:lvl2pPr>
-            <a:lvl3pPr marL="914400" indent="0">
+            <a:lvl2pPr marL="457189" indent="0">
               <a:buNone/>
               <a:defRPr sz="1200"/>
-            </a:lvl3pPr>
-            <a:lvl4pPr marL="1371600" indent="0">
+            </a:lvl2pPr>
+            <a:lvl3pPr marL="914377" indent="0">
               <a:buNone/>
               <a:defRPr sz="1000"/>
+            </a:lvl3pPr>
+            <a:lvl4pPr marL="1371566" indent="0">
+              <a:buNone/>
+              <a:defRPr sz="900"/>
             </a:lvl4pPr>
-            <a:lvl5pPr marL="1828800" indent="0">
+            <a:lvl5pPr marL="1828754" indent="0">
               <a:buNone/>
-              <a:defRPr sz="1000"/>
+              <a:defRPr sz="900"/>
             </a:lvl5pPr>
-            <a:lvl6pPr marL="2286000" indent="0">
+            <a:lvl6pPr marL="2285943" indent="0">
               <a:buNone/>
-              <a:defRPr sz="1000"/>
+              <a:defRPr sz="900"/>
             </a:lvl6pPr>
-            <a:lvl7pPr marL="2743200" indent="0">
+            <a:lvl7pPr marL="2743131" indent="0">
               <a:buNone/>
-              <a:defRPr sz="1000"/>
+              <a:defRPr sz="900"/>
             </a:lvl7pPr>
-            <a:lvl8pPr marL="3200400" indent="0">
+            <a:lvl8pPr marL="3200320" indent="0">
               <a:buNone/>
-              <a:defRPr sz="1000"/>
+              <a:defRPr sz="900"/>
             </a:lvl8pPr>
-            <a:lvl9pPr marL="3657600" indent="0">
+            <a:lvl9pPr marL="3657509" indent="0">
               <a:buNone/>
-              <a:defRPr sz="1000"/>
+              <a:defRPr sz="900"/>
             </a:lvl9pPr>
           </a:lstStyle>
           <a:p>
@@ -2378,13 +2133,7 @@
       </p:sp>
       <p:sp>
         <p:nvSpPr>
-          <p:cNvPr id="5" name="日期占位符 4">
-            <a:extLst>
-              <a:ext uri="{FF2B5EF4-FFF2-40B4-BE49-F238E27FC236}">
-                <a16:creationId xmlns:a16="http://schemas.microsoft.com/office/drawing/2014/main" id="{7320AE8F-F5D3-1FAB-A00D-96DACCACF279}"/>
-              </a:ext>
-            </a:extLst>
-          </p:cNvPr>
+          <p:cNvPr id="5" name="Date Placeholder 4"/>
           <p:cNvSpPr>
             <a:spLocks noGrp="1"/>
           </p:cNvSpPr>
@@ -2407,13 +2156,7 @@
       </p:sp>
       <p:sp>
         <p:nvSpPr>
-          <p:cNvPr id="6" name="页脚占位符 5">
-            <a:extLst>
-              <a:ext uri="{FF2B5EF4-FFF2-40B4-BE49-F238E27FC236}">
-                <a16:creationId xmlns:a16="http://schemas.microsoft.com/office/drawing/2014/main" id="{4BEA26DE-7D42-81DF-D5DF-24430D6BD3F3}"/>
-              </a:ext>
-            </a:extLst>
-          </p:cNvPr>
+          <p:cNvPr id="6" name="Footer Placeholder 5"/>
           <p:cNvSpPr>
             <a:spLocks noGrp="1"/>
           </p:cNvSpPr>
@@ -2432,13 +2175,7 @@
       </p:sp>
       <p:sp>
         <p:nvSpPr>
-          <p:cNvPr id="7" name="灯片编号占位符 6">
-            <a:extLst>
-              <a:ext uri="{FF2B5EF4-FFF2-40B4-BE49-F238E27FC236}">
-                <a16:creationId xmlns:a16="http://schemas.microsoft.com/office/drawing/2014/main" id="{5EFE82C0-4705-B8DE-65F8-77A7018F34AF}"/>
-              </a:ext>
-            </a:extLst>
-          </p:cNvPr>
+          <p:cNvPr id="7" name="Slide Number Placeholder 6"/>
           <p:cNvSpPr>
             <a:spLocks noGrp="1"/>
           </p:cNvSpPr>
@@ -2462,7 +2199,7 @@
     </p:spTree>
     <p:extLst>
       <p:ext uri="{BB962C8B-B14F-4D97-AF65-F5344CB8AC3E}">
-        <p14:creationId xmlns:p14="http://schemas.microsoft.com/office/powerpoint/2010/main" val="600450104"/>
+        <p14:creationId xmlns:p14="http://schemas.microsoft.com/office/powerpoint/2010/main" val="961344095"/>
       </p:ext>
     </p:extLst>
   </p:cSld>
@@ -2491,13 +2228,7 @@
       </p:grpSpPr>
       <p:sp>
         <p:nvSpPr>
-          <p:cNvPr id="2" name="标题 1">
-            <a:extLst>
-              <a:ext uri="{FF2B5EF4-FFF2-40B4-BE49-F238E27FC236}">
-                <a16:creationId xmlns:a16="http://schemas.microsoft.com/office/drawing/2014/main" id="{3C93F155-F3FE-C032-775B-BA04DA964998}"/>
-              </a:ext>
-            </a:extLst>
-          </p:cNvPr>
+          <p:cNvPr id="2" name="Title 1"/>
           <p:cNvSpPr>
             <a:spLocks noGrp="1"/>
           </p:cNvSpPr>
@@ -2507,15 +2238,17 @@
         </p:nvSpPr>
         <p:spPr>
           <a:xfrm>
-            <a:off x="839788" y="457200"/>
-            <a:ext cx="3932237" cy="1600200"/>
+            <a:off x="841248" y="457200"/>
+            <a:ext cx="3931920" cy="1600200"/>
           </a:xfrm>
         </p:spPr>
         <p:txBody>
-          <a:bodyPr anchor="b"/>
+          <a:bodyPr anchor="b">
+            <a:normAutofit/>
+          </a:bodyPr>
           <a:lstStyle>
             <a:lvl1pPr>
-              <a:defRPr sz="3200"/>
+              <a:defRPr sz="3200" b="0"/>
             </a:lvl1pPr>
           </a:lstStyle>
           <a:p>
@@ -2523,18 +2256,13 @@
               <a:rPr lang="zh-CN" altLang="en-US"/>
               <a:t>单击此处编辑母版标题样式</a:t>
             </a:r>
-          </a:p>
-        </p:txBody>
-      </p:sp>
-      <p:sp>
-        <p:nvSpPr>
-          <p:cNvPr id="3" name="图片占位符 2">
-            <a:extLst>
-              <a:ext uri="{FF2B5EF4-FFF2-40B4-BE49-F238E27FC236}">
-                <a16:creationId xmlns:a16="http://schemas.microsoft.com/office/drawing/2014/main" id="{C78A7CA5-0B3D-D8A5-CFB4-5262A7FA20EF}"/>
-              </a:ext>
-            </a:extLst>
-          </p:cNvPr>
+            <a:endParaRPr lang="en-US" dirty="0"/>
+          </a:p>
+        </p:txBody>
+      </p:sp>
+      <p:sp>
+        <p:nvSpPr>
+          <p:cNvPr id="3" name="Picture Placeholder 2"/>
           <p:cNvSpPr>
             <a:spLocks noGrp="1"/>
           </p:cNvSpPr>
@@ -2544,8 +2272,8 @@
         </p:nvSpPr>
         <p:spPr>
           <a:xfrm>
-            <a:off x="5183188" y="987425"/>
-            <a:ext cx="6172200" cy="4873625"/>
+            <a:off x="5181600" y="990600"/>
+            <a:ext cx="6172200" cy="4876800"/>
           </a:xfrm>
         </p:spPr>
         <p:txBody>
@@ -2555,53 +2283,51 @@
               <a:buNone/>
               <a:defRPr sz="3200"/>
             </a:lvl1pPr>
-            <a:lvl2pPr marL="457200" indent="0">
+            <a:lvl2pPr marL="457189" indent="0">
               <a:buNone/>
               <a:defRPr sz="2800"/>
             </a:lvl2pPr>
-            <a:lvl3pPr marL="914400" indent="0">
+            <a:lvl3pPr marL="914377" indent="0">
               <a:buNone/>
               <a:defRPr sz="2400"/>
             </a:lvl3pPr>
-            <a:lvl4pPr marL="1371600" indent="0">
+            <a:lvl4pPr marL="1371566" indent="0">
               <a:buNone/>
               <a:defRPr sz="2000"/>
             </a:lvl4pPr>
-            <a:lvl5pPr marL="1828800" indent="0">
+            <a:lvl5pPr marL="1828754" indent="0">
               <a:buNone/>
               <a:defRPr sz="2000"/>
             </a:lvl5pPr>
-            <a:lvl6pPr marL="2286000" indent="0">
+            <a:lvl6pPr marL="2285943" indent="0">
               <a:buNone/>
               <a:defRPr sz="2000"/>
             </a:lvl6pPr>
-            <a:lvl7pPr marL="2743200" indent="0">
+            <a:lvl7pPr marL="2743131" indent="0">
               <a:buNone/>
               <a:defRPr sz="2000"/>
             </a:lvl7pPr>
-            <a:lvl8pPr marL="3200400" indent="0">
+            <a:lvl8pPr marL="3200320" indent="0">
               <a:buNone/>
               <a:defRPr sz="2000"/>
             </a:lvl8pPr>
-            <a:lvl9pPr marL="3657600" indent="0">
+            <a:lvl9pPr marL="3657509" indent="0">
               <a:buNone/>
               <a:defRPr sz="2000"/>
             </a:lvl9pPr>
           </a:lstStyle>
           <a:p>
-            <a:endParaRPr lang="zh-CN" altLang="en-US"/>
-          </a:p>
-        </p:txBody>
-      </p:sp>
-      <p:sp>
-        <p:nvSpPr>
-          <p:cNvPr id="4" name="文本占位符 3">
-            <a:extLst>
-              <a:ext uri="{FF2B5EF4-FFF2-40B4-BE49-F238E27FC236}">
-                <a16:creationId xmlns:a16="http://schemas.microsoft.com/office/drawing/2014/main" id="{DF72CB1B-31ED-700A-AEB6-40033039F2BE}"/>
-              </a:ext>
-            </a:extLst>
-          </p:cNvPr>
+            <a:r>
+              <a:rPr lang="zh-CN" altLang="en-US"/>
+              <a:t>单击图标添加图片</a:t>
+            </a:r>
+            <a:endParaRPr lang="en-US" dirty="0"/>
+          </a:p>
+        </p:txBody>
+      </p:sp>
+      <p:sp>
+        <p:nvSpPr>
+          <p:cNvPr id="4" name="Text Placeholder 3"/>
           <p:cNvSpPr>
             <a:spLocks noGrp="1"/>
           </p:cNvSpPr>
@@ -2611,48 +2337,53 @@
         </p:nvSpPr>
         <p:spPr>
           <a:xfrm>
-            <a:off x="839788" y="2057400"/>
-            <a:ext cx="3932237" cy="3811588"/>
+            <a:off x="841248" y="2057400"/>
+            <a:ext cx="3931920" cy="3810000"/>
           </a:xfrm>
         </p:spPr>
         <p:txBody>
-          <a:bodyPr/>
+          <a:bodyPr>
+            <a:normAutofit/>
+          </a:bodyPr>
           <a:lstStyle>
             <a:lvl1pPr marL="0" indent="0">
+              <a:lnSpc>
+                <a:spcPct val="90000"/>
+              </a:lnSpc>
               <a:buNone/>
               <a:defRPr sz="1600"/>
             </a:lvl1pPr>
-            <a:lvl2pPr marL="457200" indent="0">
-              <a:buNone/>
-              <a:defRPr sz="1400"/>
-            </a:lvl2pPr>
-            <a:lvl3pPr marL="914400" indent="0">
+            <a:lvl2pPr marL="457189" indent="0">
               <a:buNone/>
               <a:defRPr sz="1200"/>
-            </a:lvl3pPr>
-            <a:lvl4pPr marL="1371600" indent="0">
+            </a:lvl2pPr>
+            <a:lvl3pPr marL="914377" indent="0">
               <a:buNone/>
               <a:defRPr sz="1000"/>
+            </a:lvl3pPr>
+            <a:lvl4pPr marL="1371566" indent="0">
+              <a:buNone/>
+              <a:defRPr sz="900"/>
             </a:lvl4pPr>
-            <a:lvl5pPr marL="1828800" indent="0">
+            <a:lvl5pPr marL="1828754" indent="0">
               <a:buNone/>
-              <a:defRPr sz="1000"/>
+              <a:defRPr sz="900"/>
             </a:lvl5pPr>
-            <a:lvl6pPr marL="2286000" indent="0">
+            <a:lvl6pPr marL="2285943" indent="0">
               <a:buNone/>
-              <a:defRPr sz="1000"/>
+              <a:defRPr sz="900"/>
             </a:lvl6pPr>
-            <a:lvl7pPr marL="2743200" indent="0">
+            <a:lvl7pPr marL="2743131" indent="0">
               <a:buNone/>
-              <a:defRPr sz="1000"/>
+              <a:defRPr sz="900"/>
             </a:lvl7pPr>
-            <a:lvl8pPr marL="3200400" indent="0">
+            <a:lvl8pPr marL="3200320" indent="0">
               <a:buNone/>
-              <a:defRPr sz="1000"/>
+              <a:defRPr sz="900"/>
             </a:lvl8pPr>
-            <a:lvl9pPr marL="3657600" indent="0">
+            <a:lvl9pPr marL="3657509" indent="0">
               <a:buNone/>
-              <a:defRPr sz="1000"/>
+              <a:defRPr sz="900"/>
             </a:lvl9pPr>
           </a:lstStyle>
           <a:p>
@@ -2666,13 +2397,7 @@
       </p:sp>
       <p:sp>
         <p:nvSpPr>
-          <p:cNvPr id="5" name="日期占位符 4">
-            <a:extLst>
-              <a:ext uri="{FF2B5EF4-FFF2-40B4-BE49-F238E27FC236}">
-                <a16:creationId xmlns:a16="http://schemas.microsoft.com/office/drawing/2014/main" id="{17F006F3-619E-DAF2-8E67-221E18F97980}"/>
-              </a:ext>
-            </a:extLst>
-          </p:cNvPr>
+          <p:cNvPr id="5" name="Date Placeholder 4"/>
           <p:cNvSpPr>
             <a:spLocks noGrp="1"/>
           </p:cNvSpPr>
@@ -2695,13 +2420,7 @@
       </p:sp>
       <p:sp>
         <p:nvSpPr>
-          <p:cNvPr id="6" name="页脚占位符 5">
-            <a:extLst>
-              <a:ext uri="{FF2B5EF4-FFF2-40B4-BE49-F238E27FC236}">
-                <a16:creationId xmlns:a16="http://schemas.microsoft.com/office/drawing/2014/main" id="{E97AD9BC-6721-2349-E2F7-3F2D858B48A5}"/>
-              </a:ext>
-            </a:extLst>
-          </p:cNvPr>
+          <p:cNvPr id="6" name="Footer Placeholder 5"/>
           <p:cNvSpPr>
             <a:spLocks noGrp="1"/>
           </p:cNvSpPr>
@@ -2720,13 +2439,7 @@
       </p:sp>
       <p:sp>
         <p:nvSpPr>
-          <p:cNvPr id="7" name="灯片编号占位符 6">
-            <a:extLst>
-              <a:ext uri="{FF2B5EF4-FFF2-40B4-BE49-F238E27FC236}">
-                <a16:creationId xmlns:a16="http://schemas.microsoft.com/office/drawing/2014/main" id="{43A592F7-5243-CDC0-D2D7-6FE4407E9828}"/>
-              </a:ext>
-            </a:extLst>
-          </p:cNvPr>
+          <p:cNvPr id="7" name="Slide Number Placeholder 6"/>
           <p:cNvSpPr>
             <a:spLocks noGrp="1"/>
           </p:cNvSpPr>
@@ -2750,7 +2463,7 @@
     </p:spTree>
     <p:extLst>
       <p:ext uri="{BB962C8B-B14F-4D97-AF65-F5344CB8AC3E}">
-        <p14:creationId xmlns:p14="http://schemas.microsoft.com/office/powerpoint/2010/main" val="4028891664"/>
+        <p14:creationId xmlns:p14="http://schemas.microsoft.com/office/powerpoint/2010/main" val="496134364"/>
       </p:ext>
     </p:extLst>
   </p:cSld>
@@ -2761,7 +2474,7 @@
 </file>
 
 <file path=ppt/slideMasters/slideMaster1.xml><?xml version="1.0" encoding="utf-8"?>
-<p:sldMaster xmlns:a="http://schemas.openxmlformats.org/drawingml/2006/main" xmlns:r="http://schemas.openxmlformats.org/officeDocument/2006/relationships" xmlns:p="http://schemas.openxmlformats.org/presentationml/2006/main">
+<p:sldMaster xmlns:a="http://schemas.openxmlformats.org/drawingml/2006/main" xmlns:r="http://schemas.openxmlformats.org/officeDocument/2006/relationships" xmlns:p="http://schemas.openxmlformats.org/presentationml/2006/main" preserve="1">
   <p:cSld>
     <p:bg>
       <p:bgRef idx="1001">
@@ -2784,13 +2497,7 @@
       </p:grpSpPr>
       <p:sp>
         <p:nvSpPr>
-          <p:cNvPr id="2" name="标题占位符 1">
-            <a:extLst>
-              <a:ext uri="{FF2B5EF4-FFF2-40B4-BE49-F238E27FC236}">
-                <a16:creationId xmlns:a16="http://schemas.microsoft.com/office/drawing/2014/main" id="{06E1D8B0-1704-3A44-156A-D6EE566C2D2C}"/>
-              </a:ext>
-            </a:extLst>
-          </p:cNvPr>
+          <p:cNvPr id="2" name="Title Placeholder 1"/>
           <p:cNvSpPr>
             <a:spLocks noGrp="1"/>
           </p:cNvSpPr>
@@ -2800,8 +2507,8 @@
         </p:nvSpPr>
         <p:spPr>
           <a:xfrm>
-            <a:off x="838200" y="365125"/>
-            <a:ext cx="10515600" cy="1325563"/>
+            <a:off x="845127" y="365760"/>
+            <a:ext cx="10515600" cy="1325562"/>
           </a:xfrm>
           <a:prstGeom prst="rect">
             <a:avLst/>
@@ -2817,18 +2524,13 @@
               <a:rPr lang="zh-CN" altLang="en-US"/>
               <a:t>单击此处编辑母版标题样式</a:t>
             </a:r>
-          </a:p>
-        </p:txBody>
-      </p:sp>
-      <p:sp>
-        <p:nvSpPr>
-          <p:cNvPr id="3" name="文本占位符 2">
-            <a:extLst>
-              <a:ext uri="{FF2B5EF4-FFF2-40B4-BE49-F238E27FC236}">
-                <a16:creationId xmlns:a16="http://schemas.microsoft.com/office/drawing/2014/main" id="{9A3B0826-73AE-1DBF-3936-07C22AF21285}"/>
-              </a:ext>
-            </a:extLst>
-          </p:cNvPr>
+            <a:endParaRPr lang="en-US" dirty="0"/>
+          </a:p>
+        </p:txBody>
+      </p:sp>
+      <p:sp>
+        <p:nvSpPr>
+          <p:cNvPr id="3" name="Text Placeholder 2"/>
           <p:cNvSpPr>
             <a:spLocks noGrp="1"/>
           </p:cNvSpPr>
@@ -2838,8 +2540,8 @@
         </p:nvSpPr>
         <p:spPr>
           <a:xfrm>
-            <a:off x="838200" y="1825625"/>
-            <a:ext cx="10515600" cy="4351338"/>
+            <a:off x="845127" y="1828803"/>
+            <a:ext cx="10515600" cy="4351337"/>
           </a:xfrm>
           <a:prstGeom prst="rect">
             <a:avLst/>
@@ -2884,18 +2586,13 @@
               <a:rPr lang="zh-CN" altLang="en-US"/>
               <a:t>五级</a:t>
             </a:r>
-          </a:p>
-        </p:txBody>
-      </p:sp>
-      <p:sp>
-        <p:nvSpPr>
-          <p:cNvPr id="4" name="日期占位符 3">
-            <a:extLst>
-              <a:ext uri="{FF2B5EF4-FFF2-40B4-BE49-F238E27FC236}">
-                <a16:creationId xmlns:a16="http://schemas.microsoft.com/office/drawing/2014/main" id="{8DC653B4-760D-1FAE-400E-C86F82A7E425}"/>
-              </a:ext>
-            </a:extLst>
-          </p:cNvPr>
+            <a:endParaRPr lang="en-US" dirty="0"/>
+          </a:p>
+        </p:txBody>
+      </p:sp>
+      <p:sp>
+        <p:nvSpPr>
+          <p:cNvPr id="4" name="Date Placeholder 3"/>
           <p:cNvSpPr>
             <a:spLocks noGrp="1"/>
           </p:cNvSpPr>
@@ -2905,7 +2602,7 @@
         </p:nvSpPr>
         <p:spPr>
           <a:xfrm>
-            <a:off x="838200" y="6356350"/>
+            <a:off x="838200" y="6356354"/>
             <a:ext cx="2743200" cy="365125"/>
           </a:xfrm>
           <a:prstGeom prst="rect">
@@ -2916,7 +2613,87 @@
           <a:bodyPr vert="horz" lIns="91440" tIns="45720" rIns="91440" bIns="45720" rtlCol="0" anchor="ctr"/>
           <a:lstStyle>
             <a:lvl1pPr algn="l">
-              <a:defRPr sz="1200">
+              <a:defRPr sz="1100">
+                <a:solidFill>
+                  <a:schemeClr val="tx1">
+                    <a:lumMod val="65000"/>
+                    <a:lumOff val="35000"/>
+                  </a:schemeClr>
+                </a:solidFill>
+              </a:defRPr>
+            </a:lvl1pPr>
+          </a:lstStyle>
+          <a:p>
+            <a:fld id="{ECE90DBC-198A-4951-981A-CD336A3DC4A3}" type="datetimeFigureOut">
+              <a:rPr lang="zh-CN" altLang="en-US" smtClean="0"/>
+              <a:t>2024/3/14</a:t>
+            </a:fld>
+            <a:endParaRPr lang="zh-CN" altLang="en-US"/>
+          </a:p>
+        </p:txBody>
+      </p:sp>
+      <p:sp>
+        <p:nvSpPr>
+          <p:cNvPr id="5" name="Footer Placeholder 4"/>
+          <p:cNvSpPr>
+            <a:spLocks noGrp="1"/>
+          </p:cNvSpPr>
+          <p:nvPr>
+            <p:ph type="ftr" sz="quarter" idx="3"/>
+          </p:nvPr>
+        </p:nvSpPr>
+        <p:spPr>
+          <a:xfrm>
+            <a:off x="4038600" y="6356354"/>
+            <a:ext cx="4114800" cy="365125"/>
+          </a:xfrm>
+          <a:prstGeom prst="rect">
+            <a:avLst/>
+          </a:prstGeom>
+        </p:spPr>
+        <p:txBody>
+          <a:bodyPr vert="horz" lIns="91440" tIns="45720" rIns="91440" bIns="45720" rtlCol="0" anchor="ctr"/>
+          <a:lstStyle>
+            <a:lvl1pPr algn="ctr">
+              <a:defRPr sz="1100">
+                <a:solidFill>
+                  <a:schemeClr val="tx1">
+                    <a:lumMod val="65000"/>
+                    <a:lumOff val="35000"/>
+                  </a:schemeClr>
+                </a:solidFill>
+              </a:defRPr>
+            </a:lvl1pPr>
+          </a:lstStyle>
+          <a:p>
+            <a:endParaRPr lang="zh-CN" altLang="en-US"/>
+          </a:p>
+        </p:txBody>
+      </p:sp>
+      <p:sp>
+        <p:nvSpPr>
+          <p:cNvPr id="6" name="Slide Number Placeholder 5"/>
+          <p:cNvSpPr>
+            <a:spLocks noGrp="1"/>
+          </p:cNvSpPr>
+          <p:nvPr>
+            <p:ph type="sldNum" sz="quarter" idx="4"/>
+          </p:nvPr>
+        </p:nvSpPr>
+        <p:spPr>
+          <a:xfrm>
+            <a:off x="8617527" y="6356354"/>
+            <a:ext cx="2743200" cy="365125"/>
+          </a:xfrm>
+          <a:prstGeom prst="rect">
+            <a:avLst/>
+          </a:prstGeom>
+        </p:spPr>
+        <p:txBody>
+          <a:bodyPr vert="horz" lIns="91440" tIns="45720" rIns="91440" bIns="45720" rtlCol="0" anchor="ctr"/>
+          <a:lstStyle>
+            <a:lvl1pPr algn="r">
+              <a:defRPr sz="1100">
                 <a:solidFill>
                   <a:schemeClr val="tx1">
                     <a:tint val="75000"/>
@@ -2926,96 +2703,6 @@
             </a:lvl1pPr>
           </a:lstStyle>
           <a:p>
-            <a:fld id="{ECE90DBC-198A-4951-981A-CD336A3DC4A3}" type="datetimeFigureOut">
-              <a:rPr lang="zh-CN" altLang="en-US" smtClean="0"/>
-              <a:t>2024/3/14</a:t>
-            </a:fld>
-            <a:endParaRPr lang="zh-CN" altLang="en-US"/>
-          </a:p>
-        </p:txBody>
-      </p:sp>
-      <p:sp>
-        <p:nvSpPr>
-          <p:cNvPr id="5" name="页脚占位符 4">
-            <a:extLst>
-              <a:ext uri="{FF2B5EF4-FFF2-40B4-BE49-F238E27FC236}">
-                <a16:creationId xmlns:a16="http://schemas.microsoft.com/office/drawing/2014/main" id="{3C71CDBE-6E17-6B83-2E0D-5B92179324EC}"/>
-              </a:ext>
-            </a:extLst>
-          </p:cNvPr>
-          <p:cNvSpPr>
-            <a:spLocks noGrp="1"/>
-          </p:cNvSpPr>
-          <p:nvPr>
-            <p:ph type="ftr" sz="quarter" idx="3"/>
-          </p:nvPr>
-        </p:nvSpPr>
-        <p:spPr>
-          <a:xfrm>
-            <a:off x="4038600" y="6356350"/>
-            <a:ext cx="4114800" cy="365125"/>
-          </a:xfrm>
-          <a:prstGeom prst="rect">
-            <a:avLst/>
-          </a:prstGeom>
-        </p:spPr>
-        <p:txBody>
-          <a:bodyPr vert="horz" lIns="91440" tIns="45720" rIns="91440" bIns="45720" rtlCol="0" anchor="ctr"/>
-          <a:lstStyle>
-            <a:lvl1pPr algn="ctr">
-              <a:defRPr sz="1200">
-                <a:solidFill>
-                  <a:schemeClr val="tx1">
-                    <a:tint val="75000"/>
-                  </a:schemeClr>
-                </a:solidFill>
-              </a:defRPr>
-            </a:lvl1pPr>
-          </a:lstStyle>
-          <a:p>
-            <a:endParaRPr lang="zh-CN" altLang="en-US"/>
-          </a:p>
-        </p:txBody>
-      </p:sp>
-      <p:sp>
-        <p:nvSpPr>
-          <p:cNvPr id="6" name="灯片编号占位符 5">
-            <a:extLst>
-              <a:ext uri="{FF2B5EF4-FFF2-40B4-BE49-F238E27FC236}">
-                <a16:creationId xmlns:a16="http://schemas.microsoft.com/office/drawing/2014/main" id="{62683E5F-8592-347C-8163-9596E3AF9141}"/>
-              </a:ext>
-            </a:extLst>
-          </p:cNvPr>
-          <p:cNvSpPr>
-            <a:spLocks noGrp="1"/>
-          </p:cNvSpPr>
-          <p:nvPr>
-            <p:ph type="sldNum" sz="quarter" idx="4"/>
-          </p:nvPr>
-        </p:nvSpPr>
-        <p:spPr>
-          <a:xfrm>
-            <a:off x="8610600" y="6356350"/>
-            <a:ext cx="2743200" cy="365125"/>
-          </a:xfrm>
-          <a:prstGeom prst="rect">
-            <a:avLst/>
-          </a:prstGeom>
-        </p:spPr>
-        <p:txBody>
-          <a:bodyPr vert="horz" lIns="91440" tIns="45720" rIns="91440" bIns="45720" rtlCol="0" anchor="ctr"/>
-          <a:lstStyle>
-            <a:lvl1pPr algn="r">
-              <a:defRPr sz="1200">
-                <a:solidFill>
-                  <a:schemeClr val="tx1">
-                    <a:tint val="75000"/>
-                  </a:schemeClr>
-                </a:solidFill>
-              </a:defRPr>
-            </a:lvl1pPr>
-          </a:lstStyle>
-          <a:p>
             <a:fld id="{AE6B9B6F-18BE-4B98-B6C6-8E1115BABC59}" type="slidenum">
               <a:rPr lang="zh-CN" altLang="en-US" smtClean="0"/>
               <a:t>‹#›</a:t>
@@ -3027,27 +2714,27 @@
     </p:spTree>
     <p:extLst>
       <p:ext uri="{BB962C8B-B14F-4D97-AF65-F5344CB8AC3E}">
-        <p14:creationId xmlns:p14="http://schemas.microsoft.com/office/powerpoint/2010/main" val="2962381769"/>
+        <p14:creationId xmlns:p14="http://schemas.microsoft.com/office/powerpoint/2010/main" val="3787837762"/>
       </p:ext>
     </p:extLst>
   </p:cSld>
   <p:clrMap bg1="lt1" tx1="dk1" bg2="lt2" tx2="dk2" accent1="accent1" accent2="accent2" accent3="accent3" accent4="accent4" accent5="accent5" accent6="accent6" hlink="hlink" folHlink="folHlink"/>
   <p:sldLayoutIdLst>
-    <p:sldLayoutId id="2147483649" r:id="rId1"/>
-    <p:sldLayoutId id="2147483650" r:id="rId2"/>
-    <p:sldLayoutId id="2147483651" r:id="rId3"/>
-    <p:sldLayoutId id="2147483652" r:id="rId4"/>
-    <p:sldLayoutId id="2147483653" r:id="rId5"/>
-    <p:sldLayoutId id="2147483654" r:id="rId6"/>
-    <p:sldLayoutId id="2147483655" r:id="rId7"/>
-    <p:sldLayoutId id="2147483656" r:id="rId8"/>
-    <p:sldLayoutId id="2147483657" r:id="rId9"/>
-    <p:sldLayoutId id="2147483658" r:id="rId10"/>
-    <p:sldLayoutId id="2147483659" r:id="rId11"/>
+    <p:sldLayoutId id="2147483715" r:id="rId1"/>
+    <p:sldLayoutId id="2147483716" r:id="rId2"/>
+    <p:sldLayoutId id="2147483717" r:id="rId3"/>
+    <p:sldLayoutId id="2147483718" r:id="rId4"/>
+    <p:sldLayoutId id="2147483719" r:id="rId5"/>
+    <p:sldLayoutId id="2147483720" r:id="rId6"/>
+    <p:sldLayoutId id="2147483721" r:id="rId7"/>
+    <p:sldLayoutId id="2147483722" r:id="rId8"/>
+    <p:sldLayoutId id="2147483723" r:id="rId9"/>
+    <p:sldLayoutId id="2147483724" r:id="rId10"/>
+    <p:sldLayoutId id="2147483725" r:id="rId11"/>
   </p:sldLayoutIdLst>
   <p:txStyles>
     <p:titleStyle>
-      <a:lvl1pPr algn="l" defTabSz="914400" rtl="0" eaLnBrk="1" latinLnBrk="0" hangingPunct="1">
+      <a:lvl1pPr algn="l" defTabSz="914377" rtl="0" eaLnBrk="1" latinLnBrk="0" hangingPunct="1">
         <a:lnSpc>
           <a:spcPct val="90000"/>
         </a:lnSpc>
@@ -3066,15 +2753,15 @@
       </a:lvl1pPr>
     </p:titleStyle>
     <p:bodyStyle>
-      <a:lvl1pPr marL="228600" indent="-228600" algn="l" defTabSz="914400" rtl="0" eaLnBrk="1" latinLnBrk="0" hangingPunct="1">
+      <a:lvl1pPr marL="228594" indent="-228594" algn="l" defTabSz="914377" rtl="0" eaLnBrk="1" latinLnBrk="0" hangingPunct="1">
         <a:lnSpc>
           <a:spcPct val="90000"/>
         </a:lnSpc>
         <a:spcBef>
           <a:spcPts val="1000"/>
         </a:spcBef>
-        <a:buFont typeface="Arial" panose="020B0604020202020204" pitchFamily="34" charset="0"/>
-        <a:buChar char="•"/>
+        <a:buFont typeface="Wingdings 2" pitchFamily="18" charset="2"/>
+        <a:buChar char=""/>
         <a:defRPr sz="2800" kern="1200">
           <a:solidFill>
             <a:schemeClr val="tx1"/>
@@ -3084,15 +2771,15 @@
           <a:cs typeface="+mn-cs"/>
         </a:defRPr>
       </a:lvl1pPr>
-      <a:lvl2pPr marL="685800" indent="-228600" algn="l" defTabSz="914400" rtl="0" eaLnBrk="1" latinLnBrk="0" hangingPunct="1">
+      <a:lvl2pPr marL="685783" indent="-228594" algn="l" defTabSz="914377" rtl="0" eaLnBrk="1" latinLnBrk="0" hangingPunct="1">
         <a:lnSpc>
           <a:spcPct val="90000"/>
         </a:lnSpc>
         <a:spcBef>
           <a:spcPts val="500"/>
         </a:spcBef>
-        <a:buFont typeface="Arial" panose="020B0604020202020204" pitchFamily="34" charset="0"/>
-        <a:buChar char="•"/>
+        <a:buFont typeface="Wingdings 2" pitchFamily="18" charset="2"/>
+        <a:buChar char=""/>
         <a:defRPr sz="2400" kern="1200">
           <a:solidFill>
             <a:schemeClr val="tx1"/>
@@ -3102,15 +2789,15 @@
           <a:cs typeface="+mn-cs"/>
         </a:defRPr>
       </a:lvl2pPr>
-      <a:lvl3pPr marL="1143000" indent="-228600" algn="l" defTabSz="914400" rtl="0" eaLnBrk="1" latinLnBrk="0" hangingPunct="1">
+      <a:lvl3pPr marL="1142971" indent="-228594" algn="l" defTabSz="914377" rtl="0" eaLnBrk="1" latinLnBrk="0" hangingPunct="1">
         <a:lnSpc>
           <a:spcPct val="90000"/>
         </a:lnSpc>
         <a:spcBef>
           <a:spcPts val="500"/>
         </a:spcBef>
-        <a:buFont typeface="Arial" panose="020B0604020202020204" pitchFamily="34" charset="0"/>
-        <a:buChar char="•"/>
+        <a:buFont typeface="Wingdings 2" pitchFamily="18" charset="2"/>
+        <a:buChar char=""/>
         <a:defRPr sz="2000" kern="1200">
           <a:solidFill>
             <a:schemeClr val="tx1"/>
@@ -3120,15 +2807,15 @@
           <a:cs typeface="+mn-cs"/>
         </a:defRPr>
       </a:lvl3pPr>
-      <a:lvl4pPr marL="1600200" indent="-228600" algn="l" defTabSz="914400" rtl="0" eaLnBrk="1" latinLnBrk="0" hangingPunct="1">
+      <a:lvl4pPr marL="1600160" indent="-228594" algn="l" defTabSz="914377" rtl="0" eaLnBrk="1" latinLnBrk="0" hangingPunct="1">
         <a:lnSpc>
           <a:spcPct val="90000"/>
         </a:lnSpc>
         <a:spcBef>
           <a:spcPts val="500"/>
         </a:spcBef>
-        <a:buFont typeface="Arial" panose="020B0604020202020204" pitchFamily="34" charset="0"/>
-        <a:buChar char="•"/>
+        <a:buFont typeface="Wingdings 2" pitchFamily="18" charset="2"/>
+        <a:buChar char=""/>
         <a:defRPr sz="1800" kern="1200">
           <a:solidFill>
             <a:schemeClr val="tx1"/>
@@ -3138,15 +2825,15 @@
           <a:cs typeface="+mn-cs"/>
         </a:defRPr>
       </a:lvl4pPr>
-      <a:lvl5pPr marL="2057400" indent="-228600" algn="l" defTabSz="914400" rtl="0" eaLnBrk="1" latinLnBrk="0" hangingPunct="1">
+      <a:lvl5pPr marL="2057349" indent="-228594" algn="l" defTabSz="914377" rtl="0" eaLnBrk="1" latinLnBrk="0" hangingPunct="1">
         <a:lnSpc>
           <a:spcPct val="90000"/>
         </a:lnSpc>
         <a:spcBef>
           <a:spcPts val="500"/>
         </a:spcBef>
-        <a:buFont typeface="Arial" panose="020B0604020202020204" pitchFamily="34" charset="0"/>
-        <a:buChar char="•"/>
+        <a:buFont typeface="Wingdings 2" pitchFamily="18" charset="2"/>
+        <a:buChar char=""/>
         <a:defRPr sz="1800" kern="1200">
           <a:solidFill>
             <a:schemeClr val="tx1"/>
@@ -3156,15 +2843,12 @@
           <a:cs typeface="+mn-cs"/>
         </a:defRPr>
       </a:lvl5pPr>
-      <a:lvl6pPr marL="2514600" indent="-228600" algn="l" defTabSz="914400" rtl="0" eaLnBrk="1" latinLnBrk="0" hangingPunct="1">
-        <a:lnSpc>
-          <a:spcPct val="90000"/>
-        </a:lnSpc>
+      <a:lvl6pPr marL="2514537" indent="-228594" algn="l" defTabSz="914377" rtl="0" eaLnBrk="1" latinLnBrk="0" hangingPunct="1">
         <a:spcBef>
-          <a:spcPts val="500"/>
+          <a:spcPct val="20000"/>
         </a:spcBef>
-        <a:buFont typeface="Arial" panose="020B0604020202020204" pitchFamily="34" charset="0"/>
-        <a:buChar char="•"/>
+        <a:buFont typeface="Wingdings 2" pitchFamily="18" charset="2"/>
+        <a:buChar char=""/>
         <a:defRPr sz="1800" kern="1200">
           <a:solidFill>
             <a:schemeClr val="tx1"/>
@@ -3174,15 +2858,12 @@
           <a:cs typeface="+mn-cs"/>
         </a:defRPr>
       </a:lvl6pPr>
-      <a:lvl7pPr marL="2971800" indent="-228600" algn="l" defTabSz="914400" rtl="0" eaLnBrk="1" latinLnBrk="0" hangingPunct="1">
-        <a:lnSpc>
-          <a:spcPct val="90000"/>
-        </a:lnSpc>
+      <a:lvl7pPr marL="2971726" indent="-228594" algn="l" defTabSz="914377" rtl="0" eaLnBrk="1" latinLnBrk="0" hangingPunct="1">
         <a:spcBef>
-          <a:spcPts val="500"/>
+          <a:spcPct val="20000"/>
         </a:spcBef>
-        <a:buFont typeface="Arial" panose="020B0604020202020204" pitchFamily="34" charset="0"/>
-        <a:buChar char="•"/>
+        <a:buFont typeface="Wingdings 2" pitchFamily="18" charset="2"/>
+        <a:buChar char=""/>
         <a:defRPr sz="1800" kern="1200">
           <a:solidFill>
             <a:schemeClr val="tx1"/>
@@ -3192,15 +2873,12 @@
           <a:cs typeface="+mn-cs"/>
         </a:defRPr>
       </a:lvl7pPr>
-      <a:lvl8pPr marL="3429000" indent="-228600" algn="l" defTabSz="914400" rtl="0" eaLnBrk="1" latinLnBrk="0" hangingPunct="1">
-        <a:lnSpc>
-          <a:spcPct val="90000"/>
-        </a:lnSpc>
+      <a:lvl8pPr marL="3428914" indent="-228594" algn="l" defTabSz="914377" rtl="0" eaLnBrk="1" latinLnBrk="0" hangingPunct="1">
         <a:spcBef>
-          <a:spcPts val="500"/>
+          <a:spcPct val="20000"/>
         </a:spcBef>
-        <a:buFont typeface="Arial" panose="020B0604020202020204" pitchFamily="34" charset="0"/>
-        <a:buChar char="•"/>
+        <a:buFont typeface="Wingdings 2" pitchFamily="18" charset="2"/>
+        <a:buChar char=""/>
         <a:defRPr sz="1800" kern="1200">
           <a:solidFill>
             <a:schemeClr val="tx1"/>
@@ -3210,15 +2888,12 @@
           <a:cs typeface="+mn-cs"/>
         </a:defRPr>
       </a:lvl8pPr>
-      <a:lvl9pPr marL="3886200" indent="-228600" algn="l" defTabSz="914400" rtl="0" eaLnBrk="1" latinLnBrk="0" hangingPunct="1">
-        <a:lnSpc>
-          <a:spcPct val="90000"/>
-        </a:lnSpc>
+      <a:lvl9pPr marL="3886103" indent="-228594" algn="l" defTabSz="914377" rtl="0" eaLnBrk="1" latinLnBrk="0" hangingPunct="1">
         <a:spcBef>
-          <a:spcPts val="500"/>
+          <a:spcPct val="20000"/>
         </a:spcBef>
-        <a:buFont typeface="Arial" panose="020B0604020202020204" pitchFamily="34" charset="0"/>
-        <a:buChar char="•"/>
+        <a:buFont typeface="Wingdings 2" pitchFamily="18" charset="2"/>
+        <a:buChar char=""/>
         <a:defRPr sz="1800" kern="1200">
           <a:solidFill>
             <a:schemeClr val="tx1"/>
@@ -3231,9 +2906,9 @@
     </p:bodyStyle>
     <p:otherStyle>
       <a:defPPr>
-        <a:defRPr lang="zh-CN"/>
+        <a:defRPr lang="en-US"/>
       </a:defPPr>
-      <a:lvl1pPr marL="0" algn="l" defTabSz="914400" rtl="0" eaLnBrk="1" latinLnBrk="0" hangingPunct="1">
+      <a:lvl1pPr marL="0" algn="l" defTabSz="914377" rtl="0" eaLnBrk="1" latinLnBrk="0" hangingPunct="1">
         <a:defRPr sz="1800" kern="1200">
           <a:solidFill>
             <a:schemeClr val="tx1"/>
@@ -3243,7 +2918,7 @@
           <a:cs typeface="+mn-cs"/>
         </a:defRPr>
       </a:lvl1pPr>
-      <a:lvl2pPr marL="457200" algn="l" defTabSz="914400" rtl="0" eaLnBrk="1" latinLnBrk="0" hangingPunct="1">
+      <a:lvl2pPr marL="457189" algn="l" defTabSz="914377" rtl="0" eaLnBrk="1" latinLnBrk="0" hangingPunct="1">
         <a:defRPr sz="1800" kern="1200">
           <a:solidFill>
             <a:schemeClr val="tx1"/>
@@ -3253,7 +2928,7 @@
           <a:cs typeface="+mn-cs"/>
         </a:defRPr>
       </a:lvl2pPr>
-      <a:lvl3pPr marL="914400" algn="l" defTabSz="914400" rtl="0" eaLnBrk="1" latinLnBrk="0" hangingPunct="1">
+      <a:lvl3pPr marL="914377" algn="l" defTabSz="914377" rtl="0" eaLnBrk="1" latinLnBrk="0" hangingPunct="1">
         <a:defRPr sz="1800" kern="1200">
           <a:solidFill>
             <a:schemeClr val="tx1"/>
@@ -3263,7 +2938,7 @@
           <a:cs typeface="+mn-cs"/>
         </a:defRPr>
       </a:lvl3pPr>
-      <a:lvl4pPr marL="1371600" algn="l" defTabSz="914400" rtl="0" eaLnBrk="1" latinLnBrk="0" hangingPunct="1">
+      <a:lvl4pPr marL="1371566" algn="l" defTabSz="914377" rtl="0" eaLnBrk="1" latinLnBrk="0" hangingPunct="1">
         <a:defRPr sz="1800" kern="1200">
           <a:solidFill>
             <a:schemeClr val="tx1"/>
@@ -3273,7 +2948,7 @@
           <a:cs typeface="+mn-cs"/>
         </a:defRPr>
       </a:lvl4pPr>
-      <a:lvl5pPr marL="1828800" algn="l" defTabSz="914400" rtl="0" eaLnBrk="1" latinLnBrk="0" hangingPunct="1">
+      <a:lvl5pPr marL="1828754" algn="l" defTabSz="914377" rtl="0" eaLnBrk="1" latinLnBrk="0" hangingPunct="1">
         <a:defRPr sz="1800" kern="1200">
           <a:solidFill>
             <a:schemeClr val="tx1"/>
@@ -3283,7 +2958,7 @@
           <a:cs typeface="+mn-cs"/>
         </a:defRPr>
       </a:lvl5pPr>
-      <a:lvl6pPr marL="2286000" algn="l" defTabSz="914400" rtl="0" eaLnBrk="1" latinLnBrk="0" hangingPunct="1">
+      <a:lvl6pPr marL="2285943" algn="l" defTabSz="914377" rtl="0" eaLnBrk="1" latinLnBrk="0" hangingPunct="1">
         <a:defRPr sz="1800" kern="1200">
           <a:solidFill>
             <a:schemeClr val="tx1"/>
@@ -3293,7 +2968,7 @@
           <a:cs typeface="+mn-cs"/>
         </a:defRPr>
       </a:lvl6pPr>
-      <a:lvl7pPr marL="2743200" algn="l" defTabSz="914400" rtl="0" eaLnBrk="1" latinLnBrk="0" hangingPunct="1">
+      <a:lvl7pPr marL="2743131" algn="l" defTabSz="914377" rtl="0" eaLnBrk="1" latinLnBrk="0" hangingPunct="1">
         <a:defRPr sz="1800" kern="1200">
           <a:solidFill>
             <a:schemeClr val="tx1"/>
@@ -3303,7 +2978,7 @@
           <a:cs typeface="+mn-cs"/>
         </a:defRPr>
       </a:lvl7pPr>
-      <a:lvl8pPr marL="3200400" algn="l" defTabSz="914400" rtl="0" eaLnBrk="1" latinLnBrk="0" hangingPunct="1">
+      <a:lvl8pPr marL="3200320" algn="l" defTabSz="914377" rtl="0" eaLnBrk="1" latinLnBrk="0" hangingPunct="1">
         <a:defRPr sz="1800" kern="1200">
           <a:solidFill>
             <a:schemeClr val="tx1"/>
@@ -3313,7 +2988,7 @@
           <a:cs typeface="+mn-cs"/>
         </a:defRPr>
       </a:lvl8pPr>
-      <a:lvl9pPr marL="3657600" algn="l" defTabSz="914400" rtl="0" eaLnBrk="1" latinLnBrk="0" hangingPunct="1">
+      <a:lvl9pPr marL="3657509" algn="l" defTabSz="914377" rtl="0" eaLnBrk="1" latinLnBrk="0" hangingPunct="1">
         <a:defRPr sz="1800" kern="1200">
           <a:solidFill>
             <a:schemeClr val="tx1"/>
@@ -3443,7 +3118,7 @@
           <p:cNvPr id="2" name="标题 1">
             <a:extLst>
               <a:ext uri="{FF2B5EF4-FFF2-40B4-BE49-F238E27FC236}">
-                <a16:creationId xmlns:a16="http://schemas.microsoft.com/office/drawing/2014/main" id="{0B0CB840-D1DE-CFEB-3CD1-8CD01F6FBAC3}"/>
+                <a16:creationId xmlns:a16="http://schemas.microsoft.com/office/drawing/2014/main" id="{D3C4DC28-5419-CF81-33E9-021F1BDD4389}"/>
               </a:ext>
             </a:extLst>
           </p:cNvPr>
@@ -3459,7 +3134,10 @@
           <a:bodyPr/>
           <a:lstStyle/>
           <a:p>
-            <a:endParaRPr lang="zh-CN" altLang="en-US"/>
+            <a:r>
+              <a:rPr lang="zh-CN" altLang="en-US" dirty="0"/>
+              <a:t>常规驱动测试存在哪些不便？</a:t>
+            </a:r>
           </a:p>
         </p:txBody>
       </p:sp>
@@ -3468,7 +3146,7 @@
           <p:cNvPr id="3" name="内容占位符 2">
             <a:extLst>
               <a:ext uri="{FF2B5EF4-FFF2-40B4-BE49-F238E27FC236}">
-                <a16:creationId xmlns:a16="http://schemas.microsoft.com/office/drawing/2014/main" id="{CE62129C-FC7F-067D-AB23-390BE5ECB67F}"/>
+                <a16:creationId xmlns:a16="http://schemas.microsoft.com/office/drawing/2014/main" id="{D5F643BE-9FBF-7D6E-B3C5-ABEFB3F5EB4A}"/>
               </a:ext>
             </a:extLst>
           </p:cNvPr>
@@ -3484,14 +3162,54 @@
           <a:bodyPr/>
           <a:lstStyle/>
           <a:p>
-            <a:endParaRPr lang="zh-CN" altLang="en-US"/>
+            <a:pPr marL="514338" indent="-514338">
+              <a:buFont typeface="+mj-lt"/>
+              <a:buAutoNum type="arabicPeriod"/>
+            </a:pPr>
+            <a:r>
+              <a:rPr lang="zh-CN" altLang="en-US" dirty="0"/>
+              <a:t>输出非标准化</a:t>
+            </a:r>
+            <a:endParaRPr lang="en-US" altLang="zh-CN" dirty="0"/>
+          </a:p>
+          <a:p>
+            <a:pPr marL="514338" indent="-514338">
+              <a:buFont typeface="+mj-lt"/>
+              <a:buAutoNum type="arabicPeriod"/>
+            </a:pPr>
+            <a:r>
+              <a:rPr lang="zh-CN" altLang="en-US" dirty="0"/>
+              <a:t>手动调试</a:t>
+            </a:r>
+            <a:endParaRPr lang="en-US" altLang="zh-CN" dirty="0"/>
+          </a:p>
+          <a:p>
+            <a:pPr marL="514338" indent="-514338">
+              <a:buFont typeface="+mj-lt"/>
+              <a:buAutoNum type="arabicPeriod"/>
+            </a:pPr>
+            <a:r>
+              <a:rPr lang="zh-CN" altLang="en-US" dirty="0"/>
+              <a:t>平台及软件的升级导致驱动无法使用，需要重新制作和测试</a:t>
+            </a:r>
+            <a:endParaRPr lang="en-US" altLang="zh-CN" dirty="0"/>
+          </a:p>
+          <a:p>
+            <a:pPr marL="514338" indent="-514338">
+              <a:buFont typeface="+mj-lt"/>
+              <a:buAutoNum type="arabicPeriod"/>
+            </a:pPr>
+            <a:r>
+              <a:rPr lang="en-US" altLang="zh-CN" dirty="0"/>
+              <a:t>……</a:t>
+            </a:r>
           </a:p>
         </p:txBody>
       </p:sp>
     </p:spTree>
     <p:extLst>
       <p:ext uri="{BB962C8B-B14F-4D97-AF65-F5344CB8AC3E}">
-        <p14:creationId xmlns:p14="http://schemas.microsoft.com/office/powerpoint/2010/main" val="4264130315"/>
+        <p14:creationId xmlns:p14="http://schemas.microsoft.com/office/powerpoint/2010/main" val="3509129830"/>
       </p:ext>
     </p:extLst>
   </p:cSld>
@@ -3523,7 +3241,7 @@
           <p:cNvPr id="2" name="标题 1">
             <a:extLst>
               <a:ext uri="{FF2B5EF4-FFF2-40B4-BE49-F238E27FC236}">
-                <a16:creationId xmlns:a16="http://schemas.microsoft.com/office/drawing/2014/main" id="{3A64C050-2068-B13F-B91C-A02A74466300}"/>
+                <a16:creationId xmlns:a16="http://schemas.microsoft.com/office/drawing/2014/main" id="{1FD22590-E417-D28C-EAC1-AA39D07E1EC8}"/>
               </a:ext>
             </a:extLst>
           </p:cNvPr>
@@ -3536,12 +3254,14 @@
         </p:nvSpPr>
         <p:spPr/>
         <p:txBody>
-          <a:bodyPr/>
+          <a:bodyPr>
+            <a:normAutofit/>
+          </a:bodyPr>
           <a:lstStyle/>
           <a:p>
             <a:r>
               <a:rPr lang="zh-CN" altLang="en-US" dirty="0"/>
-              <a:t>如何摆脱手动调试？</a:t>
+              <a:t>关于输出非标准化是怎样解决的？</a:t>
             </a:r>
           </a:p>
         </p:txBody>
@@ -3551,7 +3271,7 @@
           <p:cNvPr id="3" name="内容占位符 2">
             <a:extLst>
               <a:ext uri="{FF2B5EF4-FFF2-40B4-BE49-F238E27FC236}">
-                <a16:creationId xmlns:a16="http://schemas.microsoft.com/office/drawing/2014/main" id="{680AC2CC-FAED-D00B-28C6-680ED92C1F90}"/>
+                <a16:creationId xmlns:a16="http://schemas.microsoft.com/office/drawing/2014/main" id="{FEC21398-C4E5-2FBF-EBE6-439B71EBD5A9}"/>
               </a:ext>
             </a:extLst>
           </p:cNvPr>
@@ -3562,71 +3282,34 @@
             <p:ph idx="1"/>
           </p:nvPr>
         </p:nvSpPr>
-        <p:spPr>
-          <a:xfrm>
-            <a:off x="6955746" y="1825625"/>
-            <a:ext cx="4398053" cy="4351338"/>
-          </a:xfrm>
-        </p:spPr>
+        <p:spPr/>
         <p:txBody>
           <a:bodyPr/>
           <a:lstStyle/>
           <a:p>
             <a:r>
               <a:rPr lang="zh-CN" altLang="en-US" dirty="0"/>
-              <a:t>编写</a:t>
-            </a:r>
-            <a:r>
-              <a:rPr lang="en-US" altLang="zh-CN" dirty="0"/>
-              <a:t>Python</a:t>
+              <a:t>引入</a:t>
+            </a:r>
+            <a:r>
+              <a:rPr lang="en-US" altLang="zh-CN" dirty="0" err="1"/>
+              <a:t>Greentea</a:t>
             </a:r>
             <a:r>
               <a:rPr lang="zh-CN" altLang="en-US" dirty="0"/>
-              <a:t>脚本实现简单的自动测试流程</a:t>
-            </a:r>
-          </a:p>
-        </p:txBody>
-      </p:sp>
-      <p:pic>
-        <p:nvPicPr>
-          <p:cNvPr id="5" name="图片 4">
-            <a:extLst>
-              <a:ext uri="{FF2B5EF4-FFF2-40B4-BE49-F238E27FC236}">
-                <a16:creationId xmlns:a16="http://schemas.microsoft.com/office/drawing/2014/main" id="{94F2E879-5061-DE8D-DA35-907670ECBD1F}"/>
-              </a:ext>
-            </a:extLst>
-          </p:cNvPr>
-          <p:cNvPicPr>
-            <a:picLocks noChangeAspect="1"/>
-          </p:cNvPicPr>
-          <p:nvPr/>
-        </p:nvPicPr>
-        <p:blipFill>
-          <a:blip r:embed="rId2">
-            <a:extLst>
-              <a:ext uri="{28A0092B-C50C-407E-A947-70E740481C1C}">
-                <a14:useLocalDpi xmlns:a14="http://schemas.microsoft.com/office/drawing/2010/main" val="0"/>
-              </a:ext>
-            </a:extLst>
-          </a:blip>
-          <a:stretch>
-            <a:fillRect/>
-          </a:stretch>
-        </p:blipFill>
-        <p:spPr>
-          <a:xfrm>
-            <a:off x="838200" y="1750629"/>
-            <a:ext cx="5775952" cy="4426334"/>
-          </a:xfrm>
-          <a:prstGeom prst="rect">
-            <a:avLst/>
-          </a:prstGeom>
-        </p:spPr>
-      </p:pic>
+              <a:t>框架</a:t>
+            </a:r>
+            <a:endParaRPr lang="en-US" altLang="zh-CN" dirty="0"/>
+          </a:p>
+          <a:p>
+            <a:endParaRPr lang="zh-CN" altLang="en-US" dirty="0"/>
+          </a:p>
+        </p:txBody>
+      </p:sp>
     </p:spTree>
     <p:extLst>
       <p:ext uri="{BB962C8B-B14F-4D97-AF65-F5344CB8AC3E}">
-        <p14:creationId xmlns:p14="http://schemas.microsoft.com/office/powerpoint/2010/main" val="3986898642"/>
+        <p14:creationId xmlns:p14="http://schemas.microsoft.com/office/powerpoint/2010/main" val="3841190707"/>
       </p:ext>
     </p:extLst>
   </p:cSld>
@@ -3658,7 +3341,7 @@
           <p:cNvPr id="2" name="标题 1">
             <a:extLst>
               <a:ext uri="{FF2B5EF4-FFF2-40B4-BE49-F238E27FC236}">
-                <a16:creationId xmlns:a16="http://schemas.microsoft.com/office/drawing/2014/main" id="{FF92426C-911F-617C-4468-D0D0FD8B81EF}"/>
+                <a16:creationId xmlns:a16="http://schemas.microsoft.com/office/drawing/2014/main" id="{CC454B70-CE16-CE8E-B7F8-158356EBCF59}"/>
               </a:ext>
             </a:extLst>
           </p:cNvPr>
@@ -3675,8 +3358,12 @@
           <a:lstStyle/>
           <a:p>
             <a:r>
+              <a:rPr lang="en-US" altLang="zh-CN" dirty="0" err="1"/>
+              <a:t>Greentea</a:t>
+            </a:r>
+            <a:r>
               <a:rPr lang="zh-CN" altLang="en-US" dirty="0"/>
-              <a:t>版本一</a:t>
+              <a:t>在项目中的应用</a:t>
             </a:r>
           </a:p>
         </p:txBody>
@@ -3686,7 +3373,7 @@
           <p:cNvPr id="3" name="内容占位符 2">
             <a:extLst>
               <a:ext uri="{FF2B5EF4-FFF2-40B4-BE49-F238E27FC236}">
-                <a16:creationId xmlns:a16="http://schemas.microsoft.com/office/drawing/2014/main" id="{2A963690-0820-4395-80D2-B7DE7E5F120E}"/>
+                <a16:creationId xmlns:a16="http://schemas.microsoft.com/office/drawing/2014/main" id="{C56B2F31-7FAE-047C-487B-DE92D0530B3F}"/>
               </a:ext>
             </a:extLst>
           </p:cNvPr>
@@ -3697,27 +3384,19 @@
             <p:ph idx="1"/>
           </p:nvPr>
         </p:nvSpPr>
-        <p:spPr>
-          <a:xfrm>
-            <a:off x="7233218" y="1825625"/>
-            <a:ext cx="4120581" cy="4351338"/>
-          </a:xfrm>
-        </p:spPr>
-        <p:txBody>
-          <a:bodyPr/>
-          <a:lstStyle/>
-          <a:p>
-            <a:r>
-              <a:rPr lang="zh-CN" altLang="en-US" dirty="0"/>
-              <a:t>缺陷</a:t>
-            </a:r>
+        <p:spPr/>
+        <p:txBody>
+          <a:bodyPr/>
+          <a:lstStyle/>
+          <a:p>
+            <a:endParaRPr lang="zh-CN" altLang="en-US" dirty="0"/>
           </a:p>
         </p:txBody>
       </p:sp>
     </p:spTree>
     <p:extLst>
       <p:ext uri="{BB962C8B-B14F-4D97-AF65-F5344CB8AC3E}">
-        <p14:creationId xmlns:p14="http://schemas.microsoft.com/office/powerpoint/2010/main" val="1743838768"/>
+        <p14:creationId xmlns:p14="http://schemas.microsoft.com/office/powerpoint/2010/main" val="765524057"/>
       </p:ext>
     </p:extLst>
   </p:cSld>
@@ -3749,7 +3428,7 @@
           <p:cNvPr id="2" name="标题 1">
             <a:extLst>
               <a:ext uri="{FF2B5EF4-FFF2-40B4-BE49-F238E27FC236}">
-                <a16:creationId xmlns:a16="http://schemas.microsoft.com/office/drawing/2014/main" id="{257904F1-D8B2-BD04-F2DA-5682BF7C170F}"/>
+                <a16:creationId xmlns:a16="http://schemas.microsoft.com/office/drawing/2014/main" id="{0B0CB840-D1DE-CFEB-3CD1-8CD01F6FBAC3}"/>
               </a:ext>
             </a:extLst>
           </p:cNvPr>
@@ -3767,7 +3446,15 @@
           <a:p>
             <a:r>
               <a:rPr lang="zh-CN" altLang="en-US" dirty="0"/>
-              <a:t>如何摆脱本地部署实现云端部署</a:t>
+              <a:t>有无</a:t>
+            </a:r>
+            <a:r>
+              <a:rPr lang="en-US" altLang="zh-CN" dirty="0" err="1"/>
+              <a:t>Greentea</a:t>
+            </a:r>
+            <a:r>
+              <a:rPr lang="zh-CN" altLang="en-US" dirty="0"/>
+              <a:t>的对比</a:t>
             </a:r>
           </a:p>
         </p:txBody>
@@ -3777,7 +3464,7 @@
           <p:cNvPr id="3" name="内容占位符 2">
             <a:extLst>
               <a:ext uri="{FF2B5EF4-FFF2-40B4-BE49-F238E27FC236}">
-                <a16:creationId xmlns:a16="http://schemas.microsoft.com/office/drawing/2014/main" id="{29294E49-B99F-C163-4B63-3005E85D6F82}"/>
+                <a16:creationId xmlns:a16="http://schemas.microsoft.com/office/drawing/2014/main" id="{CE62129C-FC7F-067D-AB23-390BE5ECB67F}"/>
               </a:ext>
             </a:extLst>
           </p:cNvPr>
@@ -3793,36 +3480,14 @@
           <a:bodyPr/>
           <a:lstStyle/>
           <a:p>
-            <a:r>
-              <a:rPr lang="en-US" altLang="zh-CN" dirty="0"/>
-              <a:t>Gitlab </a:t>
-            </a:r>
-            <a:r>
-              <a:rPr lang="en-US" altLang="zh-CN" dirty="0" err="1"/>
-              <a:t>cicd</a:t>
-            </a:r>
-            <a:r>
-              <a:rPr lang="zh-CN" altLang="en-US" dirty="0"/>
-              <a:t>的引入</a:t>
-            </a:r>
-            <a:endParaRPr lang="en-US" altLang="zh-CN" dirty="0"/>
-          </a:p>
-          <a:p>
-            <a:r>
-              <a:rPr lang="en-US" altLang="zh-CN" dirty="0" err="1"/>
-              <a:t>Rgw</a:t>
-            </a:r>
-            <a:r>
-              <a:rPr lang="zh-CN" altLang="en-US" dirty="0"/>
-              <a:t>的引入</a:t>
-            </a:r>
+            <a:endParaRPr lang="zh-CN" altLang="en-US"/>
           </a:p>
         </p:txBody>
       </p:sp>
     </p:spTree>
     <p:extLst>
       <p:ext uri="{BB962C8B-B14F-4D97-AF65-F5344CB8AC3E}">
-        <p14:creationId xmlns:p14="http://schemas.microsoft.com/office/powerpoint/2010/main" val="1001829340"/>
+        <p14:creationId xmlns:p14="http://schemas.microsoft.com/office/powerpoint/2010/main" val="4264130315"/>
       </p:ext>
     </p:extLst>
   </p:cSld>
@@ -3854,7 +3519,7 @@
           <p:cNvPr id="2" name="标题 1">
             <a:extLst>
               <a:ext uri="{FF2B5EF4-FFF2-40B4-BE49-F238E27FC236}">
-                <a16:creationId xmlns:a16="http://schemas.microsoft.com/office/drawing/2014/main" id="{79179B43-A312-3FAB-4137-FAA375A00343}"/>
+                <a16:creationId xmlns:a16="http://schemas.microsoft.com/office/drawing/2014/main" id="{3A64C050-2068-B13F-B91C-A02A74466300}"/>
               </a:ext>
             </a:extLst>
           </p:cNvPr>
@@ -3872,60 +3537,92 @@
           <a:p>
             <a:r>
               <a:rPr lang="zh-CN" altLang="en-US" dirty="0"/>
-              <a:t>需要功能太多导致</a:t>
+              <a:t>如何摆脱手动调试？</a:t>
+            </a:r>
+          </a:p>
+        </p:txBody>
+      </p:sp>
+      <p:sp>
+        <p:nvSpPr>
+          <p:cNvPr id="3" name="内容占位符 2">
+            <a:extLst>
+              <a:ext uri="{FF2B5EF4-FFF2-40B4-BE49-F238E27FC236}">
+                <a16:creationId xmlns:a16="http://schemas.microsoft.com/office/drawing/2014/main" id="{680AC2CC-FAED-D00B-28C6-680ED92C1F90}"/>
+              </a:ext>
+            </a:extLst>
+          </p:cNvPr>
+          <p:cNvSpPr>
+            <a:spLocks noGrp="1"/>
+          </p:cNvSpPr>
+          <p:nvPr>
+            <p:ph idx="1"/>
+          </p:nvPr>
+        </p:nvSpPr>
+        <p:spPr>
+          <a:xfrm>
+            <a:off x="6949441" y="1788130"/>
+            <a:ext cx="4193627" cy="4351339"/>
+          </a:xfrm>
+        </p:spPr>
+        <p:txBody>
+          <a:bodyPr/>
+          <a:lstStyle/>
+          <a:p>
+            <a:r>
+              <a:rPr lang="zh-CN" altLang="en-US" dirty="0"/>
+              <a:t>编写</a:t>
             </a:r>
             <a:r>
               <a:rPr lang="en-US" altLang="zh-CN" dirty="0"/>
-              <a:t>python</a:t>
+              <a:t>Python</a:t>
             </a:r>
             <a:r>
               <a:rPr lang="zh-CN" altLang="en-US" dirty="0"/>
-              <a:t>脚本越写越大难以维护</a:t>
-            </a:r>
-          </a:p>
-        </p:txBody>
-      </p:sp>
-      <p:sp>
-        <p:nvSpPr>
-          <p:cNvPr id="3" name="内容占位符 2">
+              <a:t>脚本实现简单的自动测试流程</a:t>
+            </a:r>
+          </a:p>
+        </p:txBody>
+      </p:sp>
+      <p:pic>
+        <p:nvPicPr>
+          <p:cNvPr id="5" name="图片 4">
             <a:extLst>
               <a:ext uri="{FF2B5EF4-FFF2-40B4-BE49-F238E27FC236}">
-                <a16:creationId xmlns:a16="http://schemas.microsoft.com/office/drawing/2014/main" id="{5CE2CE4A-4EFE-A51D-ED60-1552A689AE56}"/>
+                <a16:creationId xmlns:a16="http://schemas.microsoft.com/office/drawing/2014/main" id="{94F2E879-5061-DE8D-DA35-907670ECBD1F}"/>
               </a:ext>
             </a:extLst>
           </p:cNvPr>
-          <p:cNvSpPr>
-            <a:spLocks noGrp="1"/>
-          </p:cNvSpPr>
-          <p:nvPr>
-            <p:ph idx="1"/>
-          </p:nvPr>
-        </p:nvSpPr>
-        <p:spPr/>
-        <p:txBody>
-          <a:bodyPr/>
-          <a:lstStyle/>
-          <a:p>
-            <a:r>
-              <a:rPr lang="zh-CN" altLang="en-US" dirty="0"/>
-              <a:t>引入</a:t>
-            </a:r>
-            <a:r>
-              <a:rPr lang="en-US" altLang="zh-CN" dirty="0" err="1"/>
-              <a:t>gitlab</a:t>
-            </a:r>
-            <a:r>
-              <a:rPr lang="en-US" altLang="zh-CN" dirty="0"/>
-              <a:t> submodule</a:t>
-            </a:r>
-            <a:endParaRPr lang="zh-CN" altLang="en-US" dirty="0"/>
-          </a:p>
-        </p:txBody>
-      </p:sp>
+          <p:cNvPicPr>
+            <a:picLocks noChangeAspect="1"/>
+          </p:cNvPicPr>
+          <p:nvPr/>
+        </p:nvPicPr>
+        <p:blipFill>
+          <a:blip r:embed="rId2">
+            <a:extLst>
+              <a:ext uri="{28A0092B-C50C-407E-A947-70E740481C1C}">
+                <a14:useLocalDpi xmlns:a14="http://schemas.microsoft.com/office/drawing/2010/main" val="0"/>
+              </a:ext>
+            </a:extLst>
+          </a:blip>
+          <a:stretch>
+            <a:fillRect/>
+          </a:stretch>
+        </p:blipFill>
+        <p:spPr>
+          <a:xfrm>
+            <a:off x="838200" y="1750633"/>
+            <a:ext cx="5775952" cy="4426335"/>
+          </a:xfrm>
+          <a:prstGeom prst="rect">
+            <a:avLst/>
+          </a:prstGeom>
+        </p:spPr>
+      </p:pic>
     </p:spTree>
     <p:extLst>
       <p:ext uri="{BB962C8B-B14F-4D97-AF65-F5344CB8AC3E}">
-        <p14:creationId xmlns:p14="http://schemas.microsoft.com/office/powerpoint/2010/main" val="2884886100"/>
+        <p14:creationId xmlns:p14="http://schemas.microsoft.com/office/powerpoint/2010/main" val="3986898642"/>
       </p:ext>
     </p:extLst>
   </p:cSld>
@@ -3957,7 +3654,7 @@
           <p:cNvPr id="2" name="标题 1">
             <a:extLst>
               <a:ext uri="{FF2B5EF4-FFF2-40B4-BE49-F238E27FC236}">
-                <a16:creationId xmlns:a16="http://schemas.microsoft.com/office/drawing/2014/main" id="{B002CF85-79D2-52C6-37BD-7CE08F55EE07}"/>
+                <a16:creationId xmlns:a16="http://schemas.microsoft.com/office/drawing/2014/main" id="{FF92426C-911F-617C-4468-D0D0FD8B81EF}"/>
               </a:ext>
             </a:extLst>
           </p:cNvPr>
@@ -3970,62 +3667,161 @@
         </p:nvSpPr>
         <p:spPr/>
         <p:txBody>
-          <a:bodyPr>
-            <a:normAutofit fontScale="90000"/>
+          <a:bodyPr/>
+          <a:lstStyle/>
+          <a:p>
+            <a:r>
+              <a:rPr lang="zh-CN" altLang="en-US" dirty="0"/>
+              <a:t>版本</a:t>
+            </a:r>
+            <a:r>
+              <a:rPr lang="en-US" altLang="zh-CN" dirty="0"/>
+              <a:t>1.0</a:t>
+            </a:r>
+            <a:endParaRPr lang="zh-CN" altLang="en-US" dirty="0"/>
+          </a:p>
+        </p:txBody>
+      </p:sp>
+      <p:sp>
+        <p:nvSpPr>
+          <p:cNvPr id="3" name="内容占位符 2">
+            <a:extLst>
+              <a:ext uri="{FF2B5EF4-FFF2-40B4-BE49-F238E27FC236}">
+                <a16:creationId xmlns:a16="http://schemas.microsoft.com/office/drawing/2014/main" id="{2A963690-0820-4395-80D2-B7DE7E5F120E}"/>
+              </a:ext>
+            </a:extLst>
+          </p:cNvPr>
+          <p:cNvSpPr>
+            <a:spLocks noGrp="1"/>
+          </p:cNvSpPr>
+          <p:nvPr>
+            <p:ph idx="1"/>
+          </p:nvPr>
+        </p:nvSpPr>
+        <p:spPr>
+          <a:xfrm>
+            <a:off x="7233219" y="1825625"/>
+            <a:ext cx="4120581" cy="4351339"/>
+          </a:xfrm>
+        </p:spPr>
+        <p:txBody>
+          <a:bodyPr/>
+          <a:lstStyle/>
+          <a:p>
+            <a:r>
+              <a:rPr lang="zh-CN" altLang="en-US" dirty="0"/>
+              <a:t>所有</a:t>
+            </a:r>
+            <a:r>
+              <a:rPr lang="en-US" altLang="zh-CN" dirty="0"/>
+              <a:t>log</a:t>
+            </a:r>
+            <a:r>
+              <a:rPr lang="zh-CN" altLang="en-US" dirty="0"/>
+              <a:t>堆叠在本地不利于管理</a:t>
+            </a:r>
+            <a:endParaRPr lang="en-US" altLang="zh-CN" dirty="0"/>
+          </a:p>
+          <a:p>
+            <a:r>
+              <a:rPr lang="zh-CN" altLang="en-US" dirty="0"/>
+              <a:t>功能模块太多会导致</a:t>
+            </a:r>
+            <a:r>
+              <a:rPr lang="en-US" altLang="zh-CN" dirty="0"/>
+              <a:t>python</a:t>
+            </a:r>
+            <a:r>
+              <a:rPr lang="zh-CN" altLang="en-US" dirty="0"/>
+              <a:t>脚本太复杂</a:t>
+            </a:r>
+            <a:endParaRPr lang="en-US" altLang="zh-CN" dirty="0"/>
+          </a:p>
+          <a:p>
+            <a:r>
+              <a:rPr lang="zh-CN" altLang="en-US" dirty="0"/>
+              <a:t>系统只能按顺序执行，修改执行顺序比较麻烦</a:t>
+            </a:r>
+            <a:endParaRPr lang="en-US" altLang="zh-CN" dirty="0"/>
+          </a:p>
+          <a:p>
+            <a:r>
+              <a:rPr lang="en-US" altLang="zh-CN" dirty="0"/>
+              <a:t>……</a:t>
+            </a:r>
+          </a:p>
+          <a:p>
+            <a:endParaRPr lang="zh-CN" altLang="en-US" dirty="0"/>
+          </a:p>
+        </p:txBody>
+      </p:sp>
+      <p:pic>
+        <p:nvPicPr>
+          <p:cNvPr id="5" name="图片 4">
+            <a:extLst>
+              <a:ext uri="{FF2B5EF4-FFF2-40B4-BE49-F238E27FC236}">
+                <a16:creationId xmlns:a16="http://schemas.microsoft.com/office/drawing/2014/main" id="{BE64BD06-A7BF-6040-5AD1-41660EE8A3B6}"/>
+              </a:ext>
+            </a:extLst>
+          </p:cNvPr>
+          <p:cNvPicPr>
+            <a:picLocks noChangeAspect="1"/>
+          </p:cNvPicPr>
+          <p:nvPr/>
+        </p:nvPicPr>
+        <p:blipFill>
+          <a:blip r:embed="rId2">
+            <a:extLst>
+              <a:ext uri="{28A0092B-C50C-407E-A947-70E740481C1C}">
+                <a14:useLocalDpi xmlns:a14="http://schemas.microsoft.com/office/drawing/2010/main" val="0"/>
+              </a:ext>
+            </a:extLst>
+          </a:blip>
+          <a:stretch>
+            <a:fillRect/>
+          </a:stretch>
+        </p:blipFill>
+        <p:spPr>
+          <a:xfrm>
+            <a:off x="1872591" y="1718420"/>
+            <a:ext cx="2791051" cy="4170537"/>
+          </a:xfrm>
+          <a:prstGeom prst="rect">
+            <a:avLst/>
+          </a:prstGeom>
+        </p:spPr>
+      </p:pic>
+      <p:sp>
+        <p:nvSpPr>
+          <p:cNvPr id="6" name="文本框 5">
+            <a:extLst>
+              <a:ext uri="{FF2B5EF4-FFF2-40B4-BE49-F238E27FC236}">
+                <a16:creationId xmlns:a16="http://schemas.microsoft.com/office/drawing/2014/main" id="{263132C6-E9DF-CB95-5703-4C2EB8733B3D}"/>
+              </a:ext>
+            </a:extLst>
+          </p:cNvPr>
+          <p:cNvSpPr txBox="1"/>
+          <p:nvPr/>
+        </p:nvSpPr>
+        <p:spPr>
+          <a:xfrm>
+            <a:off x="2120388" y="5888957"/>
+            <a:ext cx="2295459" cy="369332"/>
+          </a:xfrm>
+          <a:prstGeom prst="rect">
+            <a:avLst/>
+          </a:prstGeom>
+          <a:noFill/>
+        </p:spPr>
+        <p:txBody>
+          <a:bodyPr wrap="square" rtlCol="0">
+            <a:spAutoFit/>
           </a:bodyPr>
           <a:lstStyle/>
           <a:p>
             <a:r>
-              <a:rPr lang="en-US" altLang="zh-CN" dirty="0"/>
-              <a:t>Gitlab runner</a:t>
-            </a:r>
-            <a:r>
               <a:rPr lang="zh-CN" altLang="en-US" dirty="0"/>
-              <a:t>实现过于臃肿，将</a:t>
-            </a:r>
-            <a:r>
-              <a:rPr lang="en-US" altLang="zh-CN" dirty="0"/>
-              <a:t>runner</a:t>
-            </a:r>
-            <a:r>
-              <a:rPr lang="zh-CN" altLang="en-US" dirty="0"/>
-              <a:t>功能分解，只要求实现编译烧录，分析过程交由其他平台实现</a:t>
-            </a:r>
-          </a:p>
-        </p:txBody>
-      </p:sp>
-      <p:sp>
-        <p:nvSpPr>
-          <p:cNvPr id="3" name="内容占位符 2">
-            <a:extLst>
-              <a:ext uri="{FF2B5EF4-FFF2-40B4-BE49-F238E27FC236}">
-                <a16:creationId xmlns:a16="http://schemas.microsoft.com/office/drawing/2014/main" id="{6E0C08F9-BF34-3433-C2F0-667908C38597}"/>
-              </a:ext>
-            </a:extLst>
-          </p:cNvPr>
-          <p:cNvSpPr>
-            <a:spLocks noGrp="1"/>
-          </p:cNvSpPr>
-          <p:nvPr>
-            <p:ph idx="1"/>
-          </p:nvPr>
-        </p:nvSpPr>
-        <p:spPr/>
-        <p:txBody>
-          <a:bodyPr/>
-          <a:lstStyle/>
-          <a:p>
-            <a:r>
-              <a:rPr lang="zh-CN" altLang="en-US" dirty="0"/>
-              <a:t>引入</a:t>
-            </a:r>
-            <a:r>
-              <a:rPr lang="en-US" altLang="zh-CN" dirty="0"/>
-              <a:t>node-red</a:t>
-            </a:r>
-            <a:r>
-              <a:rPr lang="zh-CN" altLang="en-US" dirty="0"/>
-              <a:t>服务</a:t>
+              <a:t>本地文件目录结构</a:t>
             </a:r>
           </a:p>
         </p:txBody>
@@ -4033,7 +3829,7 @@
     </p:spTree>
     <p:extLst>
       <p:ext uri="{BB962C8B-B14F-4D97-AF65-F5344CB8AC3E}">
-        <p14:creationId xmlns:p14="http://schemas.microsoft.com/office/powerpoint/2010/main" val="2378840312"/>
+        <p14:creationId xmlns:p14="http://schemas.microsoft.com/office/powerpoint/2010/main" val="1743838768"/>
       </p:ext>
     </p:extLst>
   </p:cSld>
@@ -4065,7 +3861,7 @@
           <p:cNvPr id="2" name="标题 1">
             <a:extLst>
               <a:ext uri="{FF2B5EF4-FFF2-40B4-BE49-F238E27FC236}">
-                <a16:creationId xmlns:a16="http://schemas.microsoft.com/office/drawing/2014/main" id="{86890389-04DF-546A-684C-EF0AD63B946F}"/>
+                <a16:creationId xmlns:a16="http://schemas.microsoft.com/office/drawing/2014/main" id="{18342710-E42E-F8B3-ED8C-96515005C772}"/>
               </a:ext>
             </a:extLst>
           </p:cNvPr>
@@ -4081,7 +3877,15 @@
           <a:bodyPr/>
           <a:lstStyle/>
           <a:p>
-            <a:endParaRPr lang="zh-CN" altLang="en-US"/>
+            <a:r>
+              <a:rPr lang="zh-CN" altLang="en-US" dirty="0"/>
+              <a:t>版本</a:t>
+            </a:r>
+            <a:r>
+              <a:rPr lang="en-US" altLang="zh-CN" dirty="0"/>
+              <a:t>1.1</a:t>
+            </a:r>
+            <a:endParaRPr lang="zh-CN" altLang="en-US" dirty="0"/>
           </a:p>
         </p:txBody>
       </p:sp>
@@ -4090,7 +3894,7 @@
           <p:cNvPr id="3" name="内容占位符 2">
             <a:extLst>
               <a:ext uri="{FF2B5EF4-FFF2-40B4-BE49-F238E27FC236}">
-                <a16:creationId xmlns:a16="http://schemas.microsoft.com/office/drawing/2014/main" id="{D062797E-DC0A-C932-E4ED-24DE1F29E489}"/>
+                <a16:creationId xmlns:a16="http://schemas.microsoft.com/office/drawing/2014/main" id="{9CF9AE54-506E-2777-C03D-1175EC3B10CD}"/>
               </a:ext>
             </a:extLst>
           </p:cNvPr>
@@ -4101,74 +3905,115 @@
             <p:ph idx="1"/>
           </p:nvPr>
         </p:nvSpPr>
-        <p:spPr/>
-        <p:txBody>
-          <a:bodyPr/>
+        <p:spPr>
+          <a:xfrm>
+            <a:off x="7958433" y="1828803"/>
+            <a:ext cx="3402294" cy="4351337"/>
+          </a:xfrm>
+        </p:spPr>
+        <p:txBody>
+          <a:bodyPr>
+            <a:normAutofit lnSpcReduction="10000"/>
+          </a:bodyPr>
           <a:lstStyle/>
           <a:p>
             <a:r>
               <a:rPr lang="zh-CN" altLang="en-US" dirty="0"/>
-              <a:t>在嵌入式系统中，经过编译完成的二进制文件通常称为</a:t>
-            </a:r>
-            <a:r>
-              <a:rPr lang="zh-CN" altLang="en-US" dirty="0">
-                <a:solidFill>
-                  <a:srgbClr val="FF0000"/>
-                </a:solidFill>
-              </a:rPr>
-              <a:t>固件（</a:t>
-            </a:r>
-            <a:r>
-              <a:rPr lang="en-US" altLang="zh-CN" dirty="0">
-                <a:solidFill>
-                  <a:srgbClr val="FF0000"/>
-                </a:solidFill>
-              </a:rPr>
-              <a:t>firmware</a:t>
-            </a:r>
-            <a:r>
-              <a:rPr lang="zh-CN" altLang="en-US" dirty="0">
-                <a:solidFill>
-                  <a:srgbClr val="FF0000"/>
-                </a:solidFill>
-              </a:rPr>
-              <a:t>）或可执行文件</a:t>
-            </a:r>
+              <a:t>通过测试工程名称表控制执行顺序</a:t>
+            </a:r>
+            <a:endParaRPr lang="en-US" altLang="zh-CN" dirty="0"/>
+          </a:p>
+          <a:p>
             <a:r>
               <a:rPr lang="zh-CN" altLang="en-US" dirty="0"/>
-              <a:t>。这些文件包含了对硬件设备进行控制和操作所需的机器指令、数据和配置信息。在一些情况下，这些二进制文件也可以被称为</a:t>
-            </a:r>
-            <a:r>
-              <a:rPr lang="zh-CN" altLang="en-US" dirty="0">
-                <a:solidFill>
-                  <a:srgbClr val="FF0000"/>
-                </a:solidFill>
-              </a:rPr>
-              <a:t>可执行二进制文件</a:t>
-            </a:r>
+              <a:t>将各个功能拆分成单个脚本再进行按需组合以适应不同需求</a:t>
+            </a:r>
+            <a:endParaRPr lang="en-US" altLang="zh-CN" dirty="0"/>
+          </a:p>
+          <a:p>
+            <a:r>
+              <a:rPr lang="en-US" altLang="zh-CN" dirty="0"/>
+              <a:t>Issue</a:t>
+            </a:r>
+          </a:p>
+          <a:p>
+            <a:pPr marL="914389" lvl="1" indent="-457200">
+              <a:buFont typeface="+mj-lt"/>
+              <a:buAutoNum type="arabicPeriod"/>
+            </a:pPr>
             <a:r>
               <a:rPr lang="zh-CN" altLang="en-US" dirty="0"/>
-              <a:t>（</a:t>
-            </a:r>
+              <a:t>本地工程容易丢失</a:t>
+            </a:r>
+            <a:endParaRPr lang="en-US" altLang="zh-CN" dirty="0"/>
+          </a:p>
+          <a:p>
+            <a:pPr marL="914389" lvl="1" indent="-457200">
+              <a:buFont typeface="+mj-lt"/>
+              <a:buAutoNum type="arabicPeriod"/>
+            </a:pPr>
             <a:r>
               <a:rPr lang="en-US" altLang="zh-CN" dirty="0"/>
-              <a:t>executable binary</a:t>
+              <a:t>Log</a:t>
             </a:r>
             <a:r>
               <a:rPr lang="zh-CN" altLang="en-US" dirty="0"/>
-              <a:t>）。</a:t>
+              <a:t>没有很好的管理</a:t>
             </a:r>
             <a:endParaRPr lang="en-US" altLang="zh-CN" dirty="0"/>
           </a:p>
           <a:p>
+            <a:pPr marL="914389" lvl="1" indent="-457200">
+              <a:buFont typeface="+mj-lt"/>
+              <a:buAutoNum type="arabicPeriod"/>
+            </a:pPr>
+            <a:endParaRPr lang="en-US" altLang="zh-CN" dirty="0"/>
+          </a:p>
+          <a:p>
             <a:endParaRPr lang="zh-CN" altLang="en-US" dirty="0"/>
           </a:p>
         </p:txBody>
       </p:sp>
+      <p:pic>
+        <p:nvPicPr>
+          <p:cNvPr id="7" name="图片 6">
+            <a:extLst>
+              <a:ext uri="{FF2B5EF4-FFF2-40B4-BE49-F238E27FC236}">
+                <a16:creationId xmlns:a16="http://schemas.microsoft.com/office/drawing/2014/main" id="{713BEADB-331B-8DE3-4665-C7D1D6849A94}"/>
+              </a:ext>
+            </a:extLst>
+          </p:cNvPr>
+          <p:cNvPicPr>
+            <a:picLocks noChangeAspect="1"/>
+          </p:cNvPicPr>
+          <p:nvPr/>
+        </p:nvPicPr>
+        <p:blipFill>
+          <a:blip r:embed="rId2">
+            <a:extLst>
+              <a:ext uri="{28A0092B-C50C-407E-A947-70E740481C1C}">
+                <a14:useLocalDpi xmlns:a14="http://schemas.microsoft.com/office/drawing/2010/main" val="0"/>
+              </a:ext>
+            </a:extLst>
+          </a:blip>
+          <a:stretch>
+            <a:fillRect/>
+          </a:stretch>
+        </p:blipFill>
+        <p:spPr>
+          <a:xfrm>
+            <a:off x="845127" y="2139895"/>
+            <a:ext cx="6700262" cy="3535692"/>
+          </a:xfrm>
+          <a:prstGeom prst="rect">
+            <a:avLst/>
+          </a:prstGeom>
+        </p:spPr>
+      </p:pic>
     </p:spTree>
     <p:extLst>
       <p:ext uri="{BB962C8B-B14F-4D97-AF65-F5344CB8AC3E}">
-        <p14:creationId xmlns:p14="http://schemas.microsoft.com/office/powerpoint/2010/main" val="800215690"/>
+        <p14:creationId xmlns:p14="http://schemas.microsoft.com/office/powerpoint/2010/main" val="3762042900"/>
       </p:ext>
     </p:extLst>
   </p:cSld>
@@ -4200,7 +4045,7 @@
           <p:cNvPr id="2" name="标题 1">
             <a:extLst>
               <a:ext uri="{FF2B5EF4-FFF2-40B4-BE49-F238E27FC236}">
-                <a16:creationId xmlns:a16="http://schemas.microsoft.com/office/drawing/2014/main" id="{4F597E4A-54A8-0B41-3FB1-A2B8E3A57E0F}"/>
+                <a16:creationId xmlns:a16="http://schemas.microsoft.com/office/drawing/2014/main" id="{257904F1-D8B2-BD04-F2DA-5682BF7C170F}"/>
               </a:ext>
             </a:extLst>
           </p:cNvPr>
@@ -4213,10 +4058,15 @@
         </p:nvSpPr>
         <p:spPr/>
         <p:txBody>
-          <a:bodyPr/>
-          <a:lstStyle/>
-          <a:p>
-            <a:endParaRPr lang="zh-CN" altLang="en-US"/>
+          <a:bodyPr>
+            <a:normAutofit/>
+          </a:bodyPr>
+          <a:lstStyle/>
+          <a:p>
+            <a:r>
+              <a:rPr lang="zh-CN" altLang="en-US" dirty="0"/>
+              <a:t>如何摆脱本地部署实现云端部署</a:t>
+            </a:r>
           </a:p>
         </p:txBody>
       </p:sp>
@@ -4225,7 +4075,7 @@
           <p:cNvPr id="3" name="内容占位符 2">
             <a:extLst>
               <a:ext uri="{FF2B5EF4-FFF2-40B4-BE49-F238E27FC236}">
-                <a16:creationId xmlns:a16="http://schemas.microsoft.com/office/drawing/2014/main" id="{61DE26D1-D4FB-1279-4844-DE49AC5B708B}"/>
+                <a16:creationId xmlns:a16="http://schemas.microsoft.com/office/drawing/2014/main" id="{29294E49-B99F-C163-4B63-3005E85D6F82}"/>
               </a:ext>
             </a:extLst>
           </p:cNvPr>
@@ -4241,14 +4091,82 @@
           <a:bodyPr/>
           <a:lstStyle/>
           <a:p>
-            <a:endParaRPr lang="zh-CN" altLang="en-US"/>
+            <a:r>
+              <a:rPr lang="en-US" altLang="zh-CN" dirty="0"/>
+              <a:t>Gitlab CICD</a:t>
+            </a:r>
+            <a:r>
+              <a:rPr lang="zh-CN" altLang="en-US" dirty="0"/>
+              <a:t>的引入</a:t>
+            </a:r>
+            <a:endParaRPr lang="en-US" altLang="zh-CN" dirty="0"/>
+          </a:p>
+          <a:p>
+            <a:pPr lvl="1"/>
+            <a:r>
+              <a:rPr lang="zh-CN" altLang="en-US" dirty="0"/>
+              <a:t>防止项目存储在本地导致意外丢失</a:t>
+            </a:r>
+            <a:endParaRPr lang="en-US" altLang="zh-CN" dirty="0"/>
+          </a:p>
+          <a:p>
+            <a:r>
+              <a:rPr lang="en-US" altLang="zh-CN" dirty="0"/>
+              <a:t>RGW</a:t>
+            </a:r>
+            <a:r>
+              <a:rPr lang="zh-CN" altLang="en-US" dirty="0"/>
+              <a:t>的引入</a:t>
+            </a:r>
+            <a:endParaRPr lang="en-US" altLang="zh-CN" dirty="0"/>
+          </a:p>
+          <a:p>
+            <a:pPr lvl="1"/>
+            <a:r>
+              <a:rPr lang="zh-CN" altLang="en-US" dirty="0"/>
+              <a:t>用于存储每次产生的</a:t>
+            </a:r>
+            <a:r>
+              <a:rPr lang="en-US" altLang="zh-CN" dirty="0"/>
+              <a:t>log</a:t>
+            </a:r>
+            <a:r>
+              <a:rPr lang="zh-CN" altLang="en-US" dirty="0"/>
+              <a:t>，便于统一管理</a:t>
+            </a:r>
+            <a:endParaRPr lang="en-US" altLang="zh-CN" dirty="0"/>
+          </a:p>
+          <a:p>
+            <a:r>
+              <a:rPr lang="zh-CN" altLang="en-US" dirty="0"/>
+              <a:t>使用</a:t>
+            </a:r>
+            <a:r>
+              <a:rPr lang="en-US" altLang="zh-CN" dirty="0"/>
+              <a:t>git</a:t>
+            </a:r>
+            <a:r>
+              <a:rPr lang="zh-CN" altLang="en-US" dirty="0"/>
+              <a:t>提供的</a:t>
+            </a:r>
+            <a:r>
+              <a:rPr lang="en-US" altLang="zh-CN" dirty="0"/>
+              <a:t>submodule</a:t>
+            </a:r>
+          </a:p>
+          <a:p>
+            <a:pPr lvl="1"/>
+            <a:r>
+              <a:rPr lang="zh-CN" altLang="en-US" dirty="0"/>
+              <a:t>将所有功能脚本归于一个仓库便于统一管理</a:t>
+            </a:r>
           </a:p>
         </p:txBody>
       </p:sp>
     </p:spTree>
     <p:extLst>
       <p:ext uri="{BB962C8B-B14F-4D97-AF65-F5344CB8AC3E}">
-        <p14:creationId xmlns:p14="http://schemas.microsoft.com/office/powerpoint/2010/main" val="1521255480"/>
+        <p14:creationId xmlns:p14="http://schemas.microsoft.com/office/powerpoint/2010/main" val="1001829340"/>
       </p:ext>
     </p:extLst>
   </p:cSld>
@@ -4280,7 +4198,7 @@
           <p:cNvPr id="2" name="标题 1">
             <a:extLst>
               <a:ext uri="{FF2B5EF4-FFF2-40B4-BE49-F238E27FC236}">
-                <a16:creationId xmlns:a16="http://schemas.microsoft.com/office/drawing/2014/main" id="{52ED8034-5BD9-3538-A63A-FCD25845EB31}"/>
+                <a16:creationId xmlns:a16="http://schemas.microsoft.com/office/drawing/2014/main" id="{C94E7611-C46A-DD72-C0BE-DEC2D2D0F315}"/>
               </a:ext>
             </a:extLst>
           </p:cNvPr>
@@ -4298,8 +4216,13 @@
           <a:p>
             <a:r>
               <a:rPr lang="zh-CN" altLang="en-US" dirty="0"/>
-              <a:t>目前依旧存在的问题及后续改进方向</a:t>
-            </a:r>
+              <a:t>版本</a:t>
+            </a:r>
+            <a:r>
+              <a:rPr lang="en-US" altLang="zh-CN" dirty="0"/>
+              <a:t>2.0</a:t>
+            </a:r>
+            <a:endParaRPr lang="zh-CN" altLang="en-US" dirty="0"/>
           </a:p>
         </p:txBody>
       </p:sp>
@@ -4308,7 +4231,7 @@
           <p:cNvPr id="3" name="内容占位符 2">
             <a:extLst>
               <a:ext uri="{FF2B5EF4-FFF2-40B4-BE49-F238E27FC236}">
-                <a16:creationId xmlns:a16="http://schemas.microsoft.com/office/drawing/2014/main" id="{6FF093B8-B23B-C52E-2EBA-62EBBEA30EC7}"/>
+                <a16:creationId xmlns:a16="http://schemas.microsoft.com/office/drawing/2014/main" id="{C70C243C-78A8-3CEE-EB5C-F34C02938B60}"/>
               </a:ext>
             </a:extLst>
           </p:cNvPr>
@@ -4319,29 +4242,109 @@
             <p:ph idx="1"/>
           </p:nvPr>
         </p:nvSpPr>
-        <p:spPr/>
-        <p:txBody>
-          <a:bodyPr/>
-          <a:lstStyle/>
-          <a:p>
-            <a:r>
-              <a:rPr lang="zh-CN" altLang="en-US" dirty="0"/>
-              <a:t>自动化触发条件不合理</a:t>
-            </a:r>
-            <a:endParaRPr lang="en-US" altLang="zh-CN" dirty="0"/>
-          </a:p>
-          <a:p>
-            <a:r>
-              <a:rPr lang="zh-CN" altLang="en-US" dirty="0"/>
-              <a:t>使用界面对用户不友好</a:t>
-            </a:r>
-          </a:p>
-        </p:txBody>
-      </p:sp>
+        <p:spPr>
+          <a:xfrm>
+            <a:off x="8330499" y="1828803"/>
+            <a:ext cx="3030228" cy="4351337"/>
+          </a:xfrm>
+        </p:spPr>
+        <p:txBody>
+          <a:bodyPr>
+            <a:normAutofit/>
+          </a:bodyPr>
+          <a:lstStyle/>
+          <a:p>
+            <a:r>
+              <a:rPr lang="en-US" altLang="zh-CN" sz="1600" dirty="0"/>
+              <a:t>Gitlab sever</a:t>
+            </a:r>
+            <a:r>
+              <a:rPr lang="zh-CN" altLang="en-US" sz="1600" dirty="0"/>
+              <a:t>和</a:t>
+            </a:r>
+            <a:r>
+              <a:rPr lang="en-US" altLang="zh-CN" sz="1600" dirty="0"/>
+              <a:t>runner</a:t>
+            </a:r>
+            <a:r>
+              <a:rPr lang="zh-CN" altLang="en-US" sz="1600" dirty="0"/>
+              <a:t>之前要提前绑定</a:t>
+            </a:r>
+            <a:endParaRPr lang="en-US" altLang="zh-CN" sz="1600" dirty="0"/>
+          </a:p>
+          <a:p>
+            <a:r>
+              <a:rPr lang="zh-CN" altLang="en-US" sz="1600" dirty="0"/>
+              <a:t>程序的所有流程在</a:t>
+            </a:r>
+            <a:r>
+              <a:rPr lang="en-US" altLang="zh-CN" sz="1600" dirty="0" err="1"/>
+              <a:t>yml</a:t>
+            </a:r>
+            <a:r>
+              <a:rPr lang="zh-CN" altLang="en-US" sz="1600" dirty="0"/>
+              <a:t>脚本中，该脚本提前存储在仓库中</a:t>
+            </a:r>
+            <a:endParaRPr lang="en-US" altLang="zh-CN" sz="1600" dirty="0"/>
+          </a:p>
+          <a:p>
+            <a:r>
+              <a:rPr lang="en-US" altLang="zh-CN" sz="1600" dirty="0"/>
+              <a:t>Issue</a:t>
+            </a:r>
+          </a:p>
+          <a:p>
+            <a:pPr marL="685789" lvl="1" indent="-228600">
+              <a:buFont typeface="+mj-lt"/>
+              <a:buAutoNum type="arabicPeriod"/>
+            </a:pPr>
+            <a:r>
+              <a:rPr lang="zh-CN" altLang="en-US" sz="1200" dirty="0"/>
+              <a:t>本版本将本地单个功能模块的脚本搬到每个测试工程仓库，导致仓库臃肿</a:t>
+            </a:r>
+          </a:p>
+        </p:txBody>
+      </p:sp>
+      <p:pic>
+        <p:nvPicPr>
+          <p:cNvPr id="7" name="图片 6">
+            <a:extLst>
+              <a:ext uri="{FF2B5EF4-FFF2-40B4-BE49-F238E27FC236}">
+                <a16:creationId xmlns:a16="http://schemas.microsoft.com/office/drawing/2014/main" id="{1AE50F35-D99F-2E7F-C2F3-B92FB91940F9}"/>
+              </a:ext>
+            </a:extLst>
+          </p:cNvPr>
+          <p:cNvPicPr>
+            <a:picLocks noChangeAspect="1"/>
+          </p:cNvPicPr>
+          <p:nvPr/>
+        </p:nvPicPr>
+        <p:blipFill>
+          <a:blip r:embed="rId2">
+            <a:extLst>
+              <a:ext uri="{28A0092B-C50C-407E-A947-70E740481C1C}">
+                <a14:useLocalDpi xmlns:a14="http://schemas.microsoft.com/office/drawing/2010/main" val="0"/>
+              </a:ext>
+            </a:extLst>
+          </a:blip>
+          <a:stretch>
+            <a:fillRect/>
+          </a:stretch>
+        </p:blipFill>
+        <p:spPr>
+          <a:xfrm>
+            <a:off x="845128" y="1946529"/>
+            <a:ext cx="6873669" cy="3140255"/>
+          </a:xfrm>
+          <a:prstGeom prst="rect">
+            <a:avLst/>
+          </a:prstGeom>
+        </p:spPr>
+      </p:pic>
     </p:spTree>
     <p:extLst>
       <p:ext uri="{BB962C8B-B14F-4D97-AF65-F5344CB8AC3E}">
-        <p14:creationId xmlns:p14="http://schemas.microsoft.com/office/powerpoint/2010/main" val="3922311035"/>
+        <p14:creationId xmlns:p14="http://schemas.microsoft.com/office/powerpoint/2010/main" val="2489521730"/>
       </p:ext>
     </p:extLst>
   </p:cSld>
@@ -4373,7 +4376,7 @@
           <p:cNvPr id="2" name="标题 1">
             <a:extLst>
               <a:ext uri="{FF2B5EF4-FFF2-40B4-BE49-F238E27FC236}">
-                <a16:creationId xmlns:a16="http://schemas.microsoft.com/office/drawing/2014/main" id="{E7405600-69A9-B79C-6BD4-A7DE184D730C}"/>
+                <a16:creationId xmlns:a16="http://schemas.microsoft.com/office/drawing/2014/main" id="{6589ADEF-4A26-D421-C282-1BB07D749E51}"/>
               </a:ext>
             </a:extLst>
           </p:cNvPr>
@@ -4389,7 +4392,15 @@
           <a:bodyPr/>
           <a:lstStyle/>
           <a:p>
-            <a:endParaRPr lang="zh-CN" altLang="en-US"/>
+            <a:r>
+              <a:rPr lang="zh-CN" altLang="en-US" dirty="0"/>
+              <a:t>版本</a:t>
+            </a:r>
+            <a:r>
+              <a:rPr lang="en-US" altLang="zh-CN" dirty="0"/>
+              <a:t>2.1</a:t>
+            </a:r>
+            <a:endParaRPr lang="zh-CN" altLang="en-US" dirty="0"/>
           </a:p>
         </p:txBody>
       </p:sp>
@@ -4398,7 +4409,7 @@
           <p:cNvPr id="3" name="内容占位符 2">
             <a:extLst>
               <a:ext uri="{FF2B5EF4-FFF2-40B4-BE49-F238E27FC236}">
-                <a16:creationId xmlns:a16="http://schemas.microsoft.com/office/drawing/2014/main" id="{194A7232-C118-CC5D-7EFA-DDF611E1A298}"/>
+                <a16:creationId xmlns:a16="http://schemas.microsoft.com/office/drawing/2014/main" id="{8D3A319B-200F-8FC9-CFB5-D4BD3738A3D1}"/>
               </a:ext>
             </a:extLst>
           </p:cNvPr>
@@ -4409,19 +4420,189 @@
             <p:ph idx="1"/>
           </p:nvPr>
         </p:nvSpPr>
-        <p:spPr/>
-        <p:txBody>
-          <a:bodyPr/>
-          <a:lstStyle/>
-          <a:p>
-            <a:endParaRPr lang="zh-CN" altLang="en-US"/>
-          </a:p>
-        </p:txBody>
-      </p:sp>
+        <p:spPr>
+          <a:xfrm>
+            <a:off x="8469236" y="1828803"/>
+            <a:ext cx="2891491" cy="4351337"/>
+          </a:xfrm>
+        </p:spPr>
+        <p:txBody>
+          <a:bodyPr>
+            <a:normAutofit/>
+          </a:bodyPr>
+          <a:lstStyle/>
+          <a:p>
+            <a:r>
+              <a:rPr lang="zh-CN" altLang="en-US" sz="1600" dirty="0"/>
+              <a:t>本版本</a:t>
+            </a:r>
+            <a:r>
+              <a:rPr lang="en-US" altLang="zh-CN" sz="1600" dirty="0" err="1"/>
+              <a:t>yml</a:t>
+            </a:r>
+            <a:r>
+              <a:rPr lang="zh-CN" altLang="en-US" sz="1600" dirty="0"/>
+              <a:t>脚本流程为</a:t>
+            </a:r>
+            <a:endParaRPr lang="en-US" altLang="zh-CN" sz="1600" dirty="0"/>
+          </a:p>
+          <a:p>
+            <a:pPr marL="685789" lvl="1" indent="-228600">
+              <a:buFont typeface="+mj-lt"/>
+              <a:buAutoNum type="arabicPeriod"/>
+            </a:pPr>
+            <a:r>
+              <a:rPr lang="zh-CN" altLang="en-US" sz="1200" dirty="0"/>
+              <a:t>编译</a:t>
+            </a:r>
+            <a:endParaRPr lang="en-US" altLang="zh-CN" sz="1200" dirty="0"/>
+          </a:p>
+          <a:p>
+            <a:pPr marL="685789" lvl="1" indent="-228600">
+              <a:buFont typeface="+mj-lt"/>
+              <a:buAutoNum type="arabicPeriod"/>
+            </a:pPr>
+            <a:r>
+              <a:rPr lang="zh-CN" altLang="en-US" sz="1200" dirty="0"/>
+              <a:t>烧录</a:t>
+            </a:r>
+            <a:endParaRPr lang="en-US" altLang="zh-CN" sz="1200" dirty="0"/>
+          </a:p>
+          <a:p>
+            <a:pPr marL="685789" lvl="1" indent="-228600">
+              <a:buFont typeface="+mj-lt"/>
+              <a:buAutoNum type="arabicPeriod"/>
+            </a:pPr>
+            <a:r>
+              <a:rPr lang="zh-CN" altLang="en-US" sz="1200" dirty="0"/>
+              <a:t>收集</a:t>
+            </a:r>
+            <a:r>
+              <a:rPr lang="en-US" altLang="zh-CN" sz="1200" dirty="0"/>
+              <a:t>log</a:t>
+            </a:r>
+          </a:p>
+          <a:p>
+            <a:pPr marL="685789" lvl="1" indent="-228600">
+              <a:buFont typeface="+mj-lt"/>
+              <a:buAutoNum type="arabicPeriod"/>
+            </a:pPr>
+            <a:r>
+              <a:rPr lang="zh-CN" altLang="en-US" sz="1200" dirty="0"/>
+              <a:t>解析</a:t>
+            </a:r>
+            <a:endParaRPr lang="en-US" altLang="zh-CN" sz="1200" dirty="0"/>
+          </a:p>
+          <a:p>
+            <a:pPr marL="685789" lvl="1" indent="-228600">
+              <a:buFont typeface="+mj-lt"/>
+              <a:buAutoNum type="arabicPeriod"/>
+            </a:pPr>
+            <a:r>
+              <a:rPr lang="en-US" altLang="zh-CN" sz="1200" dirty="0"/>
+              <a:t>……</a:t>
+            </a:r>
+            <a:r>
+              <a:rPr lang="zh-CN" altLang="en-US" sz="1200" dirty="0"/>
+              <a:t>（邮件，静态分析等）</a:t>
+            </a:r>
+            <a:endParaRPr lang="en-US" altLang="zh-CN" sz="1200" dirty="0"/>
+          </a:p>
+          <a:p>
+            <a:pPr marL="685789" lvl="1" indent="-228600">
+              <a:buFont typeface="+mj-lt"/>
+              <a:buAutoNum type="arabicPeriod"/>
+            </a:pPr>
+            <a:r>
+              <a:rPr lang="zh-CN" altLang="en-US" sz="1200" dirty="0"/>
+              <a:t>存储</a:t>
+            </a:r>
+            <a:endParaRPr lang="en-US" altLang="zh-CN" sz="1200" dirty="0"/>
+          </a:p>
+          <a:p>
+            <a:r>
+              <a:rPr lang="en-US" altLang="zh-CN" sz="1600" dirty="0"/>
+              <a:t>Issue</a:t>
+            </a:r>
+          </a:p>
+          <a:p>
+            <a:pPr marL="685789" lvl="1" indent="-228600">
+              <a:buFont typeface="+mj-lt"/>
+              <a:buAutoNum type="arabicPeriod"/>
+            </a:pPr>
+            <a:r>
+              <a:rPr lang="en-US" altLang="zh-CN" sz="1200" dirty="0"/>
+              <a:t>Runner</a:t>
+            </a:r>
+            <a:r>
+              <a:rPr lang="zh-CN" altLang="en-US" sz="1200" dirty="0"/>
+              <a:t>工作内容繁多</a:t>
+            </a:r>
+            <a:endParaRPr lang="en-US" altLang="zh-CN" sz="1200" dirty="0"/>
+          </a:p>
+          <a:p>
+            <a:pPr marL="685789" lvl="1" indent="-228600">
+              <a:buFont typeface="+mj-lt"/>
+              <a:buAutoNum type="arabicPeriod"/>
+            </a:pPr>
+            <a:r>
+              <a:rPr lang="zh-CN" altLang="en-US" sz="1200" dirty="0"/>
+              <a:t>硬件平台单一</a:t>
+            </a:r>
+            <a:endParaRPr lang="en-US" altLang="zh-CN" sz="1200" dirty="0"/>
+          </a:p>
+          <a:p>
+            <a:pPr marL="685789" lvl="1" indent="-228600">
+              <a:buFont typeface="+mj-lt"/>
+              <a:buAutoNum type="arabicPeriod"/>
+            </a:pPr>
+            <a:r>
+              <a:rPr lang="zh-CN" altLang="en-US" sz="1200" dirty="0"/>
+              <a:t>用户不友好，没有直观图表</a:t>
+            </a:r>
+          </a:p>
+        </p:txBody>
+      </p:sp>
+      <p:pic>
+        <p:nvPicPr>
+          <p:cNvPr id="5" name="图片 4">
+            <a:extLst>
+              <a:ext uri="{FF2B5EF4-FFF2-40B4-BE49-F238E27FC236}">
+                <a16:creationId xmlns:a16="http://schemas.microsoft.com/office/drawing/2014/main" id="{FD6BB53D-9C85-0572-B809-25B3D4BD82F3}"/>
+              </a:ext>
+            </a:extLst>
+          </p:cNvPr>
+          <p:cNvPicPr>
+            <a:picLocks noChangeAspect="1"/>
+          </p:cNvPicPr>
+          <p:nvPr/>
+        </p:nvPicPr>
+        <p:blipFill>
+          <a:blip r:embed="rId2">
+            <a:extLst>
+              <a:ext uri="{28A0092B-C50C-407E-A947-70E740481C1C}">
+                <a14:useLocalDpi xmlns:a14="http://schemas.microsoft.com/office/drawing/2010/main" val="0"/>
+              </a:ext>
+            </a:extLst>
+          </a:blip>
+          <a:stretch>
+            <a:fillRect/>
+          </a:stretch>
+        </p:blipFill>
+        <p:spPr>
+          <a:xfrm>
+            <a:off x="845127" y="2137804"/>
+            <a:ext cx="7312517" cy="3335984"/>
+          </a:xfrm>
+          <a:prstGeom prst="rect">
+            <a:avLst/>
+          </a:prstGeom>
+        </p:spPr>
+      </p:pic>
     </p:spTree>
     <p:extLst>
       <p:ext uri="{BB962C8B-B14F-4D97-AF65-F5344CB8AC3E}">
-        <p14:creationId xmlns:p14="http://schemas.microsoft.com/office/powerpoint/2010/main" val="2056675558"/>
+        <p14:creationId xmlns:p14="http://schemas.microsoft.com/office/powerpoint/2010/main" val="3264577159"/>
       </p:ext>
     </p:extLst>
   </p:cSld>
@@ -4500,7 +4681,7 @@
           <a:bodyPr/>
           <a:lstStyle/>
           <a:p>
-            <a:pPr marL="514350" indent="-514350">
+            <a:pPr marL="514338" indent="-514338">
               <a:buFont typeface="+mj-lt"/>
               <a:buAutoNum type="arabicPeriod"/>
             </a:pPr>
@@ -4516,7 +4697,7 @@
             </a:endParaRPr>
           </a:p>
           <a:p>
-            <a:pPr marL="514350" indent="-514350">
+            <a:pPr marL="514338" indent="-514338">
               <a:buFont typeface="+mj-lt"/>
               <a:buAutoNum type="arabicPeriod"/>
             </a:pPr>
@@ -4552,7 +4733,7 @@
             </a:endParaRPr>
           </a:p>
           <a:p>
-            <a:pPr marL="514350" indent="-514350">
+            <a:pPr marL="514338" indent="-514338">
               <a:buFont typeface="+mj-lt"/>
               <a:buAutoNum type="arabicPeriod"/>
             </a:pPr>
@@ -4575,7 +4756,7 @@
             </a:endParaRPr>
           </a:p>
           <a:p>
-            <a:pPr marL="514350" indent="-514350">
+            <a:pPr marL="514338" indent="-514338">
               <a:buFont typeface="+mj-lt"/>
               <a:buAutoNum type="arabicPeriod"/>
             </a:pPr>
@@ -4607,6 +4788,516 @@
 </file>
 
 <file path=ppt/slides/slide20.xml><?xml version="1.0" encoding="utf-8"?>
+<p:sld xmlns:a="http://schemas.openxmlformats.org/drawingml/2006/main" xmlns:r="http://schemas.openxmlformats.org/officeDocument/2006/relationships" xmlns:p="http://schemas.openxmlformats.org/presentationml/2006/main">
+  <p:cSld>
+    <p:spTree>
+      <p:nvGrpSpPr>
+        <p:cNvPr id="1" name=""/>
+        <p:cNvGrpSpPr/>
+        <p:nvPr/>
+      </p:nvGrpSpPr>
+      <p:grpSpPr>
+        <a:xfrm>
+          <a:off x="0" y="0"/>
+          <a:ext cx="0" cy="0"/>
+          <a:chOff x="0" y="0"/>
+          <a:chExt cx="0" cy="0"/>
+        </a:xfrm>
+      </p:grpSpPr>
+      <p:sp>
+        <p:nvSpPr>
+          <p:cNvPr id="2" name="标题 1">
+            <a:extLst>
+              <a:ext uri="{FF2B5EF4-FFF2-40B4-BE49-F238E27FC236}">
+                <a16:creationId xmlns:a16="http://schemas.microsoft.com/office/drawing/2014/main" id="{B002CF85-79D2-52C6-37BD-7CE08F55EE07}"/>
+              </a:ext>
+            </a:extLst>
+          </p:cNvPr>
+          <p:cNvSpPr>
+            <a:spLocks noGrp="1"/>
+          </p:cNvSpPr>
+          <p:nvPr>
+            <p:ph type="title"/>
+          </p:nvPr>
+        </p:nvSpPr>
+        <p:spPr/>
+        <p:txBody>
+          <a:bodyPr>
+            <a:normAutofit/>
+          </a:bodyPr>
+          <a:lstStyle/>
+          <a:p>
+            <a:r>
+              <a:rPr lang="zh-CN" altLang="en-US" dirty="0"/>
+              <a:t>简化</a:t>
+            </a:r>
+            <a:r>
+              <a:rPr lang="en-US" altLang="zh-CN" dirty="0"/>
+              <a:t>Gitlab runner</a:t>
+            </a:r>
+            <a:r>
+              <a:rPr lang="zh-CN" altLang="en-US" dirty="0"/>
+              <a:t>功能</a:t>
+            </a:r>
+          </a:p>
+        </p:txBody>
+      </p:sp>
+      <p:sp>
+        <p:nvSpPr>
+          <p:cNvPr id="3" name="内容占位符 2">
+            <a:extLst>
+              <a:ext uri="{FF2B5EF4-FFF2-40B4-BE49-F238E27FC236}">
+                <a16:creationId xmlns:a16="http://schemas.microsoft.com/office/drawing/2014/main" id="{6E0C08F9-BF34-3433-C2F0-667908C38597}"/>
+              </a:ext>
+            </a:extLst>
+          </p:cNvPr>
+          <p:cNvSpPr>
+            <a:spLocks noGrp="1"/>
+          </p:cNvSpPr>
+          <p:nvPr>
+            <p:ph idx="1"/>
+          </p:nvPr>
+        </p:nvSpPr>
+        <p:spPr/>
+        <p:txBody>
+          <a:bodyPr/>
+          <a:lstStyle/>
+          <a:p>
+            <a:r>
+              <a:rPr lang="zh-CN" altLang="en-US" dirty="0"/>
+              <a:t>引入</a:t>
+            </a:r>
+            <a:r>
+              <a:rPr lang="en-US" altLang="zh-CN" dirty="0"/>
+              <a:t>node-red</a:t>
+            </a:r>
+            <a:r>
+              <a:rPr lang="zh-CN" altLang="en-US" dirty="0"/>
+              <a:t>服务</a:t>
+            </a:r>
+            <a:endParaRPr lang="en-US" altLang="zh-CN" dirty="0"/>
+          </a:p>
+          <a:p>
+            <a:pPr lvl="1"/>
+            <a:r>
+              <a:rPr lang="zh-CN" altLang="en-US" dirty="0"/>
+              <a:t>将</a:t>
+            </a:r>
+            <a:r>
+              <a:rPr lang="en-US" altLang="zh-CN" dirty="0"/>
+              <a:t>log</a:t>
+            </a:r>
+            <a:r>
+              <a:rPr lang="zh-CN" altLang="en-US" dirty="0"/>
+              <a:t>解析，邮件发送，功能</a:t>
+            </a:r>
+          </a:p>
+        </p:txBody>
+      </p:sp>
+    </p:spTree>
+    <p:extLst>
+      <p:ext uri="{BB962C8B-B14F-4D97-AF65-F5344CB8AC3E}">
+        <p14:creationId xmlns:p14="http://schemas.microsoft.com/office/powerpoint/2010/main" val="2378840312"/>
+      </p:ext>
+    </p:extLst>
+  </p:cSld>
+  <p:clrMapOvr>
+    <a:masterClrMapping/>
+  </p:clrMapOvr>
+</p:sld>
+</file>
+
+<file path=ppt/slides/slide21.xml><?xml version="1.0" encoding="utf-8"?>
+<p:sld xmlns:a="http://schemas.openxmlformats.org/drawingml/2006/main" xmlns:r="http://schemas.openxmlformats.org/officeDocument/2006/relationships" xmlns:p="http://schemas.openxmlformats.org/presentationml/2006/main">
+  <p:cSld>
+    <p:spTree>
+      <p:nvGrpSpPr>
+        <p:cNvPr id="1" name=""/>
+        <p:cNvGrpSpPr/>
+        <p:nvPr/>
+      </p:nvGrpSpPr>
+      <p:grpSpPr>
+        <a:xfrm>
+          <a:off x="0" y="0"/>
+          <a:ext cx="0" cy="0"/>
+          <a:chOff x="0" y="0"/>
+          <a:chExt cx="0" cy="0"/>
+        </a:xfrm>
+      </p:grpSpPr>
+      <p:sp>
+        <p:nvSpPr>
+          <p:cNvPr id="2" name="标题 1">
+            <a:extLst>
+              <a:ext uri="{FF2B5EF4-FFF2-40B4-BE49-F238E27FC236}">
+                <a16:creationId xmlns:a16="http://schemas.microsoft.com/office/drawing/2014/main" id="{86890389-04DF-546A-684C-EF0AD63B946F}"/>
+              </a:ext>
+            </a:extLst>
+          </p:cNvPr>
+          <p:cNvSpPr>
+            <a:spLocks noGrp="1"/>
+          </p:cNvSpPr>
+          <p:nvPr>
+            <p:ph type="title"/>
+          </p:nvPr>
+        </p:nvSpPr>
+        <p:spPr/>
+        <p:txBody>
+          <a:bodyPr/>
+          <a:lstStyle/>
+          <a:p>
+            <a:endParaRPr lang="zh-CN" altLang="en-US"/>
+          </a:p>
+        </p:txBody>
+      </p:sp>
+      <p:sp>
+        <p:nvSpPr>
+          <p:cNvPr id="3" name="内容占位符 2">
+            <a:extLst>
+              <a:ext uri="{FF2B5EF4-FFF2-40B4-BE49-F238E27FC236}">
+                <a16:creationId xmlns:a16="http://schemas.microsoft.com/office/drawing/2014/main" id="{D062797E-DC0A-C932-E4ED-24DE1F29E489}"/>
+              </a:ext>
+            </a:extLst>
+          </p:cNvPr>
+          <p:cNvSpPr>
+            <a:spLocks noGrp="1"/>
+          </p:cNvSpPr>
+          <p:nvPr>
+            <p:ph idx="1"/>
+          </p:nvPr>
+        </p:nvSpPr>
+        <p:spPr/>
+        <p:txBody>
+          <a:bodyPr/>
+          <a:lstStyle/>
+          <a:p>
+            <a:r>
+              <a:rPr lang="zh-CN" altLang="en-US" dirty="0"/>
+              <a:t>在嵌入式系统中，经过编译完成的二进制文件通常称为</a:t>
+            </a:r>
+            <a:r>
+              <a:rPr lang="zh-CN" altLang="en-US" dirty="0">
+                <a:solidFill>
+                  <a:srgbClr val="FF0000"/>
+                </a:solidFill>
+              </a:rPr>
+              <a:t>固件（</a:t>
+            </a:r>
+            <a:r>
+              <a:rPr lang="en-US" altLang="zh-CN" dirty="0">
+                <a:solidFill>
+                  <a:srgbClr val="FF0000"/>
+                </a:solidFill>
+              </a:rPr>
+              <a:t>firmware</a:t>
+            </a:r>
+            <a:r>
+              <a:rPr lang="zh-CN" altLang="en-US" dirty="0">
+                <a:solidFill>
+                  <a:srgbClr val="FF0000"/>
+                </a:solidFill>
+              </a:rPr>
+              <a:t>）或可执行文件</a:t>
+            </a:r>
+            <a:r>
+              <a:rPr lang="zh-CN" altLang="en-US" dirty="0"/>
+              <a:t>。这些文件包含了对硬件设备进行控制和操作所需的机器指令、数据和配置信息。在一些情况下，这些二进制文件也可以被称为</a:t>
+            </a:r>
+            <a:r>
+              <a:rPr lang="zh-CN" altLang="en-US" dirty="0">
+                <a:solidFill>
+                  <a:srgbClr val="FF0000"/>
+                </a:solidFill>
+              </a:rPr>
+              <a:t>可执行二进制文件</a:t>
+            </a:r>
+            <a:r>
+              <a:rPr lang="zh-CN" altLang="en-US" dirty="0"/>
+              <a:t>（</a:t>
+            </a:r>
+            <a:r>
+              <a:rPr lang="en-US" altLang="zh-CN" dirty="0"/>
+              <a:t>executable binary</a:t>
+            </a:r>
+            <a:r>
+              <a:rPr lang="zh-CN" altLang="en-US" dirty="0"/>
+              <a:t>）。</a:t>
+            </a:r>
+            <a:endParaRPr lang="en-US" altLang="zh-CN" dirty="0"/>
+          </a:p>
+          <a:p>
+            <a:endParaRPr lang="zh-CN" altLang="en-US" dirty="0"/>
+          </a:p>
+        </p:txBody>
+      </p:sp>
+    </p:spTree>
+    <p:extLst>
+      <p:ext uri="{BB962C8B-B14F-4D97-AF65-F5344CB8AC3E}">
+        <p14:creationId xmlns:p14="http://schemas.microsoft.com/office/powerpoint/2010/main" val="800215690"/>
+      </p:ext>
+    </p:extLst>
+  </p:cSld>
+  <p:clrMapOvr>
+    <a:masterClrMapping/>
+  </p:clrMapOvr>
+</p:sld>
+</file>
+
+<file path=ppt/slides/slide22.xml><?xml version="1.0" encoding="utf-8"?>
+<p:sld xmlns:a="http://schemas.openxmlformats.org/drawingml/2006/main" xmlns:r="http://schemas.openxmlformats.org/officeDocument/2006/relationships" xmlns:p="http://schemas.openxmlformats.org/presentationml/2006/main">
+  <p:cSld>
+    <p:spTree>
+      <p:nvGrpSpPr>
+        <p:cNvPr id="1" name=""/>
+        <p:cNvGrpSpPr/>
+        <p:nvPr/>
+      </p:nvGrpSpPr>
+      <p:grpSpPr>
+        <a:xfrm>
+          <a:off x="0" y="0"/>
+          <a:ext cx="0" cy="0"/>
+          <a:chOff x="0" y="0"/>
+          <a:chExt cx="0" cy="0"/>
+        </a:xfrm>
+      </p:grpSpPr>
+      <p:sp>
+        <p:nvSpPr>
+          <p:cNvPr id="2" name="标题 1">
+            <a:extLst>
+              <a:ext uri="{FF2B5EF4-FFF2-40B4-BE49-F238E27FC236}">
+                <a16:creationId xmlns:a16="http://schemas.microsoft.com/office/drawing/2014/main" id="{4F597E4A-54A8-0B41-3FB1-A2B8E3A57E0F}"/>
+              </a:ext>
+            </a:extLst>
+          </p:cNvPr>
+          <p:cNvSpPr>
+            <a:spLocks noGrp="1"/>
+          </p:cNvSpPr>
+          <p:nvPr>
+            <p:ph type="title"/>
+          </p:nvPr>
+        </p:nvSpPr>
+        <p:spPr/>
+        <p:txBody>
+          <a:bodyPr/>
+          <a:lstStyle/>
+          <a:p>
+            <a:endParaRPr lang="zh-CN" altLang="en-US"/>
+          </a:p>
+        </p:txBody>
+      </p:sp>
+      <p:sp>
+        <p:nvSpPr>
+          <p:cNvPr id="3" name="内容占位符 2">
+            <a:extLst>
+              <a:ext uri="{FF2B5EF4-FFF2-40B4-BE49-F238E27FC236}">
+                <a16:creationId xmlns:a16="http://schemas.microsoft.com/office/drawing/2014/main" id="{61DE26D1-D4FB-1279-4844-DE49AC5B708B}"/>
+              </a:ext>
+            </a:extLst>
+          </p:cNvPr>
+          <p:cNvSpPr>
+            <a:spLocks noGrp="1"/>
+          </p:cNvSpPr>
+          <p:nvPr>
+            <p:ph idx="1"/>
+          </p:nvPr>
+        </p:nvSpPr>
+        <p:spPr/>
+        <p:txBody>
+          <a:bodyPr/>
+          <a:lstStyle/>
+          <a:p>
+            <a:endParaRPr lang="zh-CN" altLang="en-US"/>
+          </a:p>
+        </p:txBody>
+      </p:sp>
+    </p:spTree>
+    <p:extLst>
+      <p:ext uri="{BB962C8B-B14F-4D97-AF65-F5344CB8AC3E}">
+        <p14:creationId xmlns:p14="http://schemas.microsoft.com/office/powerpoint/2010/main" val="1521255480"/>
+      </p:ext>
+    </p:extLst>
+  </p:cSld>
+  <p:clrMapOvr>
+    <a:masterClrMapping/>
+  </p:clrMapOvr>
+</p:sld>
+</file>
+
+<file path=ppt/slides/slide23.xml><?xml version="1.0" encoding="utf-8"?>
+<p:sld xmlns:a="http://schemas.openxmlformats.org/drawingml/2006/main" xmlns:r="http://schemas.openxmlformats.org/officeDocument/2006/relationships" xmlns:p="http://schemas.openxmlformats.org/presentationml/2006/main">
+  <p:cSld>
+    <p:spTree>
+      <p:nvGrpSpPr>
+        <p:cNvPr id="1" name=""/>
+        <p:cNvGrpSpPr/>
+        <p:nvPr/>
+      </p:nvGrpSpPr>
+      <p:grpSpPr>
+        <a:xfrm>
+          <a:off x="0" y="0"/>
+          <a:ext cx="0" cy="0"/>
+          <a:chOff x="0" y="0"/>
+          <a:chExt cx="0" cy="0"/>
+        </a:xfrm>
+      </p:grpSpPr>
+      <p:sp>
+        <p:nvSpPr>
+          <p:cNvPr id="2" name="标题 1">
+            <a:extLst>
+              <a:ext uri="{FF2B5EF4-FFF2-40B4-BE49-F238E27FC236}">
+                <a16:creationId xmlns:a16="http://schemas.microsoft.com/office/drawing/2014/main" id="{52ED8034-5BD9-3538-A63A-FCD25845EB31}"/>
+              </a:ext>
+            </a:extLst>
+          </p:cNvPr>
+          <p:cNvSpPr>
+            <a:spLocks noGrp="1"/>
+          </p:cNvSpPr>
+          <p:nvPr>
+            <p:ph type="title"/>
+          </p:nvPr>
+        </p:nvSpPr>
+        <p:spPr/>
+        <p:txBody>
+          <a:bodyPr>
+            <a:normAutofit/>
+          </a:bodyPr>
+          <a:lstStyle/>
+          <a:p>
+            <a:r>
+              <a:rPr lang="zh-CN" altLang="en-US" dirty="0"/>
+              <a:t>目前依旧存在的问题及后续改进方向</a:t>
+            </a:r>
+          </a:p>
+        </p:txBody>
+      </p:sp>
+      <p:sp>
+        <p:nvSpPr>
+          <p:cNvPr id="3" name="内容占位符 2">
+            <a:extLst>
+              <a:ext uri="{FF2B5EF4-FFF2-40B4-BE49-F238E27FC236}">
+                <a16:creationId xmlns:a16="http://schemas.microsoft.com/office/drawing/2014/main" id="{6FF093B8-B23B-C52E-2EBA-62EBBEA30EC7}"/>
+              </a:ext>
+            </a:extLst>
+          </p:cNvPr>
+          <p:cNvSpPr>
+            <a:spLocks noGrp="1"/>
+          </p:cNvSpPr>
+          <p:nvPr>
+            <p:ph idx="1"/>
+          </p:nvPr>
+        </p:nvSpPr>
+        <p:spPr/>
+        <p:txBody>
+          <a:bodyPr/>
+          <a:lstStyle/>
+          <a:p>
+            <a:r>
+              <a:rPr lang="zh-CN" altLang="en-US" dirty="0"/>
+              <a:t>自动化触发条件不合理</a:t>
+            </a:r>
+            <a:endParaRPr lang="en-US" altLang="zh-CN" dirty="0"/>
+          </a:p>
+          <a:p>
+            <a:r>
+              <a:rPr lang="zh-CN" altLang="en-US" dirty="0"/>
+              <a:t>使用界面对用户不友好</a:t>
+            </a:r>
+          </a:p>
+        </p:txBody>
+      </p:sp>
+    </p:spTree>
+    <p:extLst>
+      <p:ext uri="{BB962C8B-B14F-4D97-AF65-F5344CB8AC3E}">
+        <p14:creationId xmlns:p14="http://schemas.microsoft.com/office/powerpoint/2010/main" val="3922311035"/>
+      </p:ext>
+    </p:extLst>
+  </p:cSld>
+  <p:clrMapOvr>
+    <a:masterClrMapping/>
+  </p:clrMapOvr>
+</p:sld>
+</file>
+
+<file path=ppt/slides/slide24.xml><?xml version="1.0" encoding="utf-8"?>
+<p:sld xmlns:a="http://schemas.openxmlformats.org/drawingml/2006/main" xmlns:r="http://schemas.openxmlformats.org/officeDocument/2006/relationships" xmlns:p="http://schemas.openxmlformats.org/presentationml/2006/main">
+  <p:cSld>
+    <p:spTree>
+      <p:nvGrpSpPr>
+        <p:cNvPr id="1" name=""/>
+        <p:cNvGrpSpPr/>
+        <p:nvPr/>
+      </p:nvGrpSpPr>
+      <p:grpSpPr>
+        <a:xfrm>
+          <a:off x="0" y="0"/>
+          <a:ext cx="0" cy="0"/>
+          <a:chOff x="0" y="0"/>
+          <a:chExt cx="0" cy="0"/>
+        </a:xfrm>
+      </p:grpSpPr>
+      <p:sp>
+        <p:nvSpPr>
+          <p:cNvPr id="2" name="标题 1">
+            <a:extLst>
+              <a:ext uri="{FF2B5EF4-FFF2-40B4-BE49-F238E27FC236}">
+                <a16:creationId xmlns:a16="http://schemas.microsoft.com/office/drawing/2014/main" id="{E7405600-69A9-B79C-6BD4-A7DE184D730C}"/>
+              </a:ext>
+            </a:extLst>
+          </p:cNvPr>
+          <p:cNvSpPr>
+            <a:spLocks noGrp="1"/>
+          </p:cNvSpPr>
+          <p:nvPr>
+            <p:ph type="title"/>
+          </p:nvPr>
+        </p:nvSpPr>
+        <p:spPr/>
+        <p:txBody>
+          <a:bodyPr/>
+          <a:lstStyle/>
+          <a:p>
+            <a:endParaRPr lang="zh-CN" altLang="en-US"/>
+          </a:p>
+        </p:txBody>
+      </p:sp>
+      <p:sp>
+        <p:nvSpPr>
+          <p:cNvPr id="3" name="内容占位符 2">
+            <a:extLst>
+              <a:ext uri="{FF2B5EF4-FFF2-40B4-BE49-F238E27FC236}">
+                <a16:creationId xmlns:a16="http://schemas.microsoft.com/office/drawing/2014/main" id="{194A7232-C118-CC5D-7EFA-DDF611E1A298}"/>
+              </a:ext>
+            </a:extLst>
+          </p:cNvPr>
+          <p:cNvSpPr>
+            <a:spLocks noGrp="1"/>
+          </p:cNvSpPr>
+          <p:nvPr>
+            <p:ph idx="1"/>
+          </p:nvPr>
+        </p:nvSpPr>
+        <p:spPr/>
+        <p:txBody>
+          <a:bodyPr/>
+          <a:lstStyle/>
+          <a:p>
+            <a:endParaRPr lang="zh-CN" altLang="en-US"/>
+          </a:p>
+        </p:txBody>
+      </p:sp>
+    </p:spTree>
+    <p:extLst>
+      <p:ext uri="{BB962C8B-B14F-4D97-AF65-F5344CB8AC3E}">
+        <p14:creationId xmlns:p14="http://schemas.microsoft.com/office/powerpoint/2010/main" val="2056675558"/>
+      </p:ext>
+    </p:extLst>
+  </p:cSld>
+  <p:clrMapOvr>
+    <a:masterClrMapping/>
+  </p:clrMapOvr>
+</p:sld>
+</file>
+
+<file path=ppt/slides/slide25.xml><?xml version="1.0" encoding="utf-8"?>
 <p:sld xmlns:a="http://schemas.openxmlformats.org/drawingml/2006/main" xmlns:r="http://schemas.openxmlformats.org/officeDocument/2006/relationships" xmlns:p="http://schemas.openxmlformats.org/presentationml/2006/main">
   <p:cSld>
     <p:spTree>
@@ -4722,7 +5413,7 @@
           <p:cNvPr id="2" name="标题 1">
             <a:extLst>
               <a:ext uri="{FF2B5EF4-FFF2-40B4-BE49-F238E27FC236}">
-                <a16:creationId xmlns:a16="http://schemas.microsoft.com/office/drawing/2014/main" id="{F0F96102-E036-7D46-E674-E95EA80727A8}"/>
+                <a16:creationId xmlns:a16="http://schemas.microsoft.com/office/drawing/2014/main" id="{C33F29C2-536E-9F3B-D057-18E80325147E}"/>
               </a:ext>
             </a:extLst>
           </p:cNvPr>
@@ -4740,7 +5431,7 @@
           <a:p>
             <a:r>
               <a:rPr lang="zh-CN" altLang="en-US" dirty="0"/>
-              <a:t>驱动是用来解决什么问题的</a:t>
+              <a:t>驱动是什么</a:t>
             </a:r>
           </a:p>
         </p:txBody>
@@ -4750,7 +5441,7 @@
           <p:cNvPr id="3" name="内容占位符 2">
             <a:extLst>
               <a:ext uri="{FF2B5EF4-FFF2-40B4-BE49-F238E27FC236}">
-                <a16:creationId xmlns:a16="http://schemas.microsoft.com/office/drawing/2014/main" id="{13C18367-C808-5E48-B364-2FFF87E85CC4}"/>
+                <a16:creationId xmlns:a16="http://schemas.microsoft.com/office/drawing/2014/main" id="{42DE4D8F-C9CA-AFD0-2B2C-914292FCC416}"/>
               </a:ext>
             </a:extLst>
           </p:cNvPr>
@@ -4773,7 +5464,7 @@
     </p:spTree>
     <p:extLst>
       <p:ext uri="{BB962C8B-B14F-4D97-AF65-F5344CB8AC3E}">
-        <p14:creationId xmlns:p14="http://schemas.microsoft.com/office/powerpoint/2010/main" val="570430437"/>
+        <p14:creationId xmlns:p14="http://schemas.microsoft.com/office/powerpoint/2010/main" val="1398401511"/>
       </p:ext>
     </p:extLst>
   </p:cSld>
@@ -4805,7 +5496,7 @@
           <p:cNvPr id="2" name="标题 1">
             <a:extLst>
               <a:ext uri="{FF2B5EF4-FFF2-40B4-BE49-F238E27FC236}">
-                <a16:creationId xmlns:a16="http://schemas.microsoft.com/office/drawing/2014/main" id="{5170BD6E-3AEF-BCEF-0684-819C5DBA4A28}"/>
+                <a16:creationId xmlns:a16="http://schemas.microsoft.com/office/drawing/2014/main" id="{F0F96102-E036-7D46-E674-E95EA80727A8}"/>
               </a:ext>
             </a:extLst>
           </p:cNvPr>
@@ -4823,7 +5514,7 @@
           <a:p>
             <a:r>
               <a:rPr lang="zh-CN" altLang="en-US" dirty="0"/>
-              <a:t>驱动提供哪些东西</a:t>
+              <a:t>驱动是用来解决什么问题的</a:t>
             </a:r>
           </a:p>
         </p:txBody>
@@ -4833,7 +5524,7 @@
           <p:cNvPr id="3" name="内容占位符 2">
             <a:extLst>
               <a:ext uri="{FF2B5EF4-FFF2-40B4-BE49-F238E27FC236}">
-                <a16:creationId xmlns:a16="http://schemas.microsoft.com/office/drawing/2014/main" id="{086F41A4-8032-4266-6EED-F83D04C7CF90}"/>
+                <a16:creationId xmlns:a16="http://schemas.microsoft.com/office/drawing/2014/main" id="{13C18367-C808-5E48-B364-2FFF87E85CC4}"/>
               </a:ext>
             </a:extLst>
           </p:cNvPr>
@@ -4856,7 +5547,7 @@
     </p:spTree>
     <p:extLst>
       <p:ext uri="{BB962C8B-B14F-4D97-AF65-F5344CB8AC3E}">
-        <p14:creationId xmlns:p14="http://schemas.microsoft.com/office/powerpoint/2010/main" val="1691335628"/>
+        <p14:creationId xmlns:p14="http://schemas.microsoft.com/office/powerpoint/2010/main" val="570430437"/>
       </p:ext>
     </p:extLst>
   </p:cSld>
@@ -4888,7 +5579,7 @@
           <p:cNvPr id="2" name="标题 1">
             <a:extLst>
               <a:ext uri="{FF2B5EF4-FFF2-40B4-BE49-F238E27FC236}">
-                <a16:creationId xmlns:a16="http://schemas.microsoft.com/office/drawing/2014/main" id="{4A363226-A8A6-FF27-BA3F-9A7BCC74F92C}"/>
+                <a16:creationId xmlns:a16="http://schemas.microsoft.com/office/drawing/2014/main" id="{5170BD6E-3AEF-BCEF-0684-819C5DBA4A28}"/>
               </a:ext>
             </a:extLst>
           </p:cNvPr>
@@ -4906,7 +5597,7 @@
           <a:p>
             <a:r>
               <a:rPr lang="zh-CN" altLang="en-US" dirty="0"/>
-              <a:t>驱动位于工程中的位置</a:t>
+              <a:t>驱动提供哪些东西</a:t>
             </a:r>
           </a:p>
         </p:txBody>
@@ -4916,7 +5607,7 @@
           <p:cNvPr id="3" name="内容占位符 2">
             <a:extLst>
               <a:ext uri="{FF2B5EF4-FFF2-40B4-BE49-F238E27FC236}">
-                <a16:creationId xmlns:a16="http://schemas.microsoft.com/office/drawing/2014/main" id="{831FDC2E-4BD5-4B0C-C370-4FBCC2D26F5F}"/>
+                <a16:creationId xmlns:a16="http://schemas.microsoft.com/office/drawing/2014/main" id="{086F41A4-8032-4266-6EED-F83D04C7CF90}"/>
               </a:ext>
             </a:extLst>
           </p:cNvPr>
@@ -4939,7 +5630,7 @@
     </p:spTree>
     <p:extLst>
       <p:ext uri="{BB962C8B-B14F-4D97-AF65-F5344CB8AC3E}">
-        <p14:creationId xmlns:p14="http://schemas.microsoft.com/office/powerpoint/2010/main" val="2629551209"/>
+        <p14:creationId xmlns:p14="http://schemas.microsoft.com/office/powerpoint/2010/main" val="1691335628"/>
       </p:ext>
     </p:extLst>
   </p:cSld>
@@ -4971,7 +5662,7 @@
           <p:cNvPr id="2" name="标题 1">
             <a:extLst>
               <a:ext uri="{FF2B5EF4-FFF2-40B4-BE49-F238E27FC236}">
-                <a16:creationId xmlns:a16="http://schemas.microsoft.com/office/drawing/2014/main" id="{CAB10CD6-FE05-0AEE-BEFB-6D9B9DA9145D}"/>
+                <a16:creationId xmlns:a16="http://schemas.microsoft.com/office/drawing/2014/main" id="{B15BD80E-385A-78C6-01BC-456C5F025AB4}"/>
               </a:ext>
             </a:extLst>
           </p:cNvPr>
@@ -4989,8 +5680,13 @@
           <a:p>
             <a:r>
               <a:rPr lang="zh-CN" altLang="en-US" dirty="0"/>
-              <a:t>常规驱动测试的步骤是怎样的？</a:t>
-            </a:r>
+              <a:t>驱动的</a:t>
+            </a:r>
+            <a:r>
+              <a:rPr lang="en-US" altLang="zh-CN" dirty="0"/>
+              <a:t>test case</a:t>
+            </a:r>
+            <a:endParaRPr lang="zh-CN" altLang="en-US" dirty="0"/>
           </a:p>
         </p:txBody>
       </p:sp>
@@ -4999,7 +5695,7 @@
           <p:cNvPr id="3" name="内容占位符 2">
             <a:extLst>
               <a:ext uri="{FF2B5EF4-FFF2-40B4-BE49-F238E27FC236}">
-                <a16:creationId xmlns:a16="http://schemas.microsoft.com/office/drawing/2014/main" id="{E5BBB27D-05D7-7AB9-C9A6-468BB23CF0BA}"/>
+                <a16:creationId xmlns:a16="http://schemas.microsoft.com/office/drawing/2014/main" id="{2E401B0A-6886-9D55-2C15-E313792C0D23}"/>
               </a:ext>
             </a:extLst>
           </p:cNvPr>
@@ -5010,90 +5706,19 @@
             <p:ph idx="1"/>
           </p:nvPr>
         </p:nvSpPr>
-        <p:spPr>
-          <a:xfrm>
-            <a:off x="7680960" y="1825625"/>
-            <a:ext cx="3672840" cy="4351338"/>
-          </a:xfrm>
-        </p:spPr>
-        <p:txBody>
-          <a:bodyPr/>
-          <a:lstStyle/>
-          <a:p>
-            <a:r>
-              <a:rPr lang="en-US" altLang="zh-CN" dirty="0"/>
-              <a:t>1.</a:t>
-            </a:r>
-            <a:r>
-              <a:rPr lang="zh-CN" altLang="en-US" dirty="0"/>
-              <a:t>编译，连接</a:t>
-            </a:r>
-          </a:p>
-          <a:p>
-            <a:r>
-              <a:rPr lang="en-US" altLang="zh-CN" dirty="0"/>
-              <a:t>2.</a:t>
-            </a:r>
-            <a:r>
-              <a:rPr lang="zh-CN" altLang="en-US" dirty="0"/>
-              <a:t>烧录</a:t>
-            </a:r>
-          </a:p>
-          <a:p>
-            <a:r>
-              <a:rPr lang="en-US" altLang="zh-CN" dirty="0"/>
-              <a:t>3.</a:t>
-            </a:r>
-            <a:r>
-              <a:rPr lang="zh-CN" altLang="en-US" dirty="0"/>
-              <a:t>观察结果</a:t>
-            </a:r>
-          </a:p>
-          <a:p>
-            <a:endParaRPr lang="zh-CN" altLang="en-US" dirty="0"/>
-          </a:p>
-        </p:txBody>
-      </p:sp>
-      <p:pic>
-        <p:nvPicPr>
-          <p:cNvPr id="4" name="内容占位符 8">
-            <a:extLst>
-              <a:ext uri="{FF2B5EF4-FFF2-40B4-BE49-F238E27FC236}">
-                <a16:creationId xmlns:a16="http://schemas.microsoft.com/office/drawing/2014/main" id="{A8579740-BC5D-9621-2448-7B09546E1964}"/>
-              </a:ext>
-            </a:extLst>
-          </p:cNvPr>
-          <p:cNvPicPr>
-            <a:picLocks noChangeAspect="1"/>
-          </p:cNvPicPr>
-          <p:nvPr/>
-        </p:nvPicPr>
-        <p:blipFill>
-          <a:blip r:embed="rId2">
-            <a:extLst>
-              <a:ext uri="{28A0092B-C50C-407E-A947-70E740481C1C}">
-                <a14:useLocalDpi xmlns:a14="http://schemas.microsoft.com/office/drawing/2010/main" val="0"/>
-              </a:ext>
-            </a:extLst>
-          </a:blip>
-          <a:stretch>
-            <a:fillRect/>
-          </a:stretch>
-        </p:blipFill>
-        <p:spPr>
-          <a:xfrm>
-            <a:off x="838200" y="1775175"/>
-            <a:ext cx="6562364" cy="4351338"/>
-          </a:xfrm>
-          <a:prstGeom prst="rect">
-            <a:avLst/>
-          </a:prstGeom>
-        </p:spPr>
-      </p:pic>
+        <p:spPr/>
+        <p:txBody>
+          <a:bodyPr/>
+          <a:lstStyle/>
+          <a:p>
+            <a:endParaRPr lang="zh-CN" altLang="en-US"/>
+          </a:p>
+        </p:txBody>
+      </p:sp>
     </p:spTree>
     <p:extLst>
       <p:ext uri="{BB962C8B-B14F-4D97-AF65-F5344CB8AC3E}">
-        <p14:creationId xmlns:p14="http://schemas.microsoft.com/office/powerpoint/2010/main" val="1410521587"/>
+        <p14:creationId xmlns:p14="http://schemas.microsoft.com/office/powerpoint/2010/main" val="3404394878"/>
       </p:ext>
     </p:extLst>
   </p:cSld>
@@ -5125,7 +5750,7 @@
           <p:cNvPr id="2" name="标题 1">
             <a:extLst>
               <a:ext uri="{FF2B5EF4-FFF2-40B4-BE49-F238E27FC236}">
-                <a16:creationId xmlns:a16="http://schemas.microsoft.com/office/drawing/2014/main" id="{D3C4DC28-5419-CF81-33E9-021F1BDD4389}"/>
+                <a16:creationId xmlns:a16="http://schemas.microsoft.com/office/drawing/2014/main" id="{4A363226-A8A6-FF27-BA3F-9A7BCC74F92C}"/>
               </a:ext>
             </a:extLst>
           </p:cNvPr>
@@ -5143,7 +5768,7 @@
           <a:p>
             <a:r>
               <a:rPr lang="zh-CN" altLang="en-US" dirty="0"/>
-              <a:t>常规驱动测试存在哪些不便？</a:t>
+              <a:t>驱动位于工程中的位置</a:t>
             </a:r>
           </a:p>
         </p:txBody>
@@ -5153,7 +5778,7 @@
           <p:cNvPr id="3" name="内容占位符 2">
             <a:extLst>
               <a:ext uri="{FF2B5EF4-FFF2-40B4-BE49-F238E27FC236}">
-                <a16:creationId xmlns:a16="http://schemas.microsoft.com/office/drawing/2014/main" id="{D5F643BE-9FBF-7D6E-B3C5-ABEFB3F5EB4A}"/>
+                <a16:creationId xmlns:a16="http://schemas.microsoft.com/office/drawing/2014/main" id="{831FDC2E-4BD5-4B0C-C370-4FBCC2D26F5F}"/>
               </a:ext>
             </a:extLst>
           </p:cNvPr>
@@ -5169,54 +5794,14 @@
           <a:bodyPr/>
           <a:lstStyle/>
           <a:p>
-            <a:pPr marL="514350" indent="-514350">
-              <a:buFont typeface="+mj-lt"/>
-              <a:buAutoNum type="arabicPeriod"/>
-            </a:pPr>
-            <a:r>
-              <a:rPr lang="zh-CN" altLang="en-US" dirty="0"/>
-              <a:t>输出非标准化</a:t>
-            </a:r>
-            <a:endParaRPr lang="en-US" altLang="zh-CN" dirty="0"/>
-          </a:p>
-          <a:p>
-            <a:pPr marL="514350" indent="-514350">
-              <a:buFont typeface="+mj-lt"/>
-              <a:buAutoNum type="arabicPeriod"/>
-            </a:pPr>
-            <a:r>
-              <a:rPr lang="zh-CN" altLang="en-US" dirty="0"/>
-              <a:t>手动调试</a:t>
-            </a:r>
-            <a:endParaRPr lang="en-US" altLang="zh-CN" dirty="0"/>
-          </a:p>
-          <a:p>
-            <a:pPr marL="514350" indent="-514350">
-              <a:buFont typeface="+mj-lt"/>
-              <a:buAutoNum type="arabicPeriod"/>
-            </a:pPr>
-            <a:r>
-              <a:rPr lang="zh-CN" altLang="en-US" dirty="0"/>
-              <a:t>平台及软件的升级导致驱动无法使用，需要重新制作和测试</a:t>
-            </a:r>
-            <a:endParaRPr lang="en-US" altLang="zh-CN" dirty="0"/>
-          </a:p>
-          <a:p>
-            <a:pPr marL="514350" indent="-514350">
-              <a:buFont typeface="+mj-lt"/>
-              <a:buAutoNum type="arabicPeriod"/>
-            </a:pPr>
-            <a:r>
-              <a:rPr lang="en-US" altLang="zh-CN" dirty="0"/>
-              <a:t>……</a:t>
-            </a:r>
+            <a:endParaRPr lang="zh-CN" altLang="en-US"/>
           </a:p>
         </p:txBody>
       </p:sp>
     </p:spTree>
     <p:extLst>
       <p:ext uri="{BB962C8B-B14F-4D97-AF65-F5344CB8AC3E}">
-        <p14:creationId xmlns:p14="http://schemas.microsoft.com/office/powerpoint/2010/main" val="3509129830"/>
+        <p14:creationId xmlns:p14="http://schemas.microsoft.com/office/powerpoint/2010/main" val="2629551209"/>
       </p:ext>
     </p:extLst>
   </p:cSld>
@@ -5248,7 +5833,7 @@
           <p:cNvPr id="2" name="标题 1">
             <a:extLst>
               <a:ext uri="{FF2B5EF4-FFF2-40B4-BE49-F238E27FC236}">
-                <a16:creationId xmlns:a16="http://schemas.microsoft.com/office/drawing/2014/main" id="{1FD22590-E417-D28C-EAC1-AA39D07E1EC8}"/>
+                <a16:creationId xmlns:a16="http://schemas.microsoft.com/office/drawing/2014/main" id="{175165CF-8AD8-D4BC-5D7E-69787293574B}"/>
               </a:ext>
             </a:extLst>
           </p:cNvPr>
@@ -5266,7 +5851,7 @@
           <a:p>
             <a:r>
               <a:rPr lang="zh-CN" altLang="en-US" dirty="0"/>
-              <a:t>关于输出非标准化是怎样解决的？</a:t>
+              <a:t>驱动阵列</a:t>
             </a:r>
           </a:p>
         </p:txBody>
@@ -5276,7 +5861,7 @@
           <p:cNvPr id="3" name="内容占位符 2">
             <a:extLst>
               <a:ext uri="{FF2B5EF4-FFF2-40B4-BE49-F238E27FC236}">
-                <a16:creationId xmlns:a16="http://schemas.microsoft.com/office/drawing/2014/main" id="{FEC21398-C4E5-2FBF-EBE6-439B71EBD5A9}"/>
+                <a16:creationId xmlns:a16="http://schemas.microsoft.com/office/drawing/2014/main" id="{3E430966-C45E-591C-1A2C-00F3DA5FBEBE}"/>
               </a:ext>
             </a:extLst>
           </p:cNvPr>
@@ -5287,34 +5872,63 @@
             <p:ph idx="1"/>
           </p:nvPr>
         </p:nvSpPr>
-        <p:spPr/>
+        <p:spPr>
+          <a:xfrm>
+            <a:off x="8734097" y="1828803"/>
+            <a:ext cx="2626630" cy="4351337"/>
+          </a:xfrm>
+        </p:spPr>
         <p:txBody>
           <a:bodyPr/>
           <a:lstStyle/>
           <a:p>
             <a:r>
               <a:rPr lang="zh-CN" altLang="en-US" dirty="0"/>
-              <a:t>引入</a:t>
-            </a:r>
-            <a:r>
-              <a:rPr lang="en-US" altLang="zh-CN" dirty="0" err="1"/>
-              <a:t>Greentea</a:t>
-            </a:r>
-            <a:r>
-              <a:rPr lang="zh-CN" altLang="en-US" dirty="0"/>
-              <a:t>框架</a:t>
-            </a:r>
-            <a:endParaRPr lang="en-US" altLang="zh-CN" dirty="0"/>
-          </a:p>
-          <a:p>
-            <a:endParaRPr lang="zh-CN" altLang="en-US" dirty="0"/>
-          </a:p>
-        </p:txBody>
-      </p:sp>
+              <a:t>后期可能的方向</a:t>
+            </a:r>
+          </a:p>
+        </p:txBody>
+      </p:sp>
+      <p:pic>
+        <p:nvPicPr>
+          <p:cNvPr id="5" name="图片 4">
+            <a:extLst>
+              <a:ext uri="{FF2B5EF4-FFF2-40B4-BE49-F238E27FC236}">
+                <a16:creationId xmlns:a16="http://schemas.microsoft.com/office/drawing/2014/main" id="{201B2DC6-B806-9E8B-48AF-022088E7C485}"/>
+              </a:ext>
+            </a:extLst>
+          </p:cNvPr>
+          <p:cNvPicPr>
+            <a:picLocks noChangeAspect="1"/>
+          </p:cNvPicPr>
+          <p:nvPr/>
+        </p:nvPicPr>
+        <p:blipFill>
+          <a:blip r:embed="rId2">
+            <a:extLst>
+              <a:ext uri="{28A0092B-C50C-407E-A947-70E740481C1C}">
+                <a14:useLocalDpi xmlns:a14="http://schemas.microsoft.com/office/drawing/2010/main" val="0"/>
+              </a:ext>
+            </a:extLst>
+          </a:blip>
+          <a:stretch>
+            <a:fillRect/>
+          </a:stretch>
+        </p:blipFill>
+        <p:spPr>
+          <a:xfrm>
+            <a:off x="845127" y="2263916"/>
+            <a:ext cx="6369298" cy="2881950"/>
+          </a:xfrm>
+          <a:prstGeom prst="rect">
+            <a:avLst/>
+          </a:prstGeom>
+        </p:spPr>
+      </p:pic>
     </p:spTree>
     <p:extLst>
       <p:ext uri="{BB962C8B-B14F-4D97-AF65-F5344CB8AC3E}">
-        <p14:creationId xmlns:p14="http://schemas.microsoft.com/office/powerpoint/2010/main" val="3841190707"/>
+        <p14:creationId xmlns:p14="http://schemas.microsoft.com/office/powerpoint/2010/main" val="2619773300"/>
       </p:ext>
     </p:extLst>
   </p:cSld>
@@ -5346,7 +5960,7 @@
           <p:cNvPr id="2" name="标题 1">
             <a:extLst>
               <a:ext uri="{FF2B5EF4-FFF2-40B4-BE49-F238E27FC236}">
-                <a16:creationId xmlns:a16="http://schemas.microsoft.com/office/drawing/2014/main" id="{CC454B70-CE16-CE8E-B7F8-158356EBCF59}"/>
+                <a16:creationId xmlns:a16="http://schemas.microsoft.com/office/drawing/2014/main" id="{CAB10CD6-FE05-0AEE-BEFB-6D9B9DA9145D}"/>
               </a:ext>
             </a:extLst>
           </p:cNvPr>
@@ -5359,16 +5973,14 @@
         </p:nvSpPr>
         <p:spPr/>
         <p:txBody>
-          <a:bodyPr/>
-          <a:lstStyle/>
-          <a:p>
-            <a:r>
-              <a:rPr lang="en-US" altLang="zh-CN" dirty="0" err="1"/>
-              <a:t>Greentea</a:t>
-            </a:r>
+          <a:bodyPr>
+            <a:normAutofit/>
+          </a:bodyPr>
+          <a:lstStyle/>
+          <a:p>
             <a:r>
               <a:rPr lang="zh-CN" altLang="en-US" dirty="0"/>
-              <a:t>在项目中的应用</a:t>
+              <a:t>常规驱动测试的步骤是怎样的？</a:t>
             </a:r>
           </a:p>
         </p:txBody>
@@ -5378,7 +5990,7 @@
           <p:cNvPr id="3" name="内容占位符 2">
             <a:extLst>
               <a:ext uri="{FF2B5EF4-FFF2-40B4-BE49-F238E27FC236}">
-                <a16:creationId xmlns:a16="http://schemas.microsoft.com/office/drawing/2014/main" id="{C56B2F31-7FAE-047C-487B-DE92D0530B3F}"/>
+                <a16:creationId xmlns:a16="http://schemas.microsoft.com/office/drawing/2014/main" id="{E5BBB27D-05D7-7AB9-C9A6-468BB23CF0BA}"/>
               </a:ext>
             </a:extLst>
           </p:cNvPr>
@@ -5389,19 +6001,90 @@
             <p:ph idx="1"/>
           </p:nvPr>
         </p:nvSpPr>
-        <p:spPr/>
-        <p:txBody>
-          <a:bodyPr/>
-          <a:lstStyle/>
+        <p:spPr>
+          <a:xfrm>
+            <a:off x="7680957" y="1775175"/>
+            <a:ext cx="3672840" cy="4351339"/>
+          </a:xfrm>
+        </p:spPr>
+        <p:txBody>
+          <a:bodyPr/>
+          <a:lstStyle/>
+          <a:p>
+            <a:r>
+              <a:rPr lang="en-US" altLang="zh-CN" dirty="0"/>
+              <a:t>1.</a:t>
+            </a:r>
+            <a:r>
+              <a:rPr lang="zh-CN" altLang="en-US" dirty="0"/>
+              <a:t>编译，连接</a:t>
+            </a:r>
+          </a:p>
+          <a:p>
+            <a:r>
+              <a:rPr lang="en-US" altLang="zh-CN" dirty="0"/>
+              <a:t>2.</a:t>
+            </a:r>
+            <a:r>
+              <a:rPr lang="zh-CN" altLang="en-US" dirty="0"/>
+              <a:t>烧录</a:t>
+            </a:r>
+          </a:p>
+          <a:p>
+            <a:r>
+              <a:rPr lang="en-US" altLang="zh-CN" dirty="0"/>
+              <a:t>3.</a:t>
+            </a:r>
+            <a:r>
+              <a:rPr lang="zh-CN" altLang="en-US" dirty="0"/>
+              <a:t>观察结果</a:t>
+            </a:r>
+          </a:p>
           <a:p>
             <a:endParaRPr lang="zh-CN" altLang="en-US" dirty="0"/>
           </a:p>
         </p:txBody>
       </p:sp>
+      <p:pic>
+        <p:nvPicPr>
+          <p:cNvPr id="4" name="内容占位符 8">
+            <a:extLst>
+              <a:ext uri="{FF2B5EF4-FFF2-40B4-BE49-F238E27FC236}">
+                <a16:creationId xmlns:a16="http://schemas.microsoft.com/office/drawing/2014/main" id="{A8579740-BC5D-9621-2448-7B09546E1964}"/>
+              </a:ext>
+            </a:extLst>
+          </p:cNvPr>
+          <p:cNvPicPr>
+            <a:picLocks noChangeAspect="1"/>
+          </p:cNvPicPr>
+          <p:nvPr/>
+        </p:nvPicPr>
+        <p:blipFill>
+          <a:blip r:embed="rId2">
+            <a:extLst>
+              <a:ext uri="{28A0092B-C50C-407E-A947-70E740481C1C}">
+                <a14:useLocalDpi xmlns:a14="http://schemas.microsoft.com/office/drawing/2010/main" val="0"/>
+              </a:ext>
+            </a:extLst>
+          </a:blip>
+          <a:stretch>
+            <a:fillRect/>
+          </a:stretch>
+        </p:blipFill>
+        <p:spPr>
+          <a:xfrm>
+            <a:off x="838203" y="1775175"/>
+            <a:ext cx="6562364" cy="4351339"/>
+          </a:xfrm>
+          <a:prstGeom prst="rect">
+            <a:avLst/>
+          </a:prstGeom>
+        </p:spPr>
+      </p:pic>
     </p:spTree>
     <p:extLst>
       <p:ext uri="{BB962C8B-B14F-4D97-AF65-F5344CB8AC3E}">
-        <p14:creationId xmlns:p14="http://schemas.microsoft.com/office/powerpoint/2010/main" val="765524057"/>
+        <p14:creationId xmlns:p14="http://schemas.microsoft.com/office/powerpoint/2010/main" val="1410521587"/>
       </p:ext>
     </p:extLst>
   </p:cSld>
@@ -5412,7 +6095,7 @@
 </file>
 
 <file path=ppt/theme/theme1.xml><?xml version="1.0" encoding="utf-8"?>
-<a:theme xmlns:a="http://schemas.openxmlformats.org/drawingml/2006/main" name="Office 主题​​">
+<a:theme xmlns:a="http://schemas.openxmlformats.org/drawingml/2006/main" name="HDOfficeLightV0">
   <a:themeElements>
     <a:clrScheme name="Office">
       <a:dk1>
@@ -5428,7 +6111,7 @@
         <a:srgbClr val="E7E6E6"/>
       </a:lt2>
       <a:accent1>
-        <a:srgbClr val="4472C4"/>
+        <a:srgbClr val="5B9BD5"/>
       </a:accent1>
       <a:accent2>
         <a:srgbClr val="ED7D31"/>
@@ -5440,7 +6123,7 @@
         <a:srgbClr val="FFC000"/>
       </a:accent4>
       <a:accent5>
-        <a:srgbClr val="5B9BD5"/>
+        <a:srgbClr val="4472C4"/>
       </a:accent5>
       <a:accent6>
         <a:srgbClr val="70AD47"/>
@@ -5454,12 +6137,12 @@
     </a:clrScheme>
     <a:fontScheme name="Office">
       <a:majorFont>
-        <a:latin typeface="等线 Light" panose="020F0302020204030204"/>
+        <a:latin typeface="Calibri Light"/>
         <a:ea typeface=""/>
         <a:cs typeface=""/>
-        <a:font script="Jpan" typeface="游ゴシック Light"/>
+        <a:font script="Jpan" typeface="ＭＳ Ｐゴシック"/>
         <a:font script="Hang" typeface="맑은 고딕"/>
-        <a:font script="Hans" typeface="等线 Light"/>
+        <a:font script="Hans" typeface="宋体"/>
         <a:font script="Hant" typeface="新細明體"/>
         <a:font script="Arab" typeface="Times New Roman"/>
         <a:font script="Hebr" typeface="Times New Roman"/>
@@ -5487,31 +6170,14 @@
         <a:font script="Viet" typeface="Times New Roman"/>
         <a:font script="Uigh" typeface="Microsoft Uighur"/>
         <a:font script="Geor" typeface="Sylfaen"/>
-        <a:font script="Armn" typeface="Arial"/>
-        <a:font script="Bugi" typeface="Leelawadee UI"/>
-        <a:font script="Bopo" typeface="Microsoft JhengHei"/>
-        <a:font script="Java" typeface="Javanese Text"/>
-        <a:font script="Lisu" typeface="Segoe UI"/>
-        <a:font script="Mymr" typeface="Myanmar Text"/>
-        <a:font script="Nkoo" typeface="Ebrima"/>
-        <a:font script="Olck" typeface="Nirmala UI"/>
-        <a:font script="Osma" typeface="Ebrima"/>
-        <a:font script="Phag" typeface="Phagspa"/>
-        <a:font script="Syrn" typeface="Estrangelo Edessa"/>
-        <a:font script="Syrj" typeface="Estrangelo Edessa"/>
-        <a:font script="Syre" typeface="Estrangelo Edessa"/>
-        <a:font script="Sora" typeface="Nirmala UI"/>
-        <a:font script="Tale" typeface="Microsoft Tai Le"/>
-        <a:font script="Talu" typeface="Microsoft New Tai Lue"/>
-        <a:font script="Tfng" typeface="Ebrima"/>
       </a:majorFont>
       <a:minorFont>
-        <a:latin typeface="等线" panose="020F0502020204030204"/>
+        <a:latin typeface="Calibri"/>
         <a:ea typeface=""/>
         <a:cs typeface=""/>
-        <a:font script="Jpan" typeface="游ゴシック"/>
+        <a:font script="Jpan" typeface="ＭＳ Ｐゴシック"/>
         <a:font script="Hang" typeface="맑은 고딕"/>
-        <a:font script="Hans" typeface="等线"/>
+        <a:font script="Hans" typeface="宋体"/>
         <a:font script="Hant" typeface="新細明體"/>
         <a:font script="Arab" typeface="Arial"/>
         <a:font script="Hebr" typeface="Arial"/>
@@ -5539,23 +6205,6 @@
         <a:font script="Viet" typeface="Arial"/>
         <a:font script="Uigh" typeface="Microsoft Uighur"/>
         <a:font script="Geor" typeface="Sylfaen"/>
-        <a:font script="Armn" typeface="Arial"/>
-        <a:font script="Bugi" typeface="Leelawadee UI"/>
-        <a:font script="Bopo" typeface="Microsoft JhengHei"/>
-        <a:font script="Java" typeface="Javanese Text"/>
-        <a:font script="Lisu" typeface="Segoe UI"/>
-        <a:font script="Mymr" typeface="Myanmar Text"/>
-        <a:font script="Nkoo" typeface="Ebrima"/>
-        <a:font script="Olck" typeface="Nirmala UI"/>
-        <a:font script="Osma" typeface="Ebrima"/>
-        <a:font script="Phag" typeface="Phagspa"/>
-        <a:font script="Syrn" typeface="Estrangelo Edessa"/>
-        <a:font script="Syrj" typeface="Estrangelo Edessa"/>
-        <a:font script="Syre" typeface="Estrangelo Edessa"/>
-        <a:font script="Sora" typeface="Nirmala UI"/>
-        <a:font script="Tale" typeface="Microsoft Tai Le"/>
-        <a:font script="Talu" typeface="Microsoft New Tai Lue"/>
-        <a:font script="Tfng" typeface="Ebrima"/>
       </a:minorFont>
     </a:fontScheme>
     <a:fmtScheme name="Office">
@@ -5567,23 +6216,23 @@
           <a:gsLst>
             <a:gs pos="0">
               <a:schemeClr val="phClr">
+                <a:tint val="67000"/>
+                <a:satMod val="105000"/>
                 <a:lumMod val="110000"/>
-                <a:satMod val="105000"/>
-                <a:tint val="67000"/>
               </a:schemeClr>
             </a:gs>
             <a:gs pos="50000">
               <a:schemeClr val="phClr">
+                <a:tint val="73000"/>
+                <a:satMod val="103000"/>
                 <a:lumMod val="105000"/>
-                <a:satMod val="103000"/>
-                <a:tint val="73000"/>
               </a:schemeClr>
             </a:gs>
             <a:gs pos="100000">
               <a:schemeClr val="phClr">
+                <a:tint val="81000"/>
+                <a:satMod val="109000"/>
                 <a:lumMod val="105000"/>
-                <a:satMod val="109000"/>
-                <a:tint val="81000"/>
               </a:schemeClr>
             </a:gs>
           </a:gsLst>
@@ -5593,23 +6242,23 @@
           <a:gsLst>
             <a:gs pos="0">
               <a:schemeClr val="phClr">
+                <a:tint val="94000"/>
                 <a:satMod val="103000"/>
                 <a:lumMod val="102000"/>
-                <a:tint val="94000"/>
               </a:schemeClr>
             </a:gs>
             <a:gs pos="50000">
               <a:schemeClr val="phClr">
+                <a:shade val="100000"/>
                 <a:satMod val="110000"/>
                 <a:lumMod val="100000"/>
-                <a:shade val="100000"/>
               </a:schemeClr>
             </a:gs>
             <a:gs pos="100000">
               <a:schemeClr val="phClr">
+                <a:shade val="78000"/>
+                <a:satMod val="120000"/>
                 <a:lumMod val="99000"/>
-                <a:satMod val="120000"/>
-                <a:shade val="78000"/>
               </a:schemeClr>
             </a:gs>
           </a:gsLst>
@@ -5622,21 +6271,18 @@
             <a:schemeClr val="phClr"/>
           </a:solidFill>
           <a:prstDash val="solid"/>
-          <a:miter lim="800000"/>
         </a:ln>
         <a:ln w="12700" cap="flat" cmpd="sng" algn="ctr">
           <a:solidFill>
             <a:schemeClr val="phClr"/>
           </a:solidFill>
           <a:prstDash val="solid"/>
-          <a:miter lim="800000"/>
         </a:ln>
         <a:ln w="19050" cap="flat" cmpd="sng" algn="ctr">
           <a:solidFill>
             <a:schemeClr val="phClr"/>
           </a:solidFill>
           <a:prstDash val="solid"/>
-          <a:miter lim="800000"/>
         </a:ln>
       </a:lnStyleLst>
       <a:effectStyleLst>
@@ -5671,16 +6317,16 @@
             <a:gs pos="0">
               <a:schemeClr val="phClr">
                 <a:tint val="93000"/>
+                <a:shade val="98000"/>
                 <a:satMod val="150000"/>
-                <a:shade val="98000"/>
                 <a:lumMod val="102000"/>
               </a:schemeClr>
             </a:gs>
             <a:gs pos="50000">
               <a:schemeClr val="phClr">
                 <a:tint val="98000"/>
+                <a:shade val="90000"/>
                 <a:satMod val="130000"/>
-                <a:shade val="90000"/>
                 <a:lumMod val="103000"/>
               </a:schemeClr>
             </a:gs>
@@ -5698,10 +6344,5 @@
   </a:themeElements>
   <a:objectDefaults/>
   <a:extraClrSchemeLst/>
-  <a:extLst>
-    <a:ext uri="{05A4C25C-085E-4340-85A3-A5531E510DB2}">
-      <thm15:themeFamily xmlns:thm15="http://schemas.microsoft.com/office/thememl/2012/main" name="Office Theme" id="{62F939B6-93AF-4DB8-9C6B-D6C7DFDC589F}" vid="{4A3C46E8-61CC-4603-A589-7422A47A8E4A}"/>
-    </a:ext>
-  </a:extLst>
 </a:theme>
 </file>
--- a/xianzheng.pptx
+++ b/xianzheng.pptx
@@ -9,12 +9,12 @@
     <p:sldId id="257" r:id="rId3"/>
     <p:sldId id="294" r:id="rId4"/>
     <p:sldId id="275" r:id="rId5"/>
-    <p:sldId id="272" r:id="rId6"/>
-    <p:sldId id="295" r:id="rId7"/>
-    <p:sldId id="281" r:id="rId8"/>
-    <p:sldId id="296" r:id="rId9"/>
-    <p:sldId id="290" r:id="rId10"/>
-    <p:sldId id="282" r:id="rId11"/>
+    <p:sldId id="281" r:id="rId6"/>
+    <p:sldId id="272" r:id="rId7"/>
+    <p:sldId id="295" r:id="rId8"/>
+    <p:sldId id="290" r:id="rId9"/>
+    <p:sldId id="282" r:id="rId10"/>
+    <p:sldId id="297" r:id="rId11"/>
     <p:sldId id="283" r:id="rId12"/>
     <p:sldId id="287" r:id="rId13"/>
     <p:sldId id="288" r:id="rId14"/>
@@ -24,12 +24,13 @@
     <p:sldId id="285" r:id="rId18"/>
     <p:sldId id="293" r:id="rId19"/>
     <p:sldId id="292" r:id="rId20"/>
-    <p:sldId id="286" r:id="rId21"/>
-    <p:sldId id="270" r:id="rId22"/>
+    <p:sldId id="296" r:id="rId21"/>
+    <p:sldId id="286" r:id="rId22"/>
     <p:sldId id="278" r:id="rId23"/>
-    <p:sldId id="279" r:id="rId24"/>
-    <p:sldId id="280" r:id="rId25"/>
-    <p:sldId id="265" r:id="rId26"/>
+    <p:sldId id="298" r:id="rId24"/>
+    <p:sldId id="279" r:id="rId25"/>
+    <p:sldId id="280" r:id="rId26"/>
+    <p:sldId id="265" r:id="rId27"/>
   </p:sldIdLst>
   <p:sldSz cx="12192000" cy="6858000"/>
   <p:notesSz cx="6858000" cy="9144000"/>
@@ -130,7 +131,18 @@
   </p:defaultTextStyle>
   <p:extLst>
     <p:ext uri="{EFAFB233-063F-42B5-8137-9DF3F51BA10A}">
-      <p15:sldGuideLst xmlns:p15="http://schemas.microsoft.com/office/powerpoint/2012/main"/>
+      <p15:sldGuideLst xmlns:p15="http://schemas.microsoft.com/office/powerpoint/2012/main">
+        <p15:guide id="1" orient="horz" pos="2160" userDrawn="1">
+          <p15:clr>
+            <a:srgbClr val="A4A3A4"/>
+          </p15:clr>
+        </p15:guide>
+        <p15:guide id="2" pos="3840" userDrawn="1">
+          <p15:clr>
+            <a:srgbClr val="A4A3A4"/>
+          </p15:clr>
+        </p15:guide>
+      </p15:sldGuideLst>
     </p:ext>
   </p:extLst>
 </p:presentation>
@@ -278,7 +290,7 @@
           <a:p>
             <a:fld id="{ECE90DBC-198A-4951-981A-CD336A3DC4A3}" type="datetimeFigureOut">
               <a:rPr lang="zh-CN" altLang="en-US" smtClean="0"/>
-              <a:t>2024/3/14</a:t>
+              <a:t>2024/3/15</a:t>
             </a:fld>
             <a:endParaRPr lang="zh-CN" altLang="en-US"/>
           </a:p>
@@ -330,356 +342,6 @@
     <p:extLst>
       <p:ext uri="{BB962C8B-B14F-4D97-AF65-F5344CB8AC3E}">
         <p14:creationId xmlns:p14="http://schemas.microsoft.com/office/powerpoint/2010/main" val="41675819"/>
-      </p:ext>
-    </p:extLst>
-  </p:cSld>
-  <p:clrMapOvr>
-    <a:masterClrMapping/>
-  </p:clrMapOvr>
-</p:sldLayout>
-</file>
-
-<file path=ppt/slideLayouts/slideLayout10.xml><?xml version="1.0" encoding="utf-8"?>
-<p:sldLayout xmlns:a="http://schemas.openxmlformats.org/drawingml/2006/main" xmlns:r="http://schemas.openxmlformats.org/officeDocument/2006/relationships" xmlns:p="http://schemas.openxmlformats.org/presentationml/2006/main" type="vertTx" preserve="1">
-  <p:cSld name="标题和竖排文字">
-    <p:spTree>
-      <p:nvGrpSpPr>
-        <p:cNvPr id="1" name=""/>
-        <p:cNvGrpSpPr/>
-        <p:nvPr/>
-      </p:nvGrpSpPr>
-      <p:grpSpPr>
-        <a:xfrm>
-          <a:off x="0" y="0"/>
-          <a:ext cx="0" cy="0"/>
-          <a:chOff x="0" y="0"/>
-          <a:chExt cx="0" cy="0"/>
-        </a:xfrm>
-      </p:grpSpPr>
-      <p:sp>
-        <p:nvSpPr>
-          <p:cNvPr id="2" name="Title 1"/>
-          <p:cNvSpPr>
-            <a:spLocks noGrp="1"/>
-          </p:cNvSpPr>
-          <p:nvPr>
-            <p:ph type="title"/>
-          </p:nvPr>
-        </p:nvSpPr>
-        <p:spPr/>
-        <p:txBody>
-          <a:bodyPr/>
-          <a:lstStyle/>
-          <a:p>
-            <a:r>
-              <a:rPr lang="zh-CN" altLang="en-US"/>
-              <a:t>单击此处编辑母版标题样式</a:t>
-            </a:r>
-            <a:endParaRPr lang="en-US"/>
-          </a:p>
-        </p:txBody>
-      </p:sp>
-      <p:sp>
-        <p:nvSpPr>
-          <p:cNvPr id="3" name="Vertical Text Placeholder 2"/>
-          <p:cNvSpPr>
-            <a:spLocks noGrp="1"/>
-          </p:cNvSpPr>
-          <p:nvPr>
-            <p:ph type="body" orient="vert" idx="1"/>
-          </p:nvPr>
-        </p:nvSpPr>
-        <p:spPr/>
-        <p:txBody>
-          <a:bodyPr vert="eaVert"/>
-          <a:lstStyle/>
-          <a:p>
-            <a:pPr lvl="0"/>
-            <a:r>
-              <a:rPr lang="zh-CN" altLang="en-US"/>
-              <a:t>单击此处编辑母版文本样式</a:t>
-            </a:r>
-          </a:p>
-          <a:p>
-            <a:pPr lvl="1"/>
-            <a:r>
-              <a:rPr lang="zh-CN" altLang="en-US"/>
-              <a:t>二级</a:t>
-            </a:r>
-          </a:p>
-          <a:p>
-            <a:pPr lvl="2"/>
-            <a:r>
-              <a:rPr lang="zh-CN" altLang="en-US"/>
-              <a:t>三级</a:t>
-            </a:r>
-          </a:p>
-          <a:p>
-            <a:pPr lvl="3"/>
-            <a:r>
-              <a:rPr lang="zh-CN" altLang="en-US"/>
-              <a:t>四级</a:t>
-            </a:r>
-          </a:p>
-          <a:p>
-            <a:pPr lvl="4"/>
-            <a:r>
-              <a:rPr lang="zh-CN" altLang="en-US"/>
-              <a:t>五级</a:t>
-            </a:r>
-            <a:endParaRPr lang="en-US" dirty="0"/>
-          </a:p>
-        </p:txBody>
-      </p:sp>
-      <p:sp>
-        <p:nvSpPr>
-          <p:cNvPr id="4" name="Date Placeholder 3"/>
-          <p:cNvSpPr>
-            <a:spLocks noGrp="1"/>
-          </p:cNvSpPr>
-          <p:nvPr>
-            <p:ph type="dt" sz="half" idx="10"/>
-          </p:nvPr>
-        </p:nvSpPr>
-        <p:spPr/>
-        <p:txBody>
-          <a:bodyPr/>
-          <a:lstStyle/>
-          <a:p>
-            <a:fld id="{ECE90DBC-198A-4951-981A-CD336A3DC4A3}" type="datetimeFigureOut">
-              <a:rPr lang="zh-CN" altLang="en-US" smtClean="0"/>
-              <a:t>2024/3/14</a:t>
-            </a:fld>
-            <a:endParaRPr lang="zh-CN" altLang="en-US"/>
-          </a:p>
-        </p:txBody>
-      </p:sp>
-      <p:sp>
-        <p:nvSpPr>
-          <p:cNvPr id="5" name="Footer Placeholder 4"/>
-          <p:cNvSpPr>
-            <a:spLocks noGrp="1"/>
-          </p:cNvSpPr>
-          <p:nvPr>
-            <p:ph type="ftr" sz="quarter" idx="11"/>
-          </p:nvPr>
-        </p:nvSpPr>
-        <p:spPr/>
-        <p:txBody>
-          <a:bodyPr/>
-          <a:lstStyle/>
-          <a:p>
-            <a:endParaRPr lang="zh-CN" altLang="en-US"/>
-          </a:p>
-        </p:txBody>
-      </p:sp>
-      <p:sp>
-        <p:nvSpPr>
-          <p:cNvPr id="6" name="Slide Number Placeholder 5"/>
-          <p:cNvSpPr>
-            <a:spLocks noGrp="1"/>
-          </p:cNvSpPr>
-          <p:nvPr>
-            <p:ph type="sldNum" sz="quarter" idx="12"/>
-          </p:nvPr>
-        </p:nvSpPr>
-        <p:spPr/>
-        <p:txBody>
-          <a:bodyPr/>
-          <a:lstStyle/>
-          <a:p>
-            <a:fld id="{AE6B9B6F-18BE-4B98-B6C6-8E1115BABC59}" type="slidenum">
-              <a:rPr lang="zh-CN" altLang="en-US" smtClean="0"/>
-              <a:t>‹#›</a:t>
-            </a:fld>
-            <a:endParaRPr lang="zh-CN" altLang="en-US"/>
-          </a:p>
-        </p:txBody>
-      </p:sp>
-    </p:spTree>
-    <p:extLst>
-      <p:ext uri="{BB962C8B-B14F-4D97-AF65-F5344CB8AC3E}">
-        <p14:creationId xmlns:p14="http://schemas.microsoft.com/office/powerpoint/2010/main" val="2810368361"/>
-      </p:ext>
-    </p:extLst>
-  </p:cSld>
-  <p:clrMapOvr>
-    <a:masterClrMapping/>
-  </p:clrMapOvr>
-</p:sldLayout>
-</file>
-
-<file path=ppt/slideLayouts/slideLayout11.xml><?xml version="1.0" encoding="utf-8"?>
-<p:sldLayout xmlns:a="http://schemas.openxmlformats.org/drawingml/2006/main" xmlns:r="http://schemas.openxmlformats.org/officeDocument/2006/relationships" xmlns:p="http://schemas.openxmlformats.org/presentationml/2006/main" type="vertTitleAndTx" preserve="1">
-  <p:cSld name="竖排标题与文本">
-    <p:spTree>
-      <p:nvGrpSpPr>
-        <p:cNvPr id="1" name=""/>
-        <p:cNvGrpSpPr/>
-        <p:nvPr/>
-      </p:nvGrpSpPr>
-      <p:grpSpPr>
-        <a:xfrm>
-          <a:off x="0" y="0"/>
-          <a:ext cx="0" cy="0"/>
-          <a:chOff x="0" y="0"/>
-          <a:chExt cx="0" cy="0"/>
-        </a:xfrm>
-      </p:grpSpPr>
-      <p:sp>
-        <p:nvSpPr>
-          <p:cNvPr id="2" name="Vertical Title 1"/>
-          <p:cNvSpPr>
-            <a:spLocks noGrp="1"/>
-          </p:cNvSpPr>
-          <p:nvPr>
-            <p:ph type="title" orient="vert"/>
-          </p:nvPr>
-        </p:nvSpPr>
-        <p:spPr>
-          <a:xfrm>
-            <a:off x="8724902" y="360362"/>
-            <a:ext cx="2628900" cy="5811838"/>
-          </a:xfrm>
-        </p:spPr>
-        <p:txBody>
-          <a:bodyPr vert="eaVert"/>
-          <a:lstStyle/>
-          <a:p>
-            <a:r>
-              <a:rPr lang="zh-CN" altLang="en-US"/>
-              <a:t>单击此处编辑母版标题样式</a:t>
-            </a:r>
-            <a:endParaRPr lang="en-US"/>
-          </a:p>
-        </p:txBody>
-      </p:sp>
-      <p:sp>
-        <p:nvSpPr>
-          <p:cNvPr id="3" name="Vertical Text Placeholder 2"/>
-          <p:cNvSpPr>
-            <a:spLocks noGrp="1"/>
-          </p:cNvSpPr>
-          <p:nvPr>
-            <p:ph type="body" orient="vert" idx="1"/>
-          </p:nvPr>
-        </p:nvSpPr>
-        <p:spPr>
-          <a:xfrm>
-            <a:off x="838202" y="360366"/>
-            <a:ext cx="7734300" cy="5811837"/>
-          </a:xfrm>
-        </p:spPr>
-        <p:txBody>
-          <a:bodyPr vert="eaVert"/>
-          <a:lstStyle/>
-          <a:p>
-            <a:pPr lvl="0"/>
-            <a:r>
-              <a:rPr lang="zh-CN" altLang="en-US"/>
-              <a:t>单击此处编辑母版文本样式</a:t>
-            </a:r>
-          </a:p>
-          <a:p>
-            <a:pPr lvl="1"/>
-            <a:r>
-              <a:rPr lang="zh-CN" altLang="en-US"/>
-              <a:t>二级</a:t>
-            </a:r>
-          </a:p>
-          <a:p>
-            <a:pPr lvl="2"/>
-            <a:r>
-              <a:rPr lang="zh-CN" altLang="en-US"/>
-              <a:t>三级</a:t>
-            </a:r>
-          </a:p>
-          <a:p>
-            <a:pPr lvl="3"/>
-            <a:r>
-              <a:rPr lang="zh-CN" altLang="en-US"/>
-              <a:t>四级</a:t>
-            </a:r>
-          </a:p>
-          <a:p>
-            <a:pPr lvl="4"/>
-            <a:r>
-              <a:rPr lang="zh-CN" altLang="en-US"/>
-              <a:t>五级</a:t>
-            </a:r>
-            <a:endParaRPr lang="en-US"/>
-          </a:p>
-        </p:txBody>
-      </p:sp>
-      <p:sp>
-        <p:nvSpPr>
-          <p:cNvPr id="4" name="Date Placeholder 3"/>
-          <p:cNvSpPr>
-            <a:spLocks noGrp="1"/>
-          </p:cNvSpPr>
-          <p:nvPr>
-            <p:ph type="dt" sz="half" idx="10"/>
-          </p:nvPr>
-        </p:nvSpPr>
-        <p:spPr/>
-        <p:txBody>
-          <a:bodyPr/>
-          <a:lstStyle/>
-          <a:p>
-            <a:fld id="{ECE90DBC-198A-4951-981A-CD336A3DC4A3}" type="datetimeFigureOut">
-              <a:rPr lang="zh-CN" altLang="en-US" smtClean="0"/>
-              <a:t>2024/3/14</a:t>
-            </a:fld>
-            <a:endParaRPr lang="zh-CN" altLang="en-US"/>
-          </a:p>
-        </p:txBody>
-      </p:sp>
-      <p:sp>
-        <p:nvSpPr>
-          <p:cNvPr id="5" name="Footer Placeholder 4"/>
-          <p:cNvSpPr>
-            <a:spLocks noGrp="1"/>
-          </p:cNvSpPr>
-          <p:nvPr>
-            <p:ph type="ftr" sz="quarter" idx="11"/>
-          </p:nvPr>
-        </p:nvSpPr>
-        <p:spPr/>
-        <p:txBody>
-          <a:bodyPr/>
-          <a:lstStyle/>
-          <a:p>
-            <a:endParaRPr lang="zh-CN" altLang="en-US"/>
-          </a:p>
-        </p:txBody>
-      </p:sp>
-      <p:sp>
-        <p:nvSpPr>
-          <p:cNvPr id="6" name="Slide Number Placeholder 5"/>
-          <p:cNvSpPr>
-            <a:spLocks noGrp="1"/>
-          </p:cNvSpPr>
-          <p:nvPr>
-            <p:ph type="sldNum" sz="quarter" idx="12"/>
-          </p:nvPr>
-        </p:nvSpPr>
-        <p:spPr/>
-        <p:txBody>
-          <a:bodyPr/>
-          <a:lstStyle/>
-          <a:p>
-            <a:fld id="{AE6B9B6F-18BE-4B98-B6C6-8E1115BABC59}" type="slidenum">
-              <a:rPr lang="zh-CN" altLang="en-US" smtClean="0"/>
-              <a:t>‹#›</a:t>
-            </a:fld>
-            <a:endParaRPr lang="zh-CN" altLang="en-US"/>
-          </a:p>
-        </p:txBody>
-      </p:sp>
-    </p:spTree>
-    <p:extLst>
-      <p:ext uri="{BB962C8B-B14F-4D97-AF65-F5344CB8AC3E}">
-        <p14:creationId xmlns:p14="http://schemas.microsoft.com/office/powerpoint/2010/main" val="786241873"/>
       </p:ext>
     </p:extLst>
   </p:cSld>
@@ -798,7 +460,7 @@
           <a:p>
             <a:fld id="{ECE90DBC-198A-4951-981A-CD336A3DC4A3}" type="datetimeFigureOut">
               <a:rPr lang="zh-CN" altLang="en-US" smtClean="0"/>
-              <a:t>2024/3/14</a:t>
+              <a:t>2024/3/15</a:t>
             </a:fld>
             <a:endParaRPr lang="zh-CN" altLang="en-US"/>
           </a:p>
@@ -860,257 +522,6 @@
 </file>
 
 <file path=ppt/slideLayouts/slideLayout3.xml><?xml version="1.0" encoding="utf-8"?>
-<p:sldLayout xmlns:a="http://schemas.openxmlformats.org/drawingml/2006/main" xmlns:r="http://schemas.openxmlformats.org/officeDocument/2006/relationships" xmlns:p="http://schemas.openxmlformats.org/presentationml/2006/main" type="secHead" preserve="1">
-  <p:cSld name="节标题">
-    <p:spTree>
-      <p:nvGrpSpPr>
-        <p:cNvPr id="1" name=""/>
-        <p:cNvGrpSpPr/>
-        <p:nvPr/>
-      </p:nvGrpSpPr>
-      <p:grpSpPr>
-        <a:xfrm>
-          <a:off x="0" y="0"/>
-          <a:ext cx="0" cy="0"/>
-          <a:chOff x="0" y="0"/>
-          <a:chExt cx="0" cy="0"/>
-        </a:xfrm>
-      </p:grpSpPr>
-      <p:sp>
-        <p:nvSpPr>
-          <p:cNvPr id="2" name="Title 1"/>
-          <p:cNvSpPr>
-            <a:spLocks noGrp="1"/>
-          </p:cNvSpPr>
-          <p:nvPr>
-            <p:ph type="title"/>
-          </p:nvPr>
-        </p:nvSpPr>
-        <p:spPr>
-          <a:xfrm>
-            <a:off x="831851" y="1712423"/>
-            <a:ext cx="10515600" cy="2851208"/>
-          </a:xfrm>
-        </p:spPr>
-        <p:txBody>
-          <a:bodyPr anchor="b">
-            <a:normAutofit/>
-          </a:bodyPr>
-          <a:lstStyle>
-            <a:lvl1pPr>
-              <a:defRPr sz="6000" b="0"/>
-            </a:lvl1pPr>
-          </a:lstStyle>
-          <a:p>
-            <a:r>
-              <a:rPr lang="zh-CN" altLang="en-US"/>
-              <a:t>单击此处编辑母版标题样式</a:t>
-            </a:r>
-            <a:endParaRPr lang="en-US" dirty="0"/>
-          </a:p>
-        </p:txBody>
-      </p:sp>
-      <p:sp>
-        <p:nvSpPr>
-          <p:cNvPr id="3" name="Text Placeholder 2"/>
-          <p:cNvSpPr>
-            <a:spLocks noGrp="1"/>
-          </p:cNvSpPr>
-          <p:nvPr>
-            <p:ph type="body" idx="1"/>
-          </p:nvPr>
-        </p:nvSpPr>
-        <p:spPr>
-          <a:xfrm>
-            <a:off x="831851" y="4552637"/>
-            <a:ext cx="10515600" cy="1500187"/>
-          </a:xfrm>
-        </p:spPr>
-        <p:txBody>
-          <a:bodyPr anchor="t">
-            <a:normAutofit/>
-          </a:bodyPr>
-          <a:lstStyle>
-            <a:lvl1pPr marL="0" indent="0">
-              <a:buNone/>
-              <a:defRPr sz="2400">
-                <a:solidFill>
-                  <a:schemeClr val="tx1">
-                    <a:lumMod val="75000"/>
-                    <a:lumOff val="25000"/>
-                  </a:schemeClr>
-                </a:solidFill>
-              </a:defRPr>
-            </a:lvl1pPr>
-            <a:lvl2pPr marL="457189" indent="0">
-              <a:buNone/>
-              <a:defRPr sz="1800">
-                <a:solidFill>
-                  <a:schemeClr val="tx1">
-                    <a:tint val="75000"/>
-                  </a:schemeClr>
-                </a:solidFill>
-              </a:defRPr>
-            </a:lvl2pPr>
-            <a:lvl3pPr marL="914377" indent="0">
-              <a:buNone/>
-              <a:defRPr sz="1600">
-                <a:solidFill>
-                  <a:schemeClr val="tx1">
-                    <a:tint val="75000"/>
-                  </a:schemeClr>
-                </a:solidFill>
-              </a:defRPr>
-            </a:lvl3pPr>
-            <a:lvl4pPr marL="1371566" indent="0">
-              <a:buNone/>
-              <a:defRPr sz="1400">
-                <a:solidFill>
-                  <a:schemeClr val="tx1">
-                    <a:tint val="75000"/>
-                  </a:schemeClr>
-                </a:solidFill>
-              </a:defRPr>
-            </a:lvl4pPr>
-            <a:lvl5pPr marL="1828754" indent="0">
-              <a:buNone/>
-              <a:defRPr sz="1400">
-                <a:solidFill>
-                  <a:schemeClr val="tx1">
-                    <a:tint val="75000"/>
-                  </a:schemeClr>
-                </a:solidFill>
-              </a:defRPr>
-            </a:lvl5pPr>
-            <a:lvl6pPr marL="2285943" indent="0">
-              <a:buNone/>
-              <a:defRPr sz="1400">
-                <a:solidFill>
-                  <a:schemeClr val="tx1">
-                    <a:tint val="75000"/>
-                  </a:schemeClr>
-                </a:solidFill>
-              </a:defRPr>
-            </a:lvl6pPr>
-            <a:lvl7pPr marL="2743131" indent="0">
-              <a:buNone/>
-              <a:defRPr sz="1400">
-                <a:solidFill>
-                  <a:schemeClr val="tx1">
-                    <a:tint val="75000"/>
-                  </a:schemeClr>
-                </a:solidFill>
-              </a:defRPr>
-            </a:lvl7pPr>
-            <a:lvl8pPr marL="3200320" indent="0">
-              <a:buNone/>
-              <a:defRPr sz="1400">
-                <a:solidFill>
-                  <a:schemeClr val="tx1">
-                    <a:tint val="75000"/>
-                  </a:schemeClr>
-                </a:solidFill>
-              </a:defRPr>
-            </a:lvl8pPr>
-            <a:lvl9pPr marL="3657509" indent="0">
-              <a:buNone/>
-              <a:defRPr sz="1400">
-                <a:solidFill>
-                  <a:schemeClr val="tx1">
-                    <a:tint val="75000"/>
-                  </a:schemeClr>
-                </a:solidFill>
-              </a:defRPr>
-            </a:lvl9pPr>
-          </a:lstStyle>
-          <a:p>
-            <a:pPr lvl="0"/>
-            <a:r>
-              <a:rPr lang="zh-CN" altLang="en-US"/>
-              <a:t>单击此处编辑母版文本样式</a:t>
-            </a:r>
-          </a:p>
-        </p:txBody>
-      </p:sp>
-      <p:sp>
-        <p:nvSpPr>
-          <p:cNvPr id="4" name="Date Placeholder 3"/>
-          <p:cNvSpPr>
-            <a:spLocks noGrp="1"/>
-          </p:cNvSpPr>
-          <p:nvPr>
-            <p:ph type="dt" sz="half" idx="10"/>
-          </p:nvPr>
-        </p:nvSpPr>
-        <p:spPr/>
-        <p:txBody>
-          <a:bodyPr/>
-          <a:lstStyle/>
-          <a:p>
-            <a:fld id="{ECE90DBC-198A-4951-981A-CD336A3DC4A3}" type="datetimeFigureOut">
-              <a:rPr lang="zh-CN" altLang="en-US" smtClean="0"/>
-              <a:t>2024/3/14</a:t>
-            </a:fld>
-            <a:endParaRPr lang="zh-CN" altLang="en-US"/>
-          </a:p>
-        </p:txBody>
-      </p:sp>
-      <p:sp>
-        <p:nvSpPr>
-          <p:cNvPr id="5" name="Footer Placeholder 4"/>
-          <p:cNvSpPr>
-            <a:spLocks noGrp="1"/>
-          </p:cNvSpPr>
-          <p:nvPr>
-            <p:ph type="ftr" sz="quarter" idx="11"/>
-          </p:nvPr>
-        </p:nvSpPr>
-        <p:spPr/>
-        <p:txBody>
-          <a:bodyPr/>
-          <a:lstStyle/>
-          <a:p>
-            <a:endParaRPr lang="zh-CN" altLang="en-US"/>
-          </a:p>
-        </p:txBody>
-      </p:sp>
-      <p:sp>
-        <p:nvSpPr>
-          <p:cNvPr id="6" name="Slide Number Placeholder 5"/>
-          <p:cNvSpPr>
-            <a:spLocks noGrp="1"/>
-          </p:cNvSpPr>
-          <p:nvPr>
-            <p:ph type="sldNum" sz="quarter" idx="12"/>
-          </p:nvPr>
-        </p:nvSpPr>
-        <p:spPr/>
-        <p:txBody>
-          <a:bodyPr/>
-          <a:lstStyle/>
-          <a:p>
-            <a:fld id="{AE6B9B6F-18BE-4B98-B6C6-8E1115BABC59}" type="slidenum">
-              <a:rPr lang="zh-CN" altLang="en-US" smtClean="0"/>
-              <a:t>‹#›</a:t>
-            </a:fld>
-            <a:endParaRPr lang="zh-CN" altLang="en-US"/>
-          </a:p>
-        </p:txBody>
-      </p:sp>
-    </p:spTree>
-    <p:extLst>
-      <p:ext uri="{BB962C8B-B14F-4D97-AF65-F5344CB8AC3E}">
-        <p14:creationId xmlns:p14="http://schemas.microsoft.com/office/powerpoint/2010/main" val="541779646"/>
-      </p:ext>
-    </p:extLst>
-  </p:cSld>
-  <p:clrMapOvr>
-    <a:masterClrMapping/>
-  </p:clrMapOvr>
-</p:sldLayout>
-</file>
-
-<file path=ppt/slideLayouts/slideLayout4.xml><?xml version="1.0" encoding="utf-8"?>
 <p:sldLayout xmlns:a="http://schemas.openxmlformats.org/drawingml/2006/main" xmlns:r="http://schemas.openxmlformats.org/officeDocument/2006/relationships" xmlns:p="http://schemas.openxmlformats.org/presentationml/2006/main" type="twoObj" preserve="1">
   <p:cSld name="两栏内容">
     <p:spTree>
@@ -1281,7 +692,7 @@
           <a:p>
             <a:fld id="{ECE90DBC-198A-4951-981A-CD336A3DC4A3}" type="datetimeFigureOut">
               <a:rPr lang="zh-CN" altLang="en-US" smtClean="0"/>
-              <a:t>2024/3/14</a:t>
+              <a:t>2024/3/15</a:t>
             </a:fld>
             <a:endParaRPr lang="zh-CN" altLang="en-US"/>
           </a:p>
@@ -1342,9 +753,9 @@
 </p:sldLayout>
 </file>
 
-<file path=ppt/slideLayouts/slideLayout5.xml><?xml version="1.0" encoding="utf-8"?>
-<p:sldLayout xmlns:a="http://schemas.openxmlformats.org/drawingml/2006/main" xmlns:r="http://schemas.openxmlformats.org/officeDocument/2006/relationships" xmlns:p="http://schemas.openxmlformats.org/presentationml/2006/main" preserve="1">
-  <p:cSld name="比较">
+<file path=ppt/slideLayouts/slideLayout4.xml><?xml version="1.0" encoding="utf-8"?>
+<p:sldLayout xmlns:a="http://schemas.openxmlformats.org/drawingml/2006/main" xmlns:r="http://schemas.openxmlformats.org/officeDocument/2006/relationships" xmlns:p="http://schemas.openxmlformats.org/presentationml/2006/main" preserve="1" userDrawn="1">
+  <p:cSld name="一栏内容">
     <p:spTree>
       <p:nvGrpSpPr>
         <p:cNvPr id="1" name=""/>
@@ -1361,65 +772,46 @@
       </p:grpSpPr>
       <p:sp>
         <p:nvSpPr>
-          <p:cNvPr id="3" name="Text Placeholder 2"/>
-          <p:cNvSpPr>
-            <a:spLocks noGrp="1"/>
-          </p:cNvSpPr>
-          <p:nvPr>
-            <p:ph type="body" idx="1"/>
+          <p:cNvPr id="2" name="Title 1"/>
+          <p:cNvSpPr>
+            <a:spLocks noGrp="1"/>
+          </p:cNvSpPr>
+          <p:nvPr>
+            <p:ph type="title"/>
+          </p:nvPr>
+        </p:nvSpPr>
+        <p:spPr/>
+        <p:txBody>
+          <a:bodyPr/>
+          <a:lstStyle/>
+          <a:p>
+            <a:r>
+              <a:rPr lang="zh-CN" altLang="en-US"/>
+              <a:t>单击此处编辑母版标题样式</a:t>
+            </a:r>
+            <a:endParaRPr lang="en-US" dirty="0"/>
+          </a:p>
+        </p:txBody>
+      </p:sp>
+      <p:sp>
+        <p:nvSpPr>
+          <p:cNvPr id="4" name="Content Placeholder 3"/>
+          <p:cNvSpPr>
+            <a:spLocks noGrp="1"/>
+          </p:cNvSpPr>
+          <p:nvPr>
+            <p:ph sz="half" idx="2"/>
           </p:nvPr>
         </p:nvSpPr>
         <p:spPr>
           <a:xfrm>
-            <a:off x="845127" y="1681852"/>
-            <a:ext cx="5156200" cy="825699"/>
+            <a:off x="8153400" y="1828803"/>
+            <a:ext cx="3200400" cy="4351337"/>
           </a:xfrm>
         </p:spPr>
         <p:txBody>
-          <a:bodyPr anchor="b">
-            <a:normAutofit/>
-          </a:bodyPr>
-          <a:lstStyle>
-            <a:lvl1pPr marL="0" indent="0">
-              <a:spcBef>
-                <a:spcPts val="0"/>
-              </a:spcBef>
-              <a:buNone/>
-              <a:defRPr sz="2400" b="1"/>
-            </a:lvl1pPr>
-            <a:lvl2pPr marL="457189" indent="0">
-              <a:buNone/>
-              <a:defRPr sz="2000" b="1"/>
-            </a:lvl2pPr>
-            <a:lvl3pPr marL="914377" indent="0">
-              <a:buNone/>
-              <a:defRPr sz="1800" b="1"/>
-            </a:lvl3pPr>
-            <a:lvl4pPr marL="1371566" indent="0">
-              <a:buNone/>
-              <a:defRPr sz="1600" b="1"/>
-            </a:lvl4pPr>
-            <a:lvl5pPr marL="1828754" indent="0">
-              <a:buNone/>
-              <a:defRPr sz="1600" b="1"/>
-            </a:lvl5pPr>
-            <a:lvl6pPr marL="2285943" indent="0">
-              <a:buNone/>
-              <a:defRPr sz="1600" b="1"/>
-            </a:lvl6pPr>
-            <a:lvl7pPr marL="2743131" indent="0">
-              <a:buNone/>
-              <a:defRPr sz="1600" b="1"/>
-            </a:lvl7pPr>
-            <a:lvl8pPr marL="3200320" indent="0">
-              <a:buNone/>
-              <a:defRPr sz="1600" b="1"/>
-            </a:lvl8pPr>
-            <a:lvl9pPr marL="3657509" indent="0">
-              <a:buNone/>
-              <a:defRPr sz="1600" b="1"/>
-            </a:lvl9pPr>
-          </a:lstStyle>
+          <a:bodyPr/>
+          <a:lstStyle/>
           <a:p>
             <a:pPr lvl="0"/>
             <a:r>
@@ -1427,34 +819,6 @@
               <a:t>单击此处编辑母版文本样式</a:t>
             </a:r>
           </a:p>
-        </p:txBody>
-      </p:sp>
-      <p:sp>
-        <p:nvSpPr>
-          <p:cNvPr id="4" name="Content Placeholder 3"/>
-          <p:cNvSpPr>
-            <a:spLocks noGrp="1"/>
-          </p:cNvSpPr>
-          <p:nvPr>
-            <p:ph sz="half" idx="2"/>
-          </p:nvPr>
-        </p:nvSpPr>
-        <p:spPr>
-          <a:xfrm>
-            <a:off x="845127" y="2507554"/>
-            <a:ext cx="5156200" cy="3680525"/>
-          </a:xfrm>
-        </p:spPr>
-        <p:txBody>
-          <a:bodyPr/>
-          <a:lstStyle/>
-          <a:p>
-            <a:pPr lvl="0"/>
-            <a:r>
-              <a:rPr lang="zh-CN" altLang="en-US"/>
-              <a:t>单击此处编辑母版文本样式</a:t>
-            </a:r>
-          </a:p>
           <a:p>
             <a:pPr lvl="1"/>
             <a:r>
@@ -1488,132 +852,7 @@
       </p:sp>
       <p:sp>
         <p:nvSpPr>
-          <p:cNvPr id="5" name="Text Placeholder 4"/>
-          <p:cNvSpPr>
-            <a:spLocks noGrp="1"/>
-          </p:cNvSpPr>
-          <p:nvPr>
-            <p:ph type="body" sz="quarter" idx="3"/>
-          </p:nvPr>
-        </p:nvSpPr>
-        <p:spPr>
-          <a:xfrm>
-            <a:off x="6172202" y="1681851"/>
-            <a:ext cx="5181601" cy="825698"/>
-          </a:xfrm>
-        </p:spPr>
-        <p:txBody>
-          <a:bodyPr anchor="b"/>
-          <a:lstStyle>
-            <a:lvl1pPr marL="0" indent="0">
-              <a:spcBef>
-                <a:spcPts val="0"/>
-              </a:spcBef>
-              <a:buNone/>
-              <a:defRPr sz="2400" b="1"/>
-            </a:lvl1pPr>
-            <a:lvl2pPr marL="457189" indent="0">
-              <a:buNone/>
-              <a:defRPr sz="2000" b="1"/>
-            </a:lvl2pPr>
-            <a:lvl3pPr marL="914377" indent="0">
-              <a:buNone/>
-              <a:defRPr sz="1800" b="1"/>
-            </a:lvl3pPr>
-            <a:lvl4pPr marL="1371566" indent="0">
-              <a:buNone/>
-              <a:defRPr sz="1600" b="1"/>
-            </a:lvl4pPr>
-            <a:lvl5pPr marL="1828754" indent="0">
-              <a:buNone/>
-              <a:defRPr sz="1600" b="1"/>
-            </a:lvl5pPr>
-            <a:lvl6pPr marL="2285943" indent="0">
-              <a:buNone/>
-              <a:defRPr sz="1600" b="1"/>
-            </a:lvl6pPr>
-            <a:lvl7pPr marL="2743131" indent="0">
-              <a:buNone/>
-              <a:defRPr sz="1600" b="1"/>
-            </a:lvl7pPr>
-            <a:lvl8pPr marL="3200320" indent="0">
-              <a:buNone/>
-              <a:defRPr sz="1600" b="1"/>
-            </a:lvl8pPr>
-            <a:lvl9pPr marL="3657509" indent="0">
-              <a:buNone/>
-              <a:defRPr sz="1600" b="1"/>
-            </a:lvl9pPr>
-          </a:lstStyle>
-          <a:p>
-            <a:pPr lvl="0"/>
-            <a:r>
-              <a:rPr lang="zh-CN" altLang="en-US"/>
-              <a:t>单击此处编辑母版文本样式</a:t>
-            </a:r>
-          </a:p>
-        </p:txBody>
-      </p:sp>
-      <p:sp>
-        <p:nvSpPr>
-          <p:cNvPr id="6" name="Content Placeholder 5"/>
-          <p:cNvSpPr>
-            <a:spLocks noGrp="1"/>
-          </p:cNvSpPr>
-          <p:nvPr>
-            <p:ph sz="quarter" idx="4"/>
-          </p:nvPr>
-        </p:nvSpPr>
-        <p:spPr>
-          <a:xfrm>
-            <a:off x="6172202" y="2507554"/>
-            <a:ext cx="5181601" cy="3680525"/>
-          </a:xfrm>
-        </p:spPr>
-        <p:txBody>
-          <a:bodyPr/>
-          <a:lstStyle/>
-          <a:p>
-            <a:pPr lvl="0"/>
-            <a:r>
-              <a:rPr lang="zh-CN" altLang="en-US"/>
-              <a:t>单击此处编辑母版文本样式</a:t>
-            </a:r>
-          </a:p>
-          <a:p>
-            <a:pPr lvl="1"/>
-            <a:r>
-              <a:rPr lang="zh-CN" altLang="en-US"/>
-              <a:t>二级</a:t>
-            </a:r>
-          </a:p>
-          <a:p>
-            <a:pPr lvl="2"/>
-            <a:r>
-              <a:rPr lang="zh-CN" altLang="en-US"/>
-              <a:t>三级</a:t>
-            </a:r>
-          </a:p>
-          <a:p>
-            <a:pPr lvl="3"/>
-            <a:r>
-              <a:rPr lang="zh-CN" altLang="en-US"/>
-              <a:t>四级</a:t>
-            </a:r>
-          </a:p>
-          <a:p>
-            <a:pPr lvl="4"/>
-            <a:r>
-              <a:rPr lang="zh-CN" altLang="en-US"/>
-              <a:t>五级</a:t>
-            </a:r>
-            <a:endParaRPr lang="en-US"/>
-          </a:p>
-        </p:txBody>
-      </p:sp>
-      <p:sp>
-        <p:nvSpPr>
-          <p:cNvPr id="7" name="Date Placeholder 6"/>
+          <p:cNvPr id="5" name="Date Placeholder 4"/>
           <p:cNvSpPr>
             <a:spLocks noGrp="1"/>
           </p:cNvSpPr>
@@ -1628,7 +867,7 @@
           <a:p>
             <a:fld id="{ECE90DBC-198A-4951-981A-CD336A3DC4A3}" type="datetimeFigureOut">
               <a:rPr lang="zh-CN" altLang="en-US" smtClean="0"/>
-              <a:t>2024/3/14</a:t>
+              <a:t>2024/3/15</a:t>
             </a:fld>
             <a:endParaRPr lang="zh-CN" altLang="en-US"/>
           </a:p>
@@ -1636,7 +875,7 @@
       </p:sp>
       <p:sp>
         <p:nvSpPr>
-          <p:cNvPr id="8" name="Footer Placeholder 7"/>
+          <p:cNvPr id="6" name="Footer Placeholder 5"/>
           <p:cNvSpPr>
             <a:spLocks noGrp="1"/>
           </p:cNvSpPr>
@@ -1655,7 +894,7 @@
       </p:sp>
       <p:sp>
         <p:nvSpPr>
-          <p:cNvPr id="9" name="Slide Number Placeholder 8"/>
+          <p:cNvPr id="7" name="Slide Number Placeholder 6"/>
           <p:cNvSpPr>
             <a:spLocks noGrp="1"/>
           </p:cNvSpPr>
@@ -1676,794 +915,10 @@
           </a:p>
         </p:txBody>
       </p:sp>
-      <p:sp>
-        <p:nvSpPr>
-          <p:cNvPr id="10" name="Title 9"/>
-          <p:cNvSpPr>
-            <a:spLocks noGrp="1"/>
-          </p:cNvSpPr>
-          <p:nvPr>
-            <p:ph type="title"/>
-          </p:nvPr>
-        </p:nvSpPr>
-        <p:spPr/>
-        <p:txBody>
-          <a:bodyPr/>
-          <a:lstStyle/>
-          <a:p>
-            <a:r>
-              <a:rPr lang="zh-CN" altLang="en-US"/>
-              <a:t>单击此处编辑母版标题样式</a:t>
-            </a:r>
-            <a:endParaRPr lang="en-US" dirty="0"/>
-          </a:p>
-        </p:txBody>
-      </p:sp>
     </p:spTree>
     <p:extLst>
       <p:ext uri="{BB962C8B-B14F-4D97-AF65-F5344CB8AC3E}">
-        <p14:creationId xmlns:p14="http://schemas.microsoft.com/office/powerpoint/2010/main" val="572522519"/>
-      </p:ext>
-    </p:extLst>
-  </p:cSld>
-  <p:clrMapOvr>
-    <a:masterClrMapping/>
-  </p:clrMapOvr>
-</p:sldLayout>
-</file>
-
-<file path=ppt/slideLayouts/slideLayout6.xml><?xml version="1.0" encoding="utf-8"?>
-<p:sldLayout xmlns:a="http://schemas.openxmlformats.org/drawingml/2006/main" xmlns:r="http://schemas.openxmlformats.org/officeDocument/2006/relationships" xmlns:p="http://schemas.openxmlformats.org/presentationml/2006/main" preserve="1">
-  <p:cSld name="仅标题">
-    <p:spTree>
-      <p:nvGrpSpPr>
-        <p:cNvPr id="1" name=""/>
-        <p:cNvGrpSpPr/>
-        <p:nvPr/>
-      </p:nvGrpSpPr>
-      <p:grpSpPr>
-        <a:xfrm>
-          <a:off x="0" y="0"/>
-          <a:ext cx="0" cy="0"/>
-          <a:chOff x="0" y="0"/>
-          <a:chExt cx="0" cy="0"/>
-        </a:xfrm>
-      </p:grpSpPr>
-      <p:sp>
-        <p:nvSpPr>
-          <p:cNvPr id="3" name="Date Placeholder 2"/>
-          <p:cNvSpPr>
-            <a:spLocks noGrp="1"/>
-          </p:cNvSpPr>
-          <p:nvPr>
-            <p:ph type="dt" sz="half" idx="10"/>
-          </p:nvPr>
-        </p:nvSpPr>
-        <p:spPr/>
-        <p:txBody>
-          <a:bodyPr/>
-          <a:lstStyle/>
-          <a:p>
-            <a:fld id="{ECE90DBC-198A-4951-981A-CD336A3DC4A3}" type="datetimeFigureOut">
-              <a:rPr lang="zh-CN" altLang="en-US" smtClean="0"/>
-              <a:t>2024/3/14</a:t>
-            </a:fld>
-            <a:endParaRPr lang="zh-CN" altLang="en-US"/>
-          </a:p>
-        </p:txBody>
-      </p:sp>
-      <p:sp>
-        <p:nvSpPr>
-          <p:cNvPr id="4" name="Footer Placeholder 3"/>
-          <p:cNvSpPr>
-            <a:spLocks noGrp="1"/>
-          </p:cNvSpPr>
-          <p:nvPr>
-            <p:ph type="ftr" sz="quarter" idx="11"/>
-          </p:nvPr>
-        </p:nvSpPr>
-        <p:spPr/>
-        <p:txBody>
-          <a:bodyPr/>
-          <a:lstStyle/>
-          <a:p>
-            <a:endParaRPr lang="zh-CN" altLang="en-US"/>
-          </a:p>
-        </p:txBody>
-      </p:sp>
-      <p:sp>
-        <p:nvSpPr>
-          <p:cNvPr id="5" name="Slide Number Placeholder 4"/>
-          <p:cNvSpPr>
-            <a:spLocks noGrp="1"/>
-          </p:cNvSpPr>
-          <p:nvPr>
-            <p:ph type="sldNum" sz="quarter" idx="12"/>
-          </p:nvPr>
-        </p:nvSpPr>
-        <p:spPr/>
-        <p:txBody>
-          <a:bodyPr/>
-          <a:lstStyle/>
-          <a:p>
-            <a:fld id="{AE6B9B6F-18BE-4B98-B6C6-8E1115BABC59}" type="slidenum">
-              <a:rPr lang="zh-CN" altLang="en-US" smtClean="0"/>
-              <a:t>‹#›</a:t>
-            </a:fld>
-            <a:endParaRPr lang="zh-CN" altLang="en-US"/>
-          </a:p>
-        </p:txBody>
-      </p:sp>
-      <p:sp>
-        <p:nvSpPr>
-          <p:cNvPr id="6" name="Title 5"/>
-          <p:cNvSpPr>
-            <a:spLocks noGrp="1"/>
-          </p:cNvSpPr>
-          <p:nvPr>
-            <p:ph type="title"/>
-          </p:nvPr>
-        </p:nvSpPr>
-        <p:spPr/>
-        <p:txBody>
-          <a:bodyPr/>
-          <a:lstStyle/>
-          <a:p>
-            <a:r>
-              <a:rPr lang="zh-CN" altLang="en-US"/>
-              <a:t>单击此处编辑母版标题样式</a:t>
-            </a:r>
-            <a:endParaRPr lang="en-US"/>
-          </a:p>
-        </p:txBody>
-      </p:sp>
-    </p:spTree>
-    <p:extLst>
-      <p:ext uri="{BB962C8B-B14F-4D97-AF65-F5344CB8AC3E}">
-        <p14:creationId xmlns:p14="http://schemas.microsoft.com/office/powerpoint/2010/main" val="1376470169"/>
-      </p:ext>
-    </p:extLst>
-  </p:cSld>
-  <p:clrMapOvr>
-    <a:masterClrMapping/>
-  </p:clrMapOvr>
-</p:sldLayout>
-</file>
-
-<file path=ppt/slideLayouts/slideLayout7.xml><?xml version="1.0" encoding="utf-8"?>
-<p:sldLayout xmlns:a="http://schemas.openxmlformats.org/drawingml/2006/main" xmlns:r="http://schemas.openxmlformats.org/officeDocument/2006/relationships" xmlns:p="http://schemas.openxmlformats.org/presentationml/2006/main" type="blank" preserve="1">
-  <p:cSld name="空白">
-    <p:spTree>
-      <p:nvGrpSpPr>
-        <p:cNvPr id="1" name=""/>
-        <p:cNvGrpSpPr/>
-        <p:nvPr/>
-      </p:nvGrpSpPr>
-      <p:grpSpPr>
-        <a:xfrm>
-          <a:off x="0" y="0"/>
-          <a:ext cx="0" cy="0"/>
-          <a:chOff x="0" y="0"/>
-          <a:chExt cx="0" cy="0"/>
-        </a:xfrm>
-      </p:grpSpPr>
-      <p:sp>
-        <p:nvSpPr>
-          <p:cNvPr id="2" name="Date Placeholder 1"/>
-          <p:cNvSpPr>
-            <a:spLocks noGrp="1"/>
-          </p:cNvSpPr>
-          <p:nvPr>
-            <p:ph type="dt" sz="half" idx="10"/>
-          </p:nvPr>
-        </p:nvSpPr>
-        <p:spPr/>
-        <p:txBody>
-          <a:bodyPr/>
-          <a:lstStyle/>
-          <a:p>
-            <a:fld id="{ECE90DBC-198A-4951-981A-CD336A3DC4A3}" type="datetimeFigureOut">
-              <a:rPr lang="zh-CN" altLang="en-US" smtClean="0"/>
-              <a:t>2024/3/14</a:t>
-            </a:fld>
-            <a:endParaRPr lang="zh-CN" altLang="en-US"/>
-          </a:p>
-        </p:txBody>
-      </p:sp>
-      <p:sp>
-        <p:nvSpPr>
-          <p:cNvPr id="3" name="Footer Placeholder 2"/>
-          <p:cNvSpPr>
-            <a:spLocks noGrp="1"/>
-          </p:cNvSpPr>
-          <p:nvPr>
-            <p:ph type="ftr" sz="quarter" idx="11"/>
-          </p:nvPr>
-        </p:nvSpPr>
-        <p:spPr/>
-        <p:txBody>
-          <a:bodyPr/>
-          <a:lstStyle/>
-          <a:p>
-            <a:endParaRPr lang="zh-CN" altLang="en-US"/>
-          </a:p>
-        </p:txBody>
-      </p:sp>
-      <p:sp>
-        <p:nvSpPr>
-          <p:cNvPr id="4" name="Slide Number Placeholder 3"/>
-          <p:cNvSpPr>
-            <a:spLocks noGrp="1"/>
-          </p:cNvSpPr>
-          <p:nvPr>
-            <p:ph type="sldNum" sz="quarter" idx="12"/>
-          </p:nvPr>
-        </p:nvSpPr>
-        <p:spPr/>
-        <p:txBody>
-          <a:bodyPr/>
-          <a:lstStyle/>
-          <a:p>
-            <a:fld id="{AE6B9B6F-18BE-4B98-B6C6-8E1115BABC59}" type="slidenum">
-              <a:rPr lang="zh-CN" altLang="en-US" smtClean="0"/>
-              <a:t>‹#›</a:t>
-            </a:fld>
-            <a:endParaRPr lang="zh-CN" altLang="en-US"/>
-          </a:p>
-        </p:txBody>
-      </p:sp>
-    </p:spTree>
-    <p:extLst>
-      <p:ext uri="{BB962C8B-B14F-4D97-AF65-F5344CB8AC3E}">
-        <p14:creationId xmlns:p14="http://schemas.microsoft.com/office/powerpoint/2010/main" val="840988740"/>
-      </p:ext>
-    </p:extLst>
-  </p:cSld>
-  <p:clrMapOvr>
-    <a:masterClrMapping/>
-  </p:clrMapOvr>
-</p:sldLayout>
-</file>
-
-<file path=ppt/slideLayouts/slideLayout8.xml><?xml version="1.0" encoding="utf-8"?>
-<p:sldLayout xmlns:a="http://schemas.openxmlformats.org/drawingml/2006/main" xmlns:r="http://schemas.openxmlformats.org/officeDocument/2006/relationships" xmlns:p="http://schemas.openxmlformats.org/presentationml/2006/main" type="objTx" preserve="1">
-  <p:cSld name="内容与标题">
-    <p:spTree>
-      <p:nvGrpSpPr>
-        <p:cNvPr id="1" name=""/>
-        <p:cNvGrpSpPr/>
-        <p:nvPr/>
-      </p:nvGrpSpPr>
-      <p:grpSpPr>
-        <a:xfrm>
-          <a:off x="0" y="0"/>
-          <a:ext cx="0" cy="0"/>
-          <a:chOff x="0" y="0"/>
-          <a:chExt cx="0" cy="0"/>
-        </a:xfrm>
-      </p:grpSpPr>
-      <p:sp>
-        <p:nvSpPr>
-          <p:cNvPr id="2" name="Title 1"/>
-          <p:cNvSpPr>
-            <a:spLocks noGrp="1"/>
-          </p:cNvSpPr>
-          <p:nvPr>
-            <p:ph type="title"/>
-          </p:nvPr>
-        </p:nvSpPr>
-        <p:spPr>
-          <a:xfrm>
-            <a:off x="841248" y="457204"/>
-            <a:ext cx="3931920" cy="1600197"/>
-          </a:xfrm>
-        </p:spPr>
-        <p:txBody>
-          <a:bodyPr anchor="b">
-            <a:normAutofit/>
-          </a:bodyPr>
-          <a:lstStyle>
-            <a:lvl1pPr>
-              <a:defRPr sz="3200" b="0"/>
-            </a:lvl1pPr>
-          </a:lstStyle>
-          <a:p>
-            <a:r>
-              <a:rPr lang="zh-CN" altLang="en-US"/>
-              <a:t>单击此处编辑母版标题样式</a:t>
-            </a:r>
-            <a:endParaRPr lang="en-US" dirty="0"/>
-          </a:p>
-        </p:txBody>
-      </p:sp>
-      <p:sp>
-        <p:nvSpPr>
-          <p:cNvPr id="3" name="Content Placeholder 2"/>
-          <p:cNvSpPr>
-            <a:spLocks noGrp="1"/>
-          </p:cNvSpPr>
-          <p:nvPr>
-            <p:ph idx="1"/>
-          </p:nvPr>
-        </p:nvSpPr>
-        <p:spPr>
-          <a:xfrm>
-            <a:off x="5181600" y="990600"/>
-            <a:ext cx="6172200" cy="4876800"/>
-          </a:xfrm>
-        </p:spPr>
-        <p:txBody>
-          <a:bodyPr/>
-          <a:lstStyle>
-            <a:lvl1pPr>
-              <a:defRPr sz="3200"/>
-            </a:lvl1pPr>
-            <a:lvl2pPr>
-              <a:defRPr sz="2800"/>
-            </a:lvl2pPr>
-            <a:lvl3pPr>
-              <a:defRPr sz="2400"/>
-            </a:lvl3pPr>
-            <a:lvl4pPr>
-              <a:defRPr sz="2000"/>
-            </a:lvl4pPr>
-            <a:lvl5pPr>
-              <a:defRPr sz="2000"/>
-            </a:lvl5pPr>
-            <a:lvl6pPr>
-              <a:defRPr sz="2000"/>
-            </a:lvl6pPr>
-            <a:lvl7pPr>
-              <a:defRPr sz="2000"/>
-            </a:lvl7pPr>
-            <a:lvl8pPr>
-              <a:defRPr sz="2000"/>
-            </a:lvl8pPr>
-            <a:lvl9pPr>
-              <a:defRPr sz="2000"/>
-            </a:lvl9pPr>
-          </a:lstStyle>
-          <a:p>
-            <a:pPr lvl="0"/>
-            <a:r>
-              <a:rPr lang="zh-CN" altLang="en-US"/>
-              <a:t>单击此处编辑母版文本样式</a:t>
-            </a:r>
-          </a:p>
-          <a:p>
-            <a:pPr lvl="1"/>
-            <a:r>
-              <a:rPr lang="zh-CN" altLang="en-US"/>
-              <a:t>二级</a:t>
-            </a:r>
-          </a:p>
-          <a:p>
-            <a:pPr lvl="2"/>
-            <a:r>
-              <a:rPr lang="zh-CN" altLang="en-US"/>
-              <a:t>三级</a:t>
-            </a:r>
-          </a:p>
-          <a:p>
-            <a:pPr lvl="3"/>
-            <a:r>
-              <a:rPr lang="zh-CN" altLang="en-US"/>
-              <a:t>四级</a:t>
-            </a:r>
-          </a:p>
-          <a:p>
-            <a:pPr lvl="4"/>
-            <a:r>
-              <a:rPr lang="zh-CN" altLang="en-US"/>
-              <a:t>五级</a:t>
-            </a:r>
-            <a:endParaRPr lang="en-US" dirty="0"/>
-          </a:p>
-        </p:txBody>
-      </p:sp>
-      <p:sp>
-        <p:nvSpPr>
-          <p:cNvPr id="4" name="Text Placeholder 3"/>
-          <p:cNvSpPr>
-            <a:spLocks noGrp="1"/>
-          </p:cNvSpPr>
-          <p:nvPr>
-            <p:ph type="body" sz="half" idx="2"/>
-          </p:nvPr>
-        </p:nvSpPr>
-        <p:spPr>
-          <a:xfrm>
-            <a:off x="841248" y="2057399"/>
-            <a:ext cx="3931920" cy="3810001"/>
-          </a:xfrm>
-        </p:spPr>
-        <p:txBody>
-          <a:bodyPr>
-            <a:normAutofit/>
-          </a:bodyPr>
-          <a:lstStyle>
-            <a:lvl1pPr marL="0" indent="0">
-              <a:lnSpc>
-                <a:spcPct val="90000"/>
-              </a:lnSpc>
-              <a:buNone/>
-              <a:defRPr sz="1600"/>
-            </a:lvl1pPr>
-            <a:lvl2pPr marL="457189" indent="0">
-              <a:buNone/>
-              <a:defRPr sz="1200"/>
-            </a:lvl2pPr>
-            <a:lvl3pPr marL="914377" indent="0">
-              <a:buNone/>
-              <a:defRPr sz="1000"/>
-            </a:lvl3pPr>
-            <a:lvl4pPr marL="1371566" indent="0">
-              <a:buNone/>
-              <a:defRPr sz="900"/>
-            </a:lvl4pPr>
-            <a:lvl5pPr marL="1828754" indent="0">
-              <a:buNone/>
-              <a:defRPr sz="900"/>
-            </a:lvl5pPr>
-            <a:lvl6pPr marL="2285943" indent="0">
-              <a:buNone/>
-              <a:defRPr sz="900"/>
-            </a:lvl6pPr>
-            <a:lvl7pPr marL="2743131" indent="0">
-              <a:buNone/>
-              <a:defRPr sz="900"/>
-            </a:lvl7pPr>
-            <a:lvl8pPr marL="3200320" indent="0">
-              <a:buNone/>
-              <a:defRPr sz="900"/>
-            </a:lvl8pPr>
-            <a:lvl9pPr marL="3657509" indent="0">
-              <a:buNone/>
-              <a:defRPr sz="900"/>
-            </a:lvl9pPr>
-          </a:lstStyle>
-          <a:p>
-            <a:pPr lvl="0"/>
-            <a:r>
-              <a:rPr lang="zh-CN" altLang="en-US"/>
-              <a:t>单击此处编辑母版文本样式</a:t>
-            </a:r>
-          </a:p>
-        </p:txBody>
-      </p:sp>
-      <p:sp>
-        <p:nvSpPr>
-          <p:cNvPr id="5" name="Date Placeholder 4"/>
-          <p:cNvSpPr>
-            <a:spLocks noGrp="1"/>
-          </p:cNvSpPr>
-          <p:nvPr>
-            <p:ph type="dt" sz="half" idx="10"/>
-          </p:nvPr>
-        </p:nvSpPr>
-        <p:spPr/>
-        <p:txBody>
-          <a:bodyPr/>
-          <a:lstStyle/>
-          <a:p>
-            <a:fld id="{ECE90DBC-198A-4951-981A-CD336A3DC4A3}" type="datetimeFigureOut">
-              <a:rPr lang="zh-CN" altLang="en-US" smtClean="0"/>
-              <a:t>2024/3/14</a:t>
-            </a:fld>
-            <a:endParaRPr lang="zh-CN" altLang="en-US"/>
-          </a:p>
-        </p:txBody>
-      </p:sp>
-      <p:sp>
-        <p:nvSpPr>
-          <p:cNvPr id="6" name="Footer Placeholder 5"/>
-          <p:cNvSpPr>
-            <a:spLocks noGrp="1"/>
-          </p:cNvSpPr>
-          <p:nvPr>
-            <p:ph type="ftr" sz="quarter" idx="11"/>
-          </p:nvPr>
-        </p:nvSpPr>
-        <p:spPr/>
-        <p:txBody>
-          <a:bodyPr/>
-          <a:lstStyle/>
-          <a:p>
-            <a:endParaRPr lang="zh-CN" altLang="en-US"/>
-          </a:p>
-        </p:txBody>
-      </p:sp>
-      <p:sp>
-        <p:nvSpPr>
-          <p:cNvPr id="7" name="Slide Number Placeholder 6"/>
-          <p:cNvSpPr>
-            <a:spLocks noGrp="1"/>
-          </p:cNvSpPr>
-          <p:nvPr>
-            <p:ph type="sldNum" sz="quarter" idx="12"/>
-          </p:nvPr>
-        </p:nvSpPr>
-        <p:spPr/>
-        <p:txBody>
-          <a:bodyPr/>
-          <a:lstStyle/>
-          <a:p>
-            <a:fld id="{AE6B9B6F-18BE-4B98-B6C6-8E1115BABC59}" type="slidenum">
-              <a:rPr lang="zh-CN" altLang="en-US" smtClean="0"/>
-              <a:t>‹#›</a:t>
-            </a:fld>
-            <a:endParaRPr lang="zh-CN" altLang="en-US"/>
-          </a:p>
-        </p:txBody>
-      </p:sp>
-    </p:spTree>
-    <p:extLst>
-      <p:ext uri="{BB962C8B-B14F-4D97-AF65-F5344CB8AC3E}">
-        <p14:creationId xmlns:p14="http://schemas.microsoft.com/office/powerpoint/2010/main" val="961344095"/>
-      </p:ext>
-    </p:extLst>
-  </p:cSld>
-  <p:clrMapOvr>
-    <a:masterClrMapping/>
-  </p:clrMapOvr>
-</p:sldLayout>
-</file>
-
-<file path=ppt/slideLayouts/slideLayout9.xml><?xml version="1.0" encoding="utf-8"?>
-<p:sldLayout xmlns:a="http://schemas.openxmlformats.org/drawingml/2006/main" xmlns:r="http://schemas.openxmlformats.org/officeDocument/2006/relationships" xmlns:p="http://schemas.openxmlformats.org/presentationml/2006/main" type="picTx" preserve="1">
-  <p:cSld name="图片与标题">
-    <p:spTree>
-      <p:nvGrpSpPr>
-        <p:cNvPr id="1" name=""/>
-        <p:cNvGrpSpPr/>
-        <p:nvPr/>
-      </p:nvGrpSpPr>
-      <p:grpSpPr>
-        <a:xfrm>
-          <a:off x="0" y="0"/>
-          <a:ext cx="0" cy="0"/>
-          <a:chOff x="0" y="0"/>
-          <a:chExt cx="0" cy="0"/>
-        </a:xfrm>
-      </p:grpSpPr>
-      <p:sp>
-        <p:nvSpPr>
-          <p:cNvPr id="2" name="Title 1"/>
-          <p:cNvSpPr>
-            <a:spLocks noGrp="1"/>
-          </p:cNvSpPr>
-          <p:nvPr>
-            <p:ph type="title"/>
-          </p:nvPr>
-        </p:nvSpPr>
-        <p:spPr>
-          <a:xfrm>
-            <a:off x="841248" y="457200"/>
-            <a:ext cx="3931920" cy="1600200"/>
-          </a:xfrm>
-        </p:spPr>
-        <p:txBody>
-          <a:bodyPr anchor="b">
-            <a:normAutofit/>
-          </a:bodyPr>
-          <a:lstStyle>
-            <a:lvl1pPr>
-              <a:defRPr sz="3200" b="0"/>
-            </a:lvl1pPr>
-          </a:lstStyle>
-          <a:p>
-            <a:r>
-              <a:rPr lang="zh-CN" altLang="en-US"/>
-              <a:t>单击此处编辑母版标题样式</a:t>
-            </a:r>
-            <a:endParaRPr lang="en-US" dirty="0"/>
-          </a:p>
-        </p:txBody>
-      </p:sp>
-      <p:sp>
-        <p:nvSpPr>
-          <p:cNvPr id="3" name="Picture Placeholder 2"/>
-          <p:cNvSpPr>
-            <a:spLocks noGrp="1"/>
-          </p:cNvSpPr>
-          <p:nvPr>
-            <p:ph type="pic" idx="1"/>
-          </p:nvPr>
-        </p:nvSpPr>
-        <p:spPr>
-          <a:xfrm>
-            <a:off x="5181600" y="990600"/>
-            <a:ext cx="6172200" cy="4876800"/>
-          </a:xfrm>
-        </p:spPr>
-        <p:txBody>
-          <a:bodyPr/>
-          <a:lstStyle>
-            <a:lvl1pPr marL="0" indent="0">
-              <a:buNone/>
-              <a:defRPr sz="3200"/>
-            </a:lvl1pPr>
-            <a:lvl2pPr marL="457189" indent="0">
-              <a:buNone/>
-              <a:defRPr sz="2800"/>
-            </a:lvl2pPr>
-            <a:lvl3pPr marL="914377" indent="0">
-              <a:buNone/>
-              <a:defRPr sz="2400"/>
-            </a:lvl3pPr>
-            <a:lvl4pPr marL="1371566" indent="0">
-              <a:buNone/>
-              <a:defRPr sz="2000"/>
-            </a:lvl4pPr>
-            <a:lvl5pPr marL="1828754" indent="0">
-              <a:buNone/>
-              <a:defRPr sz="2000"/>
-            </a:lvl5pPr>
-            <a:lvl6pPr marL="2285943" indent="0">
-              <a:buNone/>
-              <a:defRPr sz="2000"/>
-            </a:lvl6pPr>
-            <a:lvl7pPr marL="2743131" indent="0">
-              <a:buNone/>
-              <a:defRPr sz="2000"/>
-            </a:lvl7pPr>
-            <a:lvl8pPr marL="3200320" indent="0">
-              <a:buNone/>
-              <a:defRPr sz="2000"/>
-            </a:lvl8pPr>
-            <a:lvl9pPr marL="3657509" indent="0">
-              <a:buNone/>
-              <a:defRPr sz="2000"/>
-            </a:lvl9pPr>
-          </a:lstStyle>
-          <a:p>
-            <a:r>
-              <a:rPr lang="zh-CN" altLang="en-US"/>
-              <a:t>单击图标添加图片</a:t>
-            </a:r>
-            <a:endParaRPr lang="en-US" dirty="0"/>
-          </a:p>
-        </p:txBody>
-      </p:sp>
-      <p:sp>
-        <p:nvSpPr>
-          <p:cNvPr id="4" name="Text Placeholder 3"/>
-          <p:cNvSpPr>
-            <a:spLocks noGrp="1"/>
-          </p:cNvSpPr>
-          <p:nvPr>
-            <p:ph type="body" sz="half" idx="2"/>
-          </p:nvPr>
-        </p:nvSpPr>
-        <p:spPr>
-          <a:xfrm>
-            <a:off x="841248" y="2057400"/>
-            <a:ext cx="3931920" cy="3810000"/>
-          </a:xfrm>
-        </p:spPr>
-        <p:txBody>
-          <a:bodyPr>
-            <a:normAutofit/>
-          </a:bodyPr>
-          <a:lstStyle>
-            <a:lvl1pPr marL="0" indent="0">
-              <a:lnSpc>
-                <a:spcPct val="90000"/>
-              </a:lnSpc>
-              <a:buNone/>
-              <a:defRPr sz="1600"/>
-            </a:lvl1pPr>
-            <a:lvl2pPr marL="457189" indent="0">
-              <a:buNone/>
-              <a:defRPr sz="1200"/>
-            </a:lvl2pPr>
-            <a:lvl3pPr marL="914377" indent="0">
-              <a:buNone/>
-              <a:defRPr sz="1000"/>
-            </a:lvl3pPr>
-            <a:lvl4pPr marL="1371566" indent="0">
-              <a:buNone/>
-              <a:defRPr sz="900"/>
-            </a:lvl4pPr>
-            <a:lvl5pPr marL="1828754" indent="0">
-              <a:buNone/>
-              <a:defRPr sz="900"/>
-            </a:lvl5pPr>
-            <a:lvl6pPr marL="2285943" indent="0">
-              <a:buNone/>
-              <a:defRPr sz="900"/>
-            </a:lvl6pPr>
-            <a:lvl7pPr marL="2743131" indent="0">
-              <a:buNone/>
-              <a:defRPr sz="900"/>
-            </a:lvl7pPr>
-            <a:lvl8pPr marL="3200320" indent="0">
-              <a:buNone/>
-              <a:defRPr sz="900"/>
-            </a:lvl8pPr>
-            <a:lvl9pPr marL="3657509" indent="0">
-              <a:buNone/>
-              <a:defRPr sz="900"/>
-            </a:lvl9pPr>
-          </a:lstStyle>
-          <a:p>
-            <a:pPr lvl="0"/>
-            <a:r>
-              <a:rPr lang="zh-CN" altLang="en-US"/>
-              <a:t>单击此处编辑母版文本样式</a:t>
-            </a:r>
-          </a:p>
-        </p:txBody>
-      </p:sp>
-      <p:sp>
-        <p:nvSpPr>
-          <p:cNvPr id="5" name="Date Placeholder 4"/>
-          <p:cNvSpPr>
-            <a:spLocks noGrp="1"/>
-          </p:cNvSpPr>
-          <p:nvPr>
-            <p:ph type="dt" sz="half" idx="10"/>
-          </p:nvPr>
-        </p:nvSpPr>
-        <p:spPr/>
-        <p:txBody>
-          <a:bodyPr/>
-          <a:lstStyle/>
-          <a:p>
-            <a:fld id="{ECE90DBC-198A-4951-981A-CD336A3DC4A3}" type="datetimeFigureOut">
-              <a:rPr lang="zh-CN" altLang="en-US" smtClean="0"/>
-              <a:t>2024/3/14</a:t>
-            </a:fld>
-            <a:endParaRPr lang="zh-CN" altLang="en-US"/>
-          </a:p>
-        </p:txBody>
-      </p:sp>
-      <p:sp>
-        <p:nvSpPr>
-          <p:cNvPr id="6" name="Footer Placeholder 5"/>
-          <p:cNvSpPr>
-            <a:spLocks noGrp="1"/>
-          </p:cNvSpPr>
-          <p:nvPr>
-            <p:ph type="ftr" sz="quarter" idx="11"/>
-          </p:nvPr>
-        </p:nvSpPr>
-        <p:spPr/>
-        <p:txBody>
-          <a:bodyPr/>
-          <a:lstStyle/>
-          <a:p>
-            <a:endParaRPr lang="zh-CN" altLang="en-US"/>
-          </a:p>
-        </p:txBody>
-      </p:sp>
-      <p:sp>
-        <p:nvSpPr>
-          <p:cNvPr id="7" name="Slide Number Placeholder 6"/>
-          <p:cNvSpPr>
-            <a:spLocks noGrp="1"/>
-          </p:cNvSpPr>
-          <p:nvPr>
-            <p:ph type="sldNum" sz="quarter" idx="12"/>
-          </p:nvPr>
-        </p:nvSpPr>
-        <p:spPr/>
-        <p:txBody>
-          <a:bodyPr/>
-          <a:lstStyle/>
-          <a:p>
-            <a:fld id="{AE6B9B6F-18BE-4B98-B6C6-8E1115BABC59}" type="slidenum">
-              <a:rPr lang="zh-CN" altLang="en-US" smtClean="0"/>
-              <a:t>‹#›</a:t>
-            </a:fld>
-            <a:endParaRPr lang="zh-CN" altLang="en-US"/>
-          </a:p>
-        </p:txBody>
-      </p:sp>
-    </p:spTree>
-    <p:extLst>
-      <p:ext uri="{BB962C8B-B14F-4D97-AF65-F5344CB8AC3E}">
-        <p14:creationId xmlns:p14="http://schemas.microsoft.com/office/powerpoint/2010/main" val="496134364"/>
+        <p14:creationId xmlns:p14="http://schemas.microsoft.com/office/powerpoint/2010/main" val="1282648560"/>
       </p:ext>
     </p:extLst>
   </p:cSld>
@@ -2626,7 +1081,7 @@
           <a:p>
             <a:fld id="{ECE90DBC-198A-4951-981A-CD336A3DC4A3}" type="datetimeFigureOut">
               <a:rPr lang="zh-CN" altLang="en-US" smtClean="0"/>
-              <a:t>2024/3/14</a:t>
+              <a:t>2024/3/15</a:t>
             </a:fld>
             <a:endParaRPr lang="zh-CN" altLang="en-US"/>
           </a:p>
@@ -2722,15 +1177,8 @@
   <p:sldLayoutIdLst>
     <p:sldLayoutId id="2147483715" r:id="rId1"/>
     <p:sldLayoutId id="2147483716" r:id="rId2"/>
-    <p:sldLayoutId id="2147483717" r:id="rId3"/>
-    <p:sldLayoutId id="2147483718" r:id="rId4"/>
-    <p:sldLayoutId id="2147483719" r:id="rId5"/>
-    <p:sldLayoutId id="2147483720" r:id="rId6"/>
-    <p:sldLayoutId id="2147483721" r:id="rId7"/>
-    <p:sldLayoutId id="2147483722" r:id="rId8"/>
-    <p:sldLayoutId id="2147483723" r:id="rId9"/>
-    <p:sldLayoutId id="2147483724" r:id="rId10"/>
-    <p:sldLayoutId id="2147483725" r:id="rId11"/>
+    <p:sldLayoutId id="2147483718" r:id="rId3"/>
+    <p:sldLayoutId id="2147483719" r:id="rId4"/>
   </p:sldLayoutIdLst>
   <p:txStyles>
     <p:titleStyle>
@@ -3115,10 +1563,10 @@
       </p:grpSpPr>
       <p:sp>
         <p:nvSpPr>
-          <p:cNvPr id="2" name="标题 1">
-            <a:extLst>
-              <a:ext uri="{FF2B5EF4-FFF2-40B4-BE49-F238E27FC236}">
-                <a16:creationId xmlns:a16="http://schemas.microsoft.com/office/drawing/2014/main" id="{D3C4DC28-5419-CF81-33E9-021F1BDD4389}"/>
+          <p:cNvPr id="4" name="标题 3">
+            <a:extLst>
+              <a:ext uri="{FF2B5EF4-FFF2-40B4-BE49-F238E27FC236}">
+                <a16:creationId xmlns:a16="http://schemas.microsoft.com/office/drawing/2014/main" id="{E4708075-35D0-6623-34B1-486A7A3F35F0}"/>
               </a:ext>
             </a:extLst>
           </p:cNvPr>
@@ -3136,17 +1584,17 @@
           <a:p>
             <a:r>
               <a:rPr lang="zh-CN" altLang="en-US" dirty="0"/>
-              <a:t>常规驱动测试存在哪些不便？</a:t>
-            </a:r>
-          </a:p>
-        </p:txBody>
-      </p:sp>
-      <p:sp>
-        <p:nvSpPr>
-          <p:cNvPr id="3" name="内容占位符 2">
-            <a:extLst>
-              <a:ext uri="{FF2B5EF4-FFF2-40B4-BE49-F238E27FC236}">
-                <a16:creationId xmlns:a16="http://schemas.microsoft.com/office/drawing/2014/main" id="{D5F643BE-9FBF-7D6E-B3C5-ABEFB3F5EB4A}"/>
+              <a:t>产生非标准化的原因</a:t>
+            </a:r>
+          </a:p>
+        </p:txBody>
+      </p:sp>
+      <p:sp>
+        <p:nvSpPr>
+          <p:cNvPr id="5" name="内容占位符 4">
+            <a:extLst>
+              <a:ext uri="{FF2B5EF4-FFF2-40B4-BE49-F238E27FC236}">
+                <a16:creationId xmlns:a16="http://schemas.microsoft.com/office/drawing/2014/main" id="{4D400207-5426-9B59-20A5-F0EE7CAA5D34}"/>
               </a:ext>
             </a:extLst>
           </p:cNvPr>
@@ -3162,46 +1610,17 @@
           <a:bodyPr/>
           <a:lstStyle/>
           <a:p>
-            <a:pPr marL="514338" indent="-514338">
-              <a:buFont typeface="+mj-lt"/>
-              <a:buAutoNum type="arabicPeriod"/>
-            </a:pPr>
-            <a:r>
-              <a:rPr lang="zh-CN" altLang="en-US" dirty="0"/>
-              <a:t>输出非标准化</a:t>
-            </a:r>
-            <a:endParaRPr lang="en-US" altLang="zh-CN" dirty="0"/>
-          </a:p>
-          <a:p>
-            <a:pPr marL="514338" indent="-514338">
-              <a:buFont typeface="+mj-lt"/>
-              <a:buAutoNum type="arabicPeriod"/>
-            </a:pPr>
-            <a:r>
-              <a:rPr lang="zh-CN" altLang="en-US" dirty="0"/>
-              <a:t>手动调试</a:t>
-            </a:r>
-            <a:endParaRPr lang="en-US" altLang="zh-CN" dirty="0"/>
-          </a:p>
-          <a:p>
-            <a:pPr marL="514338" indent="-514338">
-              <a:buFont typeface="+mj-lt"/>
-              <a:buAutoNum type="arabicPeriod"/>
-            </a:pPr>
-            <a:r>
-              <a:rPr lang="zh-CN" altLang="en-US" dirty="0"/>
-              <a:t>平台及软件的升级导致驱动无法使用，需要重新制作和测试</a:t>
-            </a:r>
-            <a:endParaRPr lang="en-US" altLang="zh-CN" dirty="0"/>
-          </a:p>
-          <a:p>
-            <a:pPr marL="514338" indent="-514338">
-              <a:buFont typeface="+mj-lt"/>
-              <a:buAutoNum type="arabicPeriod"/>
-            </a:pPr>
+            <a:r>
+              <a:rPr lang="zh-CN" altLang="en-US" dirty="0"/>
+              <a:t>由于开发人员个人习惯，开发平台不同，开发软件版本不同，开发需求不同，所以输出</a:t>
+            </a:r>
             <a:r>
               <a:rPr lang="en-US" altLang="zh-CN" dirty="0"/>
-              <a:t>……</a:t>
+              <a:t>print</a:t>
+            </a:r>
+            <a:r>
+              <a:rPr lang="zh-CN" altLang="en-US" dirty="0"/>
+              <a:t>信息不同</a:t>
             </a:r>
           </a:p>
         </p:txBody>
@@ -3209,7 +1628,7 @@
     </p:spTree>
     <p:extLst>
       <p:ext uri="{BB962C8B-B14F-4D97-AF65-F5344CB8AC3E}">
-        <p14:creationId xmlns:p14="http://schemas.microsoft.com/office/powerpoint/2010/main" val="3509129830"/>
+        <p14:creationId xmlns:p14="http://schemas.microsoft.com/office/powerpoint/2010/main" val="4270061379"/>
       </p:ext>
     </p:extLst>
   </p:cSld>
@@ -3299,6 +1718,72 @@
               <a:rPr lang="zh-CN" altLang="en-US" dirty="0"/>
               <a:t>框架</a:t>
             </a:r>
+            <a:endParaRPr lang="en-US" altLang="zh-CN" dirty="0"/>
+          </a:p>
+          <a:p>
+            <a:pPr lvl="1"/>
+            <a:r>
+              <a:rPr lang="en-US" altLang="zh-CN" dirty="0" err="1"/>
+              <a:t>Greentea</a:t>
+            </a:r>
+            <a:r>
+              <a:rPr lang="en-US" altLang="zh-CN" dirty="0"/>
+              <a:t> is the automated testing tool for Arm </a:t>
+            </a:r>
+            <a:r>
+              <a:rPr lang="en-US" altLang="zh-CN" dirty="0" err="1"/>
+              <a:t>Mbed</a:t>
+            </a:r>
+            <a:r>
+              <a:rPr lang="en-US" altLang="zh-CN" dirty="0"/>
+              <a:t> OS development. It's a test runner that automates the process of flashing development boards, starting tests and accumulating test results into test reports. </a:t>
+            </a:r>
+          </a:p>
+          <a:p>
+            <a:pPr lvl="1"/>
+            <a:r>
+              <a:rPr lang="en-US" altLang="zh-CN" dirty="0" err="1"/>
+              <a:t>Greentea</a:t>
+            </a:r>
+            <a:r>
+              <a:rPr lang="en-US" altLang="zh-CN" dirty="0"/>
+              <a:t> </a:t>
+            </a:r>
+            <a:r>
+              <a:rPr lang="zh-CN" altLang="en-US" dirty="0"/>
+              <a:t>是用于 </a:t>
+            </a:r>
+            <a:r>
+              <a:rPr lang="en-US" altLang="zh-CN" dirty="0"/>
+              <a:t>Arm </a:t>
+            </a:r>
+            <a:r>
+              <a:rPr lang="en-US" altLang="zh-CN" dirty="0" err="1"/>
+              <a:t>Mbed</a:t>
+            </a:r>
+            <a:r>
+              <a:rPr lang="en-US" altLang="zh-CN" dirty="0"/>
+              <a:t> OS </a:t>
+            </a:r>
+            <a:r>
+              <a:rPr lang="zh-CN" altLang="en-US" dirty="0"/>
+              <a:t>开发的自动化测试工具。 它是一个测试运行程序，可以自动执行烧录开发板、启动测试并将</a:t>
+            </a:r>
+            <a:r>
+              <a:rPr lang="zh-CN" altLang="en-US" dirty="0">
+                <a:solidFill>
+                  <a:srgbClr val="FF0000"/>
+                </a:solidFill>
+              </a:rPr>
+              <a:t>测试结果累积到测试报告</a:t>
+            </a:r>
+            <a:r>
+              <a:rPr lang="zh-CN" altLang="en-US" dirty="0"/>
+              <a:t>中的过程。</a:t>
+            </a:r>
+            <a:endParaRPr lang="en-US" altLang="zh-CN" dirty="0"/>
+          </a:p>
+          <a:p>
             <a:endParaRPr lang="en-US" altLang="zh-CN" dirty="0"/>
           </a:p>
           <a:p>
@@ -3370,29 +1855,76 @@
       </p:sp>
       <p:sp>
         <p:nvSpPr>
-          <p:cNvPr id="3" name="内容占位符 2">
-            <a:extLst>
-              <a:ext uri="{FF2B5EF4-FFF2-40B4-BE49-F238E27FC236}">
-                <a16:creationId xmlns:a16="http://schemas.microsoft.com/office/drawing/2014/main" id="{C56B2F31-7FAE-047C-487B-DE92D0530B3F}"/>
-              </a:ext>
-            </a:extLst>
-          </p:cNvPr>
-          <p:cNvSpPr>
-            <a:spLocks noGrp="1"/>
-          </p:cNvSpPr>
-          <p:nvPr>
-            <p:ph idx="1"/>
-          </p:nvPr>
-        </p:nvSpPr>
-        <p:spPr/>
-        <p:txBody>
-          <a:bodyPr/>
-          <a:lstStyle/>
-          <a:p>
-            <a:endParaRPr lang="zh-CN" altLang="en-US" dirty="0"/>
-          </a:p>
-        </p:txBody>
-      </p:sp>
+          <p:cNvPr id="5" name="内容占位符 4">
+            <a:extLst>
+              <a:ext uri="{FF2B5EF4-FFF2-40B4-BE49-F238E27FC236}">
+                <a16:creationId xmlns:a16="http://schemas.microsoft.com/office/drawing/2014/main" id="{BA07A0CF-5B5C-C345-7D01-EFF16B31C21F}"/>
+              </a:ext>
+            </a:extLst>
+          </p:cNvPr>
+          <p:cNvSpPr>
+            <a:spLocks noGrp="1"/>
+          </p:cNvSpPr>
+          <p:nvPr>
+            <p:ph sz="half" idx="2"/>
+          </p:nvPr>
+        </p:nvSpPr>
+        <p:spPr/>
+        <p:txBody>
+          <a:bodyPr/>
+          <a:lstStyle/>
+          <a:p>
+            <a:r>
+              <a:rPr lang="zh-CN" altLang="en-US" dirty="0"/>
+              <a:t>图片展示，及</a:t>
+            </a:r>
+            <a:r>
+              <a:rPr lang="en-US" altLang="zh-CN" dirty="0" err="1"/>
+              <a:t>greentea</a:t>
+            </a:r>
+            <a:r>
+              <a:rPr lang="zh-CN" altLang="en-US" dirty="0"/>
+              <a:t>产生的报告样子</a:t>
+            </a:r>
+          </a:p>
+        </p:txBody>
+      </p:sp>
+      <p:pic>
+        <p:nvPicPr>
+          <p:cNvPr id="9" name="图片 8">
+            <a:extLst>
+              <a:ext uri="{FF2B5EF4-FFF2-40B4-BE49-F238E27FC236}">
+                <a16:creationId xmlns:a16="http://schemas.microsoft.com/office/drawing/2014/main" id="{70F04503-4037-4B03-F1AB-A7D680D8AEC0}"/>
+              </a:ext>
+            </a:extLst>
+          </p:cNvPr>
+          <p:cNvPicPr>
+            <a:picLocks noChangeAspect="1"/>
+          </p:cNvPicPr>
+          <p:nvPr/>
+        </p:nvPicPr>
+        <p:blipFill>
+          <a:blip r:embed="rId2">
+            <a:extLst>
+              <a:ext uri="{28A0092B-C50C-407E-A947-70E740481C1C}">
+                <a14:useLocalDpi xmlns:a14="http://schemas.microsoft.com/office/drawing/2010/main" val="0"/>
+              </a:ext>
+            </a:extLst>
+          </a:blip>
+          <a:stretch>
+            <a:fillRect/>
+          </a:stretch>
+        </p:blipFill>
+        <p:spPr>
+          <a:xfrm>
+            <a:off x="845127" y="1828803"/>
+            <a:ext cx="7200000" cy="4777103"/>
+          </a:xfrm>
+          <a:prstGeom prst="rect">
+            <a:avLst/>
+          </a:prstGeom>
+        </p:spPr>
+      </p:pic>
     </p:spTree>
     <p:extLst>
       <p:ext uri="{BB962C8B-B14F-4D97-AF65-F5344CB8AC3E}">
@@ -3461,10 +1993,10 @@
       </p:sp>
       <p:sp>
         <p:nvSpPr>
-          <p:cNvPr id="3" name="内容占位符 2">
-            <a:extLst>
-              <a:ext uri="{FF2B5EF4-FFF2-40B4-BE49-F238E27FC236}">
-                <a16:creationId xmlns:a16="http://schemas.microsoft.com/office/drawing/2014/main" id="{CE62129C-FC7F-067D-AB23-390BE5ECB67F}"/>
+          <p:cNvPr id="4" name="内容占位符 3">
+            <a:extLst>
+              <a:ext uri="{FF2B5EF4-FFF2-40B4-BE49-F238E27FC236}">
+                <a16:creationId xmlns:a16="http://schemas.microsoft.com/office/drawing/2014/main" id="{AB16CF9E-610B-CA09-A045-7E8815BBA5F5}"/>
               </a:ext>
             </a:extLst>
           </p:cNvPr>
@@ -3480,7 +2012,10 @@
           <a:bodyPr/>
           <a:lstStyle/>
           <a:p>
-            <a:endParaRPr lang="zh-CN" altLang="en-US"/>
+            <a:r>
+              <a:rPr lang="zh-CN" altLang="en-US" dirty="0"/>
+              <a:t>项目截图，前后对比</a:t>
+            </a:r>
           </a:p>
         </p:txBody>
       </p:sp>
@@ -3555,15 +2090,10 @@
             <a:spLocks noGrp="1"/>
           </p:cNvSpPr>
           <p:nvPr>
-            <p:ph idx="1"/>
-          </p:nvPr>
-        </p:nvSpPr>
-        <p:spPr>
-          <a:xfrm>
-            <a:off x="6949441" y="1788130"/>
-            <a:ext cx="4193627" cy="4351339"/>
-          </a:xfrm>
-        </p:spPr>
+            <p:ph sz="half" idx="2"/>
+          </p:nvPr>
+        </p:nvSpPr>
+        <p:spPr/>
         <p:txBody>
           <a:bodyPr/>
           <a:lstStyle/>
@@ -3611,8 +2141,8 @@
         </p:blipFill>
         <p:spPr>
           <a:xfrm>
-            <a:off x="838200" y="1750633"/>
-            <a:ext cx="5775952" cy="4426335"/>
+            <a:off x="845127" y="1828803"/>
+            <a:ext cx="6106961" cy="4680000"/>
           </a:xfrm>
           <a:prstGeom prst="rect">
             <a:avLst/>
@@ -3695,19 +2225,26 @@
             <a:spLocks noGrp="1"/>
           </p:cNvSpPr>
           <p:nvPr>
-            <p:ph idx="1"/>
-          </p:nvPr>
-        </p:nvSpPr>
-        <p:spPr>
-          <a:xfrm>
-            <a:off x="7233219" y="1825625"/>
-            <a:ext cx="4120581" cy="4351339"/>
-          </a:xfrm>
-        </p:spPr>
-        <p:txBody>
-          <a:bodyPr/>
-          <a:lstStyle/>
-          <a:p>
+            <p:ph sz="half" idx="2"/>
+          </p:nvPr>
+        </p:nvSpPr>
+        <p:spPr/>
+        <p:txBody>
+          <a:bodyPr>
+            <a:normAutofit/>
+          </a:bodyPr>
+          <a:lstStyle/>
+          <a:p>
+            <a:r>
+              <a:rPr lang="en-US" altLang="zh-CN" dirty="0"/>
+              <a:t>Issue</a:t>
+            </a:r>
+          </a:p>
+          <a:p>
+            <a:pPr marL="914389" lvl="1" indent="-457200">
+              <a:buFont typeface="+mj-lt"/>
+              <a:buAutoNum type="arabicPeriod"/>
+            </a:pPr>
             <a:r>
               <a:rPr lang="zh-CN" altLang="en-US" dirty="0"/>
               <a:t>所有</a:t>
@@ -3718,11 +2255,15 @@
             </a:r>
             <a:r>
               <a:rPr lang="zh-CN" altLang="en-US" dirty="0"/>
-              <a:t>堆叠在本地不利于管理</a:t>
+              <a:t>堆叠在本地不利于统一管理</a:t>
             </a:r>
             <a:endParaRPr lang="en-US" altLang="zh-CN" dirty="0"/>
           </a:p>
           <a:p>
+            <a:pPr marL="914389" lvl="1" indent="-457200">
+              <a:buFont typeface="+mj-lt"/>
+              <a:buAutoNum type="arabicPeriod"/>
+            </a:pPr>
             <a:r>
               <a:rPr lang="zh-CN" altLang="en-US" dirty="0"/>
               <a:t>功能模块太多会导致</a:t>
@@ -3738,17 +2279,15 @@
             <a:endParaRPr lang="en-US" altLang="zh-CN" dirty="0"/>
           </a:p>
           <a:p>
+            <a:pPr marL="914389" lvl="1" indent="-457200">
+              <a:buFont typeface="+mj-lt"/>
+              <a:buAutoNum type="arabicPeriod"/>
+            </a:pPr>
             <a:r>
               <a:rPr lang="zh-CN" altLang="en-US" dirty="0"/>
               <a:t>系统只能按顺序执行，修改执行顺序比较麻烦</a:t>
             </a:r>
             <a:endParaRPr lang="en-US" altLang="zh-CN" dirty="0"/>
-          </a:p>
-          <a:p>
-            <a:r>
-              <a:rPr lang="en-US" altLang="zh-CN" dirty="0"/>
-              <a:t>……</a:t>
-            </a:r>
           </a:p>
           <a:p>
             <a:endParaRPr lang="zh-CN" altLang="en-US" dirty="0"/>
@@ -3783,8 +2322,8 @@
         </p:blipFill>
         <p:spPr>
           <a:xfrm>
-            <a:off x="1872591" y="1718420"/>
-            <a:ext cx="2791051" cy="4170537"/>
+            <a:off x="845127" y="1691322"/>
+            <a:ext cx="3131999" cy="4680000"/>
           </a:xfrm>
           <a:prstGeom prst="rect">
             <a:avLst/>
@@ -3805,7 +2344,7 @@
         </p:nvSpPr>
         <p:spPr>
           <a:xfrm>
-            <a:off x="2120388" y="5888957"/>
+            <a:off x="1472688" y="5898482"/>
             <a:ext cx="2295459" cy="369332"/>
           </a:xfrm>
           <a:prstGeom prst="rect">
@@ -3902,18 +2441,13 @@
             <a:spLocks noGrp="1"/>
           </p:cNvSpPr>
           <p:nvPr>
-            <p:ph idx="1"/>
-          </p:nvPr>
-        </p:nvSpPr>
-        <p:spPr>
-          <a:xfrm>
-            <a:off x="7958433" y="1828803"/>
-            <a:ext cx="3402294" cy="4351337"/>
-          </a:xfrm>
-        </p:spPr>
+            <p:ph sz="half" idx="2"/>
+          </p:nvPr>
+        </p:nvSpPr>
+        <p:spPr/>
         <p:txBody>
           <a:bodyPr>
-            <a:normAutofit lnSpcReduction="10000"/>
+            <a:normAutofit fontScale="92500"/>
           </a:bodyPr>
           <a:lstStyle/>
           <a:p>
@@ -3958,7 +2492,7 @@
             </a:r>
             <a:r>
               <a:rPr lang="zh-CN" altLang="en-US" dirty="0"/>
-              <a:t>没有很好的管理</a:t>
+              <a:t>没有统一的管理</a:t>
             </a:r>
             <a:endParaRPr lang="en-US" altLang="zh-CN" dirty="0"/>
           </a:p>
@@ -4002,8 +2536,8 @@
         </p:blipFill>
         <p:spPr>
           <a:xfrm>
-            <a:off x="845127" y="2139895"/>
-            <a:ext cx="6700262" cy="3535692"/>
+            <a:off x="845127" y="1828803"/>
+            <a:ext cx="7200000" cy="3799401"/>
           </a:xfrm>
           <a:prstGeom prst="rect">
             <a:avLst/>
@@ -4239,15 +2773,10 @@
             <a:spLocks noGrp="1"/>
           </p:cNvSpPr>
           <p:nvPr>
-            <p:ph idx="1"/>
-          </p:nvPr>
-        </p:nvSpPr>
-        <p:spPr>
-          <a:xfrm>
-            <a:off x="8330499" y="1828803"/>
-            <a:ext cx="3030228" cy="4351337"/>
-          </a:xfrm>
-        </p:spPr>
+            <p:ph sz="half" idx="2"/>
+          </p:nvPr>
+        </p:nvSpPr>
+        <p:spPr/>
         <p:txBody>
           <a:bodyPr>
             <a:normAutofit/>
@@ -4255,41 +2784,43 @@
           <a:lstStyle/>
           <a:p>
             <a:r>
-              <a:rPr lang="en-US" altLang="zh-CN" sz="1600" dirty="0"/>
+              <a:rPr lang="en-US" altLang="zh-CN" sz="2600" dirty="0"/>
               <a:t>Gitlab sever</a:t>
             </a:r>
             <a:r>
-              <a:rPr lang="zh-CN" altLang="en-US" sz="1600" dirty="0"/>
+              <a:rPr lang="zh-CN" altLang="en-US" sz="2600" dirty="0"/>
               <a:t>和</a:t>
             </a:r>
             <a:r>
-              <a:rPr lang="en-US" altLang="zh-CN" sz="1600" dirty="0"/>
+              <a:rPr lang="en-US" altLang="zh-CN" sz="2600" dirty="0"/>
               <a:t>runner</a:t>
             </a:r>
             <a:r>
-              <a:rPr lang="zh-CN" altLang="en-US" sz="1600" dirty="0"/>
+              <a:rPr lang="zh-CN" altLang="en-US" sz="2600" dirty="0"/>
               <a:t>之前要提前绑定</a:t>
             </a:r>
-            <a:endParaRPr lang="en-US" altLang="zh-CN" sz="1600" dirty="0"/>
-          </a:p>
-          <a:p>
-            <a:r>
-              <a:rPr lang="zh-CN" altLang="en-US" sz="1600" dirty="0"/>
+            <a:endParaRPr lang="en-US" altLang="zh-CN" sz="2600" dirty="0"/>
+          </a:p>
+          <a:p>
+            <a:r>
+              <a:rPr lang="zh-CN" altLang="en-US" sz="2600" dirty="0"/>
               <a:t>程序的所有流程在</a:t>
             </a:r>
             <a:r>
-              <a:rPr lang="en-US" altLang="zh-CN" sz="1600" dirty="0" err="1"/>
+              <a:rPr lang="en-US" altLang="zh-CN" sz="2600" dirty="0" err="1"/>
               <a:t>yml</a:t>
             </a:r>
             <a:r>
-              <a:rPr lang="zh-CN" altLang="en-US" sz="1600" dirty="0"/>
+              <a:rPr lang="zh-CN" altLang="en-US" sz="2600" dirty="0"/>
               <a:t>脚本中，该脚本提前存储在仓库中</a:t>
             </a:r>
-            <a:endParaRPr lang="en-US" altLang="zh-CN" sz="1600" dirty="0"/>
-          </a:p>
-          <a:p>
-            <a:r>
-              <a:rPr lang="en-US" altLang="zh-CN" sz="1600" dirty="0"/>
+            <a:endParaRPr lang="en-US" altLang="zh-CN" sz="2600" dirty="0"/>
+          </a:p>
+          <a:p>
+            <a:r>
+              <a:rPr lang="en-US" altLang="zh-CN" sz="2400" dirty="0">
+                <a:latin typeface="+mn-ea"/>
+              </a:rPr>
               <a:t>Issue</a:t>
             </a:r>
           </a:p>
@@ -4333,8 +2864,8 @@
         </p:blipFill>
         <p:spPr>
           <a:xfrm>
-            <a:off x="845128" y="1946529"/>
-            <a:ext cx="6873669" cy="3140255"/>
+            <a:off x="845127" y="1828803"/>
+            <a:ext cx="7200000" cy="3289340"/>
           </a:xfrm>
           <a:prstGeom prst="rect">
             <a:avLst/>
@@ -4809,7 +3340,7 @@
           <p:cNvPr id="2" name="标题 1">
             <a:extLst>
               <a:ext uri="{FF2B5EF4-FFF2-40B4-BE49-F238E27FC236}">
-                <a16:creationId xmlns:a16="http://schemas.microsoft.com/office/drawing/2014/main" id="{B002CF85-79D2-52C6-37BD-7CE08F55EE07}"/>
+                <a16:creationId xmlns:a16="http://schemas.microsoft.com/office/drawing/2014/main" id="{175165CF-8AD8-D4BC-5D7E-69787293574B}"/>
               </a:ext>
             </a:extLst>
           </p:cNvPr>
@@ -4822,22 +3353,16 @@
         </p:nvSpPr>
         <p:spPr/>
         <p:txBody>
-          <a:bodyPr>
-            <a:normAutofit/>
-          </a:bodyPr>
-          <a:lstStyle/>
-          <a:p>
-            <a:r>
-              <a:rPr lang="zh-CN" altLang="en-US" dirty="0"/>
-              <a:t>简化</a:t>
-            </a:r>
+          <a:bodyPr/>
+          <a:lstStyle/>
+          <a:p>
             <a:r>
               <a:rPr lang="en-US" altLang="zh-CN" dirty="0"/>
-              <a:t>Gitlab runner</a:t>
-            </a:r>
-            <a:r>
-              <a:rPr lang="zh-CN" altLang="en-US" dirty="0"/>
-              <a:t>功能</a:t>
+              <a:t>Flash</a:t>
+            </a:r>
+            <a:r>
+              <a:rPr lang="zh-CN" altLang="en-US" dirty="0"/>
+              <a:t>阵列</a:t>
             </a:r>
           </a:p>
         </p:txBody>
@@ -4847,57 +3372,69 @@
           <p:cNvPr id="3" name="内容占位符 2">
             <a:extLst>
               <a:ext uri="{FF2B5EF4-FFF2-40B4-BE49-F238E27FC236}">
-                <a16:creationId xmlns:a16="http://schemas.microsoft.com/office/drawing/2014/main" id="{6E0C08F9-BF34-3433-C2F0-667908C38597}"/>
-              </a:ext>
-            </a:extLst>
-          </p:cNvPr>
-          <p:cNvSpPr>
-            <a:spLocks noGrp="1"/>
-          </p:cNvSpPr>
-          <p:nvPr>
-            <p:ph idx="1"/>
-          </p:nvPr>
-        </p:nvSpPr>
-        <p:spPr/>
-        <p:txBody>
-          <a:bodyPr/>
-          <a:lstStyle/>
-          <a:p>
-            <a:r>
-              <a:rPr lang="zh-CN" altLang="en-US" dirty="0"/>
-              <a:t>引入</a:t>
-            </a:r>
-            <a:r>
-              <a:rPr lang="en-US" altLang="zh-CN" dirty="0"/>
-              <a:t>node-red</a:t>
-            </a:r>
-            <a:r>
-              <a:rPr lang="zh-CN" altLang="en-US" dirty="0"/>
-              <a:t>服务</a:t>
-            </a:r>
-            <a:endParaRPr lang="en-US" altLang="zh-CN" dirty="0"/>
-          </a:p>
-          <a:p>
-            <a:pPr lvl="1"/>
-            <a:r>
-              <a:rPr lang="zh-CN" altLang="en-US" dirty="0"/>
-              <a:t>将</a:t>
-            </a:r>
-            <a:r>
-              <a:rPr lang="en-US" altLang="zh-CN" dirty="0"/>
-              <a:t>log</a:t>
-            </a:r>
-            <a:r>
-              <a:rPr lang="zh-CN" altLang="en-US" dirty="0"/>
-              <a:t>解析，邮件发送，功能</a:t>
-            </a:r>
-          </a:p>
-        </p:txBody>
-      </p:sp>
+                <a16:creationId xmlns:a16="http://schemas.microsoft.com/office/drawing/2014/main" id="{3E430966-C45E-591C-1A2C-00F3DA5FBEBE}"/>
+              </a:ext>
+            </a:extLst>
+          </p:cNvPr>
+          <p:cNvSpPr>
+            <a:spLocks noGrp="1"/>
+          </p:cNvSpPr>
+          <p:nvPr>
+            <p:ph sz="half" idx="2"/>
+          </p:nvPr>
+        </p:nvSpPr>
+        <p:spPr/>
+        <p:txBody>
+          <a:bodyPr/>
+          <a:lstStyle/>
+          <a:p>
+            <a:r>
+              <a:rPr lang="zh-CN" altLang="en-US" dirty="0"/>
+              <a:t>后期可能的方向</a:t>
+            </a:r>
+          </a:p>
+        </p:txBody>
+      </p:sp>
+      <p:pic>
+        <p:nvPicPr>
+          <p:cNvPr id="5" name="图片 4">
+            <a:extLst>
+              <a:ext uri="{FF2B5EF4-FFF2-40B4-BE49-F238E27FC236}">
+                <a16:creationId xmlns:a16="http://schemas.microsoft.com/office/drawing/2014/main" id="{201B2DC6-B806-9E8B-48AF-022088E7C485}"/>
+              </a:ext>
+            </a:extLst>
+          </p:cNvPr>
+          <p:cNvPicPr>
+            <a:picLocks noChangeAspect="1"/>
+          </p:cNvPicPr>
+          <p:nvPr/>
+        </p:nvPicPr>
+        <p:blipFill>
+          <a:blip r:embed="rId2">
+            <a:extLst>
+              <a:ext uri="{28A0092B-C50C-407E-A947-70E740481C1C}">
+                <a14:useLocalDpi xmlns:a14="http://schemas.microsoft.com/office/drawing/2010/main" val="0"/>
+              </a:ext>
+            </a:extLst>
+          </a:blip>
+          <a:stretch>
+            <a:fillRect/>
+          </a:stretch>
+        </p:blipFill>
+        <p:spPr>
+          <a:xfrm>
+            <a:off x="845127" y="1828803"/>
+            <a:ext cx="7200000" cy="3257822"/>
+          </a:xfrm>
+          <a:prstGeom prst="rect">
+            <a:avLst/>
+          </a:prstGeom>
+        </p:spPr>
+      </p:pic>
     </p:spTree>
     <p:extLst>
       <p:ext uri="{BB962C8B-B14F-4D97-AF65-F5344CB8AC3E}">
-        <p14:creationId xmlns:p14="http://schemas.microsoft.com/office/powerpoint/2010/main" val="2378840312"/>
+        <p14:creationId xmlns:p14="http://schemas.microsoft.com/office/powerpoint/2010/main" val="2619773300"/>
       </p:ext>
     </p:extLst>
   </p:cSld>
@@ -4929,7 +3466,7 @@
           <p:cNvPr id="2" name="标题 1">
             <a:extLst>
               <a:ext uri="{FF2B5EF4-FFF2-40B4-BE49-F238E27FC236}">
-                <a16:creationId xmlns:a16="http://schemas.microsoft.com/office/drawing/2014/main" id="{86890389-04DF-546A-684C-EF0AD63B946F}"/>
+                <a16:creationId xmlns:a16="http://schemas.microsoft.com/office/drawing/2014/main" id="{B002CF85-79D2-52C6-37BD-7CE08F55EE07}"/>
               </a:ext>
             </a:extLst>
           </p:cNvPr>
@@ -4942,10 +3479,23 @@
         </p:nvSpPr>
         <p:spPr/>
         <p:txBody>
-          <a:bodyPr/>
-          <a:lstStyle/>
-          <a:p>
-            <a:endParaRPr lang="zh-CN" altLang="en-US"/>
+          <a:bodyPr>
+            <a:normAutofit/>
+          </a:bodyPr>
+          <a:lstStyle/>
+          <a:p>
+            <a:r>
+              <a:rPr lang="zh-CN" altLang="en-US" dirty="0"/>
+              <a:t>简化</a:t>
+            </a:r>
+            <a:r>
+              <a:rPr lang="en-US" altLang="zh-CN" dirty="0"/>
+              <a:t>Gitlab runner</a:t>
+            </a:r>
+            <a:r>
+              <a:rPr lang="zh-CN" altLang="en-US" dirty="0"/>
+              <a:t>功能</a:t>
+            </a:r>
           </a:p>
         </p:txBody>
       </p:sp>
@@ -4954,7 +3504,7 @@
           <p:cNvPr id="3" name="内容占位符 2">
             <a:extLst>
               <a:ext uri="{FF2B5EF4-FFF2-40B4-BE49-F238E27FC236}">
-                <a16:creationId xmlns:a16="http://schemas.microsoft.com/office/drawing/2014/main" id="{D062797E-DC0A-C932-E4ED-24DE1F29E489}"/>
+                <a16:creationId xmlns:a16="http://schemas.microsoft.com/office/drawing/2014/main" id="{6E0C08F9-BF34-3433-C2F0-667908C38597}"/>
               </a:ext>
             </a:extLst>
           </p:cNvPr>
@@ -4967,72 +3517,89 @@
         </p:nvSpPr>
         <p:spPr/>
         <p:txBody>
-          <a:bodyPr/>
-          <a:lstStyle/>
-          <a:p>
-            <a:r>
-              <a:rPr lang="zh-CN" altLang="en-US" dirty="0"/>
-              <a:t>在嵌入式系统中，经过编译完成的二进制文件通常称为</a:t>
-            </a:r>
+          <a:bodyPr>
+            <a:normAutofit/>
+          </a:bodyPr>
+          <a:lstStyle/>
+          <a:p>
+            <a:r>
+              <a:rPr lang="zh-CN" altLang="en-US" dirty="0"/>
+              <a:t>引入</a:t>
+            </a:r>
+            <a:r>
+              <a:rPr lang="en-US" altLang="zh-CN" dirty="0"/>
+              <a:t>node-red</a:t>
+            </a:r>
+            <a:r>
+              <a:rPr lang="zh-CN" altLang="en-US" dirty="0"/>
+              <a:t>服务</a:t>
+            </a:r>
+            <a:endParaRPr lang="en-US" altLang="zh-CN" dirty="0"/>
+          </a:p>
+          <a:p>
+            <a:pPr lvl="1"/>
+            <a:r>
+              <a:rPr lang="en-US" altLang="zh-CN" dirty="0"/>
+              <a:t>Node-RED is a programming tool for wiring together hardware devices, APIs and online services in new and interesting ways. </a:t>
+            </a:r>
+          </a:p>
+          <a:p>
+            <a:pPr lvl="1"/>
+            <a:r>
+              <a:rPr lang="en-US" altLang="zh-CN" dirty="0"/>
+              <a:t>Node-RED </a:t>
+            </a:r>
+            <a:r>
+              <a:rPr lang="zh-CN" altLang="en-US" dirty="0"/>
+              <a:t>是一种编程工具，用于以新颖有趣的方式将硬件设备、</a:t>
+            </a:r>
+            <a:r>
+              <a:rPr lang="en-US" altLang="zh-CN" dirty="0"/>
+              <a:t>API </a:t>
+            </a:r>
+            <a:r>
+              <a:rPr lang="zh-CN" altLang="en-US" dirty="0"/>
+              <a:t>和在线服务连接在一起。</a:t>
+            </a:r>
+            <a:endParaRPr lang="en-US" altLang="zh-CN" dirty="0"/>
+          </a:p>
+          <a:p>
+            <a:pPr lvl="1"/>
+            <a:r>
+              <a:rPr lang="en-US" altLang="zh-CN" dirty="0"/>
+              <a:t>It provides a browser-based editor that makes it easy to wire together flows using the wide range of nodes in the palette that can be deployed to its runtime in a single-click.</a:t>
+            </a:r>
+          </a:p>
+          <a:p>
+            <a:pPr lvl="1"/>
+            <a:r>
+              <a:rPr lang="zh-CN" altLang="en-US" dirty="0"/>
+              <a:t>它提供了一个基于浏览器的编辑器，可以使用面板中的各种节点轻松地将流连接在一起，只需单击一下即可将其部署到其运行时。</a:t>
+            </a:r>
+            <a:endParaRPr lang="en-US" altLang="zh-CN" dirty="0"/>
+          </a:p>
+          <a:p>
+            <a:pPr lvl="1"/>
             <a:r>
               <a:rPr lang="zh-CN" altLang="en-US" dirty="0">
                 <a:solidFill>
                   <a:srgbClr val="FF0000"/>
                 </a:solidFill>
               </a:rPr>
-              <a:t>固件（</a:t>
-            </a:r>
-            <a:r>
-              <a:rPr lang="en-US" altLang="zh-CN" dirty="0">
-                <a:solidFill>
-                  <a:srgbClr val="FF0000"/>
-                </a:solidFill>
-              </a:rPr>
-              <a:t>firmware</a:t>
-            </a:r>
-            <a:r>
-              <a:rPr lang="zh-CN" altLang="en-US" dirty="0">
-                <a:solidFill>
-                  <a:srgbClr val="FF0000"/>
-                </a:solidFill>
-              </a:rPr>
-              <a:t>）或可执行文件</a:t>
-            </a:r>
-            <a:r>
-              <a:rPr lang="zh-CN" altLang="en-US" dirty="0"/>
-              <a:t>。这些文件包含了对硬件设备进行控制和操作所需的机器指令、数据和配置信息。在一些情况下，这些二进制文件也可以被称为</a:t>
-            </a:r>
-            <a:r>
-              <a:rPr lang="zh-CN" altLang="en-US" dirty="0">
-                <a:solidFill>
-                  <a:srgbClr val="FF0000"/>
-                </a:solidFill>
-              </a:rPr>
-              <a:t>可执行二进制文件</a:t>
-            </a:r>
-            <a:r>
-              <a:rPr lang="zh-CN" altLang="en-US" dirty="0"/>
-              <a:t>（</a:t>
-            </a:r>
-            <a:r>
-              <a:rPr lang="en-US" altLang="zh-CN" dirty="0"/>
-              <a:t>executable binary</a:t>
-            </a:r>
-            <a:r>
-              <a:rPr lang="zh-CN" altLang="en-US" dirty="0"/>
-              <a:t>）。</a:t>
-            </a:r>
-            <a:endParaRPr lang="en-US" altLang="zh-CN" dirty="0"/>
-          </a:p>
-          <a:p>
-            <a:endParaRPr lang="zh-CN" altLang="en-US" dirty="0"/>
+              <a:t>低代码开发</a:t>
+            </a:r>
+            <a:endParaRPr lang="en-US" altLang="zh-CN" dirty="0">
+              <a:solidFill>
+                <a:srgbClr val="FF0000"/>
+              </a:solidFill>
+            </a:endParaRPr>
           </a:p>
         </p:txBody>
       </p:sp>
     </p:spTree>
     <p:extLst>
       <p:ext uri="{BB962C8B-B14F-4D97-AF65-F5344CB8AC3E}">
-        <p14:creationId xmlns:p14="http://schemas.microsoft.com/office/powerpoint/2010/main" val="800215690"/>
+        <p14:creationId xmlns:p14="http://schemas.microsoft.com/office/powerpoint/2010/main" val="2378840312"/>
       </p:ext>
     </p:extLst>
   </p:cSld>
@@ -5080,35 +3647,54 @@
           <a:bodyPr/>
           <a:lstStyle/>
           <a:p>
-            <a:endParaRPr lang="zh-CN" altLang="en-US"/>
-          </a:p>
-        </p:txBody>
-      </p:sp>
-      <p:sp>
-        <p:nvSpPr>
-          <p:cNvPr id="3" name="内容占位符 2">
-            <a:extLst>
-              <a:ext uri="{FF2B5EF4-FFF2-40B4-BE49-F238E27FC236}">
-                <a16:creationId xmlns:a16="http://schemas.microsoft.com/office/drawing/2014/main" id="{61DE26D1-D4FB-1279-4844-DE49AC5B708B}"/>
-              </a:ext>
-            </a:extLst>
-          </p:cNvPr>
-          <p:cNvSpPr>
-            <a:spLocks noGrp="1"/>
-          </p:cNvSpPr>
-          <p:nvPr>
-            <p:ph idx="1"/>
-          </p:nvPr>
-        </p:nvSpPr>
-        <p:spPr/>
-        <p:txBody>
-          <a:bodyPr/>
-          <a:lstStyle/>
-          <a:p>
-            <a:endParaRPr lang="zh-CN" altLang="en-US"/>
-          </a:p>
-        </p:txBody>
-      </p:sp>
+            <a:r>
+              <a:rPr lang="zh-CN" altLang="en-US" dirty="0"/>
+              <a:t>版本</a:t>
+            </a:r>
+            <a:r>
+              <a:rPr lang="en-US" altLang="zh-CN" dirty="0"/>
+              <a:t>3.0</a:t>
+            </a:r>
+            <a:endParaRPr lang="zh-CN" altLang="en-US" dirty="0"/>
+          </a:p>
+        </p:txBody>
+      </p:sp>
+      <p:pic>
+        <p:nvPicPr>
+          <p:cNvPr id="10" name="图片 9">
+            <a:extLst>
+              <a:ext uri="{FF2B5EF4-FFF2-40B4-BE49-F238E27FC236}">
+                <a16:creationId xmlns:a16="http://schemas.microsoft.com/office/drawing/2014/main" id="{60F29B53-2E1E-6882-08AF-CF7A2FEE2FAF}"/>
+              </a:ext>
+            </a:extLst>
+          </p:cNvPr>
+          <p:cNvPicPr>
+            <a:picLocks noChangeAspect="1"/>
+          </p:cNvPicPr>
+          <p:nvPr/>
+        </p:nvPicPr>
+        <p:blipFill>
+          <a:blip r:embed="rId2">
+            <a:extLst>
+              <a:ext uri="{28A0092B-C50C-407E-A947-70E740481C1C}">
+                <a14:useLocalDpi xmlns:a14="http://schemas.microsoft.com/office/drawing/2010/main" val="0"/>
+              </a:ext>
+            </a:extLst>
+          </a:blip>
+          <a:stretch>
+            <a:fillRect/>
+          </a:stretch>
+        </p:blipFill>
+        <p:spPr>
+          <a:xfrm>
+            <a:off x="1056000" y="1691322"/>
+            <a:ext cx="10080000" cy="4512137"/>
+          </a:xfrm>
+          <a:prstGeom prst="rect">
+            <a:avLst/>
+          </a:prstGeom>
+        </p:spPr>
+      </p:pic>
     </p:spTree>
     <p:extLst>
       <p:ext uri="{BB962C8B-B14F-4D97-AF65-F5344CB8AC3E}">
@@ -5141,10 +3727,10 @@
       </p:grpSpPr>
       <p:sp>
         <p:nvSpPr>
-          <p:cNvPr id="2" name="标题 1">
-            <a:extLst>
-              <a:ext uri="{FF2B5EF4-FFF2-40B4-BE49-F238E27FC236}">
-                <a16:creationId xmlns:a16="http://schemas.microsoft.com/office/drawing/2014/main" id="{52ED8034-5BD9-3538-A63A-FCD25845EB31}"/>
+          <p:cNvPr id="4" name="标题 3">
+            <a:extLst>
+              <a:ext uri="{FF2B5EF4-FFF2-40B4-BE49-F238E27FC236}">
+                <a16:creationId xmlns:a16="http://schemas.microsoft.com/office/drawing/2014/main" id="{EBA520A8-77FE-C059-3F07-BC0FFA2E3697}"/>
               </a:ext>
             </a:extLst>
           </p:cNvPr>
@@ -5157,57 +3743,108 @@
         </p:nvSpPr>
         <p:spPr/>
         <p:txBody>
-          <a:bodyPr>
-            <a:normAutofit/>
-          </a:bodyPr>
-          <a:lstStyle/>
-          <a:p>
-            <a:r>
-              <a:rPr lang="zh-CN" altLang="en-US" dirty="0"/>
-              <a:t>目前依旧存在的问题及后续改进方向</a:t>
-            </a:r>
-          </a:p>
-        </p:txBody>
-      </p:sp>
-      <p:sp>
-        <p:nvSpPr>
-          <p:cNvPr id="3" name="内容占位符 2">
-            <a:extLst>
-              <a:ext uri="{FF2B5EF4-FFF2-40B4-BE49-F238E27FC236}">
-                <a16:creationId xmlns:a16="http://schemas.microsoft.com/office/drawing/2014/main" id="{6FF093B8-B23B-C52E-2EBA-62EBBEA30EC7}"/>
-              </a:ext>
-            </a:extLst>
-          </p:cNvPr>
-          <p:cNvSpPr>
-            <a:spLocks noGrp="1"/>
-          </p:cNvSpPr>
-          <p:nvPr>
-            <p:ph idx="1"/>
-          </p:nvPr>
-        </p:nvSpPr>
-        <p:spPr/>
-        <p:txBody>
-          <a:bodyPr/>
-          <a:lstStyle/>
-          <a:p>
-            <a:r>
-              <a:rPr lang="zh-CN" altLang="en-US" dirty="0"/>
-              <a:t>自动化触发条件不合理</a:t>
-            </a:r>
-            <a:endParaRPr lang="en-US" altLang="zh-CN" dirty="0"/>
-          </a:p>
-          <a:p>
-            <a:r>
-              <a:rPr lang="zh-CN" altLang="en-US" dirty="0"/>
-              <a:t>使用界面对用户不友好</a:t>
-            </a:r>
-          </a:p>
-        </p:txBody>
-      </p:sp>
+          <a:bodyPr/>
+          <a:lstStyle/>
+          <a:p>
+            <a:r>
+              <a:rPr lang="en-US" altLang="zh-CN" dirty="0"/>
+              <a:t>Gitlab-runner</a:t>
+            </a:r>
+            <a:r>
+              <a:rPr lang="zh-CN" altLang="en-US" dirty="0"/>
+              <a:t>和</a:t>
+            </a:r>
+            <a:r>
+              <a:rPr lang="en-US" altLang="zh-CN" dirty="0"/>
+              <a:t>node-red</a:t>
+            </a:r>
+            <a:r>
+              <a:rPr lang="zh-CN" altLang="en-US" dirty="0"/>
+              <a:t>交互流程</a:t>
+            </a:r>
+          </a:p>
+        </p:txBody>
+      </p:sp>
+      <p:sp>
+        <p:nvSpPr>
+          <p:cNvPr id="8" name="内容占位符 7">
+            <a:extLst>
+              <a:ext uri="{FF2B5EF4-FFF2-40B4-BE49-F238E27FC236}">
+                <a16:creationId xmlns:a16="http://schemas.microsoft.com/office/drawing/2014/main" id="{16439849-7C5C-11BA-B2AB-DF07980B5242}"/>
+              </a:ext>
+            </a:extLst>
+          </p:cNvPr>
+          <p:cNvSpPr>
+            <a:spLocks noGrp="1"/>
+          </p:cNvSpPr>
+          <p:nvPr>
+            <p:ph sz="half" idx="2"/>
+          </p:nvPr>
+        </p:nvSpPr>
+        <p:spPr/>
+        <p:txBody>
+          <a:bodyPr/>
+          <a:lstStyle/>
+          <a:p>
+            <a:r>
+              <a:rPr lang="en-US" altLang="zh-CN" dirty="0"/>
+              <a:t>Web</a:t>
+            </a:r>
+            <a:r>
+              <a:rPr lang="zh-CN" altLang="en-US" dirty="0"/>
+              <a:t>展示也是由</a:t>
+            </a:r>
+            <a:r>
+              <a:rPr lang="en-US" altLang="zh-CN" dirty="0"/>
+              <a:t>node-red</a:t>
+            </a:r>
+            <a:r>
+              <a:rPr lang="zh-CN" altLang="en-US" dirty="0"/>
+              <a:t>实现</a:t>
+            </a:r>
+          </a:p>
+        </p:txBody>
+      </p:sp>
+      <p:pic>
+        <p:nvPicPr>
+          <p:cNvPr id="7" name="图片 6">
+            <a:extLst>
+              <a:ext uri="{FF2B5EF4-FFF2-40B4-BE49-F238E27FC236}">
+                <a16:creationId xmlns:a16="http://schemas.microsoft.com/office/drawing/2014/main" id="{2DEEF70F-FBBA-1F95-E4CE-9C0373498C1E}"/>
+              </a:ext>
+            </a:extLst>
+          </p:cNvPr>
+          <p:cNvPicPr>
+            <a:picLocks noChangeAspect="1"/>
+          </p:cNvPicPr>
+          <p:nvPr/>
+        </p:nvPicPr>
+        <p:blipFill>
+          <a:blip r:embed="rId2">
+            <a:extLst>
+              <a:ext uri="{28A0092B-C50C-407E-A947-70E740481C1C}">
+                <a14:useLocalDpi xmlns:a14="http://schemas.microsoft.com/office/drawing/2010/main" val="0"/>
+              </a:ext>
+            </a:extLst>
+          </a:blip>
+          <a:stretch>
+            <a:fillRect/>
+          </a:stretch>
+        </p:blipFill>
+        <p:spPr>
+          <a:xfrm>
+            <a:off x="845127" y="1691322"/>
+            <a:ext cx="7280874" cy="5040000"/>
+          </a:xfrm>
+          <a:prstGeom prst="rect">
+            <a:avLst/>
+          </a:prstGeom>
+        </p:spPr>
+      </p:pic>
     </p:spTree>
     <p:extLst>
       <p:ext uri="{BB962C8B-B14F-4D97-AF65-F5344CB8AC3E}">
-        <p14:creationId xmlns:p14="http://schemas.microsoft.com/office/powerpoint/2010/main" val="3922311035"/>
+        <p14:creationId xmlns:p14="http://schemas.microsoft.com/office/powerpoint/2010/main" val="4272811070"/>
       </p:ext>
     </p:extLst>
   </p:cSld>
@@ -5239,6 +3876,101 @@
           <p:cNvPr id="2" name="标题 1">
             <a:extLst>
               <a:ext uri="{FF2B5EF4-FFF2-40B4-BE49-F238E27FC236}">
+                <a16:creationId xmlns:a16="http://schemas.microsoft.com/office/drawing/2014/main" id="{52ED8034-5BD9-3538-A63A-FCD25845EB31}"/>
+              </a:ext>
+            </a:extLst>
+          </p:cNvPr>
+          <p:cNvSpPr>
+            <a:spLocks noGrp="1"/>
+          </p:cNvSpPr>
+          <p:nvPr>
+            <p:ph type="title"/>
+          </p:nvPr>
+        </p:nvSpPr>
+        <p:spPr/>
+        <p:txBody>
+          <a:bodyPr>
+            <a:normAutofit/>
+          </a:bodyPr>
+          <a:lstStyle/>
+          <a:p>
+            <a:r>
+              <a:rPr lang="zh-CN" altLang="en-US" dirty="0"/>
+              <a:t>目前依旧存在的问题及后续改进方向</a:t>
+            </a:r>
+          </a:p>
+        </p:txBody>
+      </p:sp>
+      <p:sp>
+        <p:nvSpPr>
+          <p:cNvPr id="3" name="内容占位符 2">
+            <a:extLst>
+              <a:ext uri="{FF2B5EF4-FFF2-40B4-BE49-F238E27FC236}">
+                <a16:creationId xmlns:a16="http://schemas.microsoft.com/office/drawing/2014/main" id="{6FF093B8-B23B-C52E-2EBA-62EBBEA30EC7}"/>
+              </a:ext>
+            </a:extLst>
+          </p:cNvPr>
+          <p:cNvSpPr>
+            <a:spLocks noGrp="1"/>
+          </p:cNvSpPr>
+          <p:nvPr>
+            <p:ph idx="1"/>
+          </p:nvPr>
+        </p:nvSpPr>
+        <p:spPr/>
+        <p:txBody>
+          <a:bodyPr/>
+          <a:lstStyle/>
+          <a:p>
+            <a:r>
+              <a:rPr lang="zh-CN" altLang="en-US" dirty="0"/>
+              <a:t>自动化触发条件不合理</a:t>
+            </a:r>
+            <a:endParaRPr lang="en-US" altLang="zh-CN" dirty="0"/>
+          </a:p>
+          <a:p>
+            <a:r>
+              <a:rPr lang="zh-CN" altLang="en-US" dirty="0"/>
+              <a:t>使用界面对用户不友好</a:t>
+            </a:r>
+          </a:p>
+        </p:txBody>
+      </p:sp>
+    </p:spTree>
+    <p:extLst>
+      <p:ext uri="{BB962C8B-B14F-4D97-AF65-F5344CB8AC3E}">
+        <p14:creationId xmlns:p14="http://schemas.microsoft.com/office/powerpoint/2010/main" val="3922311035"/>
+      </p:ext>
+    </p:extLst>
+  </p:cSld>
+  <p:clrMapOvr>
+    <a:masterClrMapping/>
+  </p:clrMapOvr>
+</p:sld>
+</file>
+
+<file path=ppt/slides/slide25.xml><?xml version="1.0" encoding="utf-8"?>
+<p:sld xmlns:a="http://schemas.openxmlformats.org/drawingml/2006/main" xmlns:r="http://schemas.openxmlformats.org/officeDocument/2006/relationships" xmlns:p="http://schemas.openxmlformats.org/presentationml/2006/main">
+  <p:cSld>
+    <p:spTree>
+      <p:nvGrpSpPr>
+        <p:cNvPr id="1" name=""/>
+        <p:cNvGrpSpPr/>
+        <p:nvPr/>
+      </p:nvGrpSpPr>
+      <p:grpSpPr>
+        <a:xfrm>
+          <a:off x="0" y="0"/>
+          <a:ext cx="0" cy="0"/>
+          <a:chOff x="0" y="0"/>
+          <a:chExt cx="0" cy="0"/>
+        </a:xfrm>
+      </p:grpSpPr>
+      <p:sp>
+        <p:nvSpPr>
+          <p:cNvPr id="2" name="标题 1">
+            <a:extLst>
+              <a:ext uri="{FF2B5EF4-FFF2-40B4-BE49-F238E27FC236}">
                 <a16:creationId xmlns:a16="http://schemas.microsoft.com/office/drawing/2014/main" id="{E7405600-69A9-B79C-6BD4-A7DE184D730C}"/>
               </a:ext>
             </a:extLst>
@@ -5255,35 +3987,49 @@
           <a:bodyPr/>
           <a:lstStyle/>
           <a:p>
-            <a:endParaRPr lang="zh-CN" altLang="en-US"/>
-          </a:p>
-        </p:txBody>
-      </p:sp>
-      <p:sp>
-        <p:nvSpPr>
-          <p:cNvPr id="3" name="内容占位符 2">
-            <a:extLst>
-              <a:ext uri="{FF2B5EF4-FFF2-40B4-BE49-F238E27FC236}">
-                <a16:creationId xmlns:a16="http://schemas.microsoft.com/office/drawing/2014/main" id="{194A7232-C118-CC5D-7EFA-DDF611E1A298}"/>
-              </a:ext>
-            </a:extLst>
-          </p:cNvPr>
-          <p:cNvSpPr>
-            <a:spLocks noGrp="1"/>
-          </p:cNvSpPr>
-          <p:nvPr>
-            <p:ph idx="1"/>
-          </p:nvPr>
-        </p:nvSpPr>
-        <p:spPr/>
-        <p:txBody>
-          <a:bodyPr/>
-          <a:lstStyle/>
-          <a:p>
-            <a:endParaRPr lang="zh-CN" altLang="en-US"/>
-          </a:p>
-        </p:txBody>
-      </p:sp>
+            <a:r>
+              <a:rPr lang="zh-CN" altLang="en-US" dirty="0"/>
+              <a:t>后续版本</a:t>
+            </a:r>
+          </a:p>
+        </p:txBody>
+      </p:sp>
+      <p:pic>
+        <p:nvPicPr>
+          <p:cNvPr id="5" name="图片 4">
+            <a:extLst>
+              <a:ext uri="{FF2B5EF4-FFF2-40B4-BE49-F238E27FC236}">
+                <a16:creationId xmlns:a16="http://schemas.microsoft.com/office/drawing/2014/main" id="{603DA685-6DCD-A3D9-871C-7986ED50F8B9}"/>
+              </a:ext>
+            </a:extLst>
+          </p:cNvPr>
+          <p:cNvPicPr>
+            <a:picLocks noChangeAspect="1"/>
+          </p:cNvPicPr>
+          <p:nvPr/>
+        </p:nvPicPr>
+        <p:blipFill>
+          <a:blip r:embed="rId2">
+            <a:extLst>
+              <a:ext uri="{28A0092B-C50C-407E-A947-70E740481C1C}">
+                <a14:useLocalDpi xmlns:a14="http://schemas.microsoft.com/office/drawing/2010/main" val="0"/>
+              </a:ext>
+            </a:extLst>
+          </a:blip>
+          <a:stretch>
+            <a:fillRect/>
+          </a:stretch>
+        </p:blipFill>
+        <p:spPr>
+          <a:xfrm>
+            <a:off x="696000" y="1691322"/>
+            <a:ext cx="10800000" cy="4396086"/>
+          </a:xfrm>
+          <a:prstGeom prst="rect">
+            <a:avLst/>
+          </a:prstGeom>
+        </p:spPr>
+      </p:pic>
     </p:spTree>
     <p:extLst>
       <p:ext uri="{BB962C8B-B14F-4D97-AF65-F5344CB8AC3E}">
@@ -5297,7 +4043,7 @@
 </p:sld>
 </file>
 
-<file path=ppt/slides/slide25.xml><?xml version="1.0" encoding="utf-8"?>
+<file path=ppt/slides/slide26.xml><?xml version="1.0" encoding="utf-8"?>
 <p:sld xmlns:a="http://schemas.openxmlformats.org/drawingml/2006/main" xmlns:r="http://schemas.openxmlformats.org/officeDocument/2006/relationships" xmlns:p="http://schemas.openxmlformats.org/presentationml/2006/main">
   <p:cSld>
     <p:spTree>
@@ -5438,10 +4184,10 @@
       </p:sp>
       <p:sp>
         <p:nvSpPr>
-          <p:cNvPr id="3" name="内容占位符 2">
-            <a:extLst>
-              <a:ext uri="{FF2B5EF4-FFF2-40B4-BE49-F238E27FC236}">
-                <a16:creationId xmlns:a16="http://schemas.microsoft.com/office/drawing/2014/main" id="{42DE4D8F-C9CA-AFD0-2B2C-914292FCC416}"/>
+          <p:cNvPr id="4" name="内容占位符 3">
+            <a:extLst>
+              <a:ext uri="{FF2B5EF4-FFF2-40B4-BE49-F238E27FC236}">
+                <a16:creationId xmlns:a16="http://schemas.microsoft.com/office/drawing/2014/main" id="{33285424-2D12-8FDF-D22D-10FAD0B76201}"/>
               </a:ext>
             </a:extLst>
           </p:cNvPr>
@@ -5457,7 +4203,89 @@
           <a:bodyPr/>
           <a:lstStyle/>
           <a:p>
-            <a:endParaRPr lang="zh-CN" altLang="en-US"/>
+            <a:r>
+              <a:rPr lang="zh-CN" altLang="en-US" dirty="0"/>
+              <a:t>设备驱动程序（英语：</a:t>
+            </a:r>
+            <a:r>
+              <a:rPr lang="en-US" altLang="zh-CN" dirty="0"/>
+              <a:t>device driver</a:t>
+            </a:r>
+            <a:r>
+              <a:rPr lang="zh-CN" altLang="en-US" dirty="0"/>
+              <a:t>），简称驱动程序（</a:t>
+            </a:r>
+            <a:r>
+              <a:rPr lang="en-US" altLang="zh-CN" dirty="0"/>
+              <a:t>driver</a:t>
+            </a:r>
+            <a:r>
+              <a:rPr lang="zh-CN" altLang="en-US" dirty="0"/>
+              <a:t>），是一个允许高阶（</a:t>
+            </a:r>
+            <a:r>
+              <a:rPr lang="en-US" altLang="zh-CN" dirty="0"/>
+              <a:t>High level</a:t>
+            </a:r>
+            <a:r>
+              <a:rPr lang="zh-CN" altLang="en-US" dirty="0"/>
+              <a:t>）电脑软件（</a:t>
+            </a:r>
+            <a:r>
+              <a:rPr lang="en-US" altLang="zh-CN" dirty="0"/>
+              <a:t>computer software</a:t>
+            </a:r>
+            <a:r>
+              <a:rPr lang="zh-CN" altLang="en-US" dirty="0"/>
+              <a:t>）与硬件（</a:t>
+            </a:r>
+            <a:r>
+              <a:rPr lang="en-US" altLang="zh-CN" dirty="0"/>
+              <a:t>hardware</a:t>
+            </a:r>
+            <a:r>
+              <a:rPr lang="zh-CN" altLang="en-US" dirty="0"/>
+              <a:t>）交互的程序，这种程序创建了一个硬件与硬件，或硬件与软件沟通的接口，经由主板上的总线（</a:t>
+            </a:r>
+            <a:r>
+              <a:rPr lang="en-US" altLang="zh-CN" dirty="0"/>
+              <a:t>bus</a:t>
+            </a:r>
+            <a:r>
+              <a:rPr lang="zh-CN" altLang="en-US" dirty="0"/>
+              <a:t>）或其它沟通子系统（</a:t>
+            </a:r>
+            <a:r>
+              <a:rPr lang="en-US" altLang="zh-CN" dirty="0"/>
+              <a:t>subsystem</a:t>
+            </a:r>
+            <a:r>
+              <a:rPr lang="zh-CN" altLang="en-US" dirty="0"/>
+              <a:t>）与硬件形成连接的机制，这样的机制使得硬件设备（</a:t>
+            </a:r>
+            <a:r>
+              <a:rPr lang="en-US" altLang="zh-CN" dirty="0"/>
+              <a:t>device</a:t>
+            </a:r>
+            <a:r>
+              <a:rPr lang="zh-CN" altLang="en-US" dirty="0"/>
+              <a:t>）上的资料交换成为可能。</a:t>
+            </a:r>
+            <a:endParaRPr lang="en-US" altLang="zh-CN" dirty="0"/>
+          </a:p>
+          <a:p>
+            <a:pPr marL="0" indent="0" algn="r">
+              <a:buNone/>
+            </a:pPr>
+            <a:r>
+              <a:rPr lang="en-US" altLang="zh-CN" dirty="0"/>
+              <a:t>------</a:t>
+            </a:r>
+            <a:r>
+              <a:rPr lang="en-US" altLang="zh-CN" dirty="0" err="1"/>
+              <a:t>wikipedia</a:t>
+            </a:r>
+            <a:endParaRPr lang="zh-CN" altLang="en-US" dirty="0"/>
           </a:p>
         </p:txBody>
       </p:sp>
@@ -5521,10 +4349,10 @@
       </p:sp>
       <p:sp>
         <p:nvSpPr>
-          <p:cNvPr id="3" name="内容占位符 2">
-            <a:extLst>
-              <a:ext uri="{FF2B5EF4-FFF2-40B4-BE49-F238E27FC236}">
-                <a16:creationId xmlns:a16="http://schemas.microsoft.com/office/drawing/2014/main" id="{13C18367-C808-5E48-B364-2FFF87E85CC4}"/>
+          <p:cNvPr id="4" name="内容占位符 3">
+            <a:extLst>
+              <a:ext uri="{FF2B5EF4-FFF2-40B4-BE49-F238E27FC236}">
+                <a16:creationId xmlns:a16="http://schemas.microsoft.com/office/drawing/2014/main" id="{21602640-E03B-7CD4-83F3-2ADA267528AE}"/>
               </a:ext>
             </a:extLst>
           </p:cNvPr>
@@ -5579,7 +4407,7 @@
           <p:cNvPr id="2" name="标题 1">
             <a:extLst>
               <a:ext uri="{FF2B5EF4-FFF2-40B4-BE49-F238E27FC236}">
-                <a16:creationId xmlns:a16="http://schemas.microsoft.com/office/drawing/2014/main" id="{5170BD6E-3AEF-BCEF-0684-819C5DBA4A28}"/>
+                <a16:creationId xmlns:a16="http://schemas.microsoft.com/office/drawing/2014/main" id="{4A363226-A8A6-FF27-BA3F-9A7BCC74F92C}"/>
               </a:ext>
             </a:extLst>
           </p:cNvPr>
@@ -5597,40 +4425,79 @@
           <a:p>
             <a:r>
               <a:rPr lang="zh-CN" altLang="en-US" dirty="0"/>
-              <a:t>驱动提供哪些东西</a:t>
-            </a:r>
-          </a:p>
-        </p:txBody>
-      </p:sp>
-      <p:sp>
-        <p:nvSpPr>
-          <p:cNvPr id="3" name="内容占位符 2">
-            <a:extLst>
-              <a:ext uri="{FF2B5EF4-FFF2-40B4-BE49-F238E27FC236}">
-                <a16:creationId xmlns:a16="http://schemas.microsoft.com/office/drawing/2014/main" id="{086F41A4-8032-4266-6EED-F83D04C7CF90}"/>
-              </a:ext>
-            </a:extLst>
-          </p:cNvPr>
-          <p:cNvSpPr>
-            <a:spLocks noGrp="1"/>
-          </p:cNvSpPr>
-          <p:nvPr>
-            <p:ph idx="1"/>
-          </p:nvPr>
-        </p:nvSpPr>
-        <p:spPr/>
-        <p:txBody>
-          <a:bodyPr/>
-          <a:lstStyle/>
-          <a:p>
-            <a:endParaRPr lang="zh-CN" altLang="en-US"/>
-          </a:p>
-        </p:txBody>
-      </p:sp>
+              <a:t>驱动位于工程中的位置</a:t>
+            </a:r>
+          </a:p>
+        </p:txBody>
+      </p:sp>
+      <p:sp>
+        <p:nvSpPr>
+          <p:cNvPr id="5" name="内容占位符 4">
+            <a:extLst>
+              <a:ext uri="{FF2B5EF4-FFF2-40B4-BE49-F238E27FC236}">
+                <a16:creationId xmlns:a16="http://schemas.microsoft.com/office/drawing/2014/main" id="{164EA73D-038F-4DDD-E797-83DDE1A0A506}"/>
+              </a:ext>
+            </a:extLst>
+          </p:cNvPr>
+          <p:cNvSpPr>
+            <a:spLocks noGrp="1"/>
+          </p:cNvSpPr>
+          <p:nvPr>
+            <p:ph sz="half" idx="2"/>
+          </p:nvPr>
+        </p:nvSpPr>
+        <p:spPr/>
+        <p:txBody>
+          <a:bodyPr/>
+          <a:lstStyle/>
+          <a:p>
+            <a:r>
+              <a:rPr lang="zh-CN" altLang="en-US" dirty="0"/>
+              <a:t>这里的上层应用可以是专门用于测试驱动所写的测试程序</a:t>
+            </a:r>
+          </a:p>
+        </p:txBody>
+      </p:sp>
+      <p:pic>
+        <p:nvPicPr>
+          <p:cNvPr id="7" name="图片 6">
+            <a:extLst>
+              <a:ext uri="{FF2B5EF4-FFF2-40B4-BE49-F238E27FC236}">
+                <a16:creationId xmlns:a16="http://schemas.microsoft.com/office/drawing/2014/main" id="{D20F0BC8-12C4-9737-7FA8-7B0FB4DE6986}"/>
+              </a:ext>
+            </a:extLst>
+          </p:cNvPr>
+          <p:cNvPicPr>
+            <a:picLocks noChangeAspect="1"/>
+          </p:cNvPicPr>
+          <p:nvPr/>
+        </p:nvPicPr>
+        <p:blipFill>
+          <a:blip r:embed="rId2">
+            <a:extLst>
+              <a:ext uri="{28A0092B-C50C-407E-A947-70E740481C1C}">
+                <a14:useLocalDpi xmlns:a14="http://schemas.microsoft.com/office/drawing/2010/main" val="0"/>
+              </a:ext>
+            </a:extLst>
+          </a:blip>
+          <a:stretch>
+            <a:fillRect/>
+          </a:stretch>
+        </p:blipFill>
+        <p:spPr>
+          <a:xfrm>
+            <a:off x="838200" y="1691322"/>
+            <a:ext cx="3387429" cy="4680000"/>
+          </a:xfrm>
+          <a:prstGeom prst="rect">
+            <a:avLst/>
+          </a:prstGeom>
+        </p:spPr>
+      </p:pic>
     </p:spTree>
     <p:extLst>
       <p:ext uri="{BB962C8B-B14F-4D97-AF65-F5344CB8AC3E}">
-        <p14:creationId xmlns:p14="http://schemas.microsoft.com/office/powerpoint/2010/main" val="1691335628"/>
+        <p14:creationId xmlns:p14="http://schemas.microsoft.com/office/powerpoint/2010/main" val="2629551209"/>
       </p:ext>
     </p:extLst>
   </p:cSld>
@@ -5662,7 +4529,7 @@
           <p:cNvPr id="2" name="标题 1">
             <a:extLst>
               <a:ext uri="{FF2B5EF4-FFF2-40B4-BE49-F238E27FC236}">
-                <a16:creationId xmlns:a16="http://schemas.microsoft.com/office/drawing/2014/main" id="{B15BD80E-385A-78C6-01BC-456C5F025AB4}"/>
+                <a16:creationId xmlns:a16="http://schemas.microsoft.com/office/drawing/2014/main" id="{5170BD6E-3AEF-BCEF-0684-819C5DBA4A28}"/>
               </a:ext>
             </a:extLst>
           </p:cNvPr>
@@ -5680,45 +4547,69 @@
           <a:p>
             <a:r>
               <a:rPr lang="zh-CN" altLang="en-US" dirty="0"/>
-              <a:t>驱动的</a:t>
-            </a:r>
+              <a:t>驱动提供哪些东西</a:t>
+            </a:r>
+          </a:p>
+        </p:txBody>
+      </p:sp>
+      <p:sp>
+        <p:nvSpPr>
+          <p:cNvPr id="4" name="内容占位符 3">
+            <a:extLst>
+              <a:ext uri="{FF2B5EF4-FFF2-40B4-BE49-F238E27FC236}">
+                <a16:creationId xmlns:a16="http://schemas.microsoft.com/office/drawing/2014/main" id="{E9F1CB38-B176-2D58-B2DA-EB82AF844035}"/>
+              </a:ext>
+            </a:extLst>
+          </p:cNvPr>
+          <p:cNvSpPr>
+            <a:spLocks noGrp="1"/>
+          </p:cNvSpPr>
+          <p:nvPr>
+            <p:ph idx="1"/>
+          </p:nvPr>
+        </p:nvSpPr>
+        <p:spPr/>
+        <p:txBody>
+          <a:bodyPr/>
+          <a:lstStyle/>
+          <a:p>
             <a:r>
               <a:rPr lang="en-US" altLang="zh-CN" dirty="0"/>
-              <a:t>test case</a:t>
-            </a:r>
-            <a:endParaRPr lang="zh-CN" altLang="en-US" dirty="0"/>
-          </a:p>
-        </p:txBody>
-      </p:sp>
-      <p:sp>
-        <p:nvSpPr>
-          <p:cNvPr id="3" name="内容占位符 2">
-            <a:extLst>
-              <a:ext uri="{FF2B5EF4-FFF2-40B4-BE49-F238E27FC236}">
-                <a16:creationId xmlns:a16="http://schemas.microsoft.com/office/drawing/2014/main" id="{2E401B0A-6886-9D55-2C15-E313792C0D23}"/>
-              </a:ext>
-            </a:extLst>
-          </p:cNvPr>
-          <p:cNvSpPr>
-            <a:spLocks noGrp="1"/>
-          </p:cNvSpPr>
-          <p:nvPr>
-            <p:ph idx="1"/>
-          </p:nvPr>
-        </p:nvSpPr>
-        <p:spPr/>
-        <p:txBody>
-          <a:bodyPr/>
-          <a:lstStyle/>
-          <a:p>
-            <a:endParaRPr lang="zh-CN" altLang="en-US"/>
+              <a:t>Flash</a:t>
+            </a:r>
+            <a:r>
+              <a:rPr lang="zh-CN" altLang="en-US" dirty="0"/>
+              <a:t>作用</a:t>
+            </a:r>
+            <a:endParaRPr lang="en-US" altLang="zh-CN" dirty="0"/>
+          </a:p>
+          <a:p>
+            <a:r>
+              <a:rPr lang="zh-CN" altLang="en-US" dirty="0"/>
+              <a:t>驱动提供的都是围绕特定</a:t>
+            </a:r>
+            <a:r>
+              <a:rPr lang="en-US" altLang="zh-CN" dirty="0"/>
+              <a:t>Flash</a:t>
+            </a:r>
+            <a:r>
+              <a:rPr lang="zh-CN" altLang="en-US" dirty="0"/>
+              <a:t>产品的特性</a:t>
+            </a:r>
+            <a:endParaRPr lang="en-US" altLang="zh-CN" dirty="0"/>
+          </a:p>
+          <a:p>
+            <a:r>
+              <a:rPr lang="zh-CN" altLang="en-US" dirty="0"/>
+              <a:t>代码展示</a:t>
+            </a:r>
           </a:p>
         </p:txBody>
       </p:sp>
     </p:spTree>
     <p:extLst>
       <p:ext uri="{BB962C8B-B14F-4D97-AF65-F5344CB8AC3E}">
-        <p14:creationId xmlns:p14="http://schemas.microsoft.com/office/powerpoint/2010/main" val="3404394878"/>
+        <p14:creationId xmlns:p14="http://schemas.microsoft.com/office/powerpoint/2010/main" val="1691335628"/>
       </p:ext>
     </p:extLst>
   </p:cSld>
@@ -5750,7 +4641,7 @@
           <p:cNvPr id="2" name="标题 1">
             <a:extLst>
               <a:ext uri="{FF2B5EF4-FFF2-40B4-BE49-F238E27FC236}">
-                <a16:creationId xmlns:a16="http://schemas.microsoft.com/office/drawing/2014/main" id="{4A363226-A8A6-FF27-BA3F-9A7BCC74F92C}"/>
+                <a16:creationId xmlns:a16="http://schemas.microsoft.com/office/drawing/2014/main" id="{B15BD80E-385A-78C6-01BC-456C5F025AB4}"/>
               </a:ext>
             </a:extLst>
           </p:cNvPr>
@@ -5768,17 +4659,17 @@
           <a:p>
             <a:r>
               <a:rPr lang="zh-CN" altLang="en-US" dirty="0"/>
-              <a:t>驱动位于工程中的位置</a:t>
-            </a:r>
-          </a:p>
-        </p:txBody>
-      </p:sp>
-      <p:sp>
-        <p:nvSpPr>
-          <p:cNvPr id="3" name="内容占位符 2">
-            <a:extLst>
-              <a:ext uri="{FF2B5EF4-FFF2-40B4-BE49-F238E27FC236}">
-                <a16:creationId xmlns:a16="http://schemas.microsoft.com/office/drawing/2014/main" id="{831FDC2E-4BD5-4B0C-C370-4FBCC2D26F5F}"/>
+              <a:t>驱动测试</a:t>
+            </a:r>
+          </a:p>
+        </p:txBody>
+      </p:sp>
+      <p:sp>
+        <p:nvSpPr>
+          <p:cNvPr id="4" name="内容占位符 3">
+            <a:extLst>
+              <a:ext uri="{FF2B5EF4-FFF2-40B4-BE49-F238E27FC236}">
+                <a16:creationId xmlns:a16="http://schemas.microsoft.com/office/drawing/2014/main" id="{C5F68F08-7F46-8F2B-36BB-D482A8DEE1CB}"/>
               </a:ext>
             </a:extLst>
           </p:cNvPr>
@@ -5794,14 +4685,24 @@
           <a:bodyPr/>
           <a:lstStyle/>
           <a:p>
-            <a:endParaRPr lang="zh-CN" altLang="en-US"/>
+            <a:r>
+              <a:rPr lang="zh-CN" altLang="en-US" dirty="0"/>
+              <a:t>围绕这些特性进行的测试</a:t>
+            </a:r>
+            <a:endParaRPr lang="en-US" altLang="zh-CN" dirty="0"/>
+          </a:p>
+          <a:p>
+            <a:r>
+              <a:rPr lang="zh-CN" altLang="en-US" dirty="0"/>
+              <a:t>代码展示</a:t>
+            </a:r>
           </a:p>
         </p:txBody>
       </p:sp>
     </p:spTree>
     <p:extLst>
       <p:ext uri="{BB962C8B-B14F-4D97-AF65-F5344CB8AC3E}">
-        <p14:creationId xmlns:p14="http://schemas.microsoft.com/office/powerpoint/2010/main" val="2629551209"/>
+        <p14:creationId xmlns:p14="http://schemas.microsoft.com/office/powerpoint/2010/main" val="3404394878"/>
       </p:ext>
     </p:extLst>
   </p:cSld>
@@ -5833,7 +4734,7 @@
           <p:cNvPr id="2" name="标题 1">
             <a:extLst>
               <a:ext uri="{FF2B5EF4-FFF2-40B4-BE49-F238E27FC236}">
-                <a16:creationId xmlns:a16="http://schemas.microsoft.com/office/drawing/2014/main" id="{175165CF-8AD8-D4BC-5D7E-69787293574B}"/>
+                <a16:creationId xmlns:a16="http://schemas.microsoft.com/office/drawing/2014/main" id="{CAB10CD6-FE05-0AEE-BEFB-6D9B9DA9145D}"/>
               </a:ext>
             </a:extLst>
           </p:cNvPr>
@@ -5846,12 +4747,14 @@
         </p:nvSpPr>
         <p:spPr/>
         <p:txBody>
-          <a:bodyPr/>
-          <a:lstStyle/>
-          <a:p>
-            <a:r>
-              <a:rPr lang="zh-CN" altLang="en-US" dirty="0"/>
-              <a:t>驱动阵列</a:t>
+          <a:bodyPr>
+            <a:normAutofit/>
+          </a:bodyPr>
+          <a:lstStyle/>
+          <a:p>
+            <a:r>
+              <a:rPr lang="zh-CN" altLang="en-US" dirty="0"/>
+              <a:t>常规驱动测试的步骤是怎样的？</a:t>
             </a:r>
           </a:p>
         </p:txBody>
@@ -5861,40 +4764,73 @@
           <p:cNvPr id="3" name="内容占位符 2">
             <a:extLst>
               <a:ext uri="{FF2B5EF4-FFF2-40B4-BE49-F238E27FC236}">
-                <a16:creationId xmlns:a16="http://schemas.microsoft.com/office/drawing/2014/main" id="{3E430966-C45E-591C-1A2C-00F3DA5FBEBE}"/>
-              </a:ext>
-            </a:extLst>
-          </p:cNvPr>
-          <p:cNvSpPr>
-            <a:spLocks noGrp="1"/>
-          </p:cNvSpPr>
-          <p:nvPr>
-            <p:ph idx="1"/>
-          </p:nvPr>
-        </p:nvSpPr>
-        <p:spPr>
-          <a:xfrm>
-            <a:off x="8734097" y="1828803"/>
-            <a:ext cx="2626630" cy="4351337"/>
-          </a:xfrm>
-        </p:spPr>
-        <p:txBody>
-          <a:bodyPr/>
-          <a:lstStyle/>
-          <a:p>
-            <a:r>
-              <a:rPr lang="zh-CN" altLang="en-US" dirty="0"/>
-              <a:t>后期可能的方向</a:t>
-            </a:r>
+                <a16:creationId xmlns:a16="http://schemas.microsoft.com/office/drawing/2014/main" id="{E5BBB27D-05D7-7AB9-C9A6-468BB23CF0BA}"/>
+              </a:ext>
+            </a:extLst>
+          </p:cNvPr>
+          <p:cNvSpPr>
+            <a:spLocks noGrp="1"/>
+          </p:cNvSpPr>
+          <p:nvPr>
+            <p:ph sz="half" idx="2"/>
+          </p:nvPr>
+        </p:nvSpPr>
+        <p:spPr/>
+        <p:txBody>
+          <a:bodyPr/>
+          <a:lstStyle/>
+          <a:p>
+            <a:r>
+              <a:rPr lang="en-US" altLang="zh-CN" dirty="0"/>
+              <a:t>1.</a:t>
+            </a:r>
+            <a:r>
+              <a:rPr lang="zh-CN" altLang="en-US" dirty="0"/>
+              <a:t>编译，连接</a:t>
+            </a:r>
+          </a:p>
+          <a:p>
+            <a:r>
+              <a:rPr lang="en-US" altLang="zh-CN" dirty="0"/>
+              <a:t>2.</a:t>
+            </a:r>
+            <a:r>
+              <a:rPr lang="zh-CN" altLang="en-US" dirty="0"/>
+              <a:t>烧录</a:t>
+            </a:r>
+          </a:p>
+          <a:p>
+            <a:r>
+              <a:rPr lang="en-US" altLang="zh-CN" dirty="0"/>
+              <a:t>3.</a:t>
+            </a:r>
+            <a:r>
+              <a:rPr lang="zh-CN" altLang="en-US" dirty="0"/>
+              <a:t>观察结果</a:t>
+            </a:r>
+            <a:endParaRPr lang="en-US" altLang="zh-CN" dirty="0"/>
+          </a:p>
+          <a:p>
+            <a:r>
+              <a:rPr lang="en-US" altLang="zh-CN" dirty="0"/>
+              <a:t>4.</a:t>
+            </a:r>
+            <a:r>
+              <a:rPr lang="zh-CN" altLang="en-US" dirty="0"/>
+              <a:t>记录</a:t>
+            </a:r>
+          </a:p>
+          <a:p>
+            <a:endParaRPr lang="zh-CN" altLang="en-US" dirty="0"/>
           </a:p>
         </p:txBody>
       </p:sp>
       <p:pic>
         <p:nvPicPr>
-          <p:cNvPr id="5" name="图片 4">
-            <a:extLst>
-              <a:ext uri="{FF2B5EF4-FFF2-40B4-BE49-F238E27FC236}">
-                <a16:creationId xmlns:a16="http://schemas.microsoft.com/office/drawing/2014/main" id="{201B2DC6-B806-9E8B-48AF-022088E7C485}"/>
+          <p:cNvPr id="4" name="内容占位符 8">
+            <a:extLst>
+              <a:ext uri="{FF2B5EF4-FFF2-40B4-BE49-F238E27FC236}">
+                <a16:creationId xmlns:a16="http://schemas.microsoft.com/office/drawing/2014/main" id="{A8579740-BC5D-9621-2448-7B09546E1964}"/>
               </a:ext>
             </a:extLst>
           </p:cNvPr>
@@ -5917,8 +4853,8 @@
         </p:blipFill>
         <p:spPr>
           <a:xfrm>
-            <a:off x="845127" y="2263916"/>
-            <a:ext cx="6369298" cy="2881950"/>
+            <a:off x="845127" y="1828803"/>
+            <a:ext cx="7200000" cy="4774139"/>
           </a:xfrm>
           <a:prstGeom prst="rect">
             <a:avLst/>
@@ -5928,7 +4864,7 @@
     </p:spTree>
     <p:extLst>
       <p:ext uri="{BB962C8B-B14F-4D97-AF65-F5344CB8AC3E}">
-        <p14:creationId xmlns:p14="http://schemas.microsoft.com/office/powerpoint/2010/main" val="2619773300"/>
+        <p14:creationId xmlns:p14="http://schemas.microsoft.com/office/powerpoint/2010/main" val="1410521587"/>
       </p:ext>
     </p:extLst>
   </p:cSld>
@@ -5960,7 +4896,7 @@
           <p:cNvPr id="2" name="标题 1">
             <a:extLst>
               <a:ext uri="{FF2B5EF4-FFF2-40B4-BE49-F238E27FC236}">
-                <a16:creationId xmlns:a16="http://schemas.microsoft.com/office/drawing/2014/main" id="{CAB10CD6-FE05-0AEE-BEFB-6D9B9DA9145D}"/>
+                <a16:creationId xmlns:a16="http://schemas.microsoft.com/office/drawing/2014/main" id="{D3C4DC28-5419-CF81-33E9-021F1BDD4389}"/>
               </a:ext>
             </a:extLst>
           </p:cNvPr>
@@ -5973,14 +4909,12 @@
         </p:nvSpPr>
         <p:spPr/>
         <p:txBody>
-          <a:bodyPr>
-            <a:normAutofit/>
-          </a:bodyPr>
-          <a:lstStyle/>
-          <a:p>
-            <a:r>
-              <a:rPr lang="zh-CN" altLang="en-US" dirty="0"/>
-              <a:t>常规驱动测试的步骤是怎样的？</a:t>
+          <a:bodyPr/>
+          <a:lstStyle/>
+          <a:p>
+            <a:r>
+              <a:rPr lang="zh-CN" altLang="en-US" dirty="0"/>
+              <a:t>常规驱动测试存在哪些不便？</a:t>
             </a:r>
           </a:p>
         </p:txBody>
@@ -5990,7 +4924,7 @@
           <p:cNvPr id="3" name="内容占位符 2">
             <a:extLst>
               <a:ext uri="{FF2B5EF4-FFF2-40B4-BE49-F238E27FC236}">
-                <a16:creationId xmlns:a16="http://schemas.microsoft.com/office/drawing/2014/main" id="{E5BBB27D-05D7-7AB9-C9A6-468BB23CF0BA}"/>
+                <a16:creationId xmlns:a16="http://schemas.microsoft.com/office/drawing/2014/main" id="{D5F643BE-9FBF-7D6E-B3C5-ABEFB3F5EB4A}"/>
               </a:ext>
             </a:extLst>
           </p:cNvPr>
@@ -6001,90 +4935,59 @@
             <p:ph idx="1"/>
           </p:nvPr>
         </p:nvSpPr>
-        <p:spPr>
-          <a:xfrm>
-            <a:off x="7680957" y="1775175"/>
-            <a:ext cx="3672840" cy="4351339"/>
-          </a:xfrm>
-        </p:spPr>
-        <p:txBody>
-          <a:bodyPr/>
-          <a:lstStyle/>
-          <a:p>
+        <p:spPr/>
+        <p:txBody>
+          <a:bodyPr/>
+          <a:lstStyle/>
+          <a:p>
+            <a:pPr marL="514338" indent="-514338">
+              <a:buFont typeface="+mj-lt"/>
+              <a:buAutoNum type="arabicPeriod"/>
+            </a:pPr>
+            <a:r>
+              <a:rPr lang="zh-CN" altLang="en-US" dirty="0"/>
+              <a:t>输出非标准化</a:t>
+            </a:r>
+            <a:endParaRPr lang="en-US" altLang="zh-CN" dirty="0"/>
+          </a:p>
+          <a:p>
+            <a:pPr marL="514338" indent="-514338">
+              <a:buFont typeface="+mj-lt"/>
+              <a:buAutoNum type="arabicPeriod"/>
+            </a:pPr>
+            <a:r>
+              <a:rPr lang="zh-CN" altLang="en-US" dirty="0"/>
+              <a:t>手动调试</a:t>
+            </a:r>
+            <a:endParaRPr lang="en-US" altLang="zh-CN" dirty="0"/>
+          </a:p>
+          <a:p>
+            <a:pPr marL="514338" indent="-514338">
+              <a:buFont typeface="+mj-lt"/>
+              <a:buAutoNum type="arabicPeriod"/>
+            </a:pPr>
+            <a:r>
+              <a:rPr lang="zh-CN" altLang="en-US" dirty="0"/>
+              <a:t>平台及软件的升级导致驱动无法使用，需要重新制作和测试</a:t>
+            </a:r>
+            <a:endParaRPr lang="en-US" altLang="zh-CN" dirty="0"/>
+          </a:p>
+          <a:p>
+            <a:pPr marL="514338" indent="-514338">
+              <a:buFont typeface="+mj-lt"/>
+              <a:buAutoNum type="arabicPeriod"/>
+            </a:pPr>
             <a:r>
               <a:rPr lang="en-US" altLang="zh-CN" dirty="0"/>
-              <a:t>1.</a:t>
-            </a:r>
-            <a:r>
-              <a:rPr lang="zh-CN" altLang="en-US" dirty="0"/>
-              <a:t>编译，连接</a:t>
-            </a:r>
-          </a:p>
-          <a:p>
-            <a:r>
-              <a:rPr lang="en-US" altLang="zh-CN" dirty="0"/>
-              <a:t>2.</a:t>
-            </a:r>
-            <a:r>
-              <a:rPr lang="zh-CN" altLang="en-US" dirty="0"/>
-              <a:t>烧录</a:t>
-            </a:r>
-          </a:p>
-          <a:p>
-            <a:r>
-              <a:rPr lang="en-US" altLang="zh-CN" dirty="0"/>
-              <a:t>3.</a:t>
-            </a:r>
-            <a:r>
-              <a:rPr lang="zh-CN" altLang="en-US" dirty="0"/>
-              <a:t>观察结果</a:t>
-            </a:r>
-          </a:p>
-          <a:p>
-            <a:endParaRPr lang="zh-CN" altLang="en-US" dirty="0"/>
-          </a:p>
-        </p:txBody>
-      </p:sp>
-      <p:pic>
-        <p:nvPicPr>
-          <p:cNvPr id="4" name="内容占位符 8">
-            <a:extLst>
-              <a:ext uri="{FF2B5EF4-FFF2-40B4-BE49-F238E27FC236}">
-                <a16:creationId xmlns:a16="http://schemas.microsoft.com/office/drawing/2014/main" id="{A8579740-BC5D-9621-2448-7B09546E1964}"/>
-              </a:ext>
-            </a:extLst>
-          </p:cNvPr>
-          <p:cNvPicPr>
-            <a:picLocks noChangeAspect="1"/>
-          </p:cNvPicPr>
-          <p:nvPr/>
-        </p:nvPicPr>
-        <p:blipFill>
-          <a:blip r:embed="rId2">
-            <a:extLst>
-              <a:ext uri="{28A0092B-C50C-407E-A947-70E740481C1C}">
-                <a14:useLocalDpi xmlns:a14="http://schemas.microsoft.com/office/drawing/2010/main" val="0"/>
-              </a:ext>
-            </a:extLst>
-          </a:blip>
-          <a:stretch>
-            <a:fillRect/>
-          </a:stretch>
-        </p:blipFill>
-        <p:spPr>
-          <a:xfrm>
-            <a:off x="838203" y="1775175"/>
-            <a:ext cx="6562364" cy="4351339"/>
-          </a:xfrm>
-          <a:prstGeom prst="rect">
-            <a:avLst/>
-          </a:prstGeom>
-        </p:spPr>
-      </p:pic>
+              <a:t>……</a:t>
+            </a:r>
+          </a:p>
+        </p:txBody>
+      </p:sp>
     </p:spTree>
     <p:extLst>
       <p:ext uri="{BB962C8B-B14F-4D97-AF65-F5344CB8AC3E}">
-        <p14:creationId xmlns:p14="http://schemas.microsoft.com/office/powerpoint/2010/main" val="1410521587"/>
+        <p14:creationId xmlns:p14="http://schemas.microsoft.com/office/powerpoint/2010/main" val="3509129830"/>
       </p:ext>
     </p:extLst>
   </p:cSld>

--- a/xianzheng.pptx
+++ b/xianzheng.pptx
@@ -8,28 +8,28 @@
     <p:sldId id="256" r:id="rId2"/>
     <p:sldId id="257" r:id="rId3"/>
     <p:sldId id="294" r:id="rId4"/>
-    <p:sldId id="275" r:id="rId5"/>
+    <p:sldId id="272" r:id="rId5"/>
     <p:sldId id="281" r:id="rId6"/>
-    <p:sldId id="272" r:id="rId7"/>
-    <p:sldId id="295" r:id="rId8"/>
-    <p:sldId id="290" r:id="rId9"/>
-    <p:sldId id="282" r:id="rId10"/>
-    <p:sldId id="297" r:id="rId11"/>
-    <p:sldId id="283" r:id="rId12"/>
+    <p:sldId id="295" r:id="rId7"/>
+    <p:sldId id="290" r:id="rId8"/>
+    <p:sldId id="282" r:id="rId9"/>
+    <p:sldId id="297" r:id="rId10"/>
+    <p:sldId id="283" r:id="rId11"/>
+    <p:sldId id="288" r:id="rId12"/>
     <p:sldId id="287" r:id="rId13"/>
-    <p:sldId id="288" r:id="rId14"/>
-    <p:sldId id="277" r:id="rId15"/>
-    <p:sldId id="289" r:id="rId16"/>
-    <p:sldId id="291" r:id="rId17"/>
-    <p:sldId id="285" r:id="rId18"/>
-    <p:sldId id="293" r:id="rId19"/>
-    <p:sldId id="292" r:id="rId20"/>
-    <p:sldId id="296" r:id="rId21"/>
-    <p:sldId id="286" r:id="rId22"/>
-    <p:sldId id="278" r:id="rId23"/>
-    <p:sldId id="298" r:id="rId24"/>
-    <p:sldId id="279" r:id="rId25"/>
-    <p:sldId id="280" r:id="rId26"/>
+    <p:sldId id="277" r:id="rId14"/>
+    <p:sldId id="289" r:id="rId15"/>
+    <p:sldId id="291" r:id="rId16"/>
+    <p:sldId id="285" r:id="rId17"/>
+    <p:sldId id="293" r:id="rId18"/>
+    <p:sldId id="292" r:id="rId19"/>
+    <p:sldId id="296" r:id="rId20"/>
+    <p:sldId id="286" r:id="rId21"/>
+    <p:sldId id="278" r:id="rId22"/>
+    <p:sldId id="298" r:id="rId23"/>
+    <p:sldId id="279" r:id="rId24"/>
+    <p:sldId id="280" r:id="rId25"/>
+    <p:sldId id="299" r:id="rId26"/>
     <p:sldId id="265" r:id="rId27"/>
   </p:sldIdLst>
   <p:sldSz cx="12192000" cy="6858000"/>
@@ -290,7 +290,7 @@
           <a:p>
             <a:fld id="{ECE90DBC-198A-4951-981A-CD336A3DC4A3}" type="datetimeFigureOut">
               <a:rPr lang="zh-CN" altLang="en-US" smtClean="0"/>
-              <a:t>2024/3/15</a:t>
+              <a:t>2024/3/16</a:t>
             </a:fld>
             <a:endParaRPr lang="zh-CN" altLang="en-US"/>
           </a:p>
@@ -460,7 +460,7 @@
           <a:p>
             <a:fld id="{ECE90DBC-198A-4951-981A-CD336A3DC4A3}" type="datetimeFigureOut">
               <a:rPr lang="zh-CN" altLang="en-US" smtClean="0"/>
-              <a:t>2024/3/15</a:t>
+              <a:t>2024/3/16</a:t>
             </a:fld>
             <a:endParaRPr lang="zh-CN" altLang="en-US"/>
           </a:p>
@@ -692,7 +692,7 @@
           <a:p>
             <a:fld id="{ECE90DBC-198A-4951-981A-CD336A3DC4A3}" type="datetimeFigureOut">
               <a:rPr lang="zh-CN" altLang="en-US" smtClean="0"/>
-              <a:t>2024/3/15</a:t>
+              <a:t>2024/3/16</a:t>
             </a:fld>
             <a:endParaRPr lang="zh-CN" altLang="en-US"/>
           </a:p>
@@ -867,7 +867,7 @@
           <a:p>
             <a:fld id="{ECE90DBC-198A-4951-981A-CD336A3DC4A3}" type="datetimeFigureOut">
               <a:rPr lang="zh-CN" altLang="en-US" smtClean="0"/>
-              <a:t>2024/3/15</a:t>
+              <a:t>2024/3/16</a:t>
             </a:fld>
             <a:endParaRPr lang="zh-CN" altLang="en-US"/>
           </a:p>
@@ -1081,7 +1081,7 @@
           <a:p>
             <a:fld id="{ECE90DBC-198A-4951-981A-CD336A3DC4A3}" type="datetimeFigureOut">
               <a:rPr lang="zh-CN" altLang="en-US" smtClean="0"/>
-              <a:t>2024/3/15</a:t>
+              <a:t>2024/3/16</a:t>
             </a:fld>
             <a:endParaRPr lang="zh-CN" altLang="en-US"/>
           </a:p>
@@ -1563,10 +1563,10 @@
       </p:grpSpPr>
       <p:sp>
         <p:nvSpPr>
-          <p:cNvPr id="4" name="标题 3">
-            <a:extLst>
-              <a:ext uri="{FF2B5EF4-FFF2-40B4-BE49-F238E27FC236}">
-                <a16:creationId xmlns:a16="http://schemas.microsoft.com/office/drawing/2014/main" id="{E4708075-35D0-6623-34B1-486A7A3F35F0}"/>
+          <p:cNvPr id="2" name="标题 1">
+            <a:extLst>
+              <a:ext uri="{FF2B5EF4-FFF2-40B4-BE49-F238E27FC236}">
+                <a16:creationId xmlns:a16="http://schemas.microsoft.com/office/drawing/2014/main" id="{1FD22590-E417-D28C-EAC1-AA39D07E1EC8}"/>
               </a:ext>
             </a:extLst>
           </p:cNvPr>
@@ -1579,22 +1579,24 @@
         </p:nvSpPr>
         <p:spPr/>
         <p:txBody>
-          <a:bodyPr/>
-          <a:lstStyle/>
-          <a:p>
-            <a:r>
-              <a:rPr lang="zh-CN" altLang="en-US" dirty="0"/>
-              <a:t>产生非标准化的原因</a:t>
-            </a:r>
-          </a:p>
-        </p:txBody>
-      </p:sp>
-      <p:sp>
-        <p:nvSpPr>
-          <p:cNvPr id="5" name="内容占位符 4">
-            <a:extLst>
-              <a:ext uri="{FF2B5EF4-FFF2-40B4-BE49-F238E27FC236}">
-                <a16:creationId xmlns:a16="http://schemas.microsoft.com/office/drawing/2014/main" id="{4D400207-5426-9B59-20A5-F0EE7CAA5D34}"/>
+          <a:bodyPr>
+            <a:normAutofit/>
+          </a:bodyPr>
+          <a:lstStyle/>
+          <a:p>
+            <a:r>
+              <a:rPr lang="zh-CN" altLang="en-US" dirty="0"/>
+              <a:t>关于输出非标准化是怎样解决的？</a:t>
+            </a:r>
+          </a:p>
+        </p:txBody>
+      </p:sp>
+      <p:sp>
+        <p:nvSpPr>
+          <p:cNvPr id="3" name="内容占位符 2">
+            <a:extLst>
+              <a:ext uri="{FF2B5EF4-FFF2-40B4-BE49-F238E27FC236}">
+                <a16:creationId xmlns:a16="http://schemas.microsoft.com/office/drawing/2014/main" id="{FEC21398-C4E5-2FBF-EBE6-439B71EBD5A9}"/>
               </a:ext>
             </a:extLst>
           </p:cNvPr>
@@ -1612,23 +1614,93 @@
           <a:p>
             <a:r>
               <a:rPr lang="zh-CN" altLang="en-US" dirty="0"/>
-              <a:t>由于开发人员个人习惯，开发平台不同，开发软件版本不同，开发需求不同，所以输出</a:t>
-            </a:r>
-            <a:r>
-              <a:rPr lang="en-US" altLang="zh-CN" dirty="0"/>
-              <a:t>print</a:t>
-            </a:r>
-            <a:r>
-              <a:rPr lang="zh-CN" altLang="en-US" dirty="0"/>
-              <a:t>信息不同</a:t>
-            </a:r>
+              <a:t>引入</a:t>
+            </a:r>
+            <a:r>
+              <a:rPr lang="en-US" altLang="zh-CN" dirty="0" err="1"/>
+              <a:t>Greentea</a:t>
+            </a:r>
+            <a:r>
+              <a:rPr lang="zh-CN" altLang="en-US" dirty="0"/>
+              <a:t>框架</a:t>
+            </a:r>
+            <a:endParaRPr lang="en-US" altLang="zh-CN" dirty="0"/>
+          </a:p>
+          <a:p>
+            <a:pPr lvl="1"/>
+            <a:r>
+              <a:rPr lang="en-US" altLang="zh-CN" dirty="0" err="1"/>
+              <a:t>Greentea</a:t>
+            </a:r>
+            <a:r>
+              <a:rPr lang="en-US" altLang="zh-CN" dirty="0"/>
+              <a:t> is the automated testing tool for Arm </a:t>
+            </a:r>
+            <a:r>
+              <a:rPr lang="en-US" altLang="zh-CN" dirty="0" err="1"/>
+              <a:t>Mbed</a:t>
+            </a:r>
+            <a:r>
+              <a:rPr lang="en-US" altLang="zh-CN" dirty="0"/>
+              <a:t> OS development. It's a test runner that automates the process of flashing development boards, starting tests and accumulating test results into test reports. </a:t>
+            </a:r>
+          </a:p>
+          <a:p>
+            <a:pPr lvl="1"/>
+            <a:r>
+              <a:rPr lang="en-US" altLang="zh-CN" dirty="0" err="1"/>
+              <a:t>Greentea</a:t>
+            </a:r>
+            <a:r>
+              <a:rPr lang="en-US" altLang="zh-CN" dirty="0"/>
+              <a:t> </a:t>
+            </a:r>
+            <a:r>
+              <a:rPr lang="zh-CN" altLang="en-US" dirty="0"/>
+              <a:t>是用于 </a:t>
+            </a:r>
+            <a:r>
+              <a:rPr lang="en-US" altLang="zh-CN" dirty="0"/>
+              <a:t>Arm </a:t>
+            </a:r>
+            <a:r>
+              <a:rPr lang="en-US" altLang="zh-CN" dirty="0" err="1"/>
+              <a:t>Mbed</a:t>
+            </a:r>
+            <a:r>
+              <a:rPr lang="en-US" altLang="zh-CN" dirty="0"/>
+              <a:t> OS </a:t>
+            </a:r>
+            <a:r>
+              <a:rPr lang="zh-CN" altLang="en-US" dirty="0"/>
+              <a:t>开发的自动化测试工具。 它是一个测试运行程序，可以自动执行烧录开发板、启动测试并将</a:t>
+            </a:r>
+            <a:r>
+              <a:rPr lang="zh-CN" altLang="en-US" dirty="0">
+                <a:solidFill>
+                  <a:srgbClr val="FF0000"/>
+                </a:solidFill>
+              </a:rPr>
+              <a:t>测试结果累积到测试报告</a:t>
+            </a:r>
+            <a:r>
+              <a:rPr lang="zh-CN" altLang="en-US" dirty="0"/>
+              <a:t>中的过程。</a:t>
+            </a:r>
+            <a:endParaRPr lang="en-US" altLang="zh-CN" dirty="0"/>
+          </a:p>
+          <a:p>
+            <a:endParaRPr lang="en-US" altLang="zh-CN" dirty="0"/>
+          </a:p>
+          <a:p>
+            <a:endParaRPr lang="zh-CN" altLang="en-US" dirty="0"/>
           </a:p>
         </p:txBody>
       </p:sp>
     </p:spTree>
     <p:extLst>
       <p:ext uri="{BB962C8B-B14F-4D97-AF65-F5344CB8AC3E}">
-        <p14:creationId xmlns:p14="http://schemas.microsoft.com/office/powerpoint/2010/main" val="4270061379"/>
+        <p14:creationId xmlns:p14="http://schemas.microsoft.com/office/powerpoint/2010/main" val="3841190707"/>
       </p:ext>
     </p:extLst>
   </p:cSld>
@@ -1660,7 +1732,7 @@
           <p:cNvPr id="2" name="标题 1">
             <a:extLst>
               <a:ext uri="{FF2B5EF4-FFF2-40B4-BE49-F238E27FC236}">
-                <a16:creationId xmlns:a16="http://schemas.microsoft.com/office/drawing/2014/main" id="{1FD22590-E417-D28C-EAC1-AA39D07E1EC8}"/>
+                <a16:creationId xmlns:a16="http://schemas.microsoft.com/office/drawing/2014/main" id="{0B0CB840-D1DE-CFEB-3CD1-8CD01F6FBAC3}"/>
               </a:ext>
             </a:extLst>
           </p:cNvPr>
@@ -1673,42 +1745,12 @@
         </p:nvSpPr>
         <p:spPr/>
         <p:txBody>
-          <a:bodyPr>
-            <a:normAutofit/>
-          </a:bodyPr>
-          <a:lstStyle/>
-          <a:p>
-            <a:r>
-              <a:rPr lang="zh-CN" altLang="en-US" dirty="0"/>
-              <a:t>关于输出非标准化是怎样解决的？</a:t>
-            </a:r>
-          </a:p>
-        </p:txBody>
-      </p:sp>
-      <p:sp>
-        <p:nvSpPr>
-          <p:cNvPr id="3" name="内容占位符 2">
-            <a:extLst>
-              <a:ext uri="{FF2B5EF4-FFF2-40B4-BE49-F238E27FC236}">
-                <a16:creationId xmlns:a16="http://schemas.microsoft.com/office/drawing/2014/main" id="{FEC21398-C4E5-2FBF-EBE6-439B71EBD5A9}"/>
-              </a:ext>
-            </a:extLst>
-          </p:cNvPr>
-          <p:cNvSpPr>
-            <a:spLocks noGrp="1"/>
-          </p:cNvSpPr>
-          <p:nvPr>
-            <p:ph idx="1"/>
-          </p:nvPr>
-        </p:nvSpPr>
-        <p:spPr/>
-        <p:txBody>
-          <a:bodyPr/>
-          <a:lstStyle/>
-          <a:p>
-            <a:r>
-              <a:rPr lang="zh-CN" altLang="en-US" dirty="0"/>
-              <a:t>引入</a:t>
+          <a:bodyPr/>
+          <a:lstStyle/>
+          <a:p>
+            <a:r>
+              <a:rPr lang="zh-CN" altLang="en-US" dirty="0"/>
+              <a:t>有无</a:t>
             </a:r>
             <a:r>
               <a:rPr lang="en-US" altLang="zh-CN" dirty="0" err="1"/>
@@ -1716,85 +1758,43 @@
             </a:r>
             <a:r>
               <a:rPr lang="zh-CN" altLang="en-US" dirty="0"/>
-              <a:t>框架</a:t>
-            </a:r>
-            <a:endParaRPr lang="en-US" altLang="zh-CN" dirty="0"/>
-          </a:p>
-          <a:p>
-            <a:pPr lvl="1"/>
-            <a:r>
-              <a:rPr lang="en-US" altLang="zh-CN" dirty="0" err="1"/>
-              <a:t>Greentea</a:t>
-            </a:r>
-            <a:r>
-              <a:rPr lang="en-US" altLang="zh-CN" dirty="0"/>
-              <a:t> is the automated testing tool for Arm </a:t>
-            </a:r>
-            <a:r>
-              <a:rPr lang="en-US" altLang="zh-CN" dirty="0" err="1"/>
-              <a:t>Mbed</a:t>
-            </a:r>
-            <a:r>
-              <a:rPr lang="en-US" altLang="zh-CN" dirty="0"/>
-              <a:t> OS development. It's a test runner that automates the process of flashing development boards, starting tests and accumulating test results into test reports. </a:t>
-            </a:r>
-          </a:p>
-          <a:p>
-            <a:pPr lvl="1"/>
-            <a:r>
-              <a:rPr lang="en-US" altLang="zh-CN" dirty="0" err="1"/>
-              <a:t>Greentea</a:t>
-            </a:r>
-            <a:r>
-              <a:rPr lang="en-US" altLang="zh-CN" dirty="0"/>
-              <a:t> </a:t>
-            </a:r>
-            <a:r>
-              <a:rPr lang="zh-CN" altLang="en-US" dirty="0"/>
-              <a:t>是用于 </a:t>
-            </a:r>
-            <a:r>
-              <a:rPr lang="en-US" altLang="zh-CN" dirty="0"/>
-              <a:t>Arm </a:t>
-            </a:r>
-            <a:r>
-              <a:rPr lang="en-US" altLang="zh-CN" dirty="0" err="1"/>
-              <a:t>Mbed</a:t>
-            </a:r>
-            <a:r>
-              <a:rPr lang="en-US" altLang="zh-CN" dirty="0"/>
-              <a:t> OS </a:t>
-            </a:r>
-            <a:r>
-              <a:rPr lang="zh-CN" altLang="en-US" dirty="0"/>
-              <a:t>开发的自动化测试工具。 它是一个测试运行程序，可以自动执行烧录开发板、启动测试并将</a:t>
-            </a:r>
-            <a:r>
-              <a:rPr lang="zh-CN" altLang="en-US" dirty="0">
-                <a:solidFill>
-                  <a:srgbClr val="FF0000"/>
-                </a:solidFill>
-              </a:rPr>
-              <a:t>测试结果累积到测试报告</a:t>
-            </a:r>
-            <a:r>
-              <a:rPr lang="zh-CN" altLang="en-US" dirty="0"/>
-              <a:t>中的过程。</a:t>
-            </a:r>
-            <a:endParaRPr lang="en-US" altLang="zh-CN" dirty="0"/>
-          </a:p>
-          <a:p>
-            <a:endParaRPr lang="en-US" altLang="zh-CN" dirty="0"/>
-          </a:p>
-          <a:p>
-            <a:endParaRPr lang="zh-CN" altLang="en-US" dirty="0"/>
+              <a:t>的对比</a:t>
+            </a:r>
+          </a:p>
+        </p:txBody>
+      </p:sp>
+      <p:sp>
+        <p:nvSpPr>
+          <p:cNvPr id="4" name="内容占位符 3">
+            <a:extLst>
+              <a:ext uri="{FF2B5EF4-FFF2-40B4-BE49-F238E27FC236}">
+                <a16:creationId xmlns:a16="http://schemas.microsoft.com/office/drawing/2014/main" id="{AB16CF9E-610B-CA09-A045-7E8815BBA5F5}"/>
+              </a:ext>
+            </a:extLst>
+          </p:cNvPr>
+          <p:cNvSpPr>
+            <a:spLocks noGrp="1"/>
+          </p:cNvSpPr>
+          <p:nvPr>
+            <p:ph idx="1"/>
+          </p:nvPr>
+        </p:nvSpPr>
+        <p:spPr/>
+        <p:txBody>
+          <a:bodyPr/>
+          <a:lstStyle/>
+          <a:p>
+            <a:r>
+              <a:rPr lang="zh-CN" altLang="en-US" dirty="0"/>
+              <a:t>项目截图，前后对比</a:t>
+            </a:r>
           </a:p>
         </p:txBody>
       </p:sp>
     </p:spTree>
     <p:extLst>
       <p:ext uri="{BB962C8B-B14F-4D97-AF65-F5344CB8AC3E}">
-        <p14:creationId xmlns:p14="http://schemas.microsoft.com/office/powerpoint/2010/main" val="3841190707"/>
+        <p14:creationId xmlns:p14="http://schemas.microsoft.com/office/powerpoint/2010/main" val="4264130315"/>
       </p:ext>
     </p:extLst>
   </p:cSld>
@@ -1875,17 +1875,29 @@
           <a:lstStyle/>
           <a:p>
             <a:r>
-              <a:rPr lang="zh-CN" altLang="en-US" dirty="0"/>
-              <a:t>图片展示，及</a:t>
-            </a:r>
-            <a:r>
               <a:rPr lang="en-US" altLang="zh-CN" dirty="0" err="1"/>
-              <a:t>greentea</a:t>
-            </a:r>
-            <a:r>
-              <a:rPr lang="zh-CN" altLang="en-US" dirty="0"/>
-              <a:t>产生的报告样子</a:t>
-            </a:r>
+              <a:t>Greentea</a:t>
+            </a:r>
+            <a:r>
+              <a:rPr lang="en-US" altLang="zh-CN" dirty="0"/>
+              <a:t>-pc</a:t>
+            </a:r>
+            <a:r>
+              <a:rPr lang="zh-CN" altLang="en-US" dirty="0"/>
+              <a:t>为安装在</a:t>
+            </a:r>
+            <a:r>
+              <a:rPr lang="en-US" altLang="zh-CN" dirty="0"/>
+              <a:t>pc</a:t>
+            </a:r>
+            <a:r>
+              <a:rPr lang="zh-CN" altLang="en-US" dirty="0"/>
+              <a:t>上的程序</a:t>
+            </a:r>
+            <a:endParaRPr lang="en-US" altLang="zh-CN" dirty="0"/>
+          </a:p>
+          <a:p>
+            <a:endParaRPr lang="zh-CN" altLang="en-US" dirty="0"/>
           </a:p>
         </p:txBody>
       </p:sp>
@@ -1960,100 +1972,6 @@
           <p:cNvPr id="2" name="标题 1">
             <a:extLst>
               <a:ext uri="{FF2B5EF4-FFF2-40B4-BE49-F238E27FC236}">
-                <a16:creationId xmlns:a16="http://schemas.microsoft.com/office/drawing/2014/main" id="{0B0CB840-D1DE-CFEB-3CD1-8CD01F6FBAC3}"/>
-              </a:ext>
-            </a:extLst>
-          </p:cNvPr>
-          <p:cNvSpPr>
-            <a:spLocks noGrp="1"/>
-          </p:cNvSpPr>
-          <p:nvPr>
-            <p:ph type="title"/>
-          </p:nvPr>
-        </p:nvSpPr>
-        <p:spPr/>
-        <p:txBody>
-          <a:bodyPr/>
-          <a:lstStyle/>
-          <a:p>
-            <a:r>
-              <a:rPr lang="zh-CN" altLang="en-US" dirty="0"/>
-              <a:t>有无</a:t>
-            </a:r>
-            <a:r>
-              <a:rPr lang="en-US" altLang="zh-CN" dirty="0" err="1"/>
-              <a:t>Greentea</a:t>
-            </a:r>
-            <a:r>
-              <a:rPr lang="zh-CN" altLang="en-US" dirty="0"/>
-              <a:t>的对比</a:t>
-            </a:r>
-          </a:p>
-        </p:txBody>
-      </p:sp>
-      <p:sp>
-        <p:nvSpPr>
-          <p:cNvPr id="4" name="内容占位符 3">
-            <a:extLst>
-              <a:ext uri="{FF2B5EF4-FFF2-40B4-BE49-F238E27FC236}">
-                <a16:creationId xmlns:a16="http://schemas.microsoft.com/office/drawing/2014/main" id="{AB16CF9E-610B-CA09-A045-7E8815BBA5F5}"/>
-              </a:ext>
-            </a:extLst>
-          </p:cNvPr>
-          <p:cNvSpPr>
-            <a:spLocks noGrp="1"/>
-          </p:cNvSpPr>
-          <p:nvPr>
-            <p:ph idx="1"/>
-          </p:nvPr>
-        </p:nvSpPr>
-        <p:spPr/>
-        <p:txBody>
-          <a:bodyPr/>
-          <a:lstStyle/>
-          <a:p>
-            <a:r>
-              <a:rPr lang="zh-CN" altLang="en-US" dirty="0"/>
-              <a:t>项目截图，前后对比</a:t>
-            </a:r>
-          </a:p>
-        </p:txBody>
-      </p:sp>
-    </p:spTree>
-    <p:extLst>
-      <p:ext uri="{BB962C8B-B14F-4D97-AF65-F5344CB8AC3E}">
-        <p14:creationId xmlns:p14="http://schemas.microsoft.com/office/powerpoint/2010/main" val="4264130315"/>
-      </p:ext>
-    </p:extLst>
-  </p:cSld>
-  <p:clrMapOvr>
-    <a:masterClrMapping/>
-  </p:clrMapOvr>
-</p:sld>
-</file>
-
-<file path=ppt/slides/slide14.xml><?xml version="1.0" encoding="utf-8"?>
-<p:sld xmlns:a="http://schemas.openxmlformats.org/drawingml/2006/main" xmlns:r="http://schemas.openxmlformats.org/officeDocument/2006/relationships" xmlns:p="http://schemas.openxmlformats.org/presentationml/2006/main">
-  <p:cSld>
-    <p:spTree>
-      <p:nvGrpSpPr>
-        <p:cNvPr id="1" name=""/>
-        <p:cNvGrpSpPr/>
-        <p:nvPr/>
-      </p:nvGrpSpPr>
-      <p:grpSpPr>
-        <a:xfrm>
-          <a:off x="0" y="0"/>
-          <a:ext cx="0" cy="0"/>
-          <a:chOff x="0" y="0"/>
-          <a:chExt cx="0" cy="0"/>
-        </a:xfrm>
-      </p:grpSpPr>
-      <p:sp>
-        <p:nvSpPr>
-          <p:cNvPr id="2" name="标题 1">
-            <a:extLst>
-              <a:ext uri="{FF2B5EF4-FFF2-40B4-BE49-F238E27FC236}">
                 <a16:creationId xmlns:a16="http://schemas.microsoft.com/office/drawing/2014/main" id="{3A64C050-2068-B13F-B91C-A02A74466300}"/>
               </a:ext>
             </a:extLst>
@@ -2162,7 +2080,7 @@
 </p:sld>
 </file>
 
-<file path=ppt/slides/slide15.xml><?xml version="1.0" encoding="utf-8"?>
+<file path=ppt/slides/slide14.xml><?xml version="1.0" encoding="utf-8"?>
 <p:sld xmlns:a="http://schemas.openxmlformats.org/drawingml/2006/main" xmlns:r="http://schemas.openxmlformats.org/officeDocument/2006/relationships" xmlns:p="http://schemas.openxmlformats.org/presentationml/2006/main">
   <p:cSld>
     <p:spTree>
@@ -2322,7 +2240,7 @@
         </p:blipFill>
         <p:spPr>
           <a:xfrm>
-            <a:off x="845127" y="1691322"/>
+            <a:off x="2086099" y="1691322"/>
             <a:ext cx="3131999" cy="4680000"/>
           </a:xfrm>
           <a:prstGeom prst="rect">
@@ -2378,7 +2296,7 @@
 </p:sld>
 </file>
 
-<file path=ppt/slides/slide16.xml><?xml version="1.0" encoding="utf-8"?>
+<file path=ppt/slides/slide15.xml><?xml version="1.0" encoding="utf-8"?>
 <p:sld xmlns:a="http://schemas.openxmlformats.org/drawingml/2006/main" xmlns:r="http://schemas.openxmlformats.org/officeDocument/2006/relationships" xmlns:p="http://schemas.openxmlformats.org/presentationml/2006/main">
   <p:cSld>
     <p:spTree>
@@ -2557,7 +2475,7 @@
 </p:sld>
 </file>
 
-<file path=ppt/slides/slide17.xml><?xml version="1.0" encoding="utf-8"?>
+<file path=ppt/slides/slide16.xml><?xml version="1.0" encoding="utf-8"?>
 <p:sld xmlns:a="http://schemas.openxmlformats.org/drawingml/2006/main" xmlns:r="http://schemas.openxmlformats.org/officeDocument/2006/relationships" xmlns:p="http://schemas.openxmlformats.org/presentationml/2006/main">
   <p:cSld>
     <p:spTree>
@@ -2644,6 +2562,30 @@
             <a:endParaRPr lang="en-US" altLang="zh-CN" dirty="0"/>
           </a:p>
           <a:p>
+            <a:pPr lvl="1"/>
+            <a:r>
+              <a:rPr lang="en-US" altLang="zh-CN" dirty="0"/>
+              <a:t>CI/CD </a:t>
+            </a:r>
+            <a:r>
+              <a:rPr lang="zh-CN" altLang="en-US" dirty="0"/>
+              <a:t>是一种持续的软件开发方法，您可以在其中持续构建、</a:t>
+            </a:r>
+            <a:r>
+              <a:rPr lang="zh-CN" altLang="en-US" dirty="0">
+                <a:solidFill>
+                  <a:srgbClr val="FF0000"/>
+                </a:solidFill>
+              </a:rPr>
+              <a:t>测试、部署</a:t>
+            </a:r>
+            <a:r>
+              <a:rPr lang="zh-CN" altLang="en-US" dirty="0"/>
+              <a:t>和监视迭代代码更改。</a:t>
+            </a:r>
+            <a:endParaRPr lang="en-US" altLang="zh-CN" dirty="0"/>
+          </a:p>
+          <a:p>
             <a:r>
               <a:rPr lang="en-US" altLang="zh-CN" dirty="0"/>
               <a:t>RGW</a:t>
@@ -2694,6 +2636,61 @@
               <a:rPr lang="zh-CN" altLang="en-US" dirty="0"/>
               <a:t>将所有功能脚本归于一个仓库便于统一管理</a:t>
             </a:r>
+            <a:endParaRPr lang="en-US" altLang="zh-CN" dirty="0"/>
+          </a:p>
+          <a:p>
+            <a:pPr lvl="1"/>
+            <a:r>
+              <a:rPr lang="zh-CN" altLang="en-US" b="0" i="0" dirty="0">
+                <a:solidFill>
+                  <a:srgbClr val="4E443C"/>
+                </a:solidFill>
+                <a:effectLst/>
+                <a:latin typeface="Arial" panose="020B0604020202020204" pitchFamily="34" charset="0"/>
+              </a:rPr>
+              <a:t> 子模块允许你将一个 </a:t>
+            </a:r>
+            <a:r>
+              <a:rPr lang="en-US" altLang="zh-CN" b="0" i="0" dirty="0">
+                <a:solidFill>
+                  <a:srgbClr val="4E443C"/>
+                </a:solidFill>
+                <a:effectLst/>
+                <a:latin typeface="Arial" panose="020B0604020202020204" pitchFamily="34" charset="0"/>
+              </a:rPr>
+              <a:t>Git </a:t>
+            </a:r>
+            <a:r>
+              <a:rPr lang="zh-CN" altLang="en-US" b="0" i="0" dirty="0">
+                <a:solidFill>
+                  <a:srgbClr val="4E443C"/>
+                </a:solidFill>
+                <a:effectLst/>
+                <a:latin typeface="Arial" panose="020B0604020202020204" pitchFamily="34" charset="0"/>
+              </a:rPr>
+              <a:t>仓库作为另一个 </a:t>
+            </a:r>
+            <a:r>
+              <a:rPr lang="en-US" altLang="zh-CN" b="0" i="0" dirty="0">
+                <a:solidFill>
+                  <a:srgbClr val="4E443C"/>
+                </a:solidFill>
+                <a:effectLst/>
+                <a:latin typeface="Arial" panose="020B0604020202020204" pitchFamily="34" charset="0"/>
+              </a:rPr>
+              <a:t>Git </a:t>
+            </a:r>
+            <a:r>
+              <a:rPr lang="zh-CN" altLang="en-US" b="0" i="0" dirty="0">
+                <a:solidFill>
+                  <a:srgbClr val="4E443C"/>
+                </a:solidFill>
+                <a:effectLst/>
+                <a:latin typeface="Arial" panose="020B0604020202020204" pitchFamily="34" charset="0"/>
+              </a:rPr>
+              <a:t>仓库的子目录。 它能让你将另一个仓库克隆到自己的项目中，同时还保持提交的独立。</a:t>
+            </a:r>
+            <a:endParaRPr lang="zh-CN" altLang="en-US" dirty="0"/>
           </a:p>
         </p:txBody>
       </p:sp>
@@ -2710,7 +2707,7 @@
 </p:sld>
 </file>
 
-<file path=ppt/slides/slide18.xml><?xml version="1.0" encoding="utf-8"?>
+<file path=ppt/slides/slide17.xml><?xml version="1.0" encoding="utf-8"?>
 <p:sld xmlns:a="http://schemas.openxmlformats.org/drawingml/2006/main" xmlns:r="http://schemas.openxmlformats.org/officeDocument/2006/relationships" xmlns:p="http://schemas.openxmlformats.org/presentationml/2006/main">
   <p:cSld>
     <p:spTree>
@@ -2885,7 +2882,7 @@
 </p:sld>
 </file>
 
-<file path=ppt/slides/slide19.xml><?xml version="1.0" encoding="utf-8"?>
+<file path=ppt/slides/slide18.xml><?xml version="1.0" encoding="utf-8"?>
 <p:sld xmlns:a="http://schemas.openxmlformats.org/drawingml/2006/main" xmlns:r="http://schemas.openxmlformats.org/officeDocument/2006/relationships" xmlns:p="http://schemas.openxmlformats.org/presentationml/2006/main">
   <p:cSld>
     <p:spTree>
@@ -3143,6 +3140,132 @@
 </p:sld>
 </file>
 
+<file path=ppt/slides/slide19.xml><?xml version="1.0" encoding="utf-8"?>
+<p:sld xmlns:a="http://schemas.openxmlformats.org/drawingml/2006/main" xmlns:r="http://schemas.openxmlformats.org/officeDocument/2006/relationships" xmlns:p="http://schemas.openxmlformats.org/presentationml/2006/main">
+  <p:cSld>
+    <p:spTree>
+      <p:nvGrpSpPr>
+        <p:cNvPr id="1" name=""/>
+        <p:cNvGrpSpPr/>
+        <p:nvPr/>
+      </p:nvGrpSpPr>
+      <p:grpSpPr>
+        <a:xfrm>
+          <a:off x="0" y="0"/>
+          <a:ext cx="0" cy="0"/>
+          <a:chOff x="0" y="0"/>
+          <a:chExt cx="0" cy="0"/>
+        </a:xfrm>
+      </p:grpSpPr>
+      <p:sp>
+        <p:nvSpPr>
+          <p:cNvPr id="2" name="标题 1">
+            <a:extLst>
+              <a:ext uri="{FF2B5EF4-FFF2-40B4-BE49-F238E27FC236}">
+                <a16:creationId xmlns:a16="http://schemas.microsoft.com/office/drawing/2014/main" id="{175165CF-8AD8-D4BC-5D7E-69787293574B}"/>
+              </a:ext>
+            </a:extLst>
+          </p:cNvPr>
+          <p:cNvSpPr>
+            <a:spLocks noGrp="1"/>
+          </p:cNvSpPr>
+          <p:nvPr>
+            <p:ph type="title"/>
+          </p:nvPr>
+        </p:nvSpPr>
+        <p:spPr/>
+        <p:txBody>
+          <a:bodyPr/>
+          <a:lstStyle/>
+          <a:p>
+            <a:r>
+              <a:rPr lang="en-US" altLang="zh-CN" dirty="0"/>
+              <a:t>Flash</a:t>
+            </a:r>
+            <a:r>
+              <a:rPr lang="zh-CN" altLang="en-US" dirty="0"/>
+              <a:t>阵列</a:t>
+            </a:r>
+          </a:p>
+        </p:txBody>
+      </p:sp>
+      <p:sp>
+        <p:nvSpPr>
+          <p:cNvPr id="3" name="内容占位符 2">
+            <a:extLst>
+              <a:ext uri="{FF2B5EF4-FFF2-40B4-BE49-F238E27FC236}">
+                <a16:creationId xmlns:a16="http://schemas.microsoft.com/office/drawing/2014/main" id="{3E430966-C45E-591C-1A2C-00F3DA5FBEBE}"/>
+              </a:ext>
+            </a:extLst>
+          </p:cNvPr>
+          <p:cNvSpPr>
+            <a:spLocks noGrp="1"/>
+          </p:cNvSpPr>
+          <p:nvPr>
+            <p:ph sz="half" idx="2"/>
+          </p:nvPr>
+        </p:nvSpPr>
+        <p:spPr/>
+        <p:txBody>
+          <a:bodyPr/>
+          <a:lstStyle/>
+          <a:p>
+            <a:r>
+              <a:rPr lang="zh-CN" altLang="en-US" dirty="0"/>
+              <a:t>后期可能的方向</a:t>
+            </a:r>
+          </a:p>
+        </p:txBody>
+      </p:sp>
+      <p:pic>
+        <p:nvPicPr>
+          <p:cNvPr id="5" name="图片 4">
+            <a:extLst>
+              <a:ext uri="{FF2B5EF4-FFF2-40B4-BE49-F238E27FC236}">
+                <a16:creationId xmlns:a16="http://schemas.microsoft.com/office/drawing/2014/main" id="{201B2DC6-B806-9E8B-48AF-022088E7C485}"/>
+              </a:ext>
+            </a:extLst>
+          </p:cNvPr>
+          <p:cNvPicPr>
+            <a:picLocks noChangeAspect="1"/>
+          </p:cNvPicPr>
+          <p:nvPr/>
+        </p:nvPicPr>
+        <p:blipFill>
+          <a:blip r:embed="rId2">
+            <a:extLst>
+              <a:ext uri="{28A0092B-C50C-407E-A947-70E740481C1C}">
+                <a14:useLocalDpi xmlns:a14="http://schemas.microsoft.com/office/drawing/2010/main" val="0"/>
+              </a:ext>
+            </a:extLst>
+          </a:blip>
+          <a:stretch>
+            <a:fillRect/>
+          </a:stretch>
+        </p:blipFill>
+        <p:spPr>
+          <a:xfrm>
+            <a:off x="845127" y="1828803"/>
+            <a:ext cx="7200000" cy="3257822"/>
+          </a:xfrm>
+          <a:prstGeom prst="rect">
+            <a:avLst/>
+          </a:prstGeom>
+        </p:spPr>
+      </p:pic>
+    </p:spTree>
+    <p:extLst>
+      <p:ext uri="{BB962C8B-B14F-4D97-AF65-F5344CB8AC3E}">
+        <p14:creationId xmlns:p14="http://schemas.microsoft.com/office/powerpoint/2010/main" val="2619773300"/>
+      </p:ext>
+    </p:extLst>
+  </p:cSld>
+  <p:clrMapOvr>
+    <a:masterClrMapping/>
+  </p:clrMapOvr>
+</p:sld>
+</file>
+
 <file path=ppt/slides/slide2.xml><?xml version="1.0" encoding="utf-8"?>
 <p:sld xmlns:a="http://schemas.openxmlformats.org/drawingml/2006/main" xmlns:r="http://schemas.openxmlformats.org/officeDocument/2006/relationships" xmlns:p="http://schemas.openxmlformats.org/presentationml/2006/main">
   <p:cSld>
@@ -3220,7 +3343,7 @@
               <a:rPr lang="zh-CN" altLang="en-US" dirty="0">
                 <a:latin typeface="-apple-system"/>
               </a:rPr>
-              <a:t>嵌入式系统中，驱动是什么，有什么作用；</a:t>
+              <a:t>嵌入式系统中，驱动是什么，有什么作用？</a:t>
             </a:r>
             <a:endParaRPr lang="en-US" altLang="zh-CN" b="0" i="0" dirty="0">
               <a:effectLst/>
@@ -3243,20 +3366,14 @@
               <a:rPr lang="zh-CN" altLang="en-US" dirty="0">
                 <a:latin typeface="-apple-system"/>
               </a:rPr>
-              <a:t>测试</a:t>
+              <a:t>测试的流程</a:t>
             </a:r>
             <a:r>
               <a:rPr lang="zh-CN" altLang="en-US" b="0" i="0" dirty="0">
                 <a:effectLst/>
                 <a:latin typeface="-apple-system"/>
               </a:rPr>
-              <a:t>是什么流程，存在哪些不便</a:t>
-            </a:r>
-            <a:r>
-              <a:rPr lang="zh-CN" altLang="en-US" dirty="0">
-                <a:latin typeface="-apple-system"/>
-              </a:rPr>
-              <a:t>；</a:t>
+              <a:t>是什么，存在哪些不便？</a:t>
             </a:r>
             <a:endParaRPr lang="en-US" altLang="zh-CN" b="0" i="0" dirty="0">
               <a:effectLst/>
@@ -3273,13 +3390,7 @@
                 <a:effectLst/>
                 <a:latin typeface="-apple-system"/>
               </a:rPr>
-              <a:t>目前自动化驱动测试是怎样解决这些问题</a:t>
-            </a:r>
-            <a:r>
-              <a:rPr lang="zh-CN" altLang="en-US" dirty="0">
-                <a:latin typeface="-apple-system"/>
-              </a:rPr>
-              <a:t>；</a:t>
+              <a:t>目前自动化驱动测试是怎样解决这些不便的？</a:t>
             </a:r>
             <a:endParaRPr lang="en-US" altLang="zh-CN" b="0" i="0" dirty="0">
               <a:effectLst/>
@@ -3296,7 +3407,7 @@
                 <a:effectLst/>
                 <a:latin typeface="-apple-system"/>
               </a:rPr>
-              <a:t>自动化测试方案的改进；</a:t>
+              <a:t>自动化测试方案的改进</a:t>
             </a:r>
             <a:endParaRPr lang="en-US" altLang="zh-CN" b="0" i="0" dirty="0">
               <a:effectLst/>
@@ -3340,132 +3451,6 @@
           <p:cNvPr id="2" name="标题 1">
             <a:extLst>
               <a:ext uri="{FF2B5EF4-FFF2-40B4-BE49-F238E27FC236}">
-                <a16:creationId xmlns:a16="http://schemas.microsoft.com/office/drawing/2014/main" id="{175165CF-8AD8-D4BC-5D7E-69787293574B}"/>
-              </a:ext>
-            </a:extLst>
-          </p:cNvPr>
-          <p:cNvSpPr>
-            <a:spLocks noGrp="1"/>
-          </p:cNvSpPr>
-          <p:nvPr>
-            <p:ph type="title"/>
-          </p:nvPr>
-        </p:nvSpPr>
-        <p:spPr/>
-        <p:txBody>
-          <a:bodyPr/>
-          <a:lstStyle/>
-          <a:p>
-            <a:r>
-              <a:rPr lang="en-US" altLang="zh-CN" dirty="0"/>
-              <a:t>Flash</a:t>
-            </a:r>
-            <a:r>
-              <a:rPr lang="zh-CN" altLang="en-US" dirty="0"/>
-              <a:t>阵列</a:t>
-            </a:r>
-          </a:p>
-        </p:txBody>
-      </p:sp>
-      <p:sp>
-        <p:nvSpPr>
-          <p:cNvPr id="3" name="内容占位符 2">
-            <a:extLst>
-              <a:ext uri="{FF2B5EF4-FFF2-40B4-BE49-F238E27FC236}">
-                <a16:creationId xmlns:a16="http://schemas.microsoft.com/office/drawing/2014/main" id="{3E430966-C45E-591C-1A2C-00F3DA5FBEBE}"/>
-              </a:ext>
-            </a:extLst>
-          </p:cNvPr>
-          <p:cNvSpPr>
-            <a:spLocks noGrp="1"/>
-          </p:cNvSpPr>
-          <p:nvPr>
-            <p:ph sz="half" idx="2"/>
-          </p:nvPr>
-        </p:nvSpPr>
-        <p:spPr/>
-        <p:txBody>
-          <a:bodyPr/>
-          <a:lstStyle/>
-          <a:p>
-            <a:r>
-              <a:rPr lang="zh-CN" altLang="en-US" dirty="0"/>
-              <a:t>后期可能的方向</a:t>
-            </a:r>
-          </a:p>
-        </p:txBody>
-      </p:sp>
-      <p:pic>
-        <p:nvPicPr>
-          <p:cNvPr id="5" name="图片 4">
-            <a:extLst>
-              <a:ext uri="{FF2B5EF4-FFF2-40B4-BE49-F238E27FC236}">
-                <a16:creationId xmlns:a16="http://schemas.microsoft.com/office/drawing/2014/main" id="{201B2DC6-B806-9E8B-48AF-022088E7C485}"/>
-              </a:ext>
-            </a:extLst>
-          </p:cNvPr>
-          <p:cNvPicPr>
-            <a:picLocks noChangeAspect="1"/>
-          </p:cNvPicPr>
-          <p:nvPr/>
-        </p:nvPicPr>
-        <p:blipFill>
-          <a:blip r:embed="rId2">
-            <a:extLst>
-              <a:ext uri="{28A0092B-C50C-407E-A947-70E740481C1C}">
-                <a14:useLocalDpi xmlns:a14="http://schemas.microsoft.com/office/drawing/2010/main" val="0"/>
-              </a:ext>
-            </a:extLst>
-          </a:blip>
-          <a:stretch>
-            <a:fillRect/>
-          </a:stretch>
-        </p:blipFill>
-        <p:spPr>
-          <a:xfrm>
-            <a:off x="845127" y="1828803"/>
-            <a:ext cx="7200000" cy="3257822"/>
-          </a:xfrm>
-          <a:prstGeom prst="rect">
-            <a:avLst/>
-          </a:prstGeom>
-        </p:spPr>
-      </p:pic>
-    </p:spTree>
-    <p:extLst>
-      <p:ext uri="{BB962C8B-B14F-4D97-AF65-F5344CB8AC3E}">
-        <p14:creationId xmlns:p14="http://schemas.microsoft.com/office/powerpoint/2010/main" val="2619773300"/>
-      </p:ext>
-    </p:extLst>
-  </p:cSld>
-  <p:clrMapOvr>
-    <a:masterClrMapping/>
-  </p:clrMapOvr>
-</p:sld>
-</file>
-
-<file path=ppt/slides/slide21.xml><?xml version="1.0" encoding="utf-8"?>
-<p:sld xmlns:a="http://schemas.openxmlformats.org/drawingml/2006/main" xmlns:r="http://schemas.openxmlformats.org/officeDocument/2006/relationships" xmlns:p="http://schemas.openxmlformats.org/presentationml/2006/main">
-  <p:cSld>
-    <p:spTree>
-      <p:nvGrpSpPr>
-        <p:cNvPr id="1" name=""/>
-        <p:cNvGrpSpPr/>
-        <p:nvPr/>
-      </p:nvGrpSpPr>
-      <p:grpSpPr>
-        <a:xfrm>
-          <a:off x="0" y="0"/>
-          <a:ext cx="0" cy="0"/>
-          <a:chOff x="0" y="0"/>
-          <a:chExt cx="0" cy="0"/>
-        </a:xfrm>
-      </p:grpSpPr>
-      <p:sp>
-        <p:nvSpPr>
-          <p:cNvPr id="2" name="标题 1">
-            <a:extLst>
-              <a:ext uri="{FF2B5EF4-FFF2-40B4-BE49-F238E27FC236}">
                 <a16:creationId xmlns:a16="http://schemas.microsoft.com/office/drawing/2014/main" id="{B002CF85-79D2-52C6-37BD-7CE08F55EE07}"/>
               </a:ext>
             </a:extLst>
@@ -3609,7 +3594,7 @@
 </p:sld>
 </file>
 
-<file path=ppt/slides/slide22.xml><?xml version="1.0" encoding="utf-8"?>
+<file path=ppt/slides/slide21.xml><?xml version="1.0" encoding="utf-8"?>
 <p:sld xmlns:a="http://schemas.openxmlformats.org/drawingml/2006/main" xmlns:r="http://schemas.openxmlformats.org/officeDocument/2006/relationships" xmlns:p="http://schemas.openxmlformats.org/presentationml/2006/main">
   <p:cSld>
     <p:spTree>
@@ -3708,7 +3693,7 @@
 </p:sld>
 </file>
 
-<file path=ppt/slides/slide23.xml><?xml version="1.0" encoding="utf-8"?>
+<file path=ppt/slides/slide22.xml><?xml version="1.0" encoding="utf-8"?>
 <p:sld xmlns:a="http://schemas.openxmlformats.org/drawingml/2006/main" xmlns:r="http://schemas.openxmlformats.org/officeDocument/2006/relationships" xmlns:p="http://schemas.openxmlformats.org/presentationml/2006/main">
   <p:cSld>
     <p:spTree>
@@ -3854,6 +3839,101 @@
 </p:sld>
 </file>
 
+<file path=ppt/slides/slide23.xml><?xml version="1.0" encoding="utf-8"?>
+<p:sld xmlns:a="http://schemas.openxmlformats.org/drawingml/2006/main" xmlns:r="http://schemas.openxmlformats.org/officeDocument/2006/relationships" xmlns:p="http://schemas.openxmlformats.org/presentationml/2006/main">
+  <p:cSld>
+    <p:spTree>
+      <p:nvGrpSpPr>
+        <p:cNvPr id="1" name=""/>
+        <p:cNvGrpSpPr/>
+        <p:nvPr/>
+      </p:nvGrpSpPr>
+      <p:grpSpPr>
+        <a:xfrm>
+          <a:off x="0" y="0"/>
+          <a:ext cx="0" cy="0"/>
+          <a:chOff x="0" y="0"/>
+          <a:chExt cx="0" cy="0"/>
+        </a:xfrm>
+      </p:grpSpPr>
+      <p:sp>
+        <p:nvSpPr>
+          <p:cNvPr id="2" name="标题 1">
+            <a:extLst>
+              <a:ext uri="{FF2B5EF4-FFF2-40B4-BE49-F238E27FC236}">
+                <a16:creationId xmlns:a16="http://schemas.microsoft.com/office/drawing/2014/main" id="{52ED8034-5BD9-3538-A63A-FCD25845EB31}"/>
+              </a:ext>
+            </a:extLst>
+          </p:cNvPr>
+          <p:cNvSpPr>
+            <a:spLocks noGrp="1"/>
+          </p:cNvSpPr>
+          <p:nvPr>
+            <p:ph type="title"/>
+          </p:nvPr>
+        </p:nvSpPr>
+        <p:spPr/>
+        <p:txBody>
+          <a:bodyPr>
+            <a:normAutofit/>
+          </a:bodyPr>
+          <a:lstStyle/>
+          <a:p>
+            <a:r>
+              <a:rPr lang="zh-CN" altLang="en-US" dirty="0"/>
+              <a:t>目前依旧存在的问题及后续改进方向</a:t>
+            </a:r>
+          </a:p>
+        </p:txBody>
+      </p:sp>
+      <p:sp>
+        <p:nvSpPr>
+          <p:cNvPr id="3" name="内容占位符 2">
+            <a:extLst>
+              <a:ext uri="{FF2B5EF4-FFF2-40B4-BE49-F238E27FC236}">
+                <a16:creationId xmlns:a16="http://schemas.microsoft.com/office/drawing/2014/main" id="{6FF093B8-B23B-C52E-2EBA-62EBBEA30EC7}"/>
+              </a:ext>
+            </a:extLst>
+          </p:cNvPr>
+          <p:cNvSpPr>
+            <a:spLocks noGrp="1"/>
+          </p:cNvSpPr>
+          <p:nvPr>
+            <p:ph idx="1"/>
+          </p:nvPr>
+        </p:nvSpPr>
+        <p:spPr/>
+        <p:txBody>
+          <a:bodyPr/>
+          <a:lstStyle/>
+          <a:p>
+            <a:r>
+              <a:rPr lang="zh-CN" altLang="en-US" dirty="0"/>
+              <a:t>自动化触发条件不合理</a:t>
+            </a:r>
+            <a:endParaRPr lang="en-US" altLang="zh-CN" dirty="0"/>
+          </a:p>
+          <a:p>
+            <a:r>
+              <a:rPr lang="zh-CN" altLang="en-US" dirty="0"/>
+              <a:t>使用界面对用户不友好</a:t>
+            </a:r>
+          </a:p>
+        </p:txBody>
+      </p:sp>
+    </p:spTree>
+    <p:extLst>
+      <p:ext uri="{BB962C8B-B14F-4D97-AF65-F5344CB8AC3E}">
+        <p14:creationId xmlns:p14="http://schemas.microsoft.com/office/powerpoint/2010/main" val="3922311035"/>
+      </p:ext>
+    </p:extLst>
+  </p:cSld>
+  <p:clrMapOvr>
+    <a:masterClrMapping/>
+  </p:clrMapOvr>
+</p:sld>
+</file>
+
 <file path=ppt/slides/slide24.xml><?xml version="1.0" encoding="utf-8"?>
 <p:sld xmlns:a="http://schemas.openxmlformats.org/drawingml/2006/main" xmlns:r="http://schemas.openxmlformats.org/officeDocument/2006/relationships" xmlns:p="http://schemas.openxmlformats.org/presentationml/2006/main">
   <p:cSld>
@@ -3876,7 +3956,7 @@
           <p:cNvPr id="2" name="标题 1">
             <a:extLst>
               <a:ext uri="{FF2B5EF4-FFF2-40B4-BE49-F238E27FC236}">
-                <a16:creationId xmlns:a16="http://schemas.microsoft.com/office/drawing/2014/main" id="{52ED8034-5BD9-3538-A63A-FCD25845EB31}"/>
+                <a16:creationId xmlns:a16="http://schemas.microsoft.com/office/drawing/2014/main" id="{E7405600-69A9-B79C-6BD4-A7DE184D730C}"/>
               </a:ext>
             </a:extLst>
           </p:cNvPr>
@@ -3889,57 +3969,56 @@
         </p:nvSpPr>
         <p:spPr/>
         <p:txBody>
-          <a:bodyPr>
-            <a:normAutofit/>
-          </a:bodyPr>
-          <a:lstStyle/>
-          <a:p>
-            <a:r>
-              <a:rPr lang="zh-CN" altLang="en-US" dirty="0"/>
-              <a:t>目前依旧存在的问题及后续改进方向</a:t>
-            </a:r>
-          </a:p>
-        </p:txBody>
-      </p:sp>
-      <p:sp>
-        <p:nvSpPr>
-          <p:cNvPr id="3" name="内容占位符 2">
-            <a:extLst>
-              <a:ext uri="{FF2B5EF4-FFF2-40B4-BE49-F238E27FC236}">
-                <a16:creationId xmlns:a16="http://schemas.microsoft.com/office/drawing/2014/main" id="{6FF093B8-B23B-C52E-2EBA-62EBBEA30EC7}"/>
-              </a:ext>
-            </a:extLst>
-          </p:cNvPr>
-          <p:cNvSpPr>
-            <a:spLocks noGrp="1"/>
-          </p:cNvSpPr>
-          <p:nvPr>
-            <p:ph idx="1"/>
-          </p:nvPr>
-        </p:nvSpPr>
-        <p:spPr/>
-        <p:txBody>
-          <a:bodyPr/>
-          <a:lstStyle/>
-          <a:p>
-            <a:r>
-              <a:rPr lang="zh-CN" altLang="en-US" dirty="0"/>
-              <a:t>自动化触发条件不合理</a:t>
-            </a:r>
-            <a:endParaRPr lang="en-US" altLang="zh-CN" dirty="0"/>
-          </a:p>
-          <a:p>
-            <a:r>
-              <a:rPr lang="zh-CN" altLang="en-US" dirty="0"/>
-              <a:t>使用界面对用户不友好</a:t>
-            </a:r>
-          </a:p>
-        </p:txBody>
-      </p:sp>
+          <a:bodyPr/>
+          <a:lstStyle/>
+          <a:p>
+            <a:r>
+              <a:rPr lang="zh-CN" altLang="en-US" dirty="0"/>
+              <a:t>后续版本</a:t>
+            </a:r>
+          </a:p>
+        </p:txBody>
+      </p:sp>
+      <p:pic>
+        <p:nvPicPr>
+          <p:cNvPr id="5" name="图片 4">
+            <a:extLst>
+              <a:ext uri="{FF2B5EF4-FFF2-40B4-BE49-F238E27FC236}">
+                <a16:creationId xmlns:a16="http://schemas.microsoft.com/office/drawing/2014/main" id="{603DA685-6DCD-A3D9-871C-7986ED50F8B9}"/>
+              </a:ext>
+            </a:extLst>
+          </p:cNvPr>
+          <p:cNvPicPr>
+            <a:picLocks noChangeAspect="1"/>
+          </p:cNvPicPr>
+          <p:nvPr/>
+        </p:nvPicPr>
+        <p:blipFill>
+          <a:blip r:embed="rId2">
+            <a:extLst>
+              <a:ext uri="{28A0092B-C50C-407E-A947-70E740481C1C}">
+                <a14:useLocalDpi xmlns:a14="http://schemas.microsoft.com/office/drawing/2010/main" val="0"/>
+              </a:ext>
+            </a:extLst>
+          </a:blip>
+          <a:stretch>
+            <a:fillRect/>
+          </a:stretch>
+        </p:blipFill>
+        <p:spPr>
+          <a:xfrm>
+            <a:off x="696000" y="1691322"/>
+            <a:ext cx="10800000" cy="4396086"/>
+          </a:xfrm>
+          <a:prstGeom prst="rect">
+            <a:avLst/>
+          </a:prstGeom>
+        </p:spPr>
+      </p:pic>
     </p:spTree>
     <p:extLst>
       <p:ext uri="{BB962C8B-B14F-4D97-AF65-F5344CB8AC3E}">
-        <p14:creationId xmlns:p14="http://schemas.microsoft.com/office/powerpoint/2010/main" val="3922311035"/>
+        <p14:creationId xmlns:p14="http://schemas.microsoft.com/office/powerpoint/2010/main" val="2056675558"/>
       </p:ext>
     </p:extLst>
   </p:cSld>
@@ -3971,7 +4050,7 @@
           <p:cNvPr id="2" name="标题 1">
             <a:extLst>
               <a:ext uri="{FF2B5EF4-FFF2-40B4-BE49-F238E27FC236}">
-                <a16:creationId xmlns:a16="http://schemas.microsoft.com/office/drawing/2014/main" id="{E7405600-69A9-B79C-6BD4-A7DE184D730C}"/>
+                <a16:creationId xmlns:a16="http://schemas.microsoft.com/office/drawing/2014/main" id="{5D8684AE-5564-FBFA-E80E-B2AAD9509446}"/>
               </a:ext>
             </a:extLst>
           </p:cNvPr>
@@ -3987,53 +4066,39 @@
           <a:bodyPr/>
           <a:lstStyle/>
           <a:p>
-            <a:r>
-              <a:rPr lang="zh-CN" altLang="en-US" dirty="0"/>
-              <a:t>后续版本</a:t>
-            </a:r>
-          </a:p>
-        </p:txBody>
-      </p:sp>
-      <p:pic>
-        <p:nvPicPr>
-          <p:cNvPr id="5" name="图片 4">
-            <a:extLst>
-              <a:ext uri="{FF2B5EF4-FFF2-40B4-BE49-F238E27FC236}">
-                <a16:creationId xmlns:a16="http://schemas.microsoft.com/office/drawing/2014/main" id="{603DA685-6DCD-A3D9-871C-7986ED50F8B9}"/>
-              </a:ext>
-            </a:extLst>
-          </p:cNvPr>
-          <p:cNvPicPr>
-            <a:picLocks noChangeAspect="1"/>
-          </p:cNvPicPr>
-          <p:nvPr/>
-        </p:nvPicPr>
-        <p:blipFill>
-          <a:blip r:embed="rId2">
-            <a:extLst>
-              <a:ext uri="{28A0092B-C50C-407E-A947-70E740481C1C}">
-                <a14:useLocalDpi xmlns:a14="http://schemas.microsoft.com/office/drawing/2010/main" val="0"/>
-              </a:ext>
-            </a:extLst>
-          </a:blip>
-          <a:stretch>
-            <a:fillRect/>
-          </a:stretch>
-        </p:blipFill>
-        <p:spPr>
-          <a:xfrm>
-            <a:off x="696000" y="1691322"/>
-            <a:ext cx="10800000" cy="4396086"/>
-          </a:xfrm>
-          <a:prstGeom prst="rect">
-            <a:avLst/>
-          </a:prstGeom>
-        </p:spPr>
-      </p:pic>
+            <a:endParaRPr lang="zh-CN" altLang="en-US"/>
+          </a:p>
+        </p:txBody>
+      </p:sp>
+      <p:sp>
+        <p:nvSpPr>
+          <p:cNvPr id="3" name="内容占位符 2">
+            <a:extLst>
+              <a:ext uri="{FF2B5EF4-FFF2-40B4-BE49-F238E27FC236}">
+                <a16:creationId xmlns:a16="http://schemas.microsoft.com/office/drawing/2014/main" id="{19E42FA2-747B-23D1-F7AE-215C01AE57EE}"/>
+              </a:ext>
+            </a:extLst>
+          </p:cNvPr>
+          <p:cNvSpPr>
+            <a:spLocks noGrp="1"/>
+          </p:cNvSpPr>
+          <p:nvPr>
+            <p:ph idx="1"/>
+          </p:nvPr>
+        </p:nvSpPr>
+        <p:spPr/>
+        <p:txBody>
+          <a:bodyPr/>
+          <a:lstStyle/>
+          <a:p>
+            <a:endParaRPr lang="zh-CN" altLang="en-US"/>
+          </a:p>
+        </p:txBody>
+      </p:sp>
     </p:spTree>
     <p:extLst>
       <p:ext uri="{BB962C8B-B14F-4D97-AF65-F5344CB8AC3E}">
-        <p14:creationId xmlns:p14="http://schemas.microsoft.com/office/powerpoint/2010/main" val="2056675558"/>
+        <p14:creationId xmlns:p14="http://schemas.microsoft.com/office/powerpoint/2010/main" val="3264726305"/>
       </p:ext>
     </p:extLst>
   </p:cSld>
@@ -4282,10 +4347,40 @@
               <a:t>------</a:t>
             </a:r>
             <a:r>
-              <a:rPr lang="en-US" altLang="zh-CN" dirty="0" err="1"/>
-              <a:t>wikipedia</a:t>
-            </a:r>
-            <a:endParaRPr lang="zh-CN" altLang="en-US" dirty="0"/>
+              <a:rPr lang="zh-CN" altLang="en-US" dirty="0"/>
+              <a:t>维基百科</a:t>
+            </a:r>
+            <a:endParaRPr lang="en-US" altLang="zh-CN" dirty="0"/>
+          </a:p>
+          <a:p>
+            <a:r>
+              <a:rPr lang="zh-CN" altLang="en-US" dirty="0"/>
+              <a:t>通俗的说就一个可以</a:t>
+            </a:r>
+            <a:r>
+              <a:rPr lang="zh-CN" altLang="en-US" dirty="0">
+                <a:solidFill>
+                  <a:srgbClr val="FF0000"/>
+                </a:solidFill>
+              </a:rPr>
+              <a:t>控制</a:t>
+            </a:r>
+            <a:r>
+              <a:rPr lang="zh-CN" altLang="en-US" dirty="0"/>
+              <a:t>硬件设备的</a:t>
+            </a:r>
+            <a:r>
+              <a:rPr lang="zh-CN" altLang="en-US" dirty="0">
+                <a:solidFill>
+                  <a:srgbClr val="FF0000"/>
+                </a:solidFill>
+              </a:rPr>
+              <a:t>程序</a:t>
+            </a:r>
+            <a:r>
+              <a:rPr lang="zh-CN" altLang="en-US" dirty="0"/>
+              <a:t>。</a:t>
+            </a:r>
           </a:p>
         </p:txBody>
       </p:sp>
@@ -4324,7 +4419,7 @@
           <p:cNvPr id="2" name="标题 1">
             <a:extLst>
               <a:ext uri="{FF2B5EF4-FFF2-40B4-BE49-F238E27FC236}">
-                <a16:creationId xmlns:a16="http://schemas.microsoft.com/office/drawing/2014/main" id="{F0F96102-E036-7D46-E674-E95EA80727A8}"/>
+                <a16:creationId xmlns:a16="http://schemas.microsoft.com/office/drawing/2014/main" id="{5170BD6E-3AEF-BCEF-0684-819C5DBA4A28}"/>
               </a:ext>
             </a:extLst>
           </p:cNvPr>
@@ -4341,8 +4436,12 @@
           <a:lstStyle/>
           <a:p>
             <a:r>
-              <a:rPr lang="zh-CN" altLang="en-US" dirty="0"/>
-              <a:t>驱动是用来解决什么问题的</a:t>
+              <a:rPr lang="en-US" altLang="zh-CN" dirty="0"/>
+              <a:t>Flash</a:t>
+            </a:r>
+            <a:r>
+              <a:rPr lang="zh-CN" altLang="en-US" dirty="0"/>
+              <a:t>驱动提供哪些东西</a:t>
             </a:r>
           </a:p>
         </p:txBody>
@@ -4352,7 +4451,7 @@
           <p:cNvPr id="4" name="内容占位符 3">
             <a:extLst>
               <a:ext uri="{FF2B5EF4-FFF2-40B4-BE49-F238E27FC236}">
-                <a16:creationId xmlns:a16="http://schemas.microsoft.com/office/drawing/2014/main" id="{21602640-E03B-7CD4-83F3-2ADA267528AE}"/>
+                <a16:creationId xmlns:a16="http://schemas.microsoft.com/office/drawing/2014/main" id="{E9F1CB38-B176-2D58-B2DA-EB82AF844035}"/>
               </a:ext>
             </a:extLst>
           </p:cNvPr>
@@ -4368,14 +4467,106 @@
           <a:bodyPr/>
           <a:lstStyle/>
           <a:p>
-            <a:endParaRPr lang="zh-CN" altLang="en-US"/>
-          </a:p>
-        </p:txBody>
-      </p:sp>
+            <a:r>
+              <a:rPr lang="zh-CN" altLang="en-US" dirty="0"/>
+              <a:t>硬件设备：</a:t>
+            </a:r>
+            <a:r>
+              <a:rPr lang="en-US" altLang="zh-CN" dirty="0" err="1"/>
+              <a:t>Macronix</a:t>
+            </a:r>
+            <a:r>
+              <a:rPr lang="en-US" altLang="zh-CN" dirty="0"/>
+              <a:t> Flash</a:t>
+            </a:r>
+          </a:p>
+          <a:p>
+            <a:r>
+              <a:rPr lang="zh-CN" altLang="en-US" dirty="0"/>
+              <a:t>驱动提供的都是围绕特定</a:t>
+            </a:r>
+            <a:r>
+              <a:rPr lang="en-US" altLang="zh-CN" dirty="0"/>
+              <a:t>Flash</a:t>
+            </a:r>
+            <a:r>
+              <a:rPr lang="zh-CN" altLang="en-US" dirty="0"/>
+              <a:t>产品的特性</a:t>
+            </a:r>
+            <a:endParaRPr lang="en-US" altLang="zh-CN" dirty="0"/>
+          </a:p>
+        </p:txBody>
+      </p:sp>
+      <p:pic>
+        <p:nvPicPr>
+          <p:cNvPr id="7" name="图片 6">
+            <a:extLst>
+              <a:ext uri="{FF2B5EF4-FFF2-40B4-BE49-F238E27FC236}">
+                <a16:creationId xmlns:a16="http://schemas.microsoft.com/office/drawing/2014/main" id="{0834F376-CB80-AF39-E4FC-E63C474B237F}"/>
+              </a:ext>
+            </a:extLst>
+          </p:cNvPr>
+          <p:cNvPicPr>
+            <a:picLocks noChangeAspect="1"/>
+          </p:cNvPicPr>
+          <p:nvPr/>
+        </p:nvPicPr>
+        <p:blipFill>
+          <a:blip r:embed="rId2"/>
+          <a:stretch>
+            <a:fillRect/>
+          </a:stretch>
+        </p:blipFill>
+        <p:spPr>
+          <a:xfrm>
+            <a:off x="845126" y="2947058"/>
+            <a:ext cx="4482653" cy="3650646"/>
+          </a:xfrm>
+          <a:prstGeom prst="rect">
+            <a:avLst/>
+          </a:prstGeom>
+        </p:spPr>
+      </p:pic>
+      <p:pic>
+        <p:nvPicPr>
+          <p:cNvPr id="11" name="图片 10">
+            <a:extLst>
+              <a:ext uri="{FF2B5EF4-FFF2-40B4-BE49-F238E27FC236}">
+                <a16:creationId xmlns:a16="http://schemas.microsoft.com/office/drawing/2014/main" id="{A49E6421-936B-0694-9888-FDBB978F4CFB}"/>
+              </a:ext>
+            </a:extLst>
+          </p:cNvPr>
+          <p:cNvPicPr>
+            <a:picLocks noChangeAspect="1"/>
+          </p:cNvPicPr>
+          <p:nvPr/>
+        </p:nvPicPr>
+        <p:blipFill>
+          <a:blip r:embed="rId3">
+            <a:extLst>
+              <a:ext uri="{28A0092B-C50C-407E-A947-70E740481C1C}">
+                <a14:useLocalDpi xmlns:a14="http://schemas.microsoft.com/office/drawing/2010/main" val="0"/>
+              </a:ext>
+            </a:extLst>
+          </a:blip>
+          <a:stretch>
+            <a:fillRect/>
+          </a:stretch>
+        </p:blipFill>
+        <p:spPr>
+          <a:xfrm>
+            <a:off x="6475445" y="3020995"/>
+            <a:ext cx="5023952" cy="3758278"/>
+          </a:xfrm>
+          <a:prstGeom prst="rect">
+            <a:avLst/>
+          </a:prstGeom>
+        </p:spPr>
+      </p:pic>
     </p:spTree>
     <p:extLst>
       <p:ext uri="{BB962C8B-B14F-4D97-AF65-F5344CB8AC3E}">
-        <p14:creationId xmlns:p14="http://schemas.microsoft.com/office/powerpoint/2010/main" val="570430437"/>
+        <p14:creationId xmlns:p14="http://schemas.microsoft.com/office/powerpoint/2010/main" val="1691335628"/>
       </p:ext>
     </p:extLst>
   </p:cSld>
@@ -4529,7 +4720,7 @@
           <p:cNvPr id="2" name="标题 1">
             <a:extLst>
               <a:ext uri="{FF2B5EF4-FFF2-40B4-BE49-F238E27FC236}">
-                <a16:creationId xmlns:a16="http://schemas.microsoft.com/office/drawing/2014/main" id="{5170BD6E-3AEF-BCEF-0684-819C5DBA4A28}"/>
+                <a16:creationId xmlns:a16="http://schemas.microsoft.com/office/drawing/2014/main" id="{B15BD80E-385A-78C6-01BC-456C5F025AB4}"/>
               </a:ext>
             </a:extLst>
           </p:cNvPr>
@@ -4547,7 +4738,7 @@
           <a:p>
             <a:r>
               <a:rPr lang="zh-CN" altLang="en-US" dirty="0"/>
-              <a:t>驱动提供哪些东西</a:t>
+              <a:t>驱动测试</a:t>
             </a:r>
           </a:p>
         </p:txBody>
@@ -4557,148 +4748,74 @@
           <p:cNvPr id="4" name="内容占位符 3">
             <a:extLst>
               <a:ext uri="{FF2B5EF4-FFF2-40B4-BE49-F238E27FC236}">
-                <a16:creationId xmlns:a16="http://schemas.microsoft.com/office/drawing/2014/main" id="{E9F1CB38-B176-2D58-B2DA-EB82AF844035}"/>
-              </a:ext>
-            </a:extLst>
-          </p:cNvPr>
-          <p:cNvSpPr>
-            <a:spLocks noGrp="1"/>
-          </p:cNvSpPr>
-          <p:nvPr>
-            <p:ph idx="1"/>
-          </p:nvPr>
-        </p:nvSpPr>
-        <p:spPr/>
-        <p:txBody>
-          <a:bodyPr/>
-          <a:lstStyle/>
-          <a:p>
-            <a:r>
-              <a:rPr lang="en-US" altLang="zh-CN" dirty="0"/>
-              <a:t>Flash</a:t>
-            </a:r>
-            <a:r>
-              <a:rPr lang="zh-CN" altLang="en-US" dirty="0"/>
-              <a:t>作用</a:t>
+                <a16:creationId xmlns:a16="http://schemas.microsoft.com/office/drawing/2014/main" id="{C5F68F08-7F46-8F2B-36BB-D482A8DEE1CB}"/>
+              </a:ext>
+            </a:extLst>
+          </p:cNvPr>
+          <p:cNvSpPr>
+            <a:spLocks noGrp="1"/>
+          </p:cNvSpPr>
+          <p:nvPr>
+            <p:ph sz="half" idx="2"/>
+          </p:nvPr>
+        </p:nvSpPr>
+        <p:spPr/>
+        <p:txBody>
+          <a:bodyPr/>
+          <a:lstStyle/>
+          <a:p>
+            <a:r>
+              <a:rPr lang="zh-CN" altLang="en-US" dirty="0"/>
+              <a:t>使用驱动提供的</a:t>
+            </a:r>
+            <a:r>
+              <a:rPr lang="en-US" altLang="zh-CN" dirty="0" err="1"/>
+              <a:t>api</a:t>
+            </a:r>
+            <a:r>
+              <a:rPr lang="zh-CN" altLang="en-US" dirty="0"/>
+              <a:t>进行的样例测试</a:t>
             </a:r>
             <a:endParaRPr lang="en-US" altLang="zh-CN" dirty="0"/>
           </a:p>
-          <a:p>
-            <a:r>
-              <a:rPr lang="zh-CN" altLang="en-US" dirty="0"/>
-              <a:t>驱动提供的都是围绕特定</a:t>
-            </a:r>
-            <a:r>
-              <a:rPr lang="en-US" altLang="zh-CN" dirty="0"/>
-              <a:t>Flash</a:t>
-            </a:r>
-            <a:r>
-              <a:rPr lang="zh-CN" altLang="en-US" dirty="0"/>
-              <a:t>产品的特性</a:t>
-            </a:r>
-            <a:endParaRPr lang="en-US" altLang="zh-CN" dirty="0"/>
-          </a:p>
-          <a:p>
-            <a:r>
-              <a:rPr lang="zh-CN" altLang="en-US" dirty="0"/>
-              <a:t>代码展示</a:t>
-            </a:r>
-          </a:p>
-        </p:txBody>
-      </p:sp>
-    </p:spTree>
-    <p:extLst>
-      <p:ext uri="{BB962C8B-B14F-4D97-AF65-F5344CB8AC3E}">
-        <p14:creationId xmlns:p14="http://schemas.microsoft.com/office/powerpoint/2010/main" val="1691335628"/>
-      </p:ext>
-    </p:extLst>
-  </p:cSld>
-  <p:clrMapOvr>
-    <a:masterClrMapping/>
-  </p:clrMapOvr>
-</p:sld>
-</file>
-
-<file path=ppt/slides/slide7.xml><?xml version="1.0" encoding="utf-8"?>
-<p:sld xmlns:a="http://schemas.openxmlformats.org/drawingml/2006/main" xmlns:r="http://schemas.openxmlformats.org/officeDocument/2006/relationships" xmlns:p="http://schemas.openxmlformats.org/presentationml/2006/main">
-  <p:cSld>
-    <p:spTree>
-      <p:nvGrpSpPr>
-        <p:cNvPr id="1" name=""/>
-        <p:cNvGrpSpPr/>
-        <p:nvPr/>
-      </p:nvGrpSpPr>
-      <p:grpSpPr>
-        <a:xfrm>
-          <a:off x="0" y="0"/>
-          <a:ext cx="0" cy="0"/>
-          <a:chOff x="0" y="0"/>
-          <a:chExt cx="0" cy="0"/>
-        </a:xfrm>
-      </p:grpSpPr>
-      <p:sp>
-        <p:nvSpPr>
-          <p:cNvPr id="2" name="标题 1">
-            <a:extLst>
-              <a:ext uri="{FF2B5EF4-FFF2-40B4-BE49-F238E27FC236}">
-                <a16:creationId xmlns:a16="http://schemas.microsoft.com/office/drawing/2014/main" id="{B15BD80E-385A-78C6-01BC-456C5F025AB4}"/>
-              </a:ext>
-            </a:extLst>
-          </p:cNvPr>
-          <p:cNvSpPr>
-            <a:spLocks noGrp="1"/>
-          </p:cNvSpPr>
-          <p:nvPr>
-            <p:ph type="title"/>
-          </p:nvPr>
-        </p:nvSpPr>
-        <p:spPr/>
-        <p:txBody>
-          <a:bodyPr/>
-          <a:lstStyle/>
-          <a:p>
-            <a:r>
-              <a:rPr lang="zh-CN" altLang="en-US" dirty="0"/>
-              <a:t>驱动测试</a:t>
-            </a:r>
-          </a:p>
-        </p:txBody>
-      </p:sp>
-      <p:sp>
-        <p:nvSpPr>
-          <p:cNvPr id="4" name="内容占位符 3">
-            <a:extLst>
-              <a:ext uri="{FF2B5EF4-FFF2-40B4-BE49-F238E27FC236}">
-                <a16:creationId xmlns:a16="http://schemas.microsoft.com/office/drawing/2014/main" id="{C5F68F08-7F46-8F2B-36BB-D482A8DEE1CB}"/>
-              </a:ext>
-            </a:extLst>
-          </p:cNvPr>
-          <p:cNvSpPr>
-            <a:spLocks noGrp="1"/>
-          </p:cNvSpPr>
-          <p:nvPr>
-            <p:ph idx="1"/>
-          </p:nvPr>
-        </p:nvSpPr>
-        <p:spPr/>
-        <p:txBody>
-          <a:bodyPr/>
-          <a:lstStyle/>
-          <a:p>
-            <a:r>
-              <a:rPr lang="zh-CN" altLang="en-US" dirty="0"/>
-              <a:t>围绕这些特性进行的测试</a:t>
-            </a:r>
-            <a:endParaRPr lang="en-US" altLang="zh-CN" dirty="0"/>
-          </a:p>
-          <a:p>
-            <a:r>
-              <a:rPr lang="zh-CN" altLang="en-US" dirty="0"/>
-              <a:t>代码展示</a:t>
-            </a:r>
-          </a:p>
-        </p:txBody>
-      </p:sp>
+        </p:txBody>
+      </p:sp>
+      <p:pic>
+        <p:nvPicPr>
+          <p:cNvPr id="5" name="图片 4">
+            <a:extLst>
+              <a:ext uri="{FF2B5EF4-FFF2-40B4-BE49-F238E27FC236}">
+                <a16:creationId xmlns:a16="http://schemas.microsoft.com/office/drawing/2014/main" id="{3B60E688-BF9B-AD97-D6C4-9FE3C6B5DD2E}"/>
+              </a:ext>
+            </a:extLst>
+          </p:cNvPr>
+          <p:cNvPicPr>
+            <a:picLocks noChangeAspect="1"/>
+          </p:cNvPicPr>
+          <p:nvPr/>
+        </p:nvPicPr>
+        <p:blipFill>
+          <a:blip r:embed="rId2">
+            <a:extLst>
+              <a:ext uri="{28A0092B-C50C-407E-A947-70E740481C1C}">
+                <a14:useLocalDpi xmlns:a14="http://schemas.microsoft.com/office/drawing/2010/main" val="0"/>
+              </a:ext>
+            </a:extLst>
+          </a:blip>
+          <a:stretch>
+            <a:fillRect/>
+          </a:stretch>
+        </p:blipFill>
+        <p:spPr>
+          <a:xfrm>
+            <a:off x="845126" y="1691321"/>
+            <a:ext cx="5527681" cy="4995703"/>
+          </a:xfrm>
+          <a:prstGeom prst="rect">
+            <a:avLst/>
+          </a:prstGeom>
+        </p:spPr>
+      </p:pic>
     </p:spTree>
     <p:extLst>
       <p:ext uri="{BB962C8B-B14F-4D97-AF65-F5344CB8AC3E}">
@@ -4712,7 +4829,7 @@
 </p:sld>
 </file>
 
-<file path=ppt/slides/slide8.xml><?xml version="1.0" encoding="utf-8"?>
+<file path=ppt/slides/slide7.xml><?xml version="1.0" encoding="utf-8"?>
 <p:sld xmlns:a="http://schemas.openxmlformats.org/drawingml/2006/main" xmlns:r="http://schemas.openxmlformats.org/officeDocument/2006/relationships" xmlns:p="http://schemas.openxmlformats.org/presentationml/2006/main">
   <p:cSld>
     <p:spTree>
@@ -4874,6 +4991,129 @@
 </p:sld>
 </file>
 
+<file path=ppt/slides/slide8.xml><?xml version="1.0" encoding="utf-8"?>
+<p:sld xmlns:a="http://schemas.openxmlformats.org/drawingml/2006/main" xmlns:r="http://schemas.openxmlformats.org/officeDocument/2006/relationships" xmlns:p="http://schemas.openxmlformats.org/presentationml/2006/main">
+  <p:cSld>
+    <p:spTree>
+      <p:nvGrpSpPr>
+        <p:cNvPr id="1" name=""/>
+        <p:cNvGrpSpPr/>
+        <p:nvPr/>
+      </p:nvGrpSpPr>
+      <p:grpSpPr>
+        <a:xfrm>
+          <a:off x="0" y="0"/>
+          <a:ext cx="0" cy="0"/>
+          <a:chOff x="0" y="0"/>
+          <a:chExt cx="0" cy="0"/>
+        </a:xfrm>
+      </p:grpSpPr>
+      <p:sp>
+        <p:nvSpPr>
+          <p:cNvPr id="2" name="标题 1">
+            <a:extLst>
+              <a:ext uri="{FF2B5EF4-FFF2-40B4-BE49-F238E27FC236}">
+                <a16:creationId xmlns:a16="http://schemas.microsoft.com/office/drawing/2014/main" id="{D3C4DC28-5419-CF81-33E9-021F1BDD4389}"/>
+              </a:ext>
+            </a:extLst>
+          </p:cNvPr>
+          <p:cNvSpPr>
+            <a:spLocks noGrp="1"/>
+          </p:cNvSpPr>
+          <p:nvPr>
+            <p:ph type="title"/>
+          </p:nvPr>
+        </p:nvSpPr>
+        <p:spPr/>
+        <p:txBody>
+          <a:bodyPr/>
+          <a:lstStyle/>
+          <a:p>
+            <a:r>
+              <a:rPr lang="zh-CN" altLang="en-US" dirty="0"/>
+              <a:t>常规驱动测试存在哪些不便？</a:t>
+            </a:r>
+          </a:p>
+        </p:txBody>
+      </p:sp>
+      <p:sp>
+        <p:nvSpPr>
+          <p:cNvPr id="3" name="内容占位符 2">
+            <a:extLst>
+              <a:ext uri="{FF2B5EF4-FFF2-40B4-BE49-F238E27FC236}">
+                <a16:creationId xmlns:a16="http://schemas.microsoft.com/office/drawing/2014/main" id="{D5F643BE-9FBF-7D6E-B3C5-ABEFB3F5EB4A}"/>
+              </a:ext>
+            </a:extLst>
+          </p:cNvPr>
+          <p:cNvSpPr>
+            <a:spLocks noGrp="1"/>
+          </p:cNvSpPr>
+          <p:nvPr>
+            <p:ph idx="1"/>
+          </p:nvPr>
+        </p:nvSpPr>
+        <p:spPr/>
+        <p:txBody>
+          <a:bodyPr/>
+          <a:lstStyle/>
+          <a:p>
+            <a:pPr marL="514338" indent="-514338">
+              <a:buFont typeface="+mj-lt"/>
+              <a:buAutoNum type="arabicPeriod"/>
+            </a:pPr>
+            <a:r>
+              <a:rPr lang="zh-CN" altLang="en-US" dirty="0"/>
+              <a:t>输出非标准化</a:t>
+            </a:r>
+            <a:endParaRPr lang="en-US" altLang="zh-CN" dirty="0"/>
+          </a:p>
+          <a:p>
+            <a:pPr marL="514338" indent="-514338">
+              <a:buFont typeface="+mj-lt"/>
+              <a:buAutoNum type="arabicPeriod"/>
+            </a:pPr>
+            <a:r>
+              <a:rPr lang="zh-CN" altLang="en-US" dirty="0"/>
+              <a:t>手动调试</a:t>
+            </a:r>
+            <a:endParaRPr lang="en-US" altLang="zh-CN" dirty="0"/>
+          </a:p>
+          <a:p>
+            <a:pPr marL="514338" indent="-514338">
+              <a:buFont typeface="+mj-lt"/>
+              <a:buAutoNum type="arabicPeriod"/>
+            </a:pPr>
+            <a:r>
+              <a:rPr lang="zh-CN" altLang="en-US" dirty="0"/>
+              <a:t>平台及软件的升级导致驱动无法使用，需要重新制作和测试</a:t>
+            </a:r>
+            <a:endParaRPr lang="en-US" altLang="zh-CN" dirty="0"/>
+          </a:p>
+          <a:p>
+            <a:pPr marL="514338" indent="-514338">
+              <a:buFont typeface="+mj-lt"/>
+              <a:buAutoNum type="arabicPeriod"/>
+            </a:pPr>
+            <a:r>
+              <a:rPr lang="en-US" altLang="zh-CN" dirty="0"/>
+              <a:t>……</a:t>
+            </a:r>
+          </a:p>
+        </p:txBody>
+      </p:sp>
+    </p:spTree>
+    <p:extLst>
+      <p:ext uri="{BB962C8B-B14F-4D97-AF65-F5344CB8AC3E}">
+        <p14:creationId xmlns:p14="http://schemas.microsoft.com/office/powerpoint/2010/main" val="3509129830"/>
+      </p:ext>
+    </p:extLst>
+  </p:cSld>
+  <p:clrMapOvr>
+    <a:masterClrMapping/>
+  </p:clrMapOvr>
+</p:sld>
+</file>
+
 <file path=ppt/slides/slide9.xml><?xml version="1.0" encoding="utf-8"?>
 <p:sld xmlns:a="http://schemas.openxmlformats.org/drawingml/2006/main" xmlns:r="http://schemas.openxmlformats.org/officeDocument/2006/relationships" xmlns:p="http://schemas.openxmlformats.org/presentationml/2006/main">
   <p:cSld>
@@ -4893,10 +5133,10 @@
       </p:grpSpPr>
       <p:sp>
         <p:nvSpPr>
-          <p:cNvPr id="2" name="标题 1">
-            <a:extLst>
-              <a:ext uri="{FF2B5EF4-FFF2-40B4-BE49-F238E27FC236}">
-                <a16:creationId xmlns:a16="http://schemas.microsoft.com/office/drawing/2014/main" id="{D3C4DC28-5419-CF81-33E9-021F1BDD4389}"/>
+          <p:cNvPr id="4" name="标题 3">
+            <a:extLst>
+              <a:ext uri="{FF2B5EF4-FFF2-40B4-BE49-F238E27FC236}">
+                <a16:creationId xmlns:a16="http://schemas.microsoft.com/office/drawing/2014/main" id="{E4708075-35D0-6623-34B1-486A7A3F35F0}"/>
               </a:ext>
             </a:extLst>
           </p:cNvPr>
@@ -4914,17 +5154,17 @@
           <a:p>
             <a:r>
               <a:rPr lang="zh-CN" altLang="en-US" dirty="0"/>
-              <a:t>常规驱动测试存在哪些不便？</a:t>
-            </a:r>
-          </a:p>
-        </p:txBody>
-      </p:sp>
-      <p:sp>
-        <p:nvSpPr>
-          <p:cNvPr id="3" name="内容占位符 2">
-            <a:extLst>
-              <a:ext uri="{FF2B5EF4-FFF2-40B4-BE49-F238E27FC236}">
-                <a16:creationId xmlns:a16="http://schemas.microsoft.com/office/drawing/2014/main" id="{D5F643BE-9FBF-7D6E-B3C5-ABEFB3F5EB4A}"/>
+              <a:t>产生非标准化的原因</a:t>
+            </a:r>
+          </a:p>
+        </p:txBody>
+      </p:sp>
+      <p:sp>
+        <p:nvSpPr>
+          <p:cNvPr id="5" name="内容占位符 4">
+            <a:extLst>
+              <a:ext uri="{FF2B5EF4-FFF2-40B4-BE49-F238E27FC236}">
+                <a16:creationId xmlns:a16="http://schemas.microsoft.com/office/drawing/2014/main" id="{4D400207-5426-9B59-20A5-F0EE7CAA5D34}"/>
               </a:ext>
             </a:extLst>
           </p:cNvPr>
@@ -4940,54 +5180,61 @@
           <a:bodyPr/>
           <a:lstStyle/>
           <a:p>
-            <a:pPr marL="514338" indent="-514338">
-              <a:buFont typeface="+mj-lt"/>
-              <a:buAutoNum type="arabicPeriod"/>
-            </a:pPr>
-            <a:r>
-              <a:rPr lang="zh-CN" altLang="en-US" dirty="0"/>
-              <a:t>输出非标准化</a:t>
-            </a:r>
-            <a:endParaRPr lang="en-US" altLang="zh-CN" dirty="0"/>
-          </a:p>
-          <a:p>
-            <a:pPr marL="514338" indent="-514338">
-              <a:buFont typeface="+mj-lt"/>
-              <a:buAutoNum type="arabicPeriod"/>
-            </a:pPr>
-            <a:r>
-              <a:rPr lang="zh-CN" altLang="en-US" dirty="0"/>
-              <a:t>手动调试</a:t>
-            </a:r>
-            <a:endParaRPr lang="en-US" altLang="zh-CN" dirty="0"/>
-          </a:p>
-          <a:p>
-            <a:pPr marL="514338" indent="-514338">
-              <a:buFont typeface="+mj-lt"/>
-              <a:buAutoNum type="arabicPeriod"/>
-            </a:pPr>
-            <a:r>
-              <a:rPr lang="zh-CN" altLang="en-US" dirty="0"/>
-              <a:t>平台及软件的升级导致驱动无法使用，需要重新制作和测试</a:t>
-            </a:r>
-            <a:endParaRPr lang="en-US" altLang="zh-CN" dirty="0"/>
-          </a:p>
-          <a:p>
-            <a:pPr marL="514338" indent="-514338">
-              <a:buFont typeface="+mj-lt"/>
-              <a:buAutoNum type="arabicPeriod"/>
-            </a:pPr>
-            <a:r>
-              <a:rPr lang="en-US" altLang="zh-CN" dirty="0"/>
-              <a:t>……</a:t>
-            </a:r>
-          </a:p>
-        </p:txBody>
-      </p:sp>
+            <a:r>
+              <a:rPr lang="zh-CN" altLang="en-US" dirty="0"/>
+              <a:t>由于开发人员个人习惯，开发平台不同，开发软件版本不同，开发需求不同，所以输出</a:t>
+            </a:r>
+            <a:r>
+              <a:rPr lang="en-US" altLang="zh-CN" dirty="0"/>
+              <a:t>print</a:t>
+            </a:r>
+            <a:r>
+              <a:rPr lang="zh-CN" altLang="en-US" dirty="0"/>
+              <a:t>信息不同</a:t>
+            </a:r>
+          </a:p>
+        </p:txBody>
+      </p:sp>
+      <p:pic>
+        <p:nvPicPr>
+          <p:cNvPr id="3" name="图片 2">
+            <a:extLst>
+              <a:ext uri="{FF2B5EF4-FFF2-40B4-BE49-F238E27FC236}">
+                <a16:creationId xmlns:a16="http://schemas.microsoft.com/office/drawing/2014/main" id="{B73E2A22-3B78-DB56-BA4A-99B937F14E73}"/>
+              </a:ext>
+            </a:extLst>
+          </p:cNvPr>
+          <p:cNvPicPr>
+            <a:picLocks noChangeAspect="1"/>
+          </p:cNvPicPr>
+          <p:nvPr/>
+        </p:nvPicPr>
+        <p:blipFill>
+          <a:blip r:embed="rId2">
+            <a:extLst>
+              <a:ext uri="{28A0092B-C50C-407E-A947-70E740481C1C}">
+                <a14:useLocalDpi xmlns:a14="http://schemas.microsoft.com/office/drawing/2010/main" val="0"/>
+              </a:ext>
+            </a:extLst>
+          </a:blip>
+          <a:stretch>
+            <a:fillRect/>
+          </a:stretch>
+        </p:blipFill>
+        <p:spPr>
+          <a:xfrm>
+            <a:off x="845127" y="2697557"/>
+            <a:ext cx="10515600" cy="3982572"/>
+          </a:xfrm>
+          <a:prstGeom prst="rect">
+            <a:avLst/>
+          </a:prstGeom>
+        </p:spPr>
+      </p:pic>
     </p:spTree>
     <p:extLst>
       <p:ext uri="{BB962C8B-B14F-4D97-AF65-F5344CB8AC3E}">
-        <p14:creationId xmlns:p14="http://schemas.microsoft.com/office/powerpoint/2010/main" val="3509129830"/>
+        <p14:creationId xmlns:p14="http://schemas.microsoft.com/office/powerpoint/2010/main" val="4270061379"/>
       </p:ext>
     </p:extLst>
   </p:cSld>

--- a/xianzheng.pptx
+++ b/xianzheng.pptx
@@ -290,7 +290,7 @@
           <a:p>
             <a:fld id="{ECE90DBC-198A-4951-981A-CD336A3DC4A3}" type="datetimeFigureOut">
               <a:rPr lang="zh-CN" altLang="en-US" smtClean="0"/>
-              <a:t>2024/3/16</a:t>
+              <a:t>2024/3/17</a:t>
             </a:fld>
             <a:endParaRPr lang="zh-CN" altLang="en-US"/>
           </a:p>
@@ -460,7 +460,7 @@
           <a:p>
             <a:fld id="{ECE90DBC-198A-4951-981A-CD336A3DC4A3}" type="datetimeFigureOut">
               <a:rPr lang="zh-CN" altLang="en-US" smtClean="0"/>
-              <a:t>2024/3/16</a:t>
+              <a:t>2024/3/17</a:t>
             </a:fld>
             <a:endParaRPr lang="zh-CN" altLang="en-US"/>
           </a:p>
@@ -692,7 +692,7 @@
           <a:p>
             <a:fld id="{ECE90DBC-198A-4951-981A-CD336A3DC4A3}" type="datetimeFigureOut">
               <a:rPr lang="zh-CN" altLang="en-US" smtClean="0"/>
-              <a:t>2024/3/16</a:t>
+              <a:t>2024/3/17</a:t>
             </a:fld>
             <a:endParaRPr lang="zh-CN" altLang="en-US"/>
           </a:p>
@@ -867,7 +867,7 @@
           <a:p>
             <a:fld id="{ECE90DBC-198A-4951-981A-CD336A3DC4A3}" type="datetimeFigureOut">
               <a:rPr lang="zh-CN" altLang="en-US" smtClean="0"/>
-              <a:t>2024/3/16</a:t>
+              <a:t>2024/3/17</a:t>
             </a:fld>
             <a:endParaRPr lang="zh-CN" altLang="en-US"/>
           </a:p>
@@ -1081,7 +1081,7 @@
           <a:p>
             <a:fld id="{ECE90DBC-198A-4951-981A-CD336A3DC4A3}" type="datetimeFigureOut">
               <a:rPr lang="zh-CN" altLang="en-US" smtClean="0"/>
-              <a:t>2024/3/16</a:t>
+              <a:t>2024/3/17</a:t>
             </a:fld>
             <a:endParaRPr lang="zh-CN" altLang="en-US"/>
           </a:p>
@@ -1673,7 +1673,7 @@
             </a:r>
             <a:r>
               <a:rPr lang="zh-CN" altLang="en-US" dirty="0"/>
-              <a:t>开发的自动化测试工具。 它是一个测试运行程序，可以自动执行烧录开发板、启动测试并将</a:t>
+              <a:t>开发的自动化测试工具。 它是一个测试运行程序，可以自动执行烧录开发板、</a:t>
             </a:r>
             <a:r>
               <a:rPr lang="zh-CN" altLang="en-US" dirty="0">
@@ -1681,7 +1681,7 @@
                   <a:srgbClr val="FF0000"/>
                 </a:solidFill>
               </a:rPr>
-              <a:t>测试结果累积到测试报告</a:t>
+              <a:t>启动测试并将测试结果累积到测试报告</a:t>
             </a:r>
             <a:r>
               <a:rPr lang="zh-CN" altLang="en-US" dirty="0"/>
@@ -2262,7 +2262,7 @@
         </p:nvSpPr>
         <p:spPr>
           <a:xfrm>
-            <a:off x="1472688" y="5898482"/>
+            <a:off x="2504368" y="5907812"/>
             <a:ext cx="2295459" cy="369332"/>
           </a:xfrm>
           <a:prstGeom prst="rect">
@@ -2540,7 +2540,9 @@
         </p:nvSpPr>
         <p:spPr/>
         <p:txBody>
-          <a:bodyPr/>
+          <a:bodyPr>
+            <a:normAutofit/>
+          </a:bodyPr>
           <a:lstStyle/>
           <a:p>
             <a:r>
@@ -2556,32 +2558,20 @@
           <a:p>
             <a:pPr lvl="1"/>
             <a:r>
-              <a:rPr lang="zh-CN" altLang="en-US" dirty="0"/>
-              <a:t>防止项目存储在本地导致意外丢失</a:t>
-            </a:r>
-            <a:endParaRPr lang="en-US" altLang="zh-CN" dirty="0"/>
-          </a:p>
-          <a:p>
-            <a:pPr lvl="1"/>
-            <a:r>
               <a:rPr lang="en-US" altLang="zh-CN" dirty="0"/>
               <a:t>CI/CD </a:t>
             </a:r>
             <a:r>
               <a:rPr lang="zh-CN" altLang="en-US" dirty="0"/>
-              <a:t>是一种持续的软件开发方法，您可以在其中持续构建、</a:t>
-            </a:r>
-            <a:r>
-              <a:rPr lang="zh-CN" altLang="en-US" dirty="0">
-                <a:solidFill>
-                  <a:srgbClr val="FF0000"/>
-                </a:solidFill>
-              </a:rPr>
-              <a:t>测试、部署</a:t>
-            </a:r>
-            <a:r>
-              <a:rPr lang="zh-CN" altLang="en-US" dirty="0"/>
-              <a:t>和监视迭代代码更改。</a:t>
+              <a:t>是一种持续的软件开发方法，您可以在其中持续构建、测试、部署和监视迭代代码更改。</a:t>
+            </a:r>
+            <a:endParaRPr lang="en-US" altLang="zh-CN" dirty="0"/>
+          </a:p>
+          <a:p>
+            <a:pPr lvl="1"/>
+            <a:r>
+              <a:rPr lang="zh-CN" altLang="en-US" dirty="0"/>
+              <a:t>防止项目存储在本地导致意外丢失</a:t>
             </a:r>
             <a:endParaRPr lang="en-US" altLang="zh-CN" dirty="0"/>
           </a:p>
@@ -2629,14 +2619,6 @@
               <a:rPr lang="en-US" altLang="zh-CN" dirty="0"/>
               <a:t>submodule</a:t>
             </a:r>
-          </a:p>
-          <a:p>
-            <a:pPr lvl="1"/>
-            <a:r>
-              <a:rPr lang="zh-CN" altLang="en-US" dirty="0"/>
-              <a:t>将所有功能脚本归于一个仓库便于统一管理</a:t>
-            </a:r>
-            <a:endParaRPr lang="en-US" altLang="zh-CN" dirty="0"/>
           </a:p>
           <a:p>
             <a:pPr lvl="1"/>
@@ -2690,7 +2672,21 @@
               </a:rPr>
               <a:t>仓库的子目录。 它能让你将另一个仓库克隆到自己的项目中，同时还保持提交的独立。</a:t>
             </a:r>
-            <a:endParaRPr lang="zh-CN" altLang="en-US" dirty="0"/>
+            <a:endParaRPr lang="en-US" altLang="zh-CN" b="0" i="0" dirty="0">
+              <a:solidFill>
+                <a:srgbClr val="4E443C"/>
+              </a:solidFill>
+              <a:effectLst/>
+              <a:latin typeface="Arial" panose="020B0604020202020204" pitchFamily="34" charset="0"/>
+            </a:endParaRPr>
+          </a:p>
+          <a:p>
+            <a:pPr lvl="1"/>
+            <a:r>
+              <a:rPr lang="zh-CN" altLang="en-US" dirty="0"/>
+              <a:t>将所有功能脚本归于一个仓库便于统一管理</a:t>
+            </a:r>
+            <a:endParaRPr lang="en-US" altLang="zh-CN" dirty="0"/>
           </a:p>
         </p:txBody>
       </p:sp>
@@ -3212,7 +3208,7 @@
           <a:p>
             <a:r>
               <a:rPr lang="zh-CN" altLang="en-US" dirty="0"/>
-              <a:t>后期可能的方向</a:t>
+              <a:t>后期方向</a:t>
             </a:r>
           </a:p>
         </p:txBody>
@@ -3373,7 +3369,20 @@
                 <a:effectLst/>
                 <a:latin typeface="-apple-system"/>
               </a:rPr>
-              <a:t>是什么，存在哪些不便？</a:t>
+              <a:t>是什么，存在哪些不</a:t>
+            </a:r>
+            <a:r>
+              <a:rPr lang="zh-CN" altLang="en-US" dirty="0">
+                <a:latin typeface="-apple-system"/>
+              </a:rPr>
+              <a:t>足</a:t>
+            </a:r>
+            <a:r>
+              <a:rPr lang="zh-CN" altLang="en-US" b="0" i="0" dirty="0">
+                <a:effectLst/>
+                <a:latin typeface="-apple-system"/>
+              </a:rPr>
+              <a:t>？</a:t>
             </a:r>
             <a:endParaRPr lang="en-US" altLang="zh-CN" b="0" i="0" dirty="0">
               <a:effectLst/>
@@ -3390,7 +3399,20 @@
                 <a:effectLst/>
                 <a:latin typeface="-apple-system"/>
               </a:rPr>
-              <a:t>目前自动化驱动测试是怎样解决这些不便的？</a:t>
+              <a:t>目前自动化驱动测试是怎样解决这些不</a:t>
+            </a:r>
+            <a:r>
+              <a:rPr lang="zh-CN" altLang="en-US" dirty="0">
+                <a:latin typeface="-apple-system"/>
+              </a:rPr>
+              <a:t>足</a:t>
+            </a:r>
+            <a:r>
+              <a:rPr lang="zh-CN" altLang="en-US" b="0" i="0" dirty="0">
+                <a:effectLst/>
+                <a:latin typeface="-apple-system"/>
+              </a:rPr>
+              <a:t>的？</a:t>
             </a:r>
             <a:endParaRPr lang="en-US" altLang="zh-CN" b="0" i="0" dirty="0">
               <a:effectLst/>
@@ -4270,10 +4292,13 @@
           <a:p>
             <a:r>
               <a:rPr lang="zh-CN" altLang="en-US" dirty="0"/>
-              <a:t>设备驱动程序（英语：</a:t>
-            </a:r>
-            <a:r>
-              <a:rPr lang="en-US" altLang="zh-CN" dirty="0"/>
+              <a:t>设备驱动程序（</a:t>
+            </a:r>
+            <a:r>
+              <a:rPr lang="en-US" altLang="zh-CN" dirty="0">
+                <a:latin typeface="Times New Roman" panose="02020603050405020304" pitchFamily="18" charset="0"/>
+                <a:cs typeface="Times New Roman" panose="02020603050405020304" pitchFamily="18" charset="0"/>
+              </a:rPr>
               <a:t>device driver</a:t>
             </a:r>
             <a:r>
@@ -4281,7 +4306,10 @@
               <a:t>），简称驱动程序（</a:t>
             </a:r>
             <a:r>
-              <a:rPr lang="en-US" altLang="zh-CN" dirty="0"/>
+              <a:rPr lang="en-US" altLang="zh-CN" dirty="0">
+                <a:latin typeface="Times New Roman" panose="02020603050405020304" pitchFamily="18" charset="0"/>
+                <a:cs typeface="Times New Roman" panose="02020603050405020304" pitchFamily="18" charset="0"/>
+              </a:rPr>
               <a:t>driver</a:t>
             </a:r>
             <a:r>
@@ -4289,7 +4317,10 @@
               <a:t>），是一个允许高阶（</a:t>
             </a:r>
             <a:r>
-              <a:rPr lang="en-US" altLang="zh-CN" dirty="0"/>
+              <a:rPr lang="en-US" altLang="zh-CN" dirty="0">
+                <a:latin typeface="Times New Roman" panose="02020603050405020304" pitchFamily="18" charset="0"/>
+                <a:cs typeface="Times New Roman" panose="02020603050405020304" pitchFamily="18" charset="0"/>
+              </a:rPr>
               <a:t>High level</a:t>
             </a:r>
             <a:r>
@@ -4297,7 +4328,10 @@
               <a:t>）电脑软件（</a:t>
             </a:r>
             <a:r>
-              <a:rPr lang="en-US" altLang="zh-CN" dirty="0"/>
+              <a:rPr lang="en-US" altLang="zh-CN" dirty="0">
+                <a:latin typeface="Times New Roman" panose="02020603050405020304" pitchFamily="18" charset="0"/>
+                <a:cs typeface="Times New Roman" panose="02020603050405020304" pitchFamily="18" charset="0"/>
+              </a:rPr>
               <a:t>computer software</a:t>
             </a:r>
             <a:r>
@@ -4305,7 +4339,10 @@
               <a:t>）与硬件（</a:t>
             </a:r>
             <a:r>
-              <a:rPr lang="en-US" altLang="zh-CN" dirty="0"/>
+              <a:rPr lang="en-US" altLang="zh-CN" dirty="0">
+                <a:latin typeface="Times New Roman" panose="02020603050405020304" pitchFamily="18" charset="0"/>
+                <a:cs typeface="Times New Roman" panose="02020603050405020304" pitchFamily="18" charset="0"/>
+              </a:rPr>
               <a:t>hardware</a:t>
             </a:r>
             <a:r>
@@ -4313,7 +4350,10 @@
               <a:t>）交互的程序，这种程序创建了一个硬件与硬件，或硬件与软件沟通的接口，经由主板上的总线（</a:t>
             </a:r>
             <a:r>
-              <a:rPr lang="en-US" altLang="zh-CN" dirty="0"/>
+              <a:rPr lang="en-US" altLang="zh-CN" dirty="0">
+                <a:latin typeface="Times New Roman" panose="02020603050405020304" pitchFamily="18" charset="0"/>
+                <a:cs typeface="Times New Roman" panose="02020603050405020304" pitchFamily="18" charset="0"/>
+              </a:rPr>
               <a:t>bus</a:t>
             </a:r>
             <a:r>
@@ -4321,7 +4361,10 @@
               <a:t>）或其它沟通子系统（</a:t>
             </a:r>
             <a:r>
-              <a:rPr lang="en-US" altLang="zh-CN" dirty="0"/>
+              <a:rPr lang="en-US" altLang="zh-CN" dirty="0">
+                <a:latin typeface="Times New Roman" panose="02020603050405020304" pitchFamily="18" charset="0"/>
+                <a:cs typeface="Times New Roman" panose="02020603050405020304" pitchFamily="18" charset="0"/>
+              </a:rPr>
               <a:t>subsystem</a:t>
             </a:r>
             <a:r>
@@ -4329,7 +4372,10 @@
               <a:t>）与硬件形成连接的机制，这样的机制使得硬件设备（</a:t>
             </a:r>
             <a:r>
-              <a:rPr lang="en-US" altLang="zh-CN" dirty="0"/>
+              <a:rPr lang="en-US" altLang="zh-CN" dirty="0">
+                <a:latin typeface="Times New Roman" panose="02020603050405020304" pitchFamily="18" charset="0"/>
+                <a:cs typeface="Times New Roman" panose="02020603050405020304" pitchFamily="18" charset="0"/>
+              </a:rPr>
               <a:t>device</a:t>
             </a:r>
             <a:r>
@@ -4472,28 +4518,19 @@
               <a:t>硬件设备：</a:t>
             </a:r>
             <a:r>
-              <a:rPr lang="en-US" altLang="zh-CN" dirty="0" err="1"/>
+              <a:rPr lang="en-US" altLang="zh-CN" dirty="0" err="1">
+                <a:latin typeface="Times New Roman" panose="02020603050405020304" pitchFamily="18" charset="0"/>
+                <a:cs typeface="Times New Roman" panose="02020603050405020304" pitchFamily="18" charset="0"/>
+              </a:rPr>
               <a:t>Macronix</a:t>
             </a:r>
             <a:r>
-              <a:rPr lang="en-US" altLang="zh-CN" dirty="0"/>
+              <a:rPr lang="en-US" altLang="zh-CN" dirty="0">
+                <a:latin typeface="Times New Roman" panose="02020603050405020304" pitchFamily="18" charset="0"/>
+                <a:cs typeface="Times New Roman" panose="02020603050405020304" pitchFamily="18" charset="0"/>
+              </a:rPr>
               <a:t> Flash</a:t>
             </a:r>
-          </a:p>
-          <a:p>
-            <a:r>
-              <a:rPr lang="zh-CN" altLang="en-US" dirty="0"/>
-              <a:t>驱动提供的都是围绕特定</a:t>
-            </a:r>
-            <a:r>
-              <a:rPr lang="en-US" altLang="zh-CN" dirty="0"/>
-              <a:t>Flash</a:t>
-            </a:r>
-            <a:r>
-              <a:rPr lang="zh-CN" altLang="en-US" dirty="0"/>
-              <a:t>产品的特性</a:t>
-            </a:r>
-            <a:endParaRPr lang="en-US" altLang="zh-CN" dirty="0"/>
           </a:p>
         </p:txBody>
       </p:sp>
@@ -4519,8 +4556,8 @@
         </p:blipFill>
         <p:spPr>
           <a:xfrm>
-            <a:off x="845126" y="2947058"/>
-            <a:ext cx="4482653" cy="3650646"/>
+            <a:off x="831273" y="2561630"/>
+            <a:ext cx="4935045" cy="4019071"/>
           </a:xfrm>
           <a:prstGeom prst="rect">
             <a:avLst/>
@@ -4529,10 +4566,10 @@
       </p:pic>
       <p:pic>
         <p:nvPicPr>
-          <p:cNvPr id="11" name="图片 10">
-            <a:extLst>
-              <a:ext uri="{FF2B5EF4-FFF2-40B4-BE49-F238E27FC236}">
-                <a16:creationId xmlns:a16="http://schemas.microsoft.com/office/drawing/2014/main" id="{A49E6421-936B-0694-9888-FDBB978F4CFB}"/>
+          <p:cNvPr id="5" name="图片 4">
+            <a:extLst>
+              <a:ext uri="{FF2B5EF4-FFF2-40B4-BE49-F238E27FC236}">
+                <a16:creationId xmlns:a16="http://schemas.microsoft.com/office/drawing/2014/main" id="{2D5F48B9-11C2-0847-A3C7-D9CDBD253DE7}"/>
               </a:ext>
             </a:extLst>
           </p:cNvPr>
@@ -4555,8 +4592,8 @@
         </p:blipFill>
         <p:spPr>
           <a:xfrm>
-            <a:off x="6475445" y="3020995"/>
-            <a:ext cx="5023952" cy="3758278"/>
+            <a:off x="6102927" y="2561631"/>
+            <a:ext cx="5395300" cy="4036073"/>
           </a:xfrm>
           <a:prstGeom prst="rect">
             <a:avLst/>
@@ -4651,10 +4688,10 @@
       </p:sp>
       <p:pic>
         <p:nvPicPr>
-          <p:cNvPr id="7" name="图片 6">
-            <a:extLst>
-              <a:ext uri="{FF2B5EF4-FFF2-40B4-BE49-F238E27FC236}">
-                <a16:creationId xmlns:a16="http://schemas.microsoft.com/office/drawing/2014/main" id="{D20F0BC8-12C4-9737-7FA8-7B0FB4DE6986}"/>
+          <p:cNvPr id="4" name="图片 3">
+            <a:extLst>
+              <a:ext uri="{FF2B5EF4-FFF2-40B4-BE49-F238E27FC236}">
+                <a16:creationId xmlns:a16="http://schemas.microsoft.com/office/drawing/2014/main" id="{F9C04178-3F97-2C34-1D8E-344EA3CB8C99}"/>
               </a:ext>
             </a:extLst>
           </p:cNvPr>
@@ -4677,8 +4714,8 @@
         </p:blipFill>
         <p:spPr>
           <a:xfrm>
-            <a:off x="838200" y="1691322"/>
-            <a:ext cx="3387429" cy="4680000"/>
+            <a:off x="1964800" y="1501140"/>
+            <a:ext cx="3609975" cy="4991100"/>
           </a:xfrm>
           <a:prstGeom prst="rect">
             <a:avLst/>
@@ -4775,6 +4812,25 @@
             <a:r>
               <a:rPr lang="zh-CN" altLang="en-US" dirty="0"/>
               <a:t>进行的样例测试</a:t>
+            </a:r>
+            <a:endParaRPr lang="en-US" altLang="zh-CN" dirty="0"/>
+          </a:p>
+          <a:p>
+            <a:r>
+              <a:rPr lang="en-US" altLang="zh-CN" dirty="0"/>
+              <a:t>Case</a:t>
+            </a:r>
+            <a:r>
+              <a:rPr lang="zh-CN" altLang="en-US" dirty="0"/>
+              <a:t>与</a:t>
+            </a:r>
+            <a:r>
+              <a:rPr lang="en-US" altLang="zh-CN" dirty="0"/>
+              <a:t>bench</a:t>
+            </a:r>
+            <a:r>
+              <a:rPr lang="zh-CN" altLang="en-US" dirty="0"/>
+              <a:t>的关系</a:t>
             </a:r>
             <a:endParaRPr lang="en-US" altLang="zh-CN" dirty="0"/>
           </a:p>
@@ -4903,7 +4959,7 @@
             </a:r>
             <a:r>
               <a:rPr lang="zh-CN" altLang="en-US" dirty="0"/>
-              <a:t>编译，连接</a:t>
+              <a:t>编译，链接</a:t>
             </a:r>
           </a:p>
           <a:p>
@@ -5031,7 +5087,7 @@
           <a:p>
             <a:r>
               <a:rPr lang="zh-CN" altLang="en-US" dirty="0"/>
-              <a:t>常规驱动测试存在哪些不便？</a:t>
+              <a:t>常规驱动测试存在哪些不足？</a:t>
             </a:r>
           </a:p>
         </p:txBody>
